--- a/PowerShell Advanced Fundamentals.pptx
+++ b/PowerShell Advanced Fundamentals.pptx
@@ -3,91 +3,102 @@
 <p:presentation xmlns:a="http://schemas.openxmlformats.org/drawingml/2006/main" xmlns:p="http://schemas.openxmlformats.org/presentationml/2006/main" xmlns:r="http://schemas.openxmlformats.org/officeDocument/2006/relationships" xmlns:p14="http://schemas.microsoft.com/office/powerpoint/2010/main" xmlns:p15="http://schemas.microsoft.com/office/powerpoint/2012/main" xmlns:mc="http://schemas.openxmlformats.org/markup-compatibility/2006">
   <p:sldMasterIdLst>
     <p:sldMasterId id="2147483648" r:id="rId2"/>
+    <p:sldMasterId id="2147483650" r:id="rId3"/>
+    <p:sldMasterId id="2147483651" r:id="rId4"/>
+    <p:sldMasterId id="2147483652" r:id="rId5"/>
+    <p:sldMasterId id="2147483654" r:id="rId6"/>
+    <p:sldMasterId id="2147483655" r:id="rId7"/>
+    <p:sldMasterId id="2147483657" r:id="rId8"/>
+    <p:sldMasterId id="2147483658" r:id="rId9"/>
+    <p:sldMasterId id="2147483659" r:id="rId10"/>
+    <p:sldMasterId id="2147483660" r:id="rId11"/>
+    <p:sldMasterId id="2147483661" r:id="rId12"/>
+    <p:sldMasterId id="2147483663" r:id="rId13"/>
   </p:sldMasterIdLst>
   <p:notesMasterIdLst>
-    <p:notesMasterId r:id="rId3"/>
+    <p:notesMasterId r:id="rId14"/>
   </p:notesMasterIdLst>
   <p:sldIdLst>
-    <p:sldId id="256" r:id="rId4"/>
-    <p:sldId id="257" r:id="rId5"/>
-    <p:sldId id="258" r:id="rId6"/>
-    <p:sldId id="259" r:id="rId7"/>
-    <p:sldId id="260" r:id="rId8"/>
-    <p:sldId id="261" r:id="rId9"/>
-    <p:sldId id="262" r:id="rId10"/>
-    <p:sldId id="263" r:id="rId11"/>
-    <p:sldId id="264" r:id="rId12"/>
-    <p:sldId id="265" r:id="rId13"/>
-    <p:sldId id="266" r:id="rId14"/>
-    <p:sldId id="267" r:id="rId15"/>
-    <p:sldId id="268" r:id="rId16"/>
-    <p:sldId id="269" r:id="rId17"/>
-    <p:sldId id="270" r:id="rId18"/>
-    <p:sldId id="271" r:id="rId19"/>
-    <p:sldId id="272" r:id="rId20"/>
-    <p:sldId id="273" r:id="rId21"/>
-    <p:sldId id="274" r:id="rId22"/>
-    <p:sldId id="275" r:id="rId23"/>
-    <p:sldId id="276" r:id="rId24"/>
-    <p:sldId id="277" r:id="rId25"/>
-    <p:sldId id="278" r:id="rId26"/>
-    <p:sldId id="279" r:id="rId27"/>
-    <p:sldId id="280" r:id="rId28"/>
-    <p:sldId id="281" r:id="rId29"/>
-    <p:sldId id="282" r:id="rId30"/>
-    <p:sldId id="283" r:id="rId31"/>
-    <p:sldId id="284" r:id="rId32"/>
-    <p:sldId id="285" r:id="rId33"/>
-    <p:sldId id="286" r:id="rId34"/>
-    <p:sldId id="287" r:id="rId35"/>
-    <p:sldId id="288" r:id="rId36"/>
-    <p:sldId id="289" r:id="rId37"/>
-    <p:sldId id="290" r:id="rId38"/>
-    <p:sldId id="291" r:id="rId39"/>
-    <p:sldId id="292" r:id="rId40"/>
-    <p:sldId id="293" r:id="rId41"/>
-    <p:sldId id="294" r:id="rId42"/>
-    <p:sldId id="295" r:id="rId43"/>
-    <p:sldId id="296" r:id="rId44"/>
-    <p:sldId id="297" r:id="rId45"/>
-    <p:sldId id="298" r:id="rId46"/>
-    <p:sldId id="299" r:id="rId47"/>
-    <p:sldId id="300" r:id="rId48"/>
-    <p:sldId id="301" r:id="rId49"/>
-    <p:sldId id="302" r:id="rId50"/>
-    <p:sldId id="303" r:id="rId51"/>
-    <p:sldId id="304" r:id="rId52"/>
-    <p:sldId id="305" r:id="rId53"/>
-    <p:sldId id="306" r:id="rId54"/>
-    <p:sldId id="307" r:id="rId55"/>
-    <p:sldId id="308" r:id="rId56"/>
-    <p:sldId id="309" r:id="rId57"/>
-    <p:sldId id="310" r:id="rId58"/>
-    <p:sldId id="311" r:id="rId59"/>
-    <p:sldId id="312" r:id="rId60"/>
-    <p:sldId id="313" r:id="rId61"/>
-    <p:sldId id="314" r:id="rId62"/>
-    <p:sldId id="315" r:id="rId63"/>
-    <p:sldId id="316" r:id="rId64"/>
-    <p:sldId id="317" r:id="rId65"/>
-    <p:sldId id="318" r:id="rId66"/>
-    <p:sldId id="319" r:id="rId67"/>
-    <p:sldId id="320" r:id="rId68"/>
-    <p:sldId id="321" r:id="rId69"/>
-    <p:sldId id="322" r:id="rId70"/>
-    <p:sldId id="323" r:id="rId71"/>
-    <p:sldId id="324" r:id="rId72"/>
-    <p:sldId id="325" r:id="rId73"/>
-    <p:sldId id="326" r:id="rId74"/>
-    <p:sldId id="327" r:id="rId75"/>
-    <p:sldId id="328" r:id="rId76"/>
-    <p:sldId id="329" r:id="rId77"/>
-    <p:sldId id="330" r:id="rId78"/>
-    <p:sldId id="331" r:id="rId79"/>
-    <p:sldId id="332" r:id="rId80"/>
-    <p:sldId id="333" r:id="rId81"/>
-    <p:sldId id="334" r:id="rId82"/>
-    <p:sldId id="335" r:id="rId83"/>
+    <p:sldId id="256" r:id="rId15"/>
+    <p:sldId id="257" r:id="rId16"/>
+    <p:sldId id="258" r:id="rId17"/>
+    <p:sldId id="259" r:id="rId18"/>
+    <p:sldId id="260" r:id="rId19"/>
+    <p:sldId id="261" r:id="rId20"/>
+    <p:sldId id="262" r:id="rId21"/>
+    <p:sldId id="263" r:id="rId22"/>
+    <p:sldId id="264" r:id="rId23"/>
+    <p:sldId id="265" r:id="rId24"/>
+    <p:sldId id="266" r:id="rId25"/>
+    <p:sldId id="267" r:id="rId26"/>
+    <p:sldId id="268" r:id="rId27"/>
+    <p:sldId id="269" r:id="rId28"/>
+    <p:sldId id="270" r:id="rId29"/>
+    <p:sldId id="271" r:id="rId30"/>
+    <p:sldId id="272" r:id="rId31"/>
+    <p:sldId id="273" r:id="rId32"/>
+    <p:sldId id="274" r:id="rId33"/>
+    <p:sldId id="275" r:id="rId34"/>
+    <p:sldId id="276" r:id="rId35"/>
+    <p:sldId id="277" r:id="rId36"/>
+    <p:sldId id="278" r:id="rId37"/>
+    <p:sldId id="279" r:id="rId38"/>
+    <p:sldId id="280" r:id="rId39"/>
+    <p:sldId id="281" r:id="rId40"/>
+    <p:sldId id="282" r:id="rId41"/>
+    <p:sldId id="283" r:id="rId42"/>
+    <p:sldId id="284" r:id="rId43"/>
+    <p:sldId id="285" r:id="rId44"/>
+    <p:sldId id="286" r:id="rId45"/>
+    <p:sldId id="287" r:id="rId46"/>
+    <p:sldId id="288" r:id="rId47"/>
+    <p:sldId id="289" r:id="rId48"/>
+    <p:sldId id="290" r:id="rId49"/>
+    <p:sldId id="291" r:id="rId50"/>
+    <p:sldId id="292" r:id="rId51"/>
+    <p:sldId id="293" r:id="rId52"/>
+    <p:sldId id="294" r:id="rId53"/>
+    <p:sldId id="295" r:id="rId54"/>
+    <p:sldId id="296" r:id="rId55"/>
+    <p:sldId id="297" r:id="rId56"/>
+    <p:sldId id="298" r:id="rId57"/>
+    <p:sldId id="299" r:id="rId58"/>
+    <p:sldId id="300" r:id="rId59"/>
+    <p:sldId id="301" r:id="rId60"/>
+    <p:sldId id="302" r:id="rId61"/>
+    <p:sldId id="303" r:id="rId62"/>
+    <p:sldId id="304" r:id="rId63"/>
+    <p:sldId id="305" r:id="rId64"/>
+    <p:sldId id="306" r:id="rId65"/>
+    <p:sldId id="307" r:id="rId66"/>
+    <p:sldId id="308" r:id="rId67"/>
+    <p:sldId id="309" r:id="rId68"/>
+    <p:sldId id="310" r:id="rId69"/>
+    <p:sldId id="311" r:id="rId70"/>
+    <p:sldId id="312" r:id="rId71"/>
+    <p:sldId id="313" r:id="rId72"/>
+    <p:sldId id="314" r:id="rId73"/>
+    <p:sldId id="315" r:id="rId74"/>
+    <p:sldId id="316" r:id="rId75"/>
+    <p:sldId id="317" r:id="rId76"/>
+    <p:sldId id="318" r:id="rId77"/>
+    <p:sldId id="319" r:id="rId78"/>
+    <p:sldId id="320" r:id="rId79"/>
+    <p:sldId id="321" r:id="rId80"/>
+    <p:sldId id="322" r:id="rId81"/>
+    <p:sldId id="323" r:id="rId82"/>
+    <p:sldId id="324" r:id="rId83"/>
+    <p:sldId id="325" r:id="rId84"/>
+    <p:sldId id="326" r:id="rId85"/>
+    <p:sldId id="327" r:id="rId86"/>
+    <p:sldId id="328" r:id="rId87"/>
+    <p:sldId id="329" r:id="rId88"/>
+    <p:sldId id="330" r:id="rId89"/>
+    <p:sldId id="331" r:id="rId90"/>
+    <p:sldId id="332" r:id="rId91"/>
+    <p:sldId id="333" r:id="rId92"/>
+    <p:sldId id="334" r:id="rId93"/>
+    <p:sldId id="335" r:id="rId94"/>
   </p:sldIdLst>
   <p:sldSz cx="12192000" cy="6858000"/>
   <p:notesSz cx="6858000" cy="9144000"/>
@@ -113,7 +124,7 @@
       </p:grpSpPr>
       <p:sp>
         <p:nvSpPr>
-          <p:cNvPr id="89" name="PlaceHolder 1"/>
+          <p:cNvPr id="91" name="PlaceHolder 1"/>
           <p:cNvSpPr>
             <a:spLocks noGrp="1"/>
           </p:cNvSpPr>
@@ -163,7 +174,7 @@
       </p:sp>
       <p:sp>
         <p:nvSpPr>
-          <p:cNvPr id="90" name="PlaceHolder 2"/>
+          <p:cNvPr id="92" name="PlaceHolder 2"/>
           <p:cNvSpPr>
             <a:spLocks noGrp="1"/>
           </p:cNvSpPr>
@@ -216,7 +227,7 @@
       </p:sp>
       <p:sp>
         <p:nvSpPr>
-          <p:cNvPr id="91" name="PlaceHolder 3"/>
+          <p:cNvPr id="93" name="PlaceHolder 3"/>
           <p:cNvSpPr>
             <a:spLocks noGrp="1"/>
           </p:cNvSpPr>
@@ -269,7 +280,7 @@
       </p:sp>
       <p:sp>
         <p:nvSpPr>
-          <p:cNvPr id="92" name="PlaceHolder 4"/>
+          <p:cNvPr id="94" name="PlaceHolder 4"/>
           <p:cNvSpPr>
             <a:spLocks noGrp="1"/>
           </p:cNvSpPr>
@@ -335,7 +346,7 @@
       </p:sp>
       <p:sp>
         <p:nvSpPr>
-          <p:cNvPr id="93" name="PlaceHolder 5"/>
+          <p:cNvPr id="95" name="PlaceHolder 5"/>
           <p:cNvSpPr>
             <a:spLocks noGrp="1"/>
           </p:cNvSpPr>
@@ -401,7 +412,7 @@
       </p:sp>
       <p:sp>
         <p:nvSpPr>
-          <p:cNvPr id="94" name="PlaceHolder 6"/>
+          <p:cNvPr id="96" name="PlaceHolder 6"/>
           <p:cNvSpPr>
             <a:spLocks noGrp="1"/>
           </p:cNvSpPr>
@@ -443,7 +454,7 @@
             <a:pPr indent="0" algn="r">
               <a:buNone/>
             </a:pPr>
-            <a:fld id="{5FA0DBA5-13BE-4EF3-973F-0D2D20554A92}" type="slidenum">
+            <a:fld id="{1F1C3954-ABD0-45F9-B2BD-8E2512BCB723}" type="slidenum">
               <a:rPr b="0" lang="sv-SE" sz="1400" strike="noStrike" u="none">
                 <a:solidFill>
                   <a:srgbClr val="000000"/>
@@ -490,7 +501,7 @@
       </p:grpSpPr>
       <p:sp>
         <p:nvSpPr>
-          <p:cNvPr id="257" name="PlaceHolder 1"/>
+          <p:cNvPr id="259" name="PlaceHolder 1"/>
           <p:cNvSpPr>
             <a:spLocks noGrp="1"/>
           </p:cNvSpPr>
@@ -513,7 +524,7 @@
       </p:sp>
       <p:sp>
         <p:nvSpPr>
-          <p:cNvPr id="258" name="PlaceHolder 2"/>
+          <p:cNvPr id="260" name="PlaceHolder 2"/>
           <p:cNvSpPr>
             <a:spLocks noGrp="1"/>
           </p:cNvSpPr>
@@ -555,7 +566,7 @@
       </p:sp>
       <p:sp>
         <p:nvSpPr>
-          <p:cNvPr id="259" name="PlaceHolder 3"/>
+          <p:cNvPr id="261" name="PlaceHolder 3"/>
           <p:cNvSpPr>
             <a:spLocks noGrp="1"/>
           </p:cNvSpPr>
@@ -603,7 +614,7 @@
               </a:lnSpc>
               <a:buNone/>
             </a:pPr>
-            <a:fld id="{DDA9D1B0-D190-460C-91CE-998D5345DF88}" type="slidenum">
+            <a:fld id="{7701EFDA-043A-431A-91BC-2B1B311F83A5}" type="slidenum">
               <a:rPr b="0" lang="en-SE" sz="1200" strike="noStrike" u="none">
                 <a:solidFill>
                   <a:srgbClr val="000000"/>
@@ -612,7 +623,7 @@
                 <a:uFillTx/>
                 <a:latin typeface="Times New Roman"/>
               </a:rPr>
-              <a:t>79</a:t>
+              <a:t>&lt;number&gt;</a:t>
             </a:fld>
             <a:endParaRPr b="0" lang="sv-SE" sz="1200" strike="noStrike" u="none">
               <a:solidFill>
@@ -649,7 +660,7 @@
       </p:grpSpPr>
       <p:sp>
         <p:nvSpPr>
-          <p:cNvPr id="260" name="PlaceHolder 1"/>
+          <p:cNvPr id="262" name="PlaceHolder 1"/>
           <p:cNvSpPr>
             <a:spLocks noGrp="1"/>
           </p:cNvSpPr>
@@ -672,7 +683,7 @@
       </p:sp>
       <p:sp>
         <p:nvSpPr>
-          <p:cNvPr id="261" name="PlaceHolder 2"/>
+          <p:cNvPr id="263" name="PlaceHolder 2"/>
           <p:cNvSpPr>
             <a:spLocks noGrp="1"/>
           </p:cNvSpPr>
@@ -714,7 +725,7 @@
       </p:sp>
       <p:sp>
         <p:nvSpPr>
-          <p:cNvPr id="262" name="PlaceHolder 3"/>
+          <p:cNvPr id="264" name="PlaceHolder 3"/>
           <p:cNvSpPr>
             <a:spLocks noGrp="1"/>
           </p:cNvSpPr>
@@ -762,7 +773,7 @@
               </a:lnSpc>
               <a:buNone/>
             </a:pPr>
-            <a:fld id="{C6117DB4-AC4B-4CAE-855B-91E2E57B0340}" type="slidenum">
+            <a:fld id="{B49CC123-D4F1-4B95-93A3-5C48177B3416}" type="slidenum">
               <a:rPr b="0" lang="en-SE" sz="1200" strike="noStrike" u="none">
                 <a:solidFill>
                   <a:srgbClr val="000000"/>
@@ -771,7 +782,7 @@
                 <a:uFillTx/>
                 <a:latin typeface="Times New Roman"/>
               </a:rPr>
-              <a:t>79</a:t>
+              <a:t>&lt;number&gt;</a:t>
             </a:fld>
             <a:endParaRPr b="0" lang="sv-SE" sz="1200" strike="noStrike" u="none">
               <a:solidFill>
@@ -808,7 +819,7 @@
       </p:grpSpPr>
       <p:sp>
         <p:nvSpPr>
-          <p:cNvPr id="263" name="PlaceHolder 1"/>
+          <p:cNvPr id="265" name="PlaceHolder 1"/>
           <p:cNvSpPr>
             <a:spLocks noGrp="1"/>
           </p:cNvSpPr>
@@ -831,7 +842,7 @@
       </p:sp>
       <p:sp>
         <p:nvSpPr>
-          <p:cNvPr id="264" name="PlaceHolder 2"/>
+          <p:cNvPr id="266" name="PlaceHolder 2"/>
           <p:cNvSpPr>
             <a:spLocks noGrp="1"/>
           </p:cNvSpPr>
@@ -873,7 +884,7 @@
       </p:sp>
       <p:sp>
         <p:nvSpPr>
-          <p:cNvPr id="265" name="PlaceHolder 3"/>
+          <p:cNvPr id="267" name="PlaceHolder 3"/>
           <p:cNvSpPr>
             <a:spLocks noGrp="1"/>
           </p:cNvSpPr>
@@ -921,7 +932,7 @@
               </a:lnSpc>
               <a:buNone/>
             </a:pPr>
-            <a:fld id="{F361E795-9DE4-438D-AAA9-7CFB46052536}" type="slidenum">
+            <a:fld id="{71681DA2-AB36-4EDE-8630-DBB0BB4BC163}" type="slidenum">
               <a:rPr b="0" lang="en-SE" sz="1200" strike="noStrike" u="none">
                 <a:solidFill>
                   <a:srgbClr val="000000"/>
@@ -967,7 +978,7 @@
       </p:grpSpPr>
       <p:sp>
         <p:nvSpPr>
-          <p:cNvPr id="266" name="PlaceHolder 1"/>
+          <p:cNvPr id="268" name="PlaceHolder 1"/>
           <p:cNvSpPr>
             <a:spLocks noGrp="1"/>
           </p:cNvSpPr>
@@ -990,7 +1001,7 @@
       </p:sp>
       <p:sp>
         <p:nvSpPr>
-          <p:cNvPr id="267" name="PlaceHolder 2"/>
+          <p:cNvPr id="269" name="PlaceHolder 2"/>
           <p:cNvSpPr>
             <a:spLocks noGrp="1"/>
           </p:cNvSpPr>
@@ -1032,7 +1043,7 @@
       </p:sp>
       <p:sp>
         <p:nvSpPr>
-          <p:cNvPr id="268" name="PlaceHolder 3"/>
+          <p:cNvPr id="270" name="PlaceHolder 3"/>
           <p:cNvSpPr>
             <a:spLocks noGrp="1"/>
           </p:cNvSpPr>
@@ -1080,7 +1091,7 @@
               </a:lnSpc>
               <a:buNone/>
             </a:pPr>
-            <a:fld id="{20630DB4-5615-406F-80C4-DAE691FBB6E9}" type="slidenum">
+            <a:fld id="{D1BA9450-94AE-4DB2-BB95-0FE46B76DB03}" type="slidenum">
               <a:rPr b="0" lang="en-SE" sz="1200" strike="noStrike" u="none">
                 <a:solidFill>
                   <a:srgbClr val="000000"/>
@@ -1126,7 +1137,7 @@
       </p:grpSpPr>
       <p:sp>
         <p:nvSpPr>
-          <p:cNvPr id="269" name="PlaceHolder 1"/>
+          <p:cNvPr id="271" name="PlaceHolder 1"/>
           <p:cNvSpPr>
             <a:spLocks noGrp="1"/>
           </p:cNvSpPr>
@@ -1149,7 +1160,7 @@
       </p:sp>
       <p:sp>
         <p:nvSpPr>
-          <p:cNvPr id="270" name="PlaceHolder 2"/>
+          <p:cNvPr id="272" name="PlaceHolder 2"/>
           <p:cNvSpPr>
             <a:spLocks noGrp="1"/>
           </p:cNvSpPr>
@@ -1191,7 +1202,7 @@
       </p:sp>
       <p:sp>
         <p:nvSpPr>
-          <p:cNvPr id="271" name="PlaceHolder 3"/>
+          <p:cNvPr id="273" name="PlaceHolder 3"/>
           <p:cNvSpPr>
             <a:spLocks noGrp="1"/>
           </p:cNvSpPr>
@@ -1239,7 +1250,7 @@
               </a:lnSpc>
               <a:buNone/>
             </a:pPr>
-            <a:fld id="{69F9AD92-D401-4C39-BB69-B60BA8AD5159}" type="slidenum">
+            <a:fld id="{6377CBD7-48A5-48E8-8455-22A2F49D7FD1}" type="slidenum">
               <a:rPr b="0" lang="en-SE" sz="1200" strike="noStrike" u="none">
                 <a:solidFill>
                   <a:srgbClr val="000000"/>
@@ -1285,7 +1296,7 @@
       </p:grpSpPr>
       <p:sp>
         <p:nvSpPr>
-          <p:cNvPr id="272" name="PlaceHolder 1"/>
+          <p:cNvPr id="274" name="PlaceHolder 1"/>
           <p:cNvSpPr>
             <a:spLocks noGrp="1"/>
           </p:cNvSpPr>
@@ -1308,7 +1319,7 @@
       </p:sp>
       <p:sp>
         <p:nvSpPr>
-          <p:cNvPr id="273" name="PlaceHolder 2"/>
+          <p:cNvPr id="275" name="PlaceHolder 2"/>
           <p:cNvSpPr>
             <a:spLocks noGrp="1"/>
           </p:cNvSpPr>
@@ -1350,7 +1361,7 @@
       </p:sp>
       <p:sp>
         <p:nvSpPr>
-          <p:cNvPr id="274" name="PlaceHolder 3"/>
+          <p:cNvPr id="276" name="PlaceHolder 3"/>
           <p:cNvSpPr>
             <a:spLocks noGrp="1"/>
           </p:cNvSpPr>
@@ -1398,7 +1409,7 @@
               </a:lnSpc>
               <a:buNone/>
             </a:pPr>
-            <a:fld id="{A98E2176-959D-481C-8F58-B9418F125DDB}" type="slidenum">
+            <a:fld id="{BD8C324A-B427-4E06-A6E2-8A90DC55DA30}" type="slidenum">
               <a:rPr b="0" lang="en-SE" sz="1200" strike="noStrike" u="none">
                 <a:solidFill>
                   <a:srgbClr val="000000"/>
@@ -1444,7 +1455,7 @@
       </p:grpSpPr>
       <p:sp>
         <p:nvSpPr>
-          <p:cNvPr id="275" name="PlaceHolder 1"/>
+          <p:cNvPr id="277" name="PlaceHolder 1"/>
           <p:cNvSpPr>
             <a:spLocks noGrp="1"/>
           </p:cNvSpPr>
@@ -1467,7 +1478,7 @@
       </p:sp>
       <p:sp>
         <p:nvSpPr>
-          <p:cNvPr id="276" name="PlaceHolder 2"/>
+          <p:cNvPr id="278" name="PlaceHolder 2"/>
           <p:cNvSpPr>
             <a:spLocks noGrp="1"/>
           </p:cNvSpPr>
@@ -1509,7 +1520,7 @@
       </p:sp>
       <p:sp>
         <p:nvSpPr>
-          <p:cNvPr id="277" name="PlaceHolder 3"/>
+          <p:cNvPr id="279" name="PlaceHolder 3"/>
           <p:cNvSpPr>
             <a:spLocks noGrp="1"/>
           </p:cNvSpPr>
@@ -1557,7 +1568,7 @@
               </a:lnSpc>
               <a:buNone/>
             </a:pPr>
-            <a:fld id="{5C2C5D67-177B-4E49-A286-32A05BEC9E51}" type="slidenum">
+            <a:fld id="{53962335-8D5D-471D-B573-2D8941C5278E}" type="slidenum">
               <a:rPr b="0" lang="en-SE" sz="1200" strike="noStrike" u="none">
                 <a:solidFill>
                   <a:srgbClr val="000000"/>
@@ -1603,7 +1614,7 @@
       </p:grpSpPr>
       <p:sp>
         <p:nvSpPr>
-          <p:cNvPr id="278" name="PlaceHolder 1"/>
+          <p:cNvPr id="280" name="PlaceHolder 1"/>
           <p:cNvSpPr>
             <a:spLocks noGrp="1"/>
           </p:cNvSpPr>
@@ -1626,7 +1637,7 @@
       </p:sp>
       <p:sp>
         <p:nvSpPr>
-          <p:cNvPr id="279" name="PlaceHolder 2"/>
+          <p:cNvPr id="281" name="PlaceHolder 2"/>
           <p:cNvSpPr>
             <a:spLocks noGrp="1"/>
           </p:cNvSpPr>
@@ -1668,7 +1679,7 @@
       </p:sp>
       <p:sp>
         <p:nvSpPr>
-          <p:cNvPr id="280" name="PlaceHolder 3"/>
+          <p:cNvPr id="282" name="PlaceHolder 3"/>
           <p:cNvSpPr>
             <a:spLocks noGrp="1"/>
           </p:cNvSpPr>
@@ -1716,7 +1727,7 @@
               </a:lnSpc>
               <a:buNone/>
             </a:pPr>
-            <a:fld id="{E78A87BA-6DF9-4C73-815D-33C0D7B8A9F0}" type="slidenum">
+            <a:fld id="{BB401E16-83BA-4B8B-B7CC-8BA975505F60}" type="slidenum">
               <a:rPr b="0" lang="en-SE" sz="1200" strike="noStrike" u="none">
                 <a:solidFill>
                   <a:srgbClr val="000000"/>
@@ -1746,6 +1757,401 @@
 <file path=ppt/slideLayouts/slideLayout1.xml><?xml version="1.0" encoding="utf-8"?>
 <p:sldLayout xmlns:a="http://schemas.openxmlformats.org/drawingml/2006/main" xmlns:p="http://schemas.openxmlformats.org/presentationml/2006/main" xmlns:r="http://schemas.openxmlformats.org/officeDocument/2006/relationships" xmlns:p14="http://schemas.microsoft.com/office/powerpoint/2010/main" xmlns:p15="http://schemas.microsoft.com/office/powerpoint/2012/main" xmlns:mc="http://schemas.openxmlformats.org/markup-compatibility/2006" type="title" preserve="1">
   <p:cSld name="Title Slide">
+    <p:spTree>
+      <p:nvGrpSpPr>
+        <p:cNvPr id="1" name=""/>
+        <p:cNvGrpSpPr/>
+        <p:nvPr/>
+      </p:nvGrpSpPr>
+      <p:grpSpPr>
+        <a:xfrm>
+          <a:off x="0" y="0"/>
+          <a:ext cx="0" cy="0"/>
+          <a:chOff x="0" y="0"/>
+          <a:chExt cx="0" cy="0"/>
+        </a:xfrm>
+      </p:grpSpPr>
+      <p:sp>
+        <p:nvSpPr>
+          <p:cNvPr id="8" name="PlaceHolder 1"/>
+          <p:cNvSpPr>
+            <a:spLocks noGrp="1"/>
+          </p:cNvSpPr>
+          <p:nvPr>
+            <p:ph type="title"/>
+          </p:nvPr>
+        </p:nvSpPr>
+        <p:spPr>
+          <a:xfrm>
+            <a:off x="1523880" y="1122480"/>
+            <a:ext cx="9143640" cy="2387160"/>
+          </a:xfrm>
+          <a:prstGeom prst="rect">
+            <a:avLst/>
+          </a:prstGeom>
+          <a:noFill/>
+          <a:ln w="0">
+            <a:noFill/>
+          </a:ln>
+        </p:spPr>
+        <p:txBody>
+          <a:bodyPr lIns="0" rIns="0" tIns="0" bIns="0" anchor="ctr">
+            <a:spAutoFit/>
+          </a:bodyPr>
+          <a:p>
+            <a:pPr indent="0">
+              <a:buNone/>
+            </a:pPr>
+            <a:endParaRPr b="0" lang="en-SE" sz="1800" strike="noStrike" u="none">
+              <a:solidFill>
+                <a:schemeClr val="lt1"/>
+              </a:solidFill>
+              <a:effectLst/>
+              <a:uFillTx/>
+              <a:latin typeface="Aptos"/>
+            </a:endParaRPr>
+          </a:p>
+        </p:txBody>
+      </p:sp>
+      <p:sp>
+        <p:nvSpPr>
+          <p:cNvPr id="9" name="PlaceHolder 2"/>
+          <p:cNvSpPr>
+            <a:spLocks noGrp="1"/>
+          </p:cNvSpPr>
+          <p:nvPr>
+            <p:ph type="subTitle"/>
+          </p:nvPr>
+        </p:nvSpPr>
+        <p:spPr>
+          <a:xfrm>
+            <a:off x="609480" y="1604520"/>
+            <a:ext cx="10972440" cy="3977280"/>
+          </a:xfrm>
+          <a:prstGeom prst="rect">
+            <a:avLst/>
+          </a:prstGeom>
+          <a:noFill/>
+          <a:ln w="0">
+            <a:noFill/>
+          </a:ln>
+        </p:spPr>
+        <p:txBody>
+          <a:bodyPr lIns="0" rIns="0" tIns="0" bIns="0" anchor="ctr">
+            <a:spAutoFit/>
+          </a:bodyPr>
+          <a:p>
+            <a:pPr indent="0" algn="ctr">
+              <a:buNone/>
+            </a:pPr>
+            <a:endParaRPr b="0" lang="sv-SE" sz="3200" strike="noStrike" u="none">
+              <a:solidFill>
+                <a:srgbClr val="ffffff"/>
+              </a:solidFill>
+              <a:effectLst/>
+              <a:uFillTx/>
+              <a:latin typeface="Arial"/>
+            </a:endParaRPr>
+          </a:p>
+        </p:txBody>
+      </p:sp>
+      <p:sp>
+        <p:nvSpPr>
+          <p:cNvPr id="4" name="PlaceHolder 3"/>
+          <p:cNvSpPr>
+            <a:spLocks noGrp="1"/>
+          </p:cNvSpPr>
+          <p:nvPr>
+            <p:ph type="ftr" idx="1"/>
+          </p:nvPr>
+        </p:nvSpPr>
+        <p:spPr/>
+        <p:txBody>
+          <a:bodyPr/>
+          <a:p>
+            <a:r>
+              <a:t>Footer</a:t>
+            </a:r>
+          </a:p>
+        </p:txBody>
+      </p:sp>
+      <p:sp>
+        <p:nvSpPr>
+          <p:cNvPr id="5" name="PlaceHolder 4"/>
+          <p:cNvSpPr>
+            <a:spLocks noGrp="1"/>
+          </p:cNvSpPr>
+          <p:nvPr>
+            <p:ph type="sldNum" idx="2"/>
+          </p:nvPr>
+        </p:nvSpPr>
+        <p:spPr/>
+        <p:txBody>
+          <a:bodyPr/>
+          <a:p>
+            <a:fld id="{06ABD93F-46C7-4BB1-84B0-F5E0E21EBD68}" type="slidenum">
+              <a:t>&lt;#&gt;</a:t>
+            </a:fld>
+          </a:p>
+        </p:txBody>
+      </p:sp>
+    </p:spTree>
+  </p:cSld>
+</p:sldLayout>
+</file>
+
+<file path=ppt/slideLayouts/slideLayout2.xml><?xml version="1.0" encoding="utf-8"?>
+<p:sldLayout xmlns:a="http://schemas.openxmlformats.org/drawingml/2006/main" xmlns:p="http://schemas.openxmlformats.org/presentationml/2006/main" xmlns:r="http://schemas.openxmlformats.org/officeDocument/2006/relationships" xmlns:p14="http://schemas.microsoft.com/office/powerpoint/2010/main" xmlns:p15="http://schemas.microsoft.com/office/powerpoint/2012/main" xmlns:mc="http://schemas.openxmlformats.org/markup-compatibility/2006" type="blank" preserve="1">
+  <p:cSld name="Title and Text">
+    <p:spTree>
+      <p:nvGrpSpPr>
+        <p:cNvPr id="1" name=""/>
+        <p:cNvGrpSpPr/>
+        <p:nvPr/>
+      </p:nvGrpSpPr>
+      <p:grpSpPr>
+        <a:xfrm>
+          <a:off x="0" y="0"/>
+          <a:ext cx="0" cy="0"/>
+          <a:chOff x="0" y="0"/>
+          <a:chExt cx="0" cy="0"/>
+        </a:xfrm>
+      </p:grpSpPr>
+      <p:sp>
+        <p:nvSpPr>
+          <p:cNvPr id="2" name="PlaceHolder 1"/>
+          <p:cNvSpPr>
+            <a:spLocks noGrp="1"/>
+          </p:cNvSpPr>
+          <p:nvPr>
+            <p:ph type="ftr" idx="10"/>
+          </p:nvPr>
+        </p:nvSpPr>
+        <p:spPr/>
+        <p:txBody>
+          <a:bodyPr/>
+          <a:p>
+            <a:r>
+              <a:t>Footer</a:t>
+            </a:r>
+          </a:p>
+        </p:txBody>
+      </p:sp>
+      <p:sp>
+        <p:nvSpPr>
+          <p:cNvPr id="3" name="PlaceHolder 2"/>
+          <p:cNvSpPr>
+            <a:spLocks noGrp="1"/>
+          </p:cNvSpPr>
+          <p:nvPr>
+            <p:ph type="sldNum" idx="11"/>
+          </p:nvPr>
+        </p:nvSpPr>
+        <p:spPr/>
+        <p:txBody>
+          <a:bodyPr/>
+          <a:p>
+            <a:fld id="{3C315F22-A2B7-4DB3-8544-CCF4D0CDB75D}" type="slidenum">
+              <a:t>&lt;#&gt;</a:t>
+            </a:fld>
+          </a:p>
+        </p:txBody>
+      </p:sp>
+      <p:sp>
+        <p:nvSpPr>
+          <p:cNvPr id="4" name="PlaceHolder 3"/>
+          <p:cNvSpPr>
+            <a:spLocks noGrp="1"/>
+          </p:cNvSpPr>
+          <p:nvPr>
+            <p:ph type="dt" idx="9"/>
+          </p:nvPr>
+        </p:nvSpPr>
+        <p:spPr/>
+        <p:txBody>
+          <a:bodyPr/>
+          <a:p>
+            <a:r>
+              <a:rPr lang="sv-SE"/>
+              <a:t/>
+            </a:r>
+          </a:p>
+        </p:txBody>
+      </p:sp>
+    </p:spTree>
+  </p:cSld>
+</p:sldLayout>
+</file>
+
+<file path=ppt/slideLayouts/slideLayout3.xml><?xml version="1.0" encoding="utf-8"?>
+<p:sldLayout xmlns:a="http://schemas.openxmlformats.org/drawingml/2006/main" xmlns:p="http://schemas.openxmlformats.org/presentationml/2006/main" xmlns:r="http://schemas.openxmlformats.org/officeDocument/2006/relationships" xmlns:p14="http://schemas.microsoft.com/office/powerpoint/2010/main" xmlns:p15="http://schemas.microsoft.com/office/powerpoint/2012/main" xmlns:mc="http://schemas.openxmlformats.org/markup-compatibility/2006" type="blank" preserve="1">
+  <p:cSld name="Section Header">
+    <p:spTree>
+      <p:nvGrpSpPr>
+        <p:cNvPr id="1" name=""/>
+        <p:cNvGrpSpPr/>
+        <p:nvPr/>
+      </p:nvGrpSpPr>
+      <p:grpSpPr>
+        <a:xfrm>
+          <a:off x="0" y="0"/>
+          <a:ext cx="0" cy="0"/>
+          <a:chOff x="0" y="0"/>
+          <a:chExt cx="0" cy="0"/>
+        </a:xfrm>
+      </p:grpSpPr>
+      <p:sp>
+        <p:nvSpPr>
+          <p:cNvPr id="2" name="PlaceHolder 1"/>
+          <p:cNvSpPr>
+            <a:spLocks noGrp="1"/>
+          </p:cNvSpPr>
+          <p:nvPr>
+            <p:ph type="ftr" idx="16"/>
+          </p:nvPr>
+        </p:nvSpPr>
+        <p:spPr/>
+        <p:txBody>
+          <a:bodyPr/>
+          <a:p>
+            <a:r>
+              <a:t>Footer</a:t>
+            </a:r>
+          </a:p>
+        </p:txBody>
+      </p:sp>
+      <p:sp>
+        <p:nvSpPr>
+          <p:cNvPr id="3" name="PlaceHolder 2"/>
+          <p:cNvSpPr>
+            <a:spLocks noGrp="1"/>
+          </p:cNvSpPr>
+          <p:nvPr>
+            <p:ph type="sldNum" idx="17"/>
+          </p:nvPr>
+        </p:nvSpPr>
+        <p:spPr/>
+        <p:txBody>
+          <a:bodyPr/>
+          <a:p>
+            <a:fld id="{04B3FF8A-8958-48C0-98C0-7F91CE8D8B86}" type="slidenum">
+              <a:t>&lt;#&gt;</a:t>
+            </a:fld>
+          </a:p>
+        </p:txBody>
+      </p:sp>
+      <p:sp>
+        <p:nvSpPr>
+          <p:cNvPr id="4" name="PlaceHolder 3"/>
+          <p:cNvSpPr>
+            <a:spLocks noGrp="1"/>
+          </p:cNvSpPr>
+          <p:nvPr>
+            <p:ph type="dt" idx="15"/>
+          </p:nvPr>
+        </p:nvSpPr>
+        <p:spPr/>
+        <p:txBody>
+          <a:bodyPr/>
+          <a:p>
+            <a:r>
+              <a:rPr lang="sv-SE"/>
+              <a:t/>
+            </a:r>
+          </a:p>
+        </p:txBody>
+      </p:sp>
+    </p:spTree>
+  </p:cSld>
+</p:sldLayout>
+</file>
+
+<file path=ppt/slideLayouts/slideLayout4.xml><?xml version="1.0" encoding="utf-8"?>
+<p:sldLayout xmlns:a="http://schemas.openxmlformats.org/drawingml/2006/main" xmlns:p="http://schemas.openxmlformats.org/presentationml/2006/main" xmlns:r="http://schemas.openxmlformats.org/officeDocument/2006/relationships" xmlns:p14="http://schemas.microsoft.com/office/powerpoint/2010/main" xmlns:p15="http://schemas.microsoft.com/office/powerpoint/2012/main" xmlns:mc="http://schemas.openxmlformats.org/markup-compatibility/2006" type="blank" preserve="1">
+  <p:cSld name="Content with Caption">
+    <p:spTree>
+      <p:nvGrpSpPr>
+        <p:cNvPr id="1" name=""/>
+        <p:cNvGrpSpPr/>
+        <p:nvPr/>
+      </p:nvGrpSpPr>
+      <p:grpSpPr>
+        <a:xfrm>
+          <a:off x="0" y="0"/>
+          <a:ext cx="0" cy="0"/>
+          <a:chOff x="0" y="0"/>
+          <a:chExt cx="0" cy="0"/>
+        </a:xfrm>
+      </p:grpSpPr>
+      <p:sp>
+        <p:nvSpPr>
+          <p:cNvPr id="2" name="PlaceHolder 1"/>
+          <p:cNvSpPr>
+            <a:spLocks noGrp="1"/>
+          </p:cNvSpPr>
+          <p:nvPr>
+            <p:ph type="ftr" idx="31"/>
+          </p:nvPr>
+        </p:nvSpPr>
+        <p:spPr/>
+        <p:txBody>
+          <a:bodyPr/>
+          <a:p>
+            <a:r>
+              <a:t>Footer</a:t>
+            </a:r>
+          </a:p>
+        </p:txBody>
+      </p:sp>
+      <p:sp>
+        <p:nvSpPr>
+          <p:cNvPr id="3" name="PlaceHolder 2"/>
+          <p:cNvSpPr>
+            <a:spLocks noGrp="1"/>
+          </p:cNvSpPr>
+          <p:nvPr>
+            <p:ph type="sldNum" idx="32"/>
+          </p:nvPr>
+        </p:nvSpPr>
+        <p:spPr/>
+        <p:txBody>
+          <a:bodyPr/>
+          <a:p>
+            <a:fld id="{5CD8CA82-2B85-4C66-886D-B3413699FF3A}" type="slidenum">
+              <a:t>&lt;#&gt;</a:t>
+            </a:fld>
+          </a:p>
+        </p:txBody>
+      </p:sp>
+      <p:sp>
+        <p:nvSpPr>
+          <p:cNvPr id="4" name="PlaceHolder 3"/>
+          <p:cNvSpPr>
+            <a:spLocks noGrp="1"/>
+          </p:cNvSpPr>
+          <p:nvPr>
+            <p:ph type="dt" idx="30"/>
+          </p:nvPr>
+        </p:nvSpPr>
+        <p:spPr/>
+        <p:txBody>
+          <a:bodyPr/>
+          <a:p>
+            <a:r>
+              <a:rPr lang="sv-SE"/>
+              <a:t/>
+            </a:r>
+          </a:p>
+        </p:txBody>
+      </p:sp>
+    </p:spTree>
+  </p:cSld>
+</p:sldLayout>
+</file>
+
+<file path=ppt/slideMasters/slideMaster1.xml><?xml version="1.0" encoding="utf-8"?>
+<p:sldMaster xmlns:a="http://schemas.openxmlformats.org/drawingml/2006/main" xmlns:p="http://schemas.openxmlformats.org/presentationml/2006/main" xmlns:r="http://schemas.openxmlformats.org/officeDocument/2006/relationships" xmlns:p14="http://schemas.microsoft.com/office/powerpoint/2010/main" xmlns:p15="http://schemas.microsoft.com/office/powerpoint/2012/main" xmlns:mc="http://schemas.openxmlformats.org/markup-compatibility/2006">
+  <p:cSld>
     <p:bg>
       <p:bgPr>
         <a:gradFill rotWithShape="0">
@@ -1808,17 +2214,6 @@
         <p:blipFill>
           <a:blip r:embed="rId3">
             <a:alphaModFix amt="20000"/>
-            <a:extLst>
-              <a:ext uri="{BEBA8EAE-BF5A-486C-A8C5-ECC9F3942E4B}">
-                <a14:imgProps xmlns:a14="http://schemas.microsoft.com/office/drawing/2010/main">
-                  <a14:imgLayer r:embed="rId4">
-                    <a14:imgEffect>
-                      <a14:sharpenSoften amount="-100000"/>
-                    </a14:imgEffect>
-                  </a14:imgLayer>
-                </a14:imgProps>
-              </a:ext>
-            </a:extLst>
           </a:blip>
           <a:stretch/>
         </p:blipFill>
@@ -1955,7 +2350,7 @@
                 <a:uFillTx/>
                 <a:latin typeface="Aptos"/>
               </a:rPr>
-              <a:t> </a:t>
+              <a:t>&lt;footer&gt;</a:t>
             </a:r>
             <a:endParaRPr b="0" lang="sv-SE" sz="1200" strike="noStrike" u="none">
               <a:solidFill>
@@ -2020,7 +2415,7 @@
               </a:lnSpc>
               <a:buNone/>
             </a:pPr>
-            <a:fld id="{DBE69519-3F13-4224-AB2A-8E1CD052B486}" type="slidenum">
+            <a:fld id="{61334BB7-AB4A-46FE-A56C-14578968FFA8}" type="slidenum">
               <a:rPr b="0" lang="en-SE" sz="1200" strike="noStrike" u="none">
                 <a:solidFill>
                   <a:schemeClr val="lt1">
@@ -2031,7 +2426,7 @@
                 <a:uFillTx/>
                 <a:latin typeface="Aptos"/>
               </a:rPr>
-              <a:t>1</a:t>
+              <a:t>&lt;number&gt;</a:t>
             </a:fld>
             <a:endParaRPr b="0" lang="sv-SE" sz="1200" strike="noStrike" u="none">
               <a:solidFill>
@@ -2320,12 +2715,16 @@
       </p:sp>
     </p:spTree>
   </p:cSld>
-</p:sldLayout>
+  <p:clrMap bg1="lt1" tx1="dk1" bg2="lt2" tx2="dk2" accent1="accent1" accent2="accent2" accent3="accent3" accent4="accent4" accent5="accent5" accent6="accent6" hlink="hlink" folHlink="folHlink"/>
+  <p:sldLayoutIdLst>
+    <p:sldLayoutId id="2147483649" r:id="rId4"/>
+  </p:sldLayoutIdLst>
+</p:sldMaster>
 </file>
 
-<file path=ppt/slideLayouts/slideLayout10.xml><?xml version="1.0" encoding="utf-8"?>
-<p:sldLayout xmlns:a="http://schemas.openxmlformats.org/drawingml/2006/main" xmlns:p="http://schemas.openxmlformats.org/presentationml/2006/main" xmlns:r="http://schemas.openxmlformats.org/officeDocument/2006/relationships" xmlns:p14="http://schemas.microsoft.com/office/powerpoint/2010/main" xmlns:p15="http://schemas.microsoft.com/office/powerpoint/2012/main" xmlns:mc="http://schemas.openxmlformats.org/markup-compatibility/2006" type="blank" preserve="1">
-  <p:cSld name="Blank">
+<file path=ppt/slideMasters/slideMaster10.xml><?xml version="1.0" encoding="utf-8"?>
+<p:sldMaster xmlns:a="http://schemas.openxmlformats.org/drawingml/2006/main" xmlns:p="http://schemas.openxmlformats.org/presentationml/2006/main" xmlns:r="http://schemas.openxmlformats.org/officeDocument/2006/relationships" xmlns:p14="http://schemas.microsoft.com/office/powerpoint/2010/main" xmlns:p15="http://schemas.microsoft.com/office/powerpoint/2012/main" xmlns:mc="http://schemas.openxmlformats.org/markup-compatibility/2006">
+  <p:cSld>
     <p:bg>
       <p:bgPr>
         <a:gradFill rotWithShape="0">
@@ -2357,7 +2756,7 @@
       </p:grpSpPr>
       <p:pic>
         <p:nvPicPr>
-          <p:cNvPr id="67" name="Picture 11" descr=""/>
+          <p:cNvPr id="69" name="Picture 11" descr=""/>
           <p:cNvPicPr/>
           <p:nvPr/>
         </p:nvPicPr>
@@ -2381,24 +2780,13 @@
       </p:pic>
       <p:pic>
         <p:nvPicPr>
-          <p:cNvPr id="68" name="Picture 3" descr=""/>
+          <p:cNvPr id="70" name="Picture 3" descr=""/>
           <p:cNvPicPr/>
           <p:nvPr/>
         </p:nvPicPr>
         <p:blipFill>
           <a:blip r:embed="rId3">
             <a:alphaModFix amt="20000"/>
-            <a:extLst>
-              <a:ext uri="{BEBA8EAE-BF5A-486C-A8C5-ECC9F3942E4B}">
-                <a14:imgProps xmlns:a14="http://schemas.microsoft.com/office/drawing/2010/main">
-                  <a14:imgLayer r:embed="rId4">
-                    <a14:imgEffect>
-                      <a14:sharpenSoften amount="-100000"/>
-                    </a14:imgEffect>
-                  </a14:imgLayer>
-                </a14:imgProps>
-              </a:ext>
-            </a:extLst>
           </a:blip>
           <a:stretch/>
         </p:blipFill>
@@ -2418,7 +2806,7 @@
       </p:pic>
       <p:sp>
         <p:nvSpPr>
-          <p:cNvPr id="69" name="PlaceHolder 1"/>
+          <p:cNvPr id="71" name="PlaceHolder 1"/>
           <p:cNvSpPr>
             <a:spLocks noGrp="1"/>
           </p:cNvSpPr>
@@ -2484,7 +2872,7 @@
       </p:sp>
       <p:sp>
         <p:nvSpPr>
-          <p:cNvPr id="70" name="PlaceHolder 2"/>
+          <p:cNvPr id="72" name="PlaceHolder 2"/>
           <p:cNvSpPr>
             <a:spLocks noGrp="1"/>
           </p:cNvSpPr>
@@ -2560,7 +2948,7 @@
       </p:sp>
       <p:sp>
         <p:nvSpPr>
-          <p:cNvPr id="71" name="PlaceHolder 3"/>
+          <p:cNvPr id="73" name="PlaceHolder 3"/>
           <p:cNvSpPr>
             <a:spLocks noGrp="1"/>
           </p:cNvSpPr>
@@ -2610,7 +2998,7 @@
               </a:lnSpc>
               <a:buNone/>
             </a:pPr>
-            <a:fld id="{F5DFB818-C87B-4713-8F40-BC1744487AF9}" type="slidenum">
+            <a:fld id="{F5FBCF16-6EF4-457E-8AF6-189FF2DE3338}" type="slidenum">
               <a:rPr b="0" lang="en-SE" sz="1200" strike="noStrike" u="none">
                 <a:solidFill>
                   <a:schemeClr val="lt1">
@@ -2636,12 +3024,14 @@
       </p:sp>
     </p:spTree>
   </p:cSld>
-</p:sldLayout>
+  <p:clrMap bg1="lt1" tx1="dk1" bg2="lt2" tx2="dk2" accent1="accent1" accent2="accent2" accent3="accent3" accent4="accent4" accent5="accent5" accent6="accent6" hlink="hlink" folHlink="folHlink"/>
+  <p:sldLayoutIdLst/>
+</p:sldMaster>
 </file>
 
-<file path=ppt/slideLayouts/slideLayout11.xml><?xml version="1.0" encoding="utf-8"?>
-<p:sldLayout xmlns:a="http://schemas.openxmlformats.org/drawingml/2006/main" xmlns:p="http://schemas.openxmlformats.org/presentationml/2006/main" xmlns:r="http://schemas.openxmlformats.org/officeDocument/2006/relationships" xmlns:p14="http://schemas.microsoft.com/office/powerpoint/2010/main" xmlns:p15="http://schemas.microsoft.com/office/powerpoint/2012/main" xmlns:mc="http://schemas.openxmlformats.org/markup-compatibility/2006" type="blank" preserve="1">
-  <p:cSld name="Content with Caption">
+<file path=ppt/slideMasters/slideMaster11.xml><?xml version="1.0" encoding="utf-8"?>
+<p:sldMaster xmlns:a="http://schemas.openxmlformats.org/drawingml/2006/main" xmlns:p="http://schemas.openxmlformats.org/presentationml/2006/main" xmlns:r="http://schemas.openxmlformats.org/officeDocument/2006/relationships" xmlns:p14="http://schemas.microsoft.com/office/powerpoint/2010/main" xmlns:p15="http://schemas.microsoft.com/office/powerpoint/2012/main" xmlns:mc="http://schemas.openxmlformats.org/markup-compatibility/2006">
+  <p:cSld>
     <p:bg>
       <p:bgPr>
         <a:gradFill rotWithShape="0">
@@ -2673,7 +3063,7 @@
       </p:grpSpPr>
       <p:pic>
         <p:nvPicPr>
-          <p:cNvPr id="72" name="Picture 11" descr=""/>
+          <p:cNvPr id="74" name="Picture 11" descr=""/>
           <p:cNvPicPr/>
           <p:nvPr/>
         </p:nvPicPr>
@@ -2697,24 +3087,13 @@
       </p:pic>
       <p:pic>
         <p:nvPicPr>
-          <p:cNvPr id="73" name="Picture 3" descr=""/>
+          <p:cNvPr id="75" name="Picture 3" descr=""/>
           <p:cNvPicPr/>
           <p:nvPr/>
         </p:nvPicPr>
         <p:blipFill>
           <a:blip r:embed="rId3">
             <a:alphaModFix amt="20000"/>
-            <a:extLst>
-              <a:ext uri="{BEBA8EAE-BF5A-486C-A8C5-ECC9F3942E4B}">
-                <a14:imgProps xmlns:a14="http://schemas.microsoft.com/office/drawing/2010/main">
-                  <a14:imgLayer r:embed="rId4">
-                    <a14:imgEffect>
-                      <a14:sharpenSoften amount="-100000"/>
-                    </a14:imgEffect>
-                  </a14:imgLayer>
-                </a14:imgProps>
-              </a:ext>
-            </a:extLst>
           </a:blip>
           <a:stretch/>
         </p:blipFill>
@@ -2734,7 +3113,7 @@
       </p:pic>
       <p:sp>
         <p:nvSpPr>
-          <p:cNvPr id="74" name="PlaceHolder 1"/>
+          <p:cNvPr id="76" name="PlaceHolder 1"/>
           <p:cNvSpPr>
             <a:spLocks noGrp="1"/>
           </p:cNvSpPr>
@@ -2790,7 +3169,7 @@
       </p:sp>
       <p:sp>
         <p:nvSpPr>
-          <p:cNvPr id="75" name="PlaceHolder 2"/>
+          <p:cNvPr id="77" name="PlaceHolder 2"/>
           <p:cNvSpPr>
             <a:spLocks noGrp="1"/>
           </p:cNvSpPr>
@@ -2816,7 +3195,7 @@
             <a:noAutofit/>
           </a:bodyPr>
           <a:p>
-            <a:pPr marL="228600" indent="-228600" defTabSz="914400">
+            <a:pPr marL="432000" indent="-324000" defTabSz="914400">
               <a:lnSpc>
                 <a:spcPct val="90000"/>
               </a:lnSpc>
@@ -2826,8 +3205,9 @@
               <a:buClr>
                 <a:srgbClr val="ffffff"/>
               </a:buClr>
-              <a:buFont typeface="Arial"/>
-              <a:buChar char="•"/>
+              <a:buSzPct val="45000"/>
+              <a:buFont typeface="Wingdings" charset="2"/>
+              <a:buChar char=""/>
             </a:pPr>
             <a:r>
               <a:rPr b="0" lang="en-US" sz="3200" strike="noStrike" u="none">
@@ -2850,7 +3230,7 @@
             </a:endParaRPr>
           </a:p>
           <a:p>
-            <a:pPr lvl="1" marL="685800" indent="-228600" defTabSz="914400">
+            <a:pPr lvl="1" marL="864000" indent="-324000" defTabSz="914400">
               <a:lnSpc>
                 <a:spcPct val="90000"/>
               </a:lnSpc>
@@ -2860,8 +3240,9 @@
               <a:buClr>
                 <a:srgbClr val="ffffff"/>
               </a:buClr>
-              <a:buFont typeface="Arial"/>
-              <a:buChar char="•"/>
+              <a:buSzPct val="75000"/>
+              <a:buFont typeface="Symbol" charset="2"/>
+              <a:buChar char=""/>
             </a:pPr>
             <a:r>
               <a:rPr b="0" lang="en-US" sz="2800" strike="noStrike" u="none">
@@ -2884,7 +3265,7 @@
             </a:endParaRPr>
           </a:p>
           <a:p>
-            <a:pPr lvl="2" marL="1143000" indent="-228600" defTabSz="914400">
+            <a:pPr lvl="2" marL="1296000" indent="-288000" defTabSz="914400">
               <a:lnSpc>
                 <a:spcPct val="90000"/>
               </a:lnSpc>
@@ -2894,8 +3275,9 @@
               <a:buClr>
                 <a:srgbClr val="ffffff"/>
               </a:buClr>
-              <a:buFont typeface="Arial"/>
-              <a:buChar char="•"/>
+              <a:buSzPct val="45000"/>
+              <a:buFont typeface="Wingdings" charset="2"/>
+              <a:buChar char=""/>
             </a:pPr>
             <a:r>
               <a:rPr b="0" lang="en-US" sz="2400" strike="noStrike" u="none">
@@ -2918,7 +3300,7 @@
             </a:endParaRPr>
           </a:p>
           <a:p>
-            <a:pPr lvl="3" marL="1600200" indent="-228600" defTabSz="914400">
+            <a:pPr lvl="3" marL="1728000" indent="-216000" defTabSz="914400">
               <a:lnSpc>
                 <a:spcPct val="90000"/>
               </a:lnSpc>
@@ -2928,8 +3310,9 @@
               <a:buClr>
                 <a:srgbClr val="ffffff"/>
               </a:buClr>
-              <a:buFont typeface="Arial"/>
-              <a:buChar char="•"/>
+              <a:buSzPct val="75000"/>
+              <a:buFont typeface="Symbol" charset="2"/>
+              <a:buChar char=""/>
             </a:pPr>
             <a:r>
               <a:rPr b="0" lang="en-US" sz="2000" strike="noStrike" u="none">
@@ -2952,7 +3335,7 @@
             </a:endParaRPr>
           </a:p>
           <a:p>
-            <a:pPr lvl="4" marL="2057400" indent="-228600" defTabSz="914400">
+            <a:pPr lvl="4" marL="2160000" indent="-216000" defTabSz="914400">
               <a:lnSpc>
                 <a:spcPct val="90000"/>
               </a:lnSpc>
@@ -2962,8 +3345,9 @@
               <a:buClr>
                 <a:srgbClr val="ffffff"/>
               </a:buClr>
-              <a:buFont typeface="Arial"/>
-              <a:buChar char="•"/>
+              <a:buSzPct val="45000"/>
+              <a:buFont typeface="Wingdings" charset="2"/>
+              <a:buChar char=""/>
             </a:pPr>
             <a:r>
               <a:rPr b="0" lang="en-US" sz="2000" strike="noStrike" u="none">
@@ -2989,7 +3373,7 @@
       </p:sp>
       <p:sp>
         <p:nvSpPr>
-          <p:cNvPr id="76" name="PlaceHolder 3"/>
+          <p:cNvPr id="78" name="PlaceHolder 3"/>
           <p:cNvSpPr>
             <a:spLocks noGrp="1"/>
           </p:cNvSpPr>
@@ -3051,7 +3435,7 @@
       </p:sp>
       <p:sp>
         <p:nvSpPr>
-          <p:cNvPr id="77" name="PlaceHolder 4"/>
+          <p:cNvPr id="79" name="PlaceHolder 4"/>
           <p:cNvSpPr>
             <a:spLocks noGrp="1"/>
           </p:cNvSpPr>
@@ -3117,7 +3501,7 @@
       </p:sp>
       <p:sp>
         <p:nvSpPr>
-          <p:cNvPr id="78" name="PlaceHolder 5"/>
+          <p:cNvPr id="80" name="PlaceHolder 5"/>
           <p:cNvSpPr>
             <a:spLocks noGrp="1"/>
           </p:cNvSpPr>
@@ -3193,7 +3577,7 @@
       </p:sp>
       <p:sp>
         <p:nvSpPr>
-          <p:cNvPr id="79" name="PlaceHolder 6"/>
+          <p:cNvPr id="81" name="PlaceHolder 6"/>
           <p:cNvSpPr>
             <a:spLocks noGrp="1"/>
           </p:cNvSpPr>
@@ -3243,7 +3627,7 @@
               </a:lnSpc>
               <a:buNone/>
             </a:pPr>
-            <a:fld id="{E2FF1E0A-2D40-4B41-BD8B-058EB3273CE8}" type="slidenum">
+            <a:fld id="{290F0FF7-4B6C-4A57-87D0-88AAE1CE5AAF}" type="slidenum">
               <a:rPr b="0" lang="en-SE" sz="1200" strike="noStrike" u="none">
                 <a:solidFill>
                   <a:schemeClr val="lt1">
@@ -3269,7 +3653,7 @@
       </p:sp>
       <p:pic>
         <p:nvPicPr>
-          <p:cNvPr id="80" name="Picture 7" descr=""/>
+          <p:cNvPr id="82" name="Picture 7" descr=""/>
           <p:cNvPicPr/>
           <p:nvPr/>
         </p:nvPicPr>
@@ -3295,12 +3679,16 @@
       </p:pic>
     </p:spTree>
   </p:cSld>
-</p:sldLayout>
+  <p:clrMap bg1="lt1" tx1="dk1" bg2="lt2" tx2="dk2" accent1="accent1" accent2="accent2" accent3="accent3" accent4="accent4" accent5="accent5" accent6="accent6" hlink="hlink" folHlink="folHlink"/>
+  <p:sldLayoutIdLst>
+    <p:sldLayoutId id="2147483662" r:id="rId5"/>
+  </p:sldLayoutIdLst>
+</p:sldMaster>
 </file>
 
-<file path=ppt/slideLayouts/slideLayout12.xml><?xml version="1.0" encoding="utf-8"?>
-<p:sldLayout xmlns:a="http://schemas.openxmlformats.org/drawingml/2006/main" xmlns:p="http://schemas.openxmlformats.org/presentationml/2006/main" xmlns:r="http://schemas.openxmlformats.org/officeDocument/2006/relationships" xmlns:p14="http://schemas.microsoft.com/office/powerpoint/2010/main" xmlns:p15="http://schemas.microsoft.com/office/powerpoint/2012/main" xmlns:mc="http://schemas.openxmlformats.org/markup-compatibility/2006" type="blank" preserve="1">
-  <p:cSld name="Picture with Caption">
+<file path=ppt/slideMasters/slideMaster12.xml><?xml version="1.0" encoding="utf-8"?>
+<p:sldMaster xmlns:a="http://schemas.openxmlformats.org/drawingml/2006/main" xmlns:p="http://schemas.openxmlformats.org/presentationml/2006/main" xmlns:r="http://schemas.openxmlformats.org/officeDocument/2006/relationships" xmlns:p14="http://schemas.microsoft.com/office/powerpoint/2010/main" xmlns:p15="http://schemas.microsoft.com/office/powerpoint/2012/main" xmlns:mc="http://schemas.openxmlformats.org/markup-compatibility/2006">
+  <p:cSld>
     <p:bg>
       <p:bgPr>
         <a:gradFill rotWithShape="0">
@@ -3332,7 +3720,7 @@
       </p:grpSpPr>
       <p:pic>
         <p:nvPicPr>
-          <p:cNvPr id="81" name="Picture 11" descr=""/>
+          <p:cNvPr id="83" name="Picture 11" descr=""/>
           <p:cNvPicPr/>
           <p:nvPr/>
         </p:nvPicPr>
@@ -3356,24 +3744,13 @@
       </p:pic>
       <p:pic>
         <p:nvPicPr>
-          <p:cNvPr id="82" name="Picture 3" descr=""/>
+          <p:cNvPr id="84" name="Picture 3" descr=""/>
           <p:cNvPicPr/>
           <p:nvPr/>
         </p:nvPicPr>
         <p:blipFill>
           <a:blip r:embed="rId3">
             <a:alphaModFix amt="20000"/>
-            <a:extLst>
-              <a:ext uri="{BEBA8EAE-BF5A-486C-A8C5-ECC9F3942E4B}">
-                <a14:imgProps xmlns:a14="http://schemas.microsoft.com/office/drawing/2010/main">
-                  <a14:imgLayer r:embed="rId4">
-                    <a14:imgEffect>
-                      <a14:sharpenSoften amount="-100000"/>
-                    </a14:imgEffect>
-                  </a14:imgLayer>
-                </a14:imgProps>
-              </a:ext>
-            </a:extLst>
           </a:blip>
           <a:stretch/>
         </p:blipFill>
@@ -3393,7 +3770,7 @@
       </p:pic>
       <p:sp>
         <p:nvSpPr>
-          <p:cNvPr id="83" name="PlaceHolder 1"/>
+          <p:cNvPr id="85" name="PlaceHolder 1"/>
           <p:cNvSpPr>
             <a:spLocks noGrp="1"/>
           </p:cNvSpPr>
@@ -3449,7 +3826,7 @@
       </p:sp>
       <p:sp>
         <p:nvSpPr>
-          <p:cNvPr id="84" name="PlaceHolder 2"/>
+          <p:cNvPr id="86" name="PlaceHolder 2"/>
           <p:cNvSpPr>
             <a:spLocks noGrp="1"/>
           </p:cNvSpPr>
@@ -3471,8 +3848,8 @@
           </a:ln>
         </p:spPr>
         <p:txBody>
-          <a:bodyPr lIns="90000" rIns="90000" tIns="45000" bIns="45000" anchor="t">
-            <a:noAutofit/>
+          <a:bodyPr lIns="0" rIns="0" tIns="0" bIns="0" anchor="t">
+            <a:normAutofit/>
           </a:bodyPr>
           <a:p>
             <a:pPr marL="432000" indent="-324000">
@@ -3490,7 +3867,7 @@
               <a:buChar char=""/>
             </a:pPr>
             <a:r>
-              <a:rPr b="0" lang="en-SE" sz="3200" strike="noStrike" u="none">
+              <a:rPr b="0" lang="en-SE" sz="2800" strike="noStrike" u="none">
                 <a:solidFill>
                   <a:schemeClr val="lt1"/>
                 </a:solidFill>
@@ -3500,7 +3877,7 @@
               </a:rPr>
               <a:t>Click to edit the outline text format</a:t>
             </a:r>
-            <a:endParaRPr b="0" lang="en-SE" sz="3200" strike="noStrike" u="none">
+            <a:endParaRPr b="0" lang="en-SE" sz="2800" strike="noStrike" u="none">
               <a:solidFill>
                 <a:schemeClr val="lt1"/>
               </a:solidFill>
@@ -3525,7 +3902,7 @@
               <a:buChar char=""/>
             </a:pPr>
             <a:r>
-              <a:rPr b="0" lang="en-SE" sz="3200" strike="noStrike" u="none">
+              <a:rPr b="0" lang="en-SE" sz="2000" strike="noStrike" u="none">
                 <a:solidFill>
                   <a:schemeClr val="lt1"/>
                 </a:solidFill>
@@ -3535,7 +3912,7 @@
               </a:rPr>
               <a:t>Second Outline Level</a:t>
             </a:r>
-            <a:endParaRPr b="0" lang="en-SE" sz="3200" strike="noStrike" u="none">
+            <a:endParaRPr b="0" lang="en-SE" sz="2000" strike="noStrike" u="none">
               <a:solidFill>
                 <a:schemeClr val="lt1"/>
               </a:solidFill>
@@ -3560,7 +3937,7 @@
               <a:buChar char=""/>
             </a:pPr>
             <a:r>
-              <a:rPr b="0" lang="en-SE" sz="3200" strike="noStrike" u="none">
+              <a:rPr b="0" lang="en-SE" sz="1800" strike="noStrike" u="none">
                 <a:solidFill>
                   <a:schemeClr val="lt1"/>
                 </a:solidFill>
@@ -3570,7 +3947,7 @@
               </a:rPr>
               <a:t>Third Outline Level</a:t>
             </a:r>
-            <a:endParaRPr b="0" lang="en-SE" sz="3200" strike="noStrike" u="none">
+            <a:endParaRPr b="0" lang="en-SE" sz="1800" strike="noStrike" u="none">
               <a:solidFill>
                 <a:schemeClr val="lt1"/>
               </a:solidFill>
@@ -3595,7 +3972,7 @@
               <a:buChar char=""/>
             </a:pPr>
             <a:r>
-              <a:rPr b="0" lang="en-SE" sz="3200" strike="noStrike" u="none">
+              <a:rPr b="0" lang="en-SE" sz="1800" strike="noStrike" u="none">
                 <a:solidFill>
                   <a:schemeClr val="lt1"/>
                 </a:solidFill>
@@ -3605,7 +3982,7 @@
               </a:rPr>
               <a:t>Fourth Outline Level</a:t>
             </a:r>
-            <a:endParaRPr b="0" lang="en-SE" sz="3200" strike="noStrike" u="none">
+            <a:endParaRPr b="0" lang="en-SE" sz="1800" strike="noStrike" u="none">
               <a:solidFill>
                 <a:schemeClr val="lt1"/>
               </a:solidFill>
@@ -3630,7 +4007,7 @@
               <a:buChar char=""/>
             </a:pPr>
             <a:r>
-              <a:rPr b="0" lang="en-SE" sz="3200" strike="noStrike" u="none">
+              <a:rPr b="0" lang="en-SE" sz="2000" strike="noStrike" u="none">
                 <a:solidFill>
                   <a:schemeClr val="lt1"/>
                 </a:solidFill>
@@ -3640,7 +4017,7 @@
               </a:rPr>
               <a:t>Fifth Outline Level</a:t>
             </a:r>
-            <a:endParaRPr b="0" lang="en-SE" sz="3200" strike="noStrike" u="none">
+            <a:endParaRPr b="0" lang="en-SE" sz="2000" strike="noStrike" u="none">
               <a:solidFill>
                 <a:schemeClr val="lt1"/>
               </a:solidFill>
@@ -3665,7 +4042,7 @@
               <a:buChar char=""/>
             </a:pPr>
             <a:r>
-              <a:rPr b="0" lang="en-SE" sz="3200" strike="noStrike" u="none">
+              <a:rPr b="0" lang="en-SE" sz="2000" strike="noStrike" u="none">
                 <a:solidFill>
                   <a:schemeClr val="lt1"/>
                 </a:solidFill>
@@ -3675,7 +4052,7 @@
               </a:rPr>
               <a:t>Sixth Outline Level</a:t>
             </a:r>
-            <a:endParaRPr b="0" lang="en-SE" sz="3200" strike="noStrike" u="none">
+            <a:endParaRPr b="0" lang="en-SE" sz="2000" strike="noStrike" u="none">
               <a:solidFill>
                 <a:schemeClr val="lt1"/>
               </a:solidFill>
@@ -3700,7 +4077,7 @@
               <a:buChar char=""/>
             </a:pPr>
             <a:r>
-              <a:rPr b="0" lang="en-SE" sz="3200" strike="noStrike" u="none">
+              <a:rPr b="0" lang="en-SE" sz="2000" strike="noStrike" u="none">
                 <a:solidFill>
                   <a:schemeClr val="lt1"/>
                 </a:solidFill>
@@ -3710,20 +4087,20 @@
               </a:rPr>
               <a:t>Seventh Outline Level</a:t>
             </a:r>
-            <a:endParaRPr b="0" lang="en-SE" sz="3200" strike="noStrike" u="none">
-              <a:solidFill>
-                <a:schemeClr val="lt1"/>
-              </a:solidFill>
-              <a:effectLst/>
-              <a:uFillTx/>
-              <a:latin typeface="Aptos"/>
-            </a:endParaRPr>
-          </a:p>
-        </p:txBody>
-      </p:sp>
-      <p:sp>
-        <p:nvSpPr>
-          <p:cNvPr id="85" name="PlaceHolder 3"/>
+            <a:endParaRPr b="0" lang="en-SE" sz="2000" strike="noStrike" u="none">
+              <a:solidFill>
+                <a:schemeClr val="lt1"/>
+              </a:solidFill>
+              <a:effectLst/>
+              <a:uFillTx/>
+              <a:latin typeface="Aptos"/>
+            </a:endParaRPr>
+          </a:p>
+        </p:txBody>
+      </p:sp>
+      <p:sp>
+        <p:nvSpPr>
+          <p:cNvPr id="87" name="PlaceHolder 3"/>
           <p:cNvSpPr>
             <a:spLocks noGrp="1"/>
           </p:cNvSpPr>
@@ -3785,7 +4162,7 @@
       </p:sp>
       <p:sp>
         <p:nvSpPr>
-          <p:cNvPr id="86" name="PlaceHolder 4"/>
+          <p:cNvPr id="88" name="PlaceHolder 4"/>
           <p:cNvSpPr>
             <a:spLocks noGrp="1"/>
           </p:cNvSpPr>
@@ -3851,7 +4228,7 @@
       </p:sp>
       <p:sp>
         <p:nvSpPr>
-          <p:cNvPr id="87" name="PlaceHolder 5"/>
+          <p:cNvPr id="89" name="PlaceHolder 5"/>
           <p:cNvSpPr>
             <a:spLocks noGrp="1"/>
           </p:cNvSpPr>
@@ -3927,7 +4304,7 @@
       </p:sp>
       <p:sp>
         <p:nvSpPr>
-          <p:cNvPr id="88" name="PlaceHolder 6"/>
+          <p:cNvPr id="90" name="PlaceHolder 6"/>
           <p:cNvSpPr>
             <a:spLocks noGrp="1"/>
           </p:cNvSpPr>
@@ -3977,7 +4354,7 @@
               </a:lnSpc>
               <a:buNone/>
             </a:pPr>
-            <a:fld id="{B9F705A0-43DB-418B-A2E9-840E96C582FE}" type="slidenum">
+            <a:fld id="{30C052B3-CA9B-4479-8D9D-316A110E2423}" type="slidenum">
               <a:rPr b="0" lang="en-SE" sz="1200" strike="noStrike" u="none">
                 <a:solidFill>
                   <a:schemeClr val="lt1">
@@ -4003,12 +4380,14 @@
       </p:sp>
     </p:spTree>
   </p:cSld>
-</p:sldLayout>
+  <p:clrMap bg1="lt1" tx1="dk1" bg2="lt2" tx2="dk2" accent1="accent1" accent2="accent2" accent3="accent3" accent4="accent4" accent5="accent5" accent6="accent6" hlink="hlink" folHlink="folHlink"/>
+  <p:sldLayoutIdLst/>
+</p:sldMaster>
 </file>
 
-<file path=ppt/slideLayouts/slideLayout2.xml><?xml version="1.0" encoding="utf-8"?>
-<p:sldLayout xmlns:a="http://schemas.openxmlformats.org/drawingml/2006/main" xmlns:p="http://schemas.openxmlformats.org/presentationml/2006/main" xmlns:r="http://schemas.openxmlformats.org/officeDocument/2006/relationships" xmlns:p14="http://schemas.microsoft.com/office/powerpoint/2010/main" xmlns:p15="http://schemas.microsoft.com/office/powerpoint/2012/main" xmlns:mc="http://schemas.openxmlformats.org/markup-compatibility/2006" type="vertTx" preserve="1">
-  <p:cSld name="Title and Vertical Text">
+<file path=ppt/slideMasters/slideMaster2.xml><?xml version="1.0" encoding="utf-8"?>
+<p:sldMaster xmlns:a="http://schemas.openxmlformats.org/drawingml/2006/main" xmlns:p="http://schemas.openxmlformats.org/presentationml/2006/main" xmlns:r="http://schemas.openxmlformats.org/officeDocument/2006/relationships" xmlns:p14="http://schemas.microsoft.com/office/powerpoint/2010/main" xmlns:p15="http://schemas.microsoft.com/office/powerpoint/2012/main" xmlns:mc="http://schemas.openxmlformats.org/markup-compatibility/2006">
+  <p:cSld>
     <p:bg>
       <p:bgPr>
         <a:gradFill rotWithShape="0">
@@ -4040,7 +4419,7 @@
       </p:grpSpPr>
       <p:pic>
         <p:nvPicPr>
-          <p:cNvPr id="8" name="Picture 11" descr=""/>
+          <p:cNvPr id="10" name="Picture 11" descr=""/>
           <p:cNvPicPr/>
           <p:nvPr/>
         </p:nvPicPr>
@@ -4064,24 +4443,13 @@
       </p:pic>
       <p:pic>
         <p:nvPicPr>
-          <p:cNvPr id="9" name="Picture 3" descr=""/>
+          <p:cNvPr id="11" name="Picture 3" descr=""/>
           <p:cNvPicPr/>
           <p:nvPr/>
         </p:nvPicPr>
         <p:blipFill>
           <a:blip r:embed="rId3">
             <a:alphaModFix amt="20000"/>
-            <a:extLst>
-              <a:ext uri="{BEBA8EAE-BF5A-486C-A8C5-ECC9F3942E4B}">
-                <a14:imgProps xmlns:a14="http://schemas.microsoft.com/office/drawing/2010/main">
-                  <a14:imgLayer r:embed="rId4">
-                    <a14:imgEffect>
-                      <a14:sharpenSoften amount="-100000"/>
-                    </a14:imgEffect>
-                  </a14:imgLayer>
-                </a14:imgProps>
-              </a:ext>
-            </a:extLst>
           </a:blip>
           <a:stretch/>
         </p:blipFill>
@@ -4101,7 +4469,7 @@
       </p:pic>
       <p:sp>
         <p:nvSpPr>
-          <p:cNvPr id="10" name="PlaceHolder 1"/>
+          <p:cNvPr id="12" name="PlaceHolder 1"/>
           <p:cNvSpPr>
             <a:spLocks noGrp="1"/>
           </p:cNvSpPr>
@@ -4157,7 +4525,7 @@
       </p:sp>
       <p:sp>
         <p:nvSpPr>
-          <p:cNvPr id="11" name="PlaceHolder 2"/>
+          <p:cNvPr id="13" name="PlaceHolder 2"/>
           <p:cNvSpPr>
             <a:spLocks noGrp="1"/>
           </p:cNvSpPr>
@@ -4183,7 +4551,7 @@
             <a:noAutofit/>
           </a:bodyPr>
           <a:p>
-            <a:pPr marL="228600" indent="-228600" defTabSz="914400">
+            <a:pPr marL="432000" indent="-324000" defTabSz="914400">
               <a:lnSpc>
                 <a:spcPct val="90000"/>
               </a:lnSpc>
@@ -4193,8 +4561,9 @@
               <a:buClr>
                 <a:srgbClr val="ffffff"/>
               </a:buClr>
-              <a:buFont typeface="Arial"/>
-              <a:buChar char="•"/>
+              <a:buSzPct val="45000"/>
+              <a:buFont typeface="Wingdings" charset="2"/>
+              <a:buChar char=""/>
             </a:pPr>
             <a:r>
               <a:rPr b="0" lang="en-US" sz="2800" strike="noStrike" u="none">
@@ -4205,10 +4574,34 @@
                 <a:uFillTx/>
                 <a:latin typeface="Aptos"/>
               </a:rPr>
-              <a:t>Click to edit Master </a:t>
-            </a:r>
-            <a:r>
-              <a:rPr b="0" lang="en-US" sz="2800" strike="noStrike" u="none">
+              <a:t>Click to edit Master text styles</a:t>
+            </a:r>
+            <a:endParaRPr b="0" lang="en-SE" sz="2800" strike="noStrike" u="none">
+              <a:solidFill>
+                <a:schemeClr val="lt1"/>
+              </a:solidFill>
+              <a:effectLst/>
+              <a:uFillTx/>
+              <a:latin typeface="Aptos"/>
+            </a:endParaRPr>
+          </a:p>
+          <a:p>
+            <a:pPr lvl="1" marL="864000" indent="-324000" defTabSz="914400">
+              <a:lnSpc>
+                <a:spcPct val="90000"/>
+              </a:lnSpc>
+              <a:spcBef>
+                <a:spcPts val="499"/>
+              </a:spcBef>
+              <a:buClr>
+                <a:srgbClr val="ffffff"/>
+              </a:buClr>
+              <a:buSzPct val="75000"/>
+              <a:buFont typeface="Symbol" charset="2"/>
+              <a:buChar char=""/>
+            </a:pPr>
+            <a:r>
+              <a:rPr b="0" lang="en-US" sz="2400" strike="noStrike" u="none">
                 <a:solidFill>
                   <a:schemeClr val="lt1"/>
                 </a:solidFill>
@@ -4216,19 +4609,19 @@
                 <a:uFillTx/>
                 <a:latin typeface="Aptos"/>
               </a:rPr>
-              <a:t>text styles</a:t>
-            </a:r>
-            <a:endParaRPr b="0" lang="en-SE" sz="2800" strike="noStrike" u="none">
-              <a:solidFill>
-                <a:schemeClr val="lt1"/>
-              </a:solidFill>
-              <a:effectLst/>
-              <a:uFillTx/>
-              <a:latin typeface="Aptos"/>
-            </a:endParaRPr>
-          </a:p>
-          <a:p>
-            <a:pPr lvl="1" marL="685800" indent="-228600" defTabSz="914400">
+              <a:t>Second level</a:t>
+            </a:r>
+            <a:endParaRPr b="0" lang="en-SE" sz="2400" strike="noStrike" u="none">
+              <a:solidFill>
+                <a:schemeClr val="lt1"/>
+              </a:solidFill>
+              <a:effectLst/>
+              <a:uFillTx/>
+              <a:latin typeface="Aptos"/>
+            </a:endParaRPr>
+          </a:p>
+          <a:p>
+            <a:pPr lvl="2" marL="1296000" indent="-288000" defTabSz="914400">
               <a:lnSpc>
                 <a:spcPct val="90000"/>
               </a:lnSpc>
@@ -4238,11 +4631,12 @@
               <a:buClr>
                 <a:srgbClr val="ffffff"/>
               </a:buClr>
-              <a:buFont typeface="Arial"/>
-              <a:buChar char="•"/>
-            </a:pPr>
-            <a:r>
-              <a:rPr b="0" lang="en-US" sz="2400" strike="noStrike" u="none">
+              <a:buSzPct val="45000"/>
+              <a:buFont typeface="Wingdings" charset="2"/>
+              <a:buChar char=""/>
+            </a:pPr>
+            <a:r>
+              <a:rPr b="0" lang="en-US" sz="2000" strike="noStrike" u="none">
                 <a:solidFill>
                   <a:schemeClr val="lt1"/>
                 </a:solidFill>
@@ -4250,19 +4644,19 @@
                 <a:uFillTx/>
                 <a:latin typeface="Aptos"/>
               </a:rPr>
-              <a:t>Second level</a:t>
-            </a:r>
-            <a:endParaRPr b="0" lang="en-SE" sz="2400" strike="noStrike" u="none">
-              <a:solidFill>
-                <a:schemeClr val="lt1"/>
-              </a:solidFill>
-              <a:effectLst/>
-              <a:uFillTx/>
-              <a:latin typeface="Aptos"/>
-            </a:endParaRPr>
-          </a:p>
-          <a:p>
-            <a:pPr lvl="2" marL="1143000" indent="-228600" defTabSz="914400">
+              <a:t>Third level</a:t>
+            </a:r>
+            <a:endParaRPr b="0" lang="en-SE" sz="2000" strike="noStrike" u="none">
+              <a:solidFill>
+                <a:schemeClr val="lt1"/>
+              </a:solidFill>
+              <a:effectLst/>
+              <a:uFillTx/>
+              <a:latin typeface="Aptos"/>
+            </a:endParaRPr>
+          </a:p>
+          <a:p>
+            <a:pPr lvl="3" marL="1728000" indent="-216000" defTabSz="914400">
               <a:lnSpc>
                 <a:spcPct val="90000"/>
               </a:lnSpc>
@@ -4272,11 +4666,12 @@
               <a:buClr>
                 <a:srgbClr val="ffffff"/>
               </a:buClr>
-              <a:buFont typeface="Arial"/>
-              <a:buChar char="•"/>
-            </a:pPr>
-            <a:r>
-              <a:rPr b="0" lang="en-US" sz="2000" strike="noStrike" u="none">
+              <a:buSzPct val="75000"/>
+              <a:buFont typeface="Symbol" charset="2"/>
+              <a:buChar char=""/>
+            </a:pPr>
+            <a:r>
+              <a:rPr b="0" lang="en-US" sz="1800" strike="noStrike" u="none">
                 <a:solidFill>
                   <a:schemeClr val="lt1"/>
                 </a:solidFill>
@@ -4284,19 +4679,19 @@
                 <a:uFillTx/>
                 <a:latin typeface="Aptos"/>
               </a:rPr>
-              <a:t>Third level</a:t>
-            </a:r>
-            <a:endParaRPr b="0" lang="en-SE" sz="2000" strike="noStrike" u="none">
-              <a:solidFill>
-                <a:schemeClr val="lt1"/>
-              </a:solidFill>
-              <a:effectLst/>
-              <a:uFillTx/>
-              <a:latin typeface="Aptos"/>
-            </a:endParaRPr>
-          </a:p>
-          <a:p>
-            <a:pPr lvl="3" marL="1600200" indent="-228600" defTabSz="914400">
+              <a:t>Fourth level</a:t>
+            </a:r>
+            <a:endParaRPr b="0" lang="en-SE" sz="1800" strike="noStrike" u="none">
+              <a:solidFill>
+                <a:schemeClr val="lt1"/>
+              </a:solidFill>
+              <a:effectLst/>
+              <a:uFillTx/>
+              <a:latin typeface="Aptos"/>
+            </a:endParaRPr>
+          </a:p>
+          <a:p>
+            <a:pPr lvl="4" marL="2160000" indent="-216000" defTabSz="914400">
               <a:lnSpc>
                 <a:spcPct val="90000"/>
               </a:lnSpc>
@@ -4306,8 +4701,9 @@
               <a:buClr>
                 <a:srgbClr val="ffffff"/>
               </a:buClr>
-              <a:buFont typeface="Arial"/>
-              <a:buChar char="•"/>
+              <a:buSzPct val="45000"/>
+              <a:buFont typeface="Wingdings" charset="2"/>
+              <a:buChar char=""/>
             </a:pPr>
             <a:r>
               <a:rPr b="0" lang="en-US" sz="1800" strike="noStrike" u="none">
@@ -4318,7 +4714,7 @@
                 <a:uFillTx/>
                 <a:latin typeface="Aptos"/>
               </a:rPr>
-              <a:t>Fourth level</a:t>
+              <a:t>Fifth level</a:t>
             </a:r>
             <a:endParaRPr b="0" lang="en-SE" sz="1800" strike="noStrike" u="none">
               <a:solidFill>
@@ -4329,45 +4725,11 @@
               <a:latin typeface="Aptos"/>
             </a:endParaRPr>
           </a:p>
-          <a:p>
-            <a:pPr lvl="4" marL="2057400" indent="-228600" defTabSz="914400">
-              <a:lnSpc>
-                <a:spcPct val="90000"/>
-              </a:lnSpc>
-              <a:spcBef>
-                <a:spcPts val="499"/>
-              </a:spcBef>
-              <a:buClr>
-                <a:srgbClr val="ffffff"/>
-              </a:buClr>
-              <a:buFont typeface="Arial"/>
-              <a:buChar char="•"/>
-            </a:pPr>
-            <a:r>
-              <a:rPr b="0" lang="en-US" sz="1800" strike="noStrike" u="none">
-                <a:solidFill>
-                  <a:schemeClr val="lt1"/>
-                </a:solidFill>
-                <a:effectLst/>
-                <a:uFillTx/>
-                <a:latin typeface="Aptos"/>
-              </a:rPr>
-              <a:t>Fifth level</a:t>
-            </a:r>
-            <a:endParaRPr b="0" lang="en-SE" sz="1800" strike="noStrike" u="none">
-              <a:solidFill>
-                <a:schemeClr val="lt1"/>
-              </a:solidFill>
-              <a:effectLst/>
-              <a:uFillTx/>
-              <a:latin typeface="Aptos"/>
-            </a:endParaRPr>
-          </a:p>
-        </p:txBody>
-      </p:sp>
-      <p:sp>
-        <p:nvSpPr>
-          <p:cNvPr id="12" name="PlaceHolder 3"/>
+        </p:txBody>
+      </p:sp>
+      <p:sp>
+        <p:nvSpPr>
+          <p:cNvPr id="14" name="PlaceHolder 3"/>
           <p:cNvSpPr>
             <a:spLocks noGrp="1"/>
           </p:cNvSpPr>
@@ -4433,7 +4795,7 @@
       </p:sp>
       <p:sp>
         <p:nvSpPr>
-          <p:cNvPr id="13" name="PlaceHolder 4"/>
+          <p:cNvPr id="15" name="PlaceHolder 4"/>
           <p:cNvSpPr>
             <a:spLocks noGrp="1"/>
           </p:cNvSpPr>
@@ -4509,7 +4871,7 @@
       </p:sp>
       <p:sp>
         <p:nvSpPr>
-          <p:cNvPr id="14" name="PlaceHolder 5"/>
+          <p:cNvPr id="16" name="PlaceHolder 5"/>
           <p:cNvSpPr>
             <a:spLocks noGrp="1"/>
           </p:cNvSpPr>
@@ -4559,7 +4921,7 @@
               </a:lnSpc>
               <a:buNone/>
             </a:pPr>
-            <a:fld id="{2016FA87-CB79-43B1-9BB1-09E607598D6B}" type="slidenum">
+            <a:fld id="{1DA73A67-A9C4-4E4C-A6E5-05DFFC5BA876}" type="slidenum">
               <a:rPr b="0" lang="en-SE" sz="1200" strike="noStrike" u="none">
                 <a:solidFill>
                   <a:schemeClr val="lt1">
@@ -4585,12 +4947,14 @@
       </p:sp>
     </p:spTree>
   </p:cSld>
-</p:sldLayout>
+  <p:clrMap bg1="lt1" tx1="dk1" bg2="lt2" tx2="dk2" accent1="accent1" accent2="accent2" accent3="accent3" accent4="accent4" accent5="accent5" accent6="accent6" hlink="hlink" folHlink="folHlink"/>
+  <p:sldLayoutIdLst/>
+</p:sldMaster>
 </file>
 
-<file path=ppt/slideLayouts/slideLayout3.xml><?xml version="1.0" encoding="utf-8"?>
-<p:sldLayout xmlns:a="http://schemas.openxmlformats.org/drawingml/2006/main" xmlns:p="http://schemas.openxmlformats.org/presentationml/2006/main" xmlns:r="http://schemas.openxmlformats.org/officeDocument/2006/relationships" xmlns:p14="http://schemas.microsoft.com/office/powerpoint/2010/main" xmlns:p15="http://schemas.microsoft.com/office/powerpoint/2012/main" xmlns:mc="http://schemas.openxmlformats.org/markup-compatibility/2006" type="vertTitleAndTx" preserve="1">
-  <p:cSld name="Vertical Title and Text">
+<file path=ppt/slideMasters/slideMaster3.xml><?xml version="1.0" encoding="utf-8"?>
+<p:sldMaster xmlns:a="http://schemas.openxmlformats.org/drawingml/2006/main" xmlns:p="http://schemas.openxmlformats.org/presentationml/2006/main" xmlns:r="http://schemas.openxmlformats.org/officeDocument/2006/relationships" xmlns:p14="http://schemas.microsoft.com/office/powerpoint/2010/main" xmlns:p15="http://schemas.microsoft.com/office/powerpoint/2012/main" xmlns:mc="http://schemas.openxmlformats.org/markup-compatibility/2006">
+  <p:cSld>
     <p:bg>
       <p:bgPr>
         <a:gradFill rotWithShape="0">
@@ -4622,7 +4986,7 @@
       </p:grpSpPr>
       <p:pic>
         <p:nvPicPr>
-          <p:cNvPr id="15" name="Picture 11" descr=""/>
+          <p:cNvPr id="17" name="Picture 11" descr=""/>
           <p:cNvPicPr/>
           <p:nvPr/>
         </p:nvPicPr>
@@ -4646,24 +5010,13 @@
       </p:pic>
       <p:pic>
         <p:nvPicPr>
-          <p:cNvPr id="16" name="Picture 3" descr=""/>
+          <p:cNvPr id="18" name="Picture 3" descr=""/>
           <p:cNvPicPr/>
           <p:nvPr/>
         </p:nvPicPr>
         <p:blipFill>
           <a:blip r:embed="rId3">
             <a:alphaModFix amt="20000"/>
-            <a:extLst>
-              <a:ext uri="{BEBA8EAE-BF5A-486C-A8C5-ECC9F3942E4B}">
-                <a14:imgProps xmlns:a14="http://schemas.microsoft.com/office/drawing/2010/main">
-                  <a14:imgLayer r:embed="rId4">
-                    <a14:imgEffect>
-                      <a14:sharpenSoften amount="-100000"/>
-                    </a14:imgEffect>
-                  </a14:imgLayer>
-                </a14:imgProps>
-              </a:ext>
-            </a:extLst>
           </a:blip>
           <a:stretch/>
         </p:blipFill>
@@ -4683,7 +5036,7 @@
       </p:pic>
       <p:sp>
         <p:nvSpPr>
-          <p:cNvPr id="17" name="PlaceHolder 1"/>
+          <p:cNvPr id="19" name="PlaceHolder 1"/>
           <p:cNvSpPr>
             <a:spLocks noGrp="1"/>
           </p:cNvSpPr>
@@ -4705,7 +5058,7 @@
           </a:ln>
         </p:spPr>
         <p:txBody>
-          <a:bodyPr lIns="91440" rIns="91440" tIns="45720" bIns="45720" anchor="ctr" vert="eaVert">
+          <a:bodyPr lIns="91440" rIns="91440" tIns="45720" bIns="45720" anchor="t" anchorCtr="1" vert="eaVert">
             <a:noAutofit/>
           </a:bodyPr>
           <a:p>
@@ -4739,7 +5092,7 @@
       </p:sp>
       <p:sp>
         <p:nvSpPr>
-          <p:cNvPr id="18" name="PlaceHolder 2"/>
+          <p:cNvPr id="20" name="PlaceHolder 2"/>
           <p:cNvSpPr>
             <a:spLocks noGrp="1"/>
           </p:cNvSpPr>
@@ -4765,7 +5118,7 @@
             <a:noAutofit/>
           </a:bodyPr>
           <a:p>
-            <a:pPr marL="228600" indent="-228600" defTabSz="914400">
+            <a:pPr marL="432000" indent="-324000" defTabSz="914400">
               <a:lnSpc>
                 <a:spcPct val="90000"/>
               </a:lnSpc>
@@ -4775,8 +5128,9 @@
               <a:buClr>
                 <a:srgbClr val="ffffff"/>
               </a:buClr>
-              <a:buFont typeface="Arial"/>
-              <a:buChar char="•"/>
+              <a:buSzPct val="45000"/>
+              <a:buFont typeface="Wingdings" charset="2"/>
+              <a:buChar char=""/>
             </a:pPr>
             <a:r>
               <a:rPr b="0" lang="en-US" sz="2800" strike="noStrike" u="none">
@@ -4799,7 +5153,7 @@
             </a:endParaRPr>
           </a:p>
           <a:p>
-            <a:pPr lvl="1" marL="685800" indent="-228600" defTabSz="914400">
+            <a:pPr lvl="1" marL="864000" indent="-324000" defTabSz="914400">
               <a:lnSpc>
                 <a:spcPct val="90000"/>
               </a:lnSpc>
@@ -4809,8 +5163,9 @@
               <a:buClr>
                 <a:srgbClr val="ffffff"/>
               </a:buClr>
-              <a:buFont typeface="Arial"/>
-              <a:buChar char="•"/>
+              <a:buSzPct val="75000"/>
+              <a:buFont typeface="Symbol" charset="2"/>
+              <a:buChar char=""/>
             </a:pPr>
             <a:r>
               <a:rPr b="0" lang="en-US" sz="2400" strike="noStrike" u="none">
@@ -4833,7 +5188,7 @@
             </a:endParaRPr>
           </a:p>
           <a:p>
-            <a:pPr lvl="2" marL="1143000" indent="-228600" defTabSz="914400">
+            <a:pPr lvl="2" marL="1296000" indent="-288000" defTabSz="914400">
               <a:lnSpc>
                 <a:spcPct val="90000"/>
               </a:lnSpc>
@@ -4843,8 +5198,9 @@
               <a:buClr>
                 <a:srgbClr val="ffffff"/>
               </a:buClr>
-              <a:buFont typeface="Arial"/>
-              <a:buChar char="•"/>
+              <a:buSzPct val="45000"/>
+              <a:buFont typeface="Wingdings" charset="2"/>
+              <a:buChar char=""/>
             </a:pPr>
             <a:r>
               <a:rPr b="0" lang="en-US" sz="2000" strike="noStrike" u="none">
@@ -4867,7 +5223,7 @@
             </a:endParaRPr>
           </a:p>
           <a:p>
-            <a:pPr lvl="3" marL="1600200" indent="-228600" defTabSz="914400">
+            <a:pPr lvl="3" marL="1728000" indent="-216000" defTabSz="914400">
               <a:lnSpc>
                 <a:spcPct val="90000"/>
               </a:lnSpc>
@@ -4877,8 +5233,9 @@
               <a:buClr>
                 <a:srgbClr val="ffffff"/>
               </a:buClr>
-              <a:buFont typeface="Arial"/>
-              <a:buChar char="•"/>
+              <a:buSzPct val="75000"/>
+              <a:buFont typeface="Symbol" charset="2"/>
+              <a:buChar char=""/>
             </a:pPr>
             <a:r>
               <a:rPr b="0" lang="en-US" sz="1800" strike="noStrike" u="none">
@@ -4901,7 +5258,7 @@
             </a:endParaRPr>
           </a:p>
           <a:p>
-            <a:pPr lvl="4" marL="2057400" indent="-228600" defTabSz="914400">
+            <a:pPr lvl="4" marL="2160000" indent="-216000" defTabSz="914400">
               <a:lnSpc>
                 <a:spcPct val="90000"/>
               </a:lnSpc>
@@ -4911,8 +5268,9 @@
               <a:buClr>
                 <a:srgbClr val="ffffff"/>
               </a:buClr>
-              <a:buFont typeface="Arial"/>
-              <a:buChar char="•"/>
+              <a:buSzPct val="45000"/>
+              <a:buFont typeface="Wingdings" charset="2"/>
+              <a:buChar char=""/>
             </a:pPr>
             <a:r>
               <a:rPr b="0" lang="en-US" sz="1800" strike="noStrike" u="none">
@@ -4938,7 +5296,7 @@
       </p:sp>
       <p:sp>
         <p:nvSpPr>
-          <p:cNvPr id="19" name="PlaceHolder 3"/>
+          <p:cNvPr id="21" name="PlaceHolder 3"/>
           <p:cNvSpPr>
             <a:spLocks noGrp="1"/>
           </p:cNvSpPr>
@@ -5004,7 +5362,7 @@
       </p:sp>
       <p:sp>
         <p:nvSpPr>
-          <p:cNvPr id="20" name="PlaceHolder 4"/>
+          <p:cNvPr id="22" name="PlaceHolder 4"/>
           <p:cNvSpPr>
             <a:spLocks noGrp="1"/>
           </p:cNvSpPr>
@@ -5080,7 +5438,7 @@
       </p:sp>
       <p:sp>
         <p:nvSpPr>
-          <p:cNvPr id="21" name="PlaceHolder 5"/>
+          <p:cNvPr id="23" name="PlaceHolder 5"/>
           <p:cNvSpPr>
             <a:spLocks noGrp="1"/>
           </p:cNvSpPr>
@@ -5130,7 +5488,7 @@
               </a:lnSpc>
               <a:buNone/>
             </a:pPr>
-            <a:fld id="{A07FB148-A2BC-4259-A746-8ADAB83F3D3F}" type="slidenum">
+            <a:fld id="{F590AA14-1968-45FA-BB9C-4B48295FBC52}" type="slidenum">
               <a:rPr b="0" lang="en-SE" sz="1200" strike="noStrike" u="none">
                 <a:solidFill>
                   <a:schemeClr val="lt1">
@@ -5156,12 +5514,14 @@
       </p:sp>
     </p:spTree>
   </p:cSld>
-</p:sldLayout>
+  <p:clrMap bg1="lt1" tx1="dk1" bg2="lt2" tx2="dk2" accent1="accent1" accent2="accent2" accent3="accent3" accent4="accent4" accent5="accent5" accent6="accent6" hlink="hlink" folHlink="folHlink"/>
+  <p:sldLayoutIdLst/>
+</p:sldMaster>
 </file>
 
-<file path=ppt/slideLayouts/slideLayout4.xml><?xml version="1.0" encoding="utf-8"?>
-<p:sldLayout xmlns:a="http://schemas.openxmlformats.org/drawingml/2006/main" xmlns:p="http://schemas.openxmlformats.org/presentationml/2006/main" xmlns:r="http://schemas.openxmlformats.org/officeDocument/2006/relationships" xmlns:p14="http://schemas.microsoft.com/office/powerpoint/2010/main" xmlns:p15="http://schemas.microsoft.com/office/powerpoint/2012/main" xmlns:mc="http://schemas.openxmlformats.org/markup-compatibility/2006" type="blank" preserve="1">
-  <p:cSld name="Title and Text">
+<file path=ppt/slideMasters/slideMaster4.xml><?xml version="1.0" encoding="utf-8"?>
+<p:sldMaster xmlns:a="http://schemas.openxmlformats.org/drawingml/2006/main" xmlns:p="http://schemas.openxmlformats.org/presentationml/2006/main" xmlns:r="http://schemas.openxmlformats.org/officeDocument/2006/relationships" xmlns:p14="http://schemas.microsoft.com/office/powerpoint/2010/main" xmlns:p15="http://schemas.microsoft.com/office/powerpoint/2012/main" xmlns:mc="http://schemas.openxmlformats.org/markup-compatibility/2006">
+  <p:cSld>
     <p:bg>
       <p:bgPr>
         <a:gradFill rotWithShape="0">
@@ -5193,7 +5553,7 @@
       </p:grpSpPr>
       <p:pic>
         <p:nvPicPr>
-          <p:cNvPr id="22" name="Picture 11" descr=""/>
+          <p:cNvPr id="24" name="Picture 11" descr=""/>
           <p:cNvPicPr/>
           <p:nvPr/>
         </p:nvPicPr>
@@ -5217,24 +5577,13 @@
       </p:pic>
       <p:pic>
         <p:nvPicPr>
-          <p:cNvPr id="23" name="Picture 3" descr=""/>
+          <p:cNvPr id="25" name="Picture 3" descr=""/>
           <p:cNvPicPr/>
           <p:nvPr/>
         </p:nvPicPr>
         <p:blipFill>
           <a:blip r:embed="rId3">
             <a:alphaModFix amt="20000"/>
-            <a:extLst>
-              <a:ext uri="{BEBA8EAE-BF5A-486C-A8C5-ECC9F3942E4B}">
-                <a14:imgProps xmlns:a14="http://schemas.microsoft.com/office/drawing/2010/main">
-                  <a14:imgLayer r:embed="rId4">
-                    <a14:imgEffect>
-                      <a14:sharpenSoften amount="-100000"/>
-                    </a14:imgEffect>
-                  </a14:imgLayer>
-                </a14:imgProps>
-              </a:ext>
-            </a:extLst>
           </a:blip>
           <a:stretch/>
         </p:blipFill>
@@ -5254,7 +5603,7 @@
       </p:pic>
       <p:sp>
         <p:nvSpPr>
-          <p:cNvPr id="24" name="PlaceHolder 1"/>
+          <p:cNvPr id="26" name="PlaceHolder 1"/>
           <p:cNvSpPr>
             <a:spLocks noGrp="1"/>
           </p:cNvSpPr>
@@ -5280,7 +5629,7 @@
             <a:noAutofit/>
           </a:bodyPr>
           <a:p>
-            <a:pPr marL="228600" indent="-228600" defTabSz="914400">
+            <a:pPr marL="432000" indent="-324000" defTabSz="914400">
               <a:lnSpc>
                 <a:spcPct val="90000"/>
               </a:lnSpc>
@@ -5290,8 +5639,9 @@
               <a:buClr>
                 <a:srgbClr val="ffffff"/>
               </a:buClr>
-              <a:buFont typeface="Arial"/>
-              <a:buChar char="•"/>
+              <a:buSzPct val="45000"/>
+              <a:buFont typeface="Wingdings" charset="2"/>
+              <a:buChar char=""/>
             </a:pPr>
             <a:r>
               <a:rPr b="0" lang="en-US" sz="2800" strike="noStrike" u="none">
@@ -5314,7 +5664,7 @@
             </a:endParaRPr>
           </a:p>
           <a:p>
-            <a:pPr lvl="1" marL="685800" indent="-228600" defTabSz="914400">
+            <a:pPr lvl="1" marL="864000" indent="-324000" defTabSz="914400">
               <a:lnSpc>
                 <a:spcPct val="90000"/>
               </a:lnSpc>
@@ -5324,8 +5674,9 @@
               <a:buClr>
                 <a:srgbClr val="ffffff"/>
               </a:buClr>
-              <a:buFont typeface="Arial"/>
-              <a:buChar char="•"/>
+              <a:buSzPct val="75000"/>
+              <a:buFont typeface="Symbol" charset="2"/>
+              <a:buChar char=""/>
             </a:pPr>
             <a:r>
               <a:rPr b="0" lang="en-US" sz="2400" strike="noStrike" u="none">
@@ -5348,7 +5699,7 @@
             </a:endParaRPr>
           </a:p>
           <a:p>
-            <a:pPr lvl="2" marL="1143000" indent="-228600" defTabSz="914400">
+            <a:pPr lvl="2" marL="1296000" indent="-288000" defTabSz="914400">
               <a:lnSpc>
                 <a:spcPct val="90000"/>
               </a:lnSpc>
@@ -5358,8 +5709,9 @@
               <a:buClr>
                 <a:srgbClr val="ffffff"/>
               </a:buClr>
-              <a:buFont typeface="Arial"/>
-              <a:buChar char="•"/>
+              <a:buSzPct val="45000"/>
+              <a:buFont typeface="Wingdings" charset="2"/>
+              <a:buChar char=""/>
             </a:pPr>
             <a:r>
               <a:rPr b="0" lang="en-US" sz="2000" strike="noStrike" u="none">
@@ -5382,7 +5734,7 @@
             </a:endParaRPr>
           </a:p>
           <a:p>
-            <a:pPr lvl="3" marL="1600200" indent="-228600" defTabSz="914400">
+            <a:pPr lvl="3" marL="1728000" indent="-216000" defTabSz="914400">
               <a:lnSpc>
                 <a:spcPct val="90000"/>
               </a:lnSpc>
@@ -5392,8 +5744,9 @@
               <a:buClr>
                 <a:srgbClr val="ffffff"/>
               </a:buClr>
-              <a:buFont typeface="Arial"/>
-              <a:buChar char="•"/>
+              <a:buSzPct val="75000"/>
+              <a:buFont typeface="Symbol" charset="2"/>
+              <a:buChar char=""/>
             </a:pPr>
             <a:r>
               <a:rPr b="0" lang="en-US" sz="1800" strike="noStrike" u="none">
@@ -5416,7 +5769,7 @@
             </a:endParaRPr>
           </a:p>
           <a:p>
-            <a:pPr lvl="4" marL="2057400" indent="-228600" defTabSz="914400">
+            <a:pPr lvl="4" marL="2160000" indent="-216000" defTabSz="914400">
               <a:lnSpc>
                 <a:spcPct val="90000"/>
               </a:lnSpc>
@@ -5426,8 +5779,9 @@
               <a:buClr>
                 <a:srgbClr val="ffffff"/>
               </a:buClr>
-              <a:buFont typeface="Arial"/>
-              <a:buChar char="•"/>
+              <a:buSzPct val="45000"/>
+              <a:buFont typeface="Wingdings" charset="2"/>
+              <a:buChar char=""/>
             </a:pPr>
             <a:r>
               <a:rPr b="0" lang="en-US" sz="1800" strike="noStrike" u="none">
@@ -5453,7 +5807,7 @@
       </p:sp>
       <p:sp>
         <p:nvSpPr>
-          <p:cNvPr id="25" name="PlaceHolder 2"/>
+          <p:cNvPr id="27" name="PlaceHolder 2"/>
           <p:cNvSpPr>
             <a:spLocks noGrp="1"/>
           </p:cNvSpPr>
@@ -5519,7 +5873,7 @@
       </p:sp>
       <p:sp>
         <p:nvSpPr>
-          <p:cNvPr id="26" name="PlaceHolder 3"/>
+          <p:cNvPr id="28" name="PlaceHolder 3"/>
           <p:cNvSpPr>
             <a:spLocks noGrp="1"/>
           </p:cNvSpPr>
@@ -5595,7 +5949,7 @@
       </p:sp>
       <p:sp>
         <p:nvSpPr>
-          <p:cNvPr id="27" name="PlaceHolder 4"/>
+          <p:cNvPr id="29" name="PlaceHolder 4"/>
           <p:cNvSpPr>
             <a:spLocks noGrp="1"/>
           </p:cNvSpPr>
@@ -5645,7 +5999,7 @@
               </a:lnSpc>
               <a:buNone/>
             </a:pPr>
-            <a:fld id="{C9AB0FBD-F4D4-4979-856D-B5994FB7A382}" type="slidenum">
+            <a:fld id="{AA076740-5249-444D-AAD4-DDBCB1313B97}" type="slidenum">
               <a:rPr b="0" lang="en-SE" sz="1200" strike="noStrike" u="none">
                 <a:solidFill>
                   <a:schemeClr val="lt1">
@@ -5671,7 +6025,7 @@
       </p:sp>
       <p:sp>
         <p:nvSpPr>
-          <p:cNvPr id="28" name="PlaceHolder 5"/>
+          <p:cNvPr id="30" name="PlaceHolder 5"/>
           <p:cNvSpPr>
             <a:spLocks noGrp="1"/>
           </p:cNvSpPr>
@@ -5727,12 +6081,16 @@
       </p:sp>
     </p:spTree>
   </p:cSld>
-</p:sldLayout>
+  <p:clrMap bg1="lt1" tx1="dk1" bg2="lt2" tx2="dk2" accent1="accent1" accent2="accent2" accent3="accent3" accent4="accent4" accent5="accent5" accent6="accent6" hlink="hlink" folHlink="folHlink"/>
+  <p:sldLayoutIdLst>
+    <p:sldLayoutId id="2147483653" r:id="rId4"/>
+  </p:sldLayoutIdLst>
+</p:sldMaster>
 </file>
 
-<file path=ppt/slideLayouts/slideLayout5.xml><?xml version="1.0" encoding="utf-8"?>
-<p:sldLayout xmlns:a="http://schemas.openxmlformats.org/drawingml/2006/main" xmlns:p="http://schemas.openxmlformats.org/presentationml/2006/main" xmlns:r="http://schemas.openxmlformats.org/officeDocument/2006/relationships" xmlns:p14="http://schemas.microsoft.com/office/powerpoint/2010/main" xmlns:p15="http://schemas.microsoft.com/office/powerpoint/2012/main" xmlns:mc="http://schemas.openxmlformats.org/markup-compatibility/2006" type="obj" preserve="1">
-  <p:cSld name="Title and Content">
+<file path=ppt/slideMasters/slideMaster5.xml><?xml version="1.0" encoding="utf-8"?>
+<p:sldMaster xmlns:a="http://schemas.openxmlformats.org/drawingml/2006/main" xmlns:p="http://schemas.openxmlformats.org/presentationml/2006/main" xmlns:r="http://schemas.openxmlformats.org/officeDocument/2006/relationships" xmlns:p14="http://schemas.microsoft.com/office/powerpoint/2010/main" xmlns:p15="http://schemas.microsoft.com/office/powerpoint/2012/main" xmlns:mc="http://schemas.openxmlformats.org/markup-compatibility/2006">
+  <p:cSld>
     <p:bg>
       <p:bgPr>
         <a:gradFill rotWithShape="0">
@@ -5764,7 +6122,7 @@
       </p:grpSpPr>
       <p:pic>
         <p:nvPicPr>
-          <p:cNvPr id="29" name="Picture 11" descr=""/>
+          <p:cNvPr id="31" name="Picture 11" descr=""/>
           <p:cNvPicPr/>
           <p:nvPr/>
         </p:nvPicPr>
@@ -5788,24 +6146,13 @@
       </p:pic>
       <p:pic>
         <p:nvPicPr>
-          <p:cNvPr id="30" name="Picture 3" descr=""/>
+          <p:cNvPr id="32" name="Picture 3" descr=""/>
           <p:cNvPicPr/>
           <p:nvPr/>
         </p:nvPicPr>
         <p:blipFill>
           <a:blip r:embed="rId3">
             <a:alphaModFix amt="20000"/>
-            <a:extLst>
-              <a:ext uri="{BEBA8EAE-BF5A-486C-A8C5-ECC9F3942E4B}">
-                <a14:imgProps xmlns:a14="http://schemas.microsoft.com/office/drawing/2010/main">
-                  <a14:imgLayer r:embed="rId4">
-                    <a14:imgEffect>
-                      <a14:sharpenSoften amount="-100000"/>
-                    </a14:imgEffect>
-                  </a14:imgLayer>
-                </a14:imgProps>
-              </a:ext>
-            </a:extLst>
           </a:blip>
           <a:stretch/>
         </p:blipFill>
@@ -5825,7 +6172,7 @@
       </p:pic>
       <p:sp>
         <p:nvSpPr>
-          <p:cNvPr id="31" name="PlaceHolder 1"/>
+          <p:cNvPr id="33" name="PlaceHolder 1"/>
           <p:cNvSpPr>
             <a:spLocks noGrp="1"/>
           </p:cNvSpPr>
@@ -5881,7 +6228,7 @@
       </p:sp>
       <p:sp>
         <p:nvSpPr>
-          <p:cNvPr id="32" name="PlaceHolder 2"/>
+          <p:cNvPr id="34" name="PlaceHolder 2"/>
           <p:cNvSpPr>
             <a:spLocks noGrp="1"/>
           </p:cNvSpPr>
@@ -5907,7 +6254,7 @@
             <a:noAutofit/>
           </a:bodyPr>
           <a:p>
-            <a:pPr marL="228600" indent="-228600" defTabSz="914400">
+            <a:pPr marL="432000" indent="-324000" defTabSz="914400">
               <a:lnSpc>
                 <a:spcPct val="90000"/>
               </a:lnSpc>
@@ -5917,8 +6264,9 @@
               <a:buClr>
                 <a:srgbClr val="ffffff"/>
               </a:buClr>
-              <a:buFont typeface="Arial"/>
-              <a:buChar char="•"/>
+              <a:buSzPct val="45000"/>
+              <a:buFont typeface="Wingdings" charset="2"/>
+              <a:buChar char=""/>
             </a:pPr>
             <a:r>
               <a:rPr b="0" lang="en-US" sz="2800" strike="noStrike" u="none">
@@ -5941,7 +6289,7 @@
             </a:endParaRPr>
           </a:p>
           <a:p>
-            <a:pPr lvl="1" marL="685800" indent="-228600" defTabSz="914400">
+            <a:pPr lvl="1" marL="864000" indent="-324000" defTabSz="914400">
               <a:lnSpc>
                 <a:spcPct val="90000"/>
               </a:lnSpc>
@@ -5951,8 +6299,9 @@
               <a:buClr>
                 <a:srgbClr val="ffffff"/>
               </a:buClr>
-              <a:buFont typeface="Arial"/>
-              <a:buChar char="•"/>
+              <a:buSzPct val="75000"/>
+              <a:buFont typeface="Symbol" charset="2"/>
+              <a:buChar char=""/>
             </a:pPr>
             <a:r>
               <a:rPr b="0" lang="en-US" sz="2400" strike="noStrike" u="none">
@@ -5975,7 +6324,7 @@
             </a:endParaRPr>
           </a:p>
           <a:p>
-            <a:pPr lvl="2" marL="1143000" indent="-228600" defTabSz="914400">
+            <a:pPr lvl="2" marL="1296000" indent="-288000" defTabSz="914400">
               <a:lnSpc>
                 <a:spcPct val="90000"/>
               </a:lnSpc>
@@ -5985,8 +6334,9 @@
               <a:buClr>
                 <a:srgbClr val="ffffff"/>
               </a:buClr>
-              <a:buFont typeface="Arial"/>
-              <a:buChar char="•"/>
+              <a:buSzPct val="45000"/>
+              <a:buFont typeface="Wingdings" charset="2"/>
+              <a:buChar char=""/>
             </a:pPr>
             <a:r>
               <a:rPr b="0" lang="en-US" sz="2000" strike="noStrike" u="none">
@@ -6009,7 +6359,7 @@
             </a:endParaRPr>
           </a:p>
           <a:p>
-            <a:pPr lvl="3" marL="1600200" indent="-228600" defTabSz="914400">
+            <a:pPr lvl="3" marL="1728000" indent="-216000" defTabSz="914400">
               <a:lnSpc>
                 <a:spcPct val="90000"/>
               </a:lnSpc>
@@ -6019,8 +6369,9 @@
               <a:buClr>
                 <a:srgbClr val="ffffff"/>
               </a:buClr>
-              <a:buFont typeface="Arial"/>
-              <a:buChar char="•"/>
+              <a:buSzPct val="75000"/>
+              <a:buFont typeface="Symbol" charset="2"/>
+              <a:buChar char=""/>
             </a:pPr>
             <a:r>
               <a:rPr b="0" lang="en-US" sz="1800" strike="noStrike" u="none">
@@ -6043,7 +6394,7 @@
             </a:endParaRPr>
           </a:p>
           <a:p>
-            <a:pPr lvl="4" marL="2057400" indent="-228600" defTabSz="914400">
+            <a:pPr lvl="4" marL="2160000" indent="-216000" defTabSz="914400">
               <a:lnSpc>
                 <a:spcPct val="90000"/>
               </a:lnSpc>
@@ -6053,8 +6404,9 @@
               <a:buClr>
                 <a:srgbClr val="ffffff"/>
               </a:buClr>
-              <a:buFont typeface="Arial"/>
-              <a:buChar char="•"/>
+              <a:buSzPct val="45000"/>
+              <a:buFont typeface="Wingdings" charset="2"/>
+              <a:buChar char=""/>
             </a:pPr>
             <a:r>
               <a:rPr b="0" lang="en-US" sz="1800" strike="noStrike" u="none">
@@ -6080,7 +6432,7 @@
       </p:sp>
       <p:sp>
         <p:nvSpPr>
-          <p:cNvPr id="33" name="PlaceHolder 3"/>
+          <p:cNvPr id="35" name="PlaceHolder 3"/>
           <p:cNvSpPr>
             <a:spLocks noGrp="1"/>
           </p:cNvSpPr>
@@ -6146,7 +6498,7 @@
       </p:sp>
       <p:sp>
         <p:nvSpPr>
-          <p:cNvPr id="34" name="PlaceHolder 4"/>
+          <p:cNvPr id="36" name="PlaceHolder 4"/>
           <p:cNvSpPr>
             <a:spLocks noGrp="1"/>
           </p:cNvSpPr>
@@ -6222,7 +6574,7 @@
       </p:sp>
       <p:sp>
         <p:nvSpPr>
-          <p:cNvPr id="35" name="PlaceHolder 5"/>
+          <p:cNvPr id="37" name="PlaceHolder 5"/>
           <p:cNvSpPr>
             <a:spLocks noGrp="1"/>
           </p:cNvSpPr>
@@ -6272,7 +6624,7 @@
               </a:lnSpc>
               <a:buNone/>
             </a:pPr>
-            <a:fld id="{AF645039-37B3-4360-B6C3-19444AC2AE15}" type="slidenum">
+            <a:fld id="{F2C5241E-0D73-4A4A-BE30-B32148832BE2}" type="slidenum">
               <a:rPr b="0" lang="en-SE" sz="1200" strike="noStrike" u="none">
                 <a:solidFill>
                   <a:schemeClr val="lt1">
@@ -6298,12 +6650,14 @@
       </p:sp>
     </p:spTree>
   </p:cSld>
-</p:sldLayout>
+  <p:clrMap bg1="lt1" tx1="dk1" bg2="lt2" tx2="dk2" accent1="accent1" accent2="accent2" accent3="accent3" accent4="accent4" accent5="accent5" accent6="accent6" hlink="hlink" folHlink="folHlink"/>
+  <p:sldLayoutIdLst/>
+</p:sldMaster>
 </file>
 
-<file path=ppt/slideLayouts/slideLayout6.xml><?xml version="1.0" encoding="utf-8"?>
-<p:sldLayout xmlns:a="http://schemas.openxmlformats.org/drawingml/2006/main" xmlns:p="http://schemas.openxmlformats.org/presentationml/2006/main" xmlns:r="http://schemas.openxmlformats.org/officeDocument/2006/relationships" xmlns:p14="http://schemas.microsoft.com/office/powerpoint/2010/main" xmlns:p15="http://schemas.microsoft.com/office/powerpoint/2012/main" xmlns:mc="http://schemas.openxmlformats.org/markup-compatibility/2006" type="blank" preserve="1">
-  <p:cSld name="Section Header">
+<file path=ppt/slideMasters/slideMaster6.xml><?xml version="1.0" encoding="utf-8"?>
+<p:sldMaster xmlns:a="http://schemas.openxmlformats.org/drawingml/2006/main" xmlns:p="http://schemas.openxmlformats.org/presentationml/2006/main" xmlns:r="http://schemas.openxmlformats.org/officeDocument/2006/relationships" xmlns:p14="http://schemas.microsoft.com/office/powerpoint/2010/main" xmlns:p15="http://schemas.microsoft.com/office/powerpoint/2012/main" xmlns:mc="http://schemas.openxmlformats.org/markup-compatibility/2006">
+  <p:cSld>
     <p:bg>
       <p:bgPr>
         <a:gradFill rotWithShape="0">
@@ -6335,7 +6689,7 @@
       </p:grpSpPr>
       <p:pic>
         <p:nvPicPr>
-          <p:cNvPr id="36" name="Picture 11" descr=""/>
+          <p:cNvPr id="38" name="Picture 11" descr=""/>
           <p:cNvPicPr/>
           <p:nvPr/>
         </p:nvPicPr>
@@ -6359,24 +6713,13 @@
       </p:pic>
       <p:pic>
         <p:nvPicPr>
-          <p:cNvPr id="37" name="Picture 3" descr=""/>
+          <p:cNvPr id="39" name="Picture 3" descr=""/>
           <p:cNvPicPr/>
           <p:nvPr/>
         </p:nvPicPr>
         <p:blipFill>
           <a:blip r:embed="rId3">
             <a:alphaModFix amt="20000"/>
-            <a:extLst>
-              <a:ext uri="{BEBA8EAE-BF5A-486C-A8C5-ECC9F3942E4B}">
-                <a14:imgProps xmlns:a14="http://schemas.microsoft.com/office/drawing/2010/main">
-                  <a14:imgLayer r:embed="rId4">
-                    <a14:imgEffect>
-                      <a14:sharpenSoften amount="-100000"/>
-                    </a14:imgEffect>
-                  </a14:imgLayer>
-                </a14:imgProps>
-              </a:ext>
-            </a:extLst>
           </a:blip>
           <a:stretch/>
         </p:blipFill>
@@ -6396,7 +6739,7 @@
       </p:pic>
       <p:sp>
         <p:nvSpPr>
-          <p:cNvPr id="38" name="PlaceHolder 1"/>
+          <p:cNvPr id="40" name="PlaceHolder 1"/>
           <p:cNvSpPr>
             <a:spLocks noGrp="1"/>
           </p:cNvSpPr>
@@ -6452,7 +6795,7 @@
       </p:sp>
       <p:sp>
         <p:nvSpPr>
-          <p:cNvPr id="39" name="PlaceHolder 2"/>
+          <p:cNvPr id="41" name="PlaceHolder 2"/>
           <p:cNvSpPr>
             <a:spLocks noGrp="1"/>
           </p:cNvSpPr>
@@ -6478,14 +6821,19 @@
             <a:noAutofit/>
           </a:bodyPr>
           <a:p>
-            <a:pPr indent="0" defTabSz="914400">
+            <a:pPr marL="432000" indent="-324000" defTabSz="914400">
               <a:lnSpc>
                 <a:spcPct val="90000"/>
               </a:lnSpc>
               <a:spcBef>
                 <a:spcPts val="1001"/>
               </a:spcBef>
-              <a:buNone/>
+              <a:buClr>
+                <a:srgbClr val="ffffff"/>
+              </a:buClr>
+              <a:buSzPct val="45000"/>
+              <a:buFont typeface="Wingdings" charset="2"/>
+              <a:buChar char=""/>
               <a:tabLst>
                 <a:tab algn="l" pos="0"/>
               </a:tabLst>
@@ -6516,7 +6864,7 @@
       </p:sp>
       <p:sp>
         <p:nvSpPr>
-          <p:cNvPr id="40" name="PlaceHolder 3"/>
+          <p:cNvPr id="42" name="PlaceHolder 3"/>
           <p:cNvSpPr>
             <a:spLocks noGrp="1"/>
           </p:cNvSpPr>
@@ -6582,7 +6930,7 @@
       </p:sp>
       <p:sp>
         <p:nvSpPr>
-          <p:cNvPr id="41" name="PlaceHolder 4"/>
+          <p:cNvPr id="43" name="PlaceHolder 4"/>
           <p:cNvSpPr>
             <a:spLocks noGrp="1"/>
           </p:cNvSpPr>
@@ -6658,7 +7006,7 @@
       </p:sp>
       <p:sp>
         <p:nvSpPr>
-          <p:cNvPr id="42" name="PlaceHolder 5"/>
+          <p:cNvPr id="44" name="PlaceHolder 5"/>
           <p:cNvSpPr>
             <a:spLocks noGrp="1"/>
           </p:cNvSpPr>
@@ -6708,7 +7056,7 @@
               </a:lnSpc>
               <a:buNone/>
             </a:pPr>
-            <a:fld id="{D6D5F16A-3FD3-4D5C-B20C-F624EC110DCE}" type="slidenum">
+            <a:fld id="{6635D3A3-2B24-47E4-8AB7-736B5B792AF6}" type="slidenum">
               <a:rPr b="0" lang="en-SE" sz="1200" strike="noStrike" u="none">
                 <a:solidFill>
                   <a:schemeClr val="lt1">
@@ -6734,12 +7082,16 @@
       </p:sp>
     </p:spTree>
   </p:cSld>
-</p:sldLayout>
+  <p:clrMap bg1="lt1" tx1="dk1" bg2="lt2" tx2="dk2" accent1="accent1" accent2="accent2" accent3="accent3" accent4="accent4" accent5="accent5" accent6="accent6" hlink="hlink" folHlink="folHlink"/>
+  <p:sldLayoutIdLst>
+    <p:sldLayoutId id="2147483656" r:id="rId4"/>
+  </p:sldLayoutIdLst>
+</p:sldMaster>
 </file>
 
-<file path=ppt/slideLayouts/slideLayout7.xml><?xml version="1.0" encoding="utf-8"?>
-<p:sldLayout xmlns:a="http://schemas.openxmlformats.org/drawingml/2006/main" xmlns:p="http://schemas.openxmlformats.org/presentationml/2006/main" xmlns:r="http://schemas.openxmlformats.org/officeDocument/2006/relationships" xmlns:p14="http://schemas.microsoft.com/office/powerpoint/2010/main" xmlns:p15="http://schemas.microsoft.com/office/powerpoint/2012/main" xmlns:mc="http://schemas.openxmlformats.org/markup-compatibility/2006" type="twoObj" preserve="1">
-  <p:cSld name="Two Content">
+<file path=ppt/slideMasters/slideMaster7.xml><?xml version="1.0" encoding="utf-8"?>
+<p:sldMaster xmlns:a="http://schemas.openxmlformats.org/drawingml/2006/main" xmlns:p="http://schemas.openxmlformats.org/presentationml/2006/main" xmlns:r="http://schemas.openxmlformats.org/officeDocument/2006/relationships" xmlns:p14="http://schemas.microsoft.com/office/powerpoint/2010/main" xmlns:p15="http://schemas.microsoft.com/office/powerpoint/2012/main" xmlns:mc="http://schemas.openxmlformats.org/markup-compatibility/2006">
+  <p:cSld>
     <p:bg>
       <p:bgPr>
         <a:gradFill rotWithShape="0">
@@ -6771,7 +7123,7 @@
       </p:grpSpPr>
       <p:pic>
         <p:nvPicPr>
-          <p:cNvPr id="43" name="Picture 11" descr=""/>
+          <p:cNvPr id="45" name="Picture 11" descr=""/>
           <p:cNvPicPr/>
           <p:nvPr/>
         </p:nvPicPr>
@@ -6795,24 +7147,13 @@
       </p:pic>
       <p:pic>
         <p:nvPicPr>
-          <p:cNvPr id="44" name="Picture 3" descr=""/>
+          <p:cNvPr id="46" name="Picture 3" descr=""/>
           <p:cNvPicPr/>
           <p:nvPr/>
         </p:nvPicPr>
         <p:blipFill>
           <a:blip r:embed="rId3">
             <a:alphaModFix amt="20000"/>
-            <a:extLst>
-              <a:ext uri="{BEBA8EAE-BF5A-486C-A8C5-ECC9F3942E4B}">
-                <a14:imgProps xmlns:a14="http://schemas.microsoft.com/office/drawing/2010/main">
-                  <a14:imgLayer r:embed="rId4">
-                    <a14:imgEffect>
-                      <a14:sharpenSoften amount="-100000"/>
-                    </a14:imgEffect>
-                  </a14:imgLayer>
-                </a14:imgProps>
-              </a:ext>
-            </a:extLst>
           </a:blip>
           <a:stretch/>
         </p:blipFill>
@@ -6832,7 +7173,7 @@
       </p:pic>
       <p:sp>
         <p:nvSpPr>
-          <p:cNvPr id="45" name="PlaceHolder 1"/>
+          <p:cNvPr id="47" name="PlaceHolder 1"/>
           <p:cNvSpPr>
             <a:spLocks noGrp="1"/>
           </p:cNvSpPr>
@@ -6888,7 +7229,7 @@
       </p:sp>
       <p:sp>
         <p:nvSpPr>
-          <p:cNvPr id="46" name="PlaceHolder 2"/>
+          <p:cNvPr id="48" name="PlaceHolder 2"/>
           <p:cNvSpPr>
             <a:spLocks noGrp="1"/>
           </p:cNvSpPr>
@@ -6914,7 +7255,7 @@
             <a:noAutofit/>
           </a:bodyPr>
           <a:p>
-            <a:pPr marL="228600" indent="-228600" defTabSz="914400">
+            <a:pPr marL="432000" indent="-324000" defTabSz="914400">
               <a:lnSpc>
                 <a:spcPct val="90000"/>
               </a:lnSpc>
@@ -6924,8 +7265,9 @@
               <a:buClr>
                 <a:srgbClr val="ffffff"/>
               </a:buClr>
-              <a:buFont typeface="Arial"/>
-              <a:buChar char="•"/>
+              <a:buSzPct val="45000"/>
+              <a:buFont typeface="Wingdings" charset="2"/>
+              <a:buChar char=""/>
             </a:pPr>
             <a:r>
               <a:rPr b="0" lang="en-US" sz="2800" strike="noStrike" u="none">
@@ -6948,7 +7290,7 @@
             </a:endParaRPr>
           </a:p>
           <a:p>
-            <a:pPr lvl="1" marL="685800" indent="-228600" defTabSz="914400">
+            <a:pPr lvl="1" marL="864000" indent="-324000" defTabSz="914400">
               <a:lnSpc>
                 <a:spcPct val="90000"/>
               </a:lnSpc>
@@ -6958,8 +7300,9 @@
               <a:buClr>
                 <a:srgbClr val="ffffff"/>
               </a:buClr>
-              <a:buFont typeface="Arial"/>
-              <a:buChar char="•"/>
+              <a:buSzPct val="75000"/>
+              <a:buFont typeface="Symbol" charset="2"/>
+              <a:buChar char=""/>
             </a:pPr>
             <a:r>
               <a:rPr b="0" lang="en-US" sz="2400" strike="noStrike" u="none">
@@ -6982,7 +7325,7 @@
             </a:endParaRPr>
           </a:p>
           <a:p>
-            <a:pPr lvl="2" marL="1143000" indent="-228600" defTabSz="914400">
+            <a:pPr lvl="2" marL="1296000" indent="-288000" defTabSz="914400">
               <a:lnSpc>
                 <a:spcPct val="90000"/>
               </a:lnSpc>
@@ -6992,8 +7335,9 @@
               <a:buClr>
                 <a:srgbClr val="ffffff"/>
               </a:buClr>
-              <a:buFont typeface="Arial"/>
-              <a:buChar char="•"/>
+              <a:buSzPct val="45000"/>
+              <a:buFont typeface="Wingdings" charset="2"/>
+              <a:buChar char=""/>
             </a:pPr>
             <a:r>
               <a:rPr b="0" lang="en-US" sz="2000" strike="noStrike" u="none">
@@ -7016,7 +7360,7 @@
             </a:endParaRPr>
           </a:p>
           <a:p>
-            <a:pPr lvl="3" marL="1600200" indent="-228600" defTabSz="914400">
+            <a:pPr lvl="3" marL="1728000" indent="-216000" defTabSz="914400">
               <a:lnSpc>
                 <a:spcPct val="90000"/>
               </a:lnSpc>
@@ -7026,8 +7370,9 @@
               <a:buClr>
                 <a:srgbClr val="ffffff"/>
               </a:buClr>
-              <a:buFont typeface="Arial"/>
-              <a:buChar char="•"/>
+              <a:buSzPct val="75000"/>
+              <a:buFont typeface="Symbol" charset="2"/>
+              <a:buChar char=""/>
             </a:pPr>
             <a:r>
               <a:rPr b="0" lang="en-US" sz="1800" strike="noStrike" u="none">
@@ -7050,7 +7395,7 @@
             </a:endParaRPr>
           </a:p>
           <a:p>
-            <a:pPr lvl="4" marL="2057400" indent="-228600" defTabSz="914400">
+            <a:pPr lvl="4" marL="2160000" indent="-216000" defTabSz="914400">
               <a:lnSpc>
                 <a:spcPct val="90000"/>
               </a:lnSpc>
@@ -7060,8 +7405,9 @@
               <a:buClr>
                 <a:srgbClr val="ffffff"/>
               </a:buClr>
-              <a:buFont typeface="Arial"/>
-              <a:buChar char="•"/>
+              <a:buSzPct val="45000"/>
+              <a:buFont typeface="Wingdings" charset="2"/>
+              <a:buChar char=""/>
             </a:pPr>
             <a:r>
               <a:rPr b="0" lang="en-US" sz="1800" strike="noStrike" u="none">
@@ -7087,7 +7433,7 @@
       </p:sp>
       <p:sp>
         <p:nvSpPr>
-          <p:cNvPr id="47" name="PlaceHolder 3"/>
+          <p:cNvPr id="49" name="PlaceHolder 3"/>
           <p:cNvSpPr>
             <a:spLocks noGrp="1"/>
           </p:cNvSpPr>
@@ -7286,7 +7632,7 @@
       </p:sp>
       <p:sp>
         <p:nvSpPr>
-          <p:cNvPr id="48" name="PlaceHolder 4"/>
+          <p:cNvPr id="50" name="PlaceHolder 4"/>
           <p:cNvSpPr>
             <a:spLocks noGrp="1"/>
           </p:cNvSpPr>
@@ -7352,7 +7698,7 @@
       </p:sp>
       <p:sp>
         <p:nvSpPr>
-          <p:cNvPr id="49" name="PlaceHolder 5"/>
+          <p:cNvPr id="51" name="PlaceHolder 5"/>
           <p:cNvSpPr>
             <a:spLocks noGrp="1"/>
           </p:cNvSpPr>
@@ -7428,7 +7774,7 @@
       </p:sp>
       <p:sp>
         <p:nvSpPr>
-          <p:cNvPr id="50" name="PlaceHolder 6"/>
+          <p:cNvPr id="52" name="PlaceHolder 6"/>
           <p:cNvSpPr>
             <a:spLocks noGrp="1"/>
           </p:cNvSpPr>
@@ -7478,7 +7824,7 @@
               </a:lnSpc>
               <a:buNone/>
             </a:pPr>
-            <a:fld id="{82101FF3-A6BC-4DBF-BBE1-040F7EB273C3}" type="slidenum">
+            <a:fld id="{30D32C53-E4BC-413A-BA44-74DC6E78D72A}" type="slidenum">
               <a:rPr b="0" lang="en-SE" sz="1200" strike="noStrike" u="none">
                 <a:solidFill>
                   <a:schemeClr val="lt1">
@@ -7504,12 +7850,14 @@
       </p:sp>
     </p:spTree>
   </p:cSld>
-</p:sldLayout>
+  <p:clrMap bg1="lt1" tx1="dk1" bg2="lt2" tx2="dk2" accent1="accent1" accent2="accent2" accent3="accent3" accent4="accent4" accent5="accent5" accent6="accent6" hlink="hlink" folHlink="folHlink"/>
+  <p:sldLayoutIdLst/>
+</p:sldMaster>
 </file>
 
-<file path=ppt/slideLayouts/slideLayout8.xml><?xml version="1.0" encoding="utf-8"?>
-<p:sldLayout xmlns:a="http://schemas.openxmlformats.org/drawingml/2006/main" xmlns:p="http://schemas.openxmlformats.org/presentationml/2006/main" xmlns:r="http://schemas.openxmlformats.org/officeDocument/2006/relationships" xmlns:p14="http://schemas.microsoft.com/office/powerpoint/2010/main" xmlns:p15="http://schemas.microsoft.com/office/powerpoint/2012/main" xmlns:mc="http://schemas.openxmlformats.org/markup-compatibility/2006" type="blank" preserve="1">
-  <p:cSld name="Comparison">
+<file path=ppt/slideMasters/slideMaster8.xml><?xml version="1.0" encoding="utf-8"?>
+<p:sldMaster xmlns:a="http://schemas.openxmlformats.org/drawingml/2006/main" xmlns:p="http://schemas.openxmlformats.org/presentationml/2006/main" xmlns:r="http://schemas.openxmlformats.org/officeDocument/2006/relationships" xmlns:p14="http://schemas.microsoft.com/office/powerpoint/2010/main" xmlns:p15="http://schemas.microsoft.com/office/powerpoint/2012/main" xmlns:mc="http://schemas.openxmlformats.org/markup-compatibility/2006">
+  <p:cSld>
     <p:bg>
       <p:bgPr>
         <a:gradFill rotWithShape="0">
@@ -7541,7 +7889,7 @@
       </p:grpSpPr>
       <p:pic>
         <p:nvPicPr>
-          <p:cNvPr id="51" name="Picture 11" descr=""/>
+          <p:cNvPr id="53" name="Picture 11" descr=""/>
           <p:cNvPicPr/>
           <p:nvPr/>
         </p:nvPicPr>
@@ -7565,24 +7913,13 @@
       </p:pic>
       <p:pic>
         <p:nvPicPr>
-          <p:cNvPr id="52" name="Picture 3" descr=""/>
+          <p:cNvPr id="54" name="Picture 3" descr=""/>
           <p:cNvPicPr/>
           <p:nvPr/>
         </p:nvPicPr>
         <p:blipFill>
           <a:blip r:embed="rId3">
             <a:alphaModFix amt="20000"/>
-            <a:extLst>
-              <a:ext uri="{BEBA8EAE-BF5A-486C-A8C5-ECC9F3942E4B}">
-                <a14:imgProps xmlns:a14="http://schemas.microsoft.com/office/drawing/2010/main">
-                  <a14:imgLayer r:embed="rId4">
-                    <a14:imgEffect>
-                      <a14:sharpenSoften amount="-100000"/>
-                    </a14:imgEffect>
-                  </a14:imgLayer>
-                </a14:imgProps>
-              </a:ext>
-            </a:extLst>
           </a:blip>
           <a:stretch/>
         </p:blipFill>
@@ -7602,7 +7939,7 @@
       </p:pic>
       <p:sp>
         <p:nvSpPr>
-          <p:cNvPr id="53" name="PlaceHolder 1"/>
+          <p:cNvPr id="55" name="PlaceHolder 1"/>
           <p:cNvSpPr>
             <a:spLocks noGrp="1"/>
           </p:cNvSpPr>
@@ -7658,7 +7995,7 @@
       </p:sp>
       <p:sp>
         <p:nvSpPr>
-          <p:cNvPr id="54" name="PlaceHolder 2"/>
+          <p:cNvPr id="56" name="PlaceHolder 2"/>
           <p:cNvSpPr>
             <a:spLocks noGrp="1"/>
           </p:cNvSpPr>
@@ -7684,14 +8021,19 @@
             <a:noAutofit/>
           </a:bodyPr>
           <a:p>
-            <a:pPr indent="0" defTabSz="914400">
+            <a:pPr marL="432000" indent="-324000" defTabSz="914400">
               <a:lnSpc>
                 <a:spcPct val="90000"/>
               </a:lnSpc>
               <a:spcBef>
                 <a:spcPts val="1001"/>
               </a:spcBef>
-              <a:buNone/>
+              <a:buClr>
+                <a:srgbClr val="ffffff"/>
+              </a:buClr>
+              <a:buSzPct val="45000"/>
+              <a:buFont typeface="Wingdings" charset="2"/>
+              <a:buChar char=""/>
               <a:tabLst>
                 <a:tab algn="l" pos="0"/>
               </a:tabLst>
@@ -7720,7 +8062,7 @@
       </p:sp>
       <p:sp>
         <p:nvSpPr>
-          <p:cNvPr id="55" name="PlaceHolder 3"/>
+          <p:cNvPr id="57" name="PlaceHolder 3"/>
           <p:cNvSpPr>
             <a:spLocks noGrp="1"/>
           </p:cNvSpPr>
@@ -7919,7 +8261,7 @@
       </p:sp>
       <p:sp>
         <p:nvSpPr>
-          <p:cNvPr id="56" name="PlaceHolder 4"/>
+          <p:cNvPr id="58" name="PlaceHolder 4"/>
           <p:cNvSpPr>
             <a:spLocks noGrp="1"/>
           </p:cNvSpPr>
@@ -7981,7 +8323,7 @@
       </p:sp>
       <p:sp>
         <p:nvSpPr>
-          <p:cNvPr id="57" name="PlaceHolder 5"/>
+          <p:cNvPr id="59" name="PlaceHolder 5"/>
           <p:cNvSpPr>
             <a:spLocks noGrp="1"/>
           </p:cNvSpPr>
@@ -8180,7 +8522,7 @@
       </p:sp>
       <p:sp>
         <p:nvSpPr>
-          <p:cNvPr id="58" name="PlaceHolder 6"/>
+          <p:cNvPr id="60" name="PlaceHolder 6"/>
           <p:cNvSpPr>
             <a:spLocks noGrp="1"/>
           </p:cNvSpPr>
@@ -8246,7 +8588,7 @@
       </p:sp>
       <p:sp>
         <p:nvSpPr>
-          <p:cNvPr id="59" name="PlaceHolder 7"/>
+          <p:cNvPr id="61" name="PlaceHolder 7"/>
           <p:cNvSpPr>
             <a:spLocks noGrp="1"/>
           </p:cNvSpPr>
@@ -8322,7 +8664,7 @@
       </p:sp>
       <p:sp>
         <p:nvSpPr>
-          <p:cNvPr id="60" name="PlaceHolder 8"/>
+          <p:cNvPr id="62" name="PlaceHolder 8"/>
           <p:cNvSpPr>
             <a:spLocks noGrp="1"/>
           </p:cNvSpPr>
@@ -8372,7 +8714,7 @@
               </a:lnSpc>
               <a:buNone/>
             </a:pPr>
-            <a:fld id="{BB4E555E-076A-4CE4-ACC8-620804ACBFCF}" type="slidenum">
+            <a:fld id="{B156DF7B-BA3B-4F5B-B67E-B6FD9CED5554}" type="slidenum">
               <a:rPr b="0" lang="en-SE" sz="1200" strike="noStrike" u="none">
                 <a:solidFill>
                   <a:schemeClr val="lt1">
@@ -8398,12 +8740,14 @@
       </p:sp>
     </p:spTree>
   </p:cSld>
-</p:sldLayout>
+  <p:clrMap bg1="lt1" tx1="dk1" bg2="lt2" tx2="dk2" accent1="accent1" accent2="accent2" accent3="accent3" accent4="accent4" accent5="accent5" accent6="accent6" hlink="hlink" folHlink="folHlink"/>
+  <p:sldLayoutIdLst/>
+</p:sldMaster>
 </file>
 
-<file path=ppt/slideLayouts/slideLayout9.xml><?xml version="1.0" encoding="utf-8"?>
-<p:sldLayout xmlns:a="http://schemas.openxmlformats.org/drawingml/2006/main" xmlns:p="http://schemas.openxmlformats.org/presentationml/2006/main" xmlns:r="http://schemas.openxmlformats.org/officeDocument/2006/relationships" xmlns:p14="http://schemas.microsoft.com/office/powerpoint/2010/main" xmlns:p15="http://schemas.microsoft.com/office/powerpoint/2012/main" xmlns:mc="http://schemas.openxmlformats.org/markup-compatibility/2006" type="titleOnly" preserve="1">
-  <p:cSld name="Title Only">
+<file path=ppt/slideMasters/slideMaster9.xml><?xml version="1.0" encoding="utf-8"?>
+<p:sldMaster xmlns:a="http://schemas.openxmlformats.org/drawingml/2006/main" xmlns:p="http://schemas.openxmlformats.org/presentationml/2006/main" xmlns:r="http://schemas.openxmlformats.org/officeDocument/2006/relationships" xmlns:p14="http://schemas.microsoft.com/office/powerpoint/2010/main" xmlns:p15="http://schemas.microsoft.com/office/powerpoint/2012/main" xmlns:mc="http://schemas.openxmlformats.org/markup-compatibility/2006">
+  <p:cSld>
     <p:bg>
       <p:bgPr>
         <a:gradFill rotWithShape="0">
@@ -8435,7 +8779,7 @@
       </p:grpSpPr>
       <p:pic>
         <p:nvPicPr>
-          <p:cNvPr id="61" name="Picture 11" descr=""/>
+          <p:cNvPr id="63" name="Picture 11" descr=""/>
           <p:cNvPicPr/>
           <p:nvPr/>
         </p:nvPicPr>
@@ -8459,24 +8803,13 @@
       </p:pic>
       <p:pic>
         <p:nvPicPr>
-          <p:cNvPr id="62" name="Picture 3" descr=""/>
+          <p:cNvPr id="64" name="Picture 3" descr=""/>
           <p:cNvPicPr/>
           <p:nvPr/>
         </p:nvPicPr>
         <p:blipFill>
           <a:blip r:embed="rId3">
             <a:alphaModFix amt="20000"/>
-            <a:extLst>
-              <a:ext uri="{BEBA8EAE-BF5A-486C-A8C5-ECC9F3942E4B}">
-                <a14:imgProps xmlns:a14="http://schemas.microsoft.com/office/drawing/2010/main">
-                  <a14:imgLayer r:embed="rId4">
-                    <a14:imgEffect>
-                      <a14:sharpenSoften amount="-100000"/>
-                    </a14:imgEffect>
-                  </a14:imgLayer>
-                </a14:imgProps>
-              </a:ext>
-            </a:extLst>
           </a:blip>
           <a:stretch/>
         </p:blipFill>
@@ -8496,7 +8829,7 @@
       </p:pic>
       <p:sp>
         <p:nvSpPr>
-          <p:cNvPr id="63" name="PlaceHolder 1"/>
+          <p:cNvPr id="65" name="PlaceHolder 1"/>
           <p:cNvSpPr>
             <a:spLocks noGrp="1"/>
           </p:cNvSpPr>
@@ -8552,7 +8885,7 @@
       </p:sp>
       <p:sp>
         <p:nvSpPr>
-          <p:cNvPr id="64" name="PlaceHolder 2"/>
+          <p:cNvPr id="66" name="PlaceHolder 2"/>
           <p:cNvSpPr>
             <a:spLocks noGrp="1"/>
           </p:cNvSpPr>
@@ -8618,7 +8951,7 @@
       </p:sp>
       <p:sp>
         <p:nvSpPr>
-          <p:cNvPr id="65" name="PlaceHolder 3"/>
+          <p:cNvPr id="67" name="PlaceHolder 3"/>
           <p:cNvSpPr>
             <a:spLocks noGrp="1"/>
           </p:cNvSpPr>
@@ -8694,7 +9027,7 @@
       </p:sp>
       <p:sp>
         <p:nvSpPr>
-          <p:cNvPr id="66" name="PlaceHolder 4"/>
+          <p:cNvPr id="68" name="PlaceHolder 4"/>
           <p:cNvSpPr>
             <a:spLocks noGrp="1"/>
           </p:cNvSpPr>
@@ -8744,7 +9077,7 @@
               </a:lnSpc>
               <a:buNone/>
             </a:pPr>
-            <a:fld id="{9EE81D55-0F9F-4BB4-91A3-D67D79B2F06F}" type="slidenum">
+            <a:fld id="{A33F01F7-5D5F-4BC9-ADD4-18E4A6376578}" type="slidenum">
               <a:rPr b="0" lang="en-SE" sz="1200" strike="noStrike" u="none">
                 <a:solidFill>
                   <a:schemeClr val="lt1">
@@ -8770,43 +9103,8 @@
       </p:sp>
     </p:spTree>
   </p:cSld>
-</p:sldLayout>
-</file>
-
-<file path=ppt/slideMasters/slideMaster1.xml><?xml version="1.0" encoding="utf-8"?>
-<p:sldMaster xmlns:a="http://schemas.openxmlformats.org/drawingml/2006/main" xmlns:p="http://schemas.openxmlformats.org/presentationml/2006/main" xmlns:r="http://schemas.openxmlformats.org/officeDocument/2006/relationships" xmlns:p14="http://schemas.microsoft.com/office/powerpoint/2010/main" xmlns:p15="http://schemas.microsoft.com/office/powerpoint/2012/main" xmlns:mc="http://schemas.openxmlformats.org/markup-compatibility/2006">
-  <p:cSld>
-    <p:spTree>
-      <p:nvGrpSpPr>
-        <p:cNvPr id="1" name=""/>
-        <p:cNvGrpSpPr/>
-        <p:nvPr/>
-      </p:nvGrpSpPr>
-      <p:grpSpPr>
-        <a:xfrm>
-          <a:off x="0" y="0"/>
-          <a:ext cx="0" cy="0"/>
-          <a:chOff x="0" y="0"/>
-          <a:chExt cx="0" cy="0"/>
-        </a:xfrm>
-      </p:grpSpPr>
-    </p:spTree>
-  </p:cSld>
-  <p:clrMap bg1="dk1" tx1="lt1" bg2="dk2" tx2="lt2" accent1="accent1" accent2="accent2" accent3="accent3" accent4="accent4" accent5="accent5" accent6="accent6" hlink="hlink" folHlink="folHlink"/>
-  <p:sldLayoutIdLst>
-    <p:sldLayoutId id="2147483649" r:id="rId2"/>
-    <p:sldLayoutId id="2147483650" r:id="rId3"/>
-    <p:sldLayoutId id="2147483651" r:id="rId4"/>
-    <p:sldLayoutId id="2147483652" r:id="rId5"/>
-    <p:sldLayoutId id="2147483653" r:id="rId6"/>
-    <p:sldLayoutId id="2147483654" r:id="rId7"/>
-    <p:sldLayoutId id="2147483655" r:id="rId8"/>
-    <p:sldLayoutId id="2147483656" r:id="rId9"/>
-    <p:sldLayoutId id="2147483657" r:id="rId10"/>
-    <p:sldLayoutId id="2147483658" r:id="rId11"/>
-    <p:sldLayoutId id="2147483659" r:id="rId12"/>
-    <p:sldLayoutId id="2147483660" r:id="rId13"/>
-  </p:sldLayoutIdLst>
+  <p:clrMap bg1="lt1" tx1="dk1" bg2="lt2" tx2="dk2" accent1="accent1" accent2="accent2" accent3="accent3" accent4="accent4" accent5="accent5" accent6="accent6" hlink="hlink" folHlink="folHlink"/>
+  <p:sldLayoutIdLst/>
 </p:sldMaster>
 </file>
 
@@ -8829,7 +9127,7 @@
       </p:grpSpPr>
       <p:sp>
         <p:nvSpPr>
-          <p:cNvPr id="95" name="PlaceHolder 1"/>
+          <p:cNvPr id="97" name="PlaceHolder 1"/>
           <p:cNvSpPr>
             <a:spLocks noGrp="1"/>
           </p:cNvSpPr>
@@ -8885,7 +9183,7 @@
       </p:sp>
       <p:sp>
         <p:nvSpPr>
-          <p:cNvPr id="96" name="PlaceHolder 2"/>
+          <p:cNvPr id="98" name="PlaceHolder 2"/>
           <p:cNvSpPr>
             <a:spLocks noGrp="1"/>
           </p:cNvSpPr>
@@ -8957,7 +9255,7 @@
       </p:grpSpPr>
       <p:sp>
         <p:nvSpPr>
-          <p:cNvPr id="113" name="PlaceHolder 1"/>
+          <p:cNvPr id="115" name="PlaceHolder 1"/>
           <p:cNvSpPr>
             <a:spLocks noGrp="1"/>
           </p:cNvSpPr>
@@ -9013,7 +9311,7 @@
       </p:sp>
       <p:sp>
         <p:nvSpPr>
-          <p:cNvPr id="114" name="PlaceHolder 2"/>
+          <p:cNvPr id="116" name="PlaceHolder 2"/>
           <p:cNvSpPr>
             <a:spLocks noGrp="1"/>
           </p:cNvSpPr>
@@ -9068,7 +9366,7 @@
             <a:spLocks noGrp="1"/>
           </p:cNvSpPr>
           <p:nvPr>
-            <p:ph type="ftr" idx="1"/>
+            <p:ph type="ftr" idx="16"/>
           </p:nvPr>
         </p:nvSpPr>
         <p:spPr/>
@@ -9088,14 +9386,14 @@
             <a:spLocks noGrp="1"/>
           </p:cNvSpPr>
           <p:nvPr>
-            <p:ph type="sldNum" idx="2"/>
+            <p:ph type="sldNum" idx="17"/>
           </p:nvPr>
         </p:nvSpPr>
         <p:spPr/>
         <p:txBody>
           <a:bodyPr/>
           <a:p>
-            <a:fld id="{D65C335C-0514-4F82-93FA-2AA193EBFD3F}" type="slidenum">
+            <a:fld id="{70B252A2-0D9E-4CD6-AC02-6FE27DC1E093}" type="slidenum">
               <a:t>10</a:t>
             </a:fld>
           </a:p>
@@ -9133,7 +9431,7 @@
       </p:grpSpPr>
       <p:sp>
         <p:nvSpPr>
-          <p:cNvPr id="115" name="PlaceHolder 1"/>
+          <p:cNvPr id="117" name="PlaceHolder 1"/>
           <p:cNvSpPr>
             <a:spLocks noGrp="1"/>
           </p:cNvSpPr>
@@ -9189,7 +9487,7 @@
       </p:sp>
       <p:sp>
         <p:nvSpPr>
-          <p:cNvPr id="116" name="PlaceHolder 2"/>
+          <p:cNvPr id="118" name="PlaceHolder 2"/>
           <p:cNvSpPr>
             <a:spLocks noGrp="1"/>
           </p:cNvSpPr>
@@ -9563,7 +9861,7 @@
             <a:spLocks noGrp="1"/>
           </p:cNvSpPr>
           <p:nvPr>
-            <p:ph type="ftr" idx="1"/>
+            <p:ph type="ftr" idx="10"/>
           </p:nvPr>
         </p:nvSpPr>
         <p:spPr/>
@@ -9583,14 +9881,14 @@
             <a:spLocks noGrp="1"/>
           </p:cNvSpPr>
           <p:nvPr>
-            <p:ph type="sldNum" idx="2"/>
+            <p:ph type="sldNum" idx="11"/>
           </p:nvPr>
         </p:nvSpPr>
         <p:spPr/>
         <p:txBody>
           <a:bodyPr/>
           <a:p>
-            <a:fld id="{0B600767-98BE-4BA5-AF77-3802AE004CF8}" type="slidenum">
+            <a:fld id="{1B4D3B44-1D05-452D-ADD7-0AE92C7A713F}" type="slidenum">
               <a:t>11</a:t>
             </a:fld>
           </a:p>
@@ -9628,7 +9926,7 @@
       </p:grpSpPr>
       <p:sp>
         <p:nvSpPr>
-          <p:cNvPr id="117" name="PlaceHolder 1"/>
+          <p:cNvPr id="119" name="PlaceHolder 1"/>
           <p:cNvSpPr>
             <a:spLocks noGrp="1"/>
           </p:cNvSpPr>
@@ -9684,7 +9982,7 @@
       </p:sp>
       <p:sp>
         <p:nvSpPr>
-          <p:cNvPr id="118" name="PlaceHolder 2"/>
+          <p:cNvPr id="120" name="PlaceHolder 2"/>
           <p:cNvSpPr>
             <a:spLocks noGrp="1"/>
           </p:cNvSpPr>
@@ -9873,7 +10171,7 @@
             <a:spLocks noGrp="1"/>
           </p:cNvSpPr>
           <p:nvPr>
-            <p:ph type="ftr" idx="1"/>
+            <p:ph type="ftr" idx="10"/>
           </p:nvPr>
         </p:nvSpPr>
         <p:spPr/>
@@ -9893,14 +10191,14 @@
             <a:spLocks noGrp="1"/>
           </p:cNvSpPr>
           <p:nvPr>
-            <p:ph type="sldNum" idx="2"/>
+            <p:ph type="sldNum" idx="11"/>
           </p:nvPr>
         </p:nvSpPr>
         <p:spPr/>
         <p:txBody>
           <a:bodyPr/>
           <a:p>
-            <a:fld id="{38572C71-2721-4183-A542-776A9DA74E52}" type="slidenum">
+            <a:fld id="{834BDDE0-00E5-445C-9CFF-C74EA575B8AB}" type="slidenum">
               <a:t>12</a:t>
             </a:fld>
           </a:p>
@@ -9938,7 +10236,7 @@
       </p:grpSpPr>
       <p:sp>
         <p:nvSpPr>
-          <p:cNvPr id="119" name="PlaceHolder 1"/>
+          <p:cNvPr id="121" name="PlaceHolder 1"/>
           <p:cNvSpPr>
             <a:spLocks noGrp="1"/>
           </p:cNvSpPr>
@@ -9994,7 +10292,7 @@
       </p:sp>
       <p:sp>
         <p:nvSpPr>
-          <p:cNvPr id="120" name="PlaceHolder 2"/>
+          <p:cNvPr id="122" name="PlaceHolder 2"/>
           <p:cNvSpPr>
             <a:spLocks noGrp="1"/>
           </p:cNvSpPr>
@@ -10251,7 +10549,7 @@
             <a:spLocks noGrp="1"/>
           </p:cNvSpPr>
           <p:nvPr>
-            <p:ph type="ftr" idx="1"/>
+            <p:ph type="ftr" idx="10"/>
           </p:nvPr>
         </p:nvSpPr>
         <p:spPr/>
@@ -10271,14 +10569,14 @@
             <a:spLocks noGrp="1"/>
           </p:cNvSpPr>
           <p:nvPr>
-            <p:ph type="sldNum" idx="2"/>
+            <p:ph type="sldNum" idx="11"/>
           </p:nvPr>
         </p:nvSpPr>
         <p:spPr/>
         <p:txBody>
           <a:bodyPr/>
           <a:p>
-            <a:fld id="{C69B1FBF-687F-419C-8146-9EF44AB23E93}" type="slidenum">
+            <a:fld id="{2BAA6858-CAFA-4C40-8813-38EAA0669444}" type="slidenum">
               <a:t>13</a:t>
             </a:fld>
           </a:p>
@@ -10316,7 +10614,7 @@
       </p:grpSpPr>
       <p:sp>
         <p:nvSpPr>
-          <p:cNvPr id="121" name="PlaceHolder 1"/>
+          <p:cNvPr id="123" name="PlaceHolder 1"/>
           <p:cNvSpPr>
             <a:spLocks noGrp="1"/>
           </p:cNvSpPr>
@@ -10372,7 +10670,7 @@
       </p:sp>
       <p:sp>
         <p:nvSpPr>
-          <p:cNvPr id="122" name="PlaceHolder 2"/>
+          <p:cNvPr id="124" name="PlaceHolder 2"/>
           <p:cNvSpPr>
             <a:spLocks noGrp="1"/>
           </p:cNvSpPr>
@@ -10969,7 +11267,7 @@
             <a:spLocks noGrp="1"/>
           </p:cNvSpPr>
           <p:nvPr>
-            <p:ph type="ftr" idx="1"/>
+            <p:ph type="ftr" idx="10"/>
           </p:nvPr>
         </p:nvSpPr>
         <p:spPr/>
@@ -10989,14 +11287,14 @@
             <a:spLocks noGrp="1"/>
           </p:cNvSpPr>
           <p:nvPr>
-            <p:ph type="sldNum" idx="2"/>
+            <p:ph type="sldNum" idx="11"/>
           </p:nvPr>
         </p:nvSpPr>
         <p:spPr/>
         <p:txBody>
           <a:bodyPr/>
           <a:p>
-            <a:fld id="{7F4A6192-ADF0-4E3F-B28C-6C9069B38D3B}" type="slidenum">
+            <a:fld id="{3AB923CC-D1E0-4942-9A95-0254BAEF8A84}" type="slidenum">
               <a:t>14</a:t>
             </a:fld>
           </a:p>
@@ -11034,7 +11332,7 @@
       </p:grpSpPr>
       <p:sp>
         <p:nvSpPr>
-          <p:cNvPr id="123" name="PlaceHolder 1"/>
+          <p:cNvPr id="125" name="PlaceHolder 1"/>
           <p:cNvSpPr>
             <a:spLocks noGrp="1"/>
           </p:cNvSpPr>
@@ -11090,7 +11388,7 @@
       </p:sp>
       <p:sp>
         <p:nvSpPr>
-          <p:cNvPr id="124" name="PlaceHolder 2"/>
+          <p:cNvPr id="126" name="PlaceHolder 2"/>
           <p:cNvSpPr>
             <a:spLocks noGrp="1"/>
           </p:cNvSpPr>
@@ -11468,7 +11766,7 @@
             <a:spLocks noGrp="1"/>
           </p:cNvSpPr>
           <p:nvPr>
-            <p:ph type="ftr" idx="1"/>
+            <p:ph type="ftr" idx="10"/>
           </p:nvPr>
         </p:nvSpPr>
         <p:spPr/>
@@ -11488,14 +11786,14 @@
             <a:spLocks noGrp="1"/>
           </p:cNvSpPr>
           <p:nvPr>
-            <p:ph type="sldNum" idx="2"/>
+            <p:ph type="sldNum" idx="11"/>
           </p:nvPr>
         </p:nvSpPr>
         <p:spPr/>
         <p:txBody>
           <a:bodyPr/>
           <a:p>
-            <a:fld id="{4F6BC483-6DF4-4B43-A501-4315618E90DC}" type="slidenum">
+            <a:fld id="{25F5B361-C0C8-4769-9ACE-7B39280115D7}" type="slidenum">
               <a:t>15</a:t>
             </a:fld>
           </a:p>
@@ -11533,7 +11831,7 @@
       </p:grpSpPr>
       <p:sp>
         <p:nvSpPr>
-          <p:cNvPr id="125" name="PlaceHolder 1"/>
+          <p:cNvPr id="127" name="PlaceHolder 1"/>
           <p:cNvSpPr>
             <a:spLocks noGrp="1"/>
           </p:cNvSpPr>
@@ -11589,7 +11887,7 @@
       </p:sp>
       <p:sp>
         <p:nvSpPr>
-          <p:cNvPr id="126" name="PlaceHolder 2"/>
+          <p:cNvPr id="128" name="PlaceHolder 2"/>
           <p:cNvSpPr>
             <a:spLocks noGrp="1"/>
           </p:cNvSpPr>
@@ -11784,6 +12082,40 @@
               <a:latin typeface="Aptos"/>
             </a:endParaRPr>
           </a:p>
+          <a:p>
+            <a:pPr lvl="1" marL="685800" indent="-228600" defTabSz="914400">
+              <a:lnSpc>
+                <a:spcPct val="90000"/>
+              </a:lnSpc>
+              <a:spcBef>
+                <a:spcPts val="499"/>
+              </a:spcBef>
+              <a:buClr>
+                <a:srgbClr val="ffffff"/>
+              </a:buClr>
+              <a:buFont typeface="Arial"/>
+              <a:buChar char="•"/>
+            </a:pPr>
+            <a:r>
+              <a:rPr b="0" lang="en-GB" sz="2400" strike="noStrike" u="none">
+                <a:solidFill>
+                  <a:schemeClr val="lt1"/>
+                </a:solidFill>
+                <a:effectLst/>
+                <a:uFillTx/>
+                <a:latin typeface="Arial"/>
+              </a:rPr>
+              <a:t>Gource</a:t>
+            </a:r>
+            <a:endParaRPr b="0" lang="en-SE" sz="2400" strike="noStrike" u="none">
+              <a:solidFill>
+                <a:schemeClr val="lt1"/>
+              </a:solidFill>
+              <a:effectLst/>
+              <a:uFillTx/>
+              <a:latin typeface="Aptos"/>
+            </a:endParaRPr>
+          </a:p>
         </p:txBody>
       </p:sp>
       <p:sp>
@@ -11793,7 +12125,7 @@
             <a:spLocks noGrp="1"/>
           </p:cNvSpPr>
           <p:nvPr>
-            <p:ph type="ftr" idx="1"/>
+            <p:ph type="ftr" idx="10"/>
           </p:nvPr>
         </p:nvSpPr>
         <p:spPr/>
@@ -11813,14 +12145,14 @@
             <a:spLocks noGrp="1"/>
           </p:cNvSpPr>
           <p:nvPr>
-            <p:ph type="sldNum" idx="2"/>
+            <p:ph type="sldNum" idx="11"/>
           </p:nvPr>
         </p:nvSpPr>
         <p:spPr/>
         <p:txBody>
           <a:bodyPr/>
           <a:p>
-            <a:fld id="{96CD046D-5FDB-41EA-A2A8-4BE7180A1E40}" type="slidenum">
+            <a:fld id="{7FDCB191-399C-43CF-A637-DE7C41929118}" type="slidenum">
               <a:t>16</a:t>
             </a:fld>
           </a:p>
@@ -11858,7 +12190,7 @@
       </p:grpSpPr>
       <p:sp>
         <p:nvSpPr>
-          <p:cNvPr id="127" name="PlaceHolder 1"/>
+          <p:cNvPr id="129" name="PlaceHolder 1"/>
           <p:cNvSpPr>
             <a:spLocks noGrp="1"/>
           </p:cNvSpPr>
@@ -11914,7 +12246,7 @@
       </p:sp>
       <p:sp>
         <p:nvSpPr>
-          <p:cNvPr id="128" name="PlaceHolder 2"/>
+          <p:cNvPr id="130" name="PlaceHolder 2"/>
           <p:cNvSpPr>
             <a:spLocks noGrp="1"/>
           </p:cNvSpPr>
@@ -12154,7 +12486,7 @@
             <a:spLocks noGrp="1"/>
           </p:cNvSpPr>
           <p:nvPr>
-            <p:ph type="ftr" idx="1"/>
+            <p:ph type="ftr" idx="31"/>
           </p:nvPr>
         </p:nvSpPr>
         <p:spPr/>
@@ -12174,14 +12506,14 @@
             <a:spLocks noGrp="1"/>
           </p:cNvSpPr>
           <p:nvPr>
-            <p:ph type="sldNum" idx="2"/>
+            <p:ph type="sldNum" idx="32"/>
           </p:nvPr>
         </p:nvSpPr>
         <p:spPr/>
         <p:txBody>
           <a:bodyPr/>
           <a:p>
-            <a:fld id="{AE17DC2A-9C55-4E17-BBD9-04A945A153AA}" type="slidenum">
+            <a:fld id="{71170046-0339-4AB4-AD5E-7DB82D8DB784}" type="slidenum">
               <a:t>17</a:t>
             </a:fld>
           </a:p>
@@ -12219,7 +12551,7 @@
       </p:grpSpPr>
       <p:sp>
         <p:nvSpPr>
-          <p:cNvPr id="129" name="PlaceHolder 1"/>
+          <p:cNvPr id="131" name="PlaceHolder 1"/>
           <p:cNvSpPr>
             <a:spLocks noGrp="1"/>
           </p:cNvSpPr>
@@ -12275,7 +12607,7 @@
       </p:sp>
       <p:sp>
         <p:nvSpPr>
-          <p:cNvPr id="130" name="PlaceHolder 2"/>
+          <p:cNvPr id="132" name="PlaceHolder 2"/>
           <p:cNvSpPr>
             <a:spLocks noGrp="1"/>
           </p:cNvSpPr>
@@ -12330,7 +12662,7 @@
             <a:spLocks noGrp="1"/>
           </p:cNvSpPr>
           <p:nvPr>
-            <p:ph type="ftr" idx="1"/>
+            <p:ph type="ftr" idx="16"/>
           </p:nvPr>
         </p:nvSpPr>
         <p:spPr/>
@@ -12350,14 +12682,14 @@
             <a:spLocks noGrp="1"/>
           </p:cNvSpPr>
           <p:nvPr>
-            <p:ph type="sldNum" idx="2"/>
+            <p:ph type="sldNum" idx="17"/>
           </p:nvPr>
         </p:nvSpPr>
         <p:spPr/>
         <p:txBody>
           <a:bodyPr/>
           <a:p>
-            <a:fld id="{20FFD5E2-6B93-4C62-AE4F-307C2A570BD1}" type="slidenum">
+            <a:fld id="{A3354D1B-C323-417F-811F-0EEB48C34614}" type="slidenum">
               <a:t>18</a:t>
             </a:fld>
           </a:p>
@@ -12395,7 +12727,7 @@
       </p:grpSpPr>
       <p:sp>
         <p:nvSpPr>
-          <p:cNvPr id="131" name="PlaceHolder 1"/>
+          <p:cNvPr id="133" name="PlaceHolder 1"/>
           <p:cNvSpPr>
             <a:spLocks noGrp="1"/>
           </p:cNvSpPr>
@@ -12451,7 +12783,7 @@
       </p:sp>
       <p:sp>
         <p:nvSpPr>
-          <p:cNvPr id="132" name="PlaceHolder 2"/>
+          <p:cNvPr id="134" name="PlaceHolder 2"/>
           <p:cNvSpPr>
             <a:spLocks noGrp="1"/>
           </p:cNvSpPr>
@@ -12674,7 +13006,7 @@
             <a:spLocks noGrp="1"/>
           </p:cNvSpPr>
           <p:nvPr>
-            <p:ph type="ftr" idx="1"/>
+            <p:ph type="ftr" idx="10"/>
           </p:nvPr>
         </p:nvSpPr>
         <p:spPr/>
@@ -12694,14 +13026,14 @@
             <a:spLocks noGrp="1"/>
           </p:cNvSpPr>
           <p:nvPr>
-            <p:ph type="sldNum" idx="2"/>
+            <p:ph type="sldNum" idx="11"/>
           </p:nvPr>
         </p:nvSpPr>
         <p:spPr/>
         <p:txBody>
           <a:bodyPr/>
           <a:p>
-            <a:fld id="{59D6B9B6-F7D0-44F5-96BD-123CA8225D8A}" type="slidenum">
+            <a:fld id="{203309EA-8108-4913-87C7-F27DB2953777}" type="slidenum">
               <a:t>19</a:t>
             </a:fld>
           </a:p>
@@ -12739,7 +13071,7 @@
       </p:grpSpPr>
       <p:sp>
         <p:nvSpPr>
-          <p:cNvPr id="97" name="PlaceHolder 1"/>
+          <p:cNvPr id="99" name="PlaceHolder 1"/>
           <p:cNvSpPr>
             <a:spLocks noGrp="1"/>
           </p:cNvSpPr>
@@ -12795,7 +13127,7 @@
       </p:sp>
       <p:sp>
         <p:nvSpPr>
-          <p:cNvPr id="98" name="PlaceHolder 2"/>
+          <p:cNvPr id="100" name="PlaceHolder 2"/>
           <p:cNvSpPr>
             <a:spLocks noGrp="1"/>
           </p:cNvSpPr>
@@ -12850,7 +13182,7 @@
             <a:spLocks noGrp="1"/>
           </p:cNvSpPr>
           <p:nvPr>
-            <p:ph type="ftr" idx="1"/>
+            <p:ph type="ftr" idx="16"/>
           </p:nvPr>
         </p:nvSpPr>
         <p:spPr/>
@@ -12870,14 +13202,14 @@
             <a:spLocks noGrp="1"/>
           </p:cNvSpPr>
           <p:nvPr>
-            <p:ph type="sldNum" idx="2"/>
+            <p:ph type="sldNum" idx="17"/>
           </p:nvPr>
         </p:nvSpPr>
         <p:spPr/>
         <p:txBody>
           <a:bodyPr/>
           <a:p>
-            <a:fld id="{BE4B146A-62DD-4DAE-A744-78743F352315}" type="slidenum">
+            <a:fld id="{03232DE6-BB1D-407E-B48A-98107BDEEDC8}" type="slidenum">
               <a:t>2</a:t>
             </a:fld>
           </a:p>
@@ -12915,7 +13247,7 @@
       </p:grpSpPr>
       <p:sp>
         <p:nvSpPr>
-          <p:cNvPr id="133" name="PlaceHolder 1"/>
+          <p:cNvPr id="135" name="PlaceHolder 1"/>
           <p:cNvSpPr>
             <a:spLocks noGrp="1"/>
           </p:cNvSpPr>
@@ -12971,7 +13303,7 @@
       </p:sp>
       <p:sp>
         <p:nvSpPr>
-          <p:cNvPr id="134" name="PlaceHolder 2"/>
+          <p:cNvPr id="136" name="PlaceHolder 2"/>
           <p:cNvSpPr>
             <a:spLocks noGrp="1"/>
           </p:cNvSpPr>
@@ -13121,7 +13453,7 @@
                 <a:uFillTx/>
                 <a:latin typeface="Arial"/>
               </a:rPr>
-              <a:t>Snippets</a:t>
+              <a:t>Snippets / CoPilot integration</a:t>
             </a:r>
             <a:endParaRPr b="0" lang="en-SE" sz="2400" strike="noStrike" u="none">
               <a:solidFill>
@@ -13330,7 +13662,7 @@
             <a:spLocks noGrp="1"/>
           </p:cNvSpPr>
           <p:nvPr>
-            <p:ph type="ftr" idx="1"/>
+            <p:ph type="ftr" idx="10"/>
           </p:nvPr>
         </p:nvSpPr>
         <p:spPr/>
@@ -13350,14 +13682,14 @@
             <a:spLocks noGrp="1"/>
           </p:cNvSpPr>
           <p:nvPr>
-            <p:ph type="sldNum" idx="2"/>
+            <p:ph type="sldNum" idx="11"/>
           </p:nvPr>
         </p:nvSpPr>
         <p:spPr/>
         <p:txBody>
           <a:bodyPr/>
           <a:p>
-            <a:fld id="{7ECBA463-C94D-4432-B811-242E4D00BEBA}" type="slidenum">
+            <a:fld id="{64BA2D93-90DB-4DEC-A017-5AB948B551F8}" type="slidenum">
               <a:t>20</a:t>
             </a:fld>
           </a:p>
@@ -13395,7 +13727,7 @@
       </p:grpSpPr>
       <p:sp>
         <p:nvSpPr>
-          <p:cNvPr id="135" name="PlaceHolder 1"/>
+          <p:cNvPr id="137" name="PlaceHolder 1"/>
           <p:cNvSpPr>
             <a:spLocks noGrp="1"/>
           </p:cNvSpPr>
@@ -13451,7 +13783,7 @@
       </p:sp>
       <p:sp>
         <p:nvSpPr>
-          <p:cNvPr id="136" name="PlaceHolder 2"/>
+          <p:cNvPr id="138" name="PlaceHolder 2"/>
           <p:cNvSpPr>
             <a:spLocks noGrp="1"/>
           </p:cNvSpPr>
@@ -13567,6 +13899,40 @@
                 <a:uFillTx/>
                 <a:latin typeface="Arial"/>
               </a:rPr>
+              <a:t>Duplicate row</a:t>
+            </a:r>
+            <a:endParaRPr b="0" lang="en-SE" sz="2400" strike="noStrike" u="none">
+              <a:solidFill>
+                <a:schemeClr val="lt1"/>
+              </a:solidFill>
+              <a:effectLst/>
+              <a:uFillTx/>
+              <a:latin typeface="Aptos"/>
+            </a:endParaRPr>
+          </a:p>
+          <a:p>
+            <a:pPr lvl="1" marL="685800" indent="-228600" defTabSz="914400">
+              <a:lnSpc>
+                <a:spcPct val="90000"/>
+              </a:lnSpc>
+              <a:spcBef>
+                <a:spcPts val="499"/>
+              </a:spcBef>
+              <a:buClr>
+                <a:srgbClr val="ffffff"/>
+              </a:buClr>
+              <a:buFont typeface="Arial"/>
+              <a:buChar char="•"/>
+            </a:pPr>
+            <a:r>
+              <a:rPr b="0" lang="en-GB" sz="2400" strike="noStrike" u="none">
+                <a:solidFill>
+                  <a:schemeClr val="lt1"/>
+                </a:solidFill>
+                <a:effectLst/>
+                <a:uFillTx/>
+                <a:latin typeface="Arial"/>
+              </a:rPr>
               <a:t>Comment</a:t>
             </a:r>
             <a:endParaRPr b="0" lang="en-SE" sz="2400" strike="noStrike" u="none">
@@ -13635,7 +14001,7 @@
                 <a:uFillTx/>
                 <a:latin typeface="Arial"/>
               </a:rPr>
-              <a:t>Multi select</a:t>
+              <a:t>Bracket pair colorization</a:t>
             </a:r>
             <a:endParaRPr b="0" lang="en-SE" sz="2400" strike="noStrike" u="none">
               <a:solidFill>
@@ -13647,40 +14013,6 @@
             </a:endParaRPr>
           </a:p>
           <a:p>
-            <a:pPr lvl="1" marL="685800" indent="-228600" defTabSz="914400">
-              <a:lnSpc>
-                <a:spcPct val="90000"/>
-              </a:lnSpc>
-              <a:spcBef>
-                <a:spcPts val="499"/>
-              </a:spcBef>
-              <a:buClr>
-                <a:srgbClr val="ffffff"/>
-              </a:buClr>
-              <a:buFont typeface="Arial"/>
-              <a:buChar char="•"/>
-            </a:pPr>
-            <a:r>
-              <a:rPr b="0" lang="en-GB" sz="2400" strike="noStrike" u="none">
-                <a:solidFill>
-                  <a:schemeClr val="lt1"/>
-                </a:solidFill>
-                <a:effectLst/>
-                <a:uFillTx/>
-                <a:latin typeface="Arial"/>
-              </a:rPr>
-              <a:t>Bracket pair colorization</a:t>
-            </a:r>
-            <a:endParaRPr b="0" lang="en-SE" sz="2400" strike="noStrike" u="none">
-              <a:solidFill>
-                <a:schemeClr val="lt1"/>
-              </a:solidFill>
-              <a:effectLst/>
-              <a:uFillTx/>
-              <a:latin typeface="Aptos"/>
-            </a:endParaRPr>
-          </a:p>
-          <a:p>
             <a:pPr indent="0" defTabSz="914400">
               <a:lnSpc>
                 <a:spcPct val="90000"/>
@@ -13708,7 +14040,7 @@
             <a:spLocks noGrp="1"/>
           </p:cNvSpPr>
           <p:nvPr>
-            <p:ph type="ftr" idx="1"/>
+            <p:ph type="ftr" idx="10"/>
           </p:nvPr>
         </p:nvSpPr>
         <p:spPr/>
@@ -13728,14 +14060,14 @@
             <a:spLocks noGrp="1"/>
           </p:cNvSpPr>
           <p:nvPr>
-            <p:ph type="sldNum" idx="2"/>
+            <p:ph type="sldNum" idx="11"/>
           </p:nvPr>
         </p:nvSpPr>
         <p:spPr/>
         <p:txBody>
           <a:bodyPr/>
           <a:p>
-            <a:fld id="{148B1819-E0F3-446B-A6E3-B4D67AF542CC}" type="slidenum">
+            <a:fld id="{F3E6B39A-6FEB-4D3A-B558-137E93CB4DE7}" type="slidenum">
               <a:t>21</a:t>
             </a:fld>
           </a:p>
@@ -13773,7 +14105,7 @@
       </p:grpSpPr>
       <p:sp>
         <p:nvSpPr>
-          <p:cNvPr id="137" name="PlaceHolder 1"/>
+          <p:cNvPr id="139" name="PlaceHolder 1"/>
           <p:cNvSpPr>
             <a:spLocks noGrp="1"/>
           </p:cNvSpPr>
@@ -13829,7 +14161,7 @@
       </p:sp>
       <p:sp>
         <p:nvSpPr>
-          <p:cNvPr id="138" name="PlaceHolder 2"/>
+          <p:cNvPr id="140" name="PlaceHolder 2"/>
           <p:cNvSpPr>
             <a:spLocks noGrp="1"/>
           </p:cNvSpPr>
@@ -14033,7 +14365,7 @@
             <a:spLocks noGrp="1"/>
           </p:cNvSpPr>
           <p:nvPr>
-            <p:ph type="ftr" idx="1"/>
+            <p:ph type="ftr" idx="10"/>
           </p:nvPr>
         </p:nvSpPr>
         <p:spPr/>
@@ -14053,14 +14385,14 @@
             <a:spLocks noGrp="1"/>
           </p:cNvSpPr>
           <p:nvPr>
-            <p:ph type="sldNum" idx="2"/>
+            <p:ph type="sldNum" idx="11"/>
           </p:nvPr>
         </p:nvSpPr>
         <p:spPr/>
         <p:txBody>
           <a:bodyPr/>
           <a:p>
-            <a:fld id="{102F7E3C-5EBD-4265-9886-F2011CD2F86D}" type="slidenum">
+            <a:fld id="{2968372C-E32F-4891-921A-B5DB5F2594FD}" type="slidenum">
               <a:t>22</a:t>
             </a:fld>
           </a:p>
@@ -14098,7 +14430,7 @@
       </p:grpSpPr>
       <p:sp>
         <p:nvSpPr>
-          <p:cNvPr id="139" name="PlaceHolder 1"/>
+          <p:cNvPr id="141" name="PlaceHolder 1"/>
           <p:cNvSpPr>
             <a:spLocks noGrp="1"/>
           </p:cNvSpPr>
@@ -14154,7 +14486,7 @@
       </p:sp>
       <p:sp>
         <p:nvSpPr>
-          <p:cNvPr id="140" name="PlaceHolder 2"/>
+          <p:cNvPr id="142" name="PlaceHolder 2"/>
           <p:cNvSpPr>
             <a:spLocks noGrp="1"/>
           </p:cNvSpPr>
@@ -14222,7 +14554,7 @@
             <a:spLocks noGrp="1"/>
           </p:cNvSpPr>
           <p:nvPr>
-            <p:ph type="ftr" idx="1"/>
+            <p:ph type="ftr" idx="10"/>
           </p:nvPr>
         </p:nvSpPr>
         <p:spPr/>
@@ -14242,14 +14574,14 @@
             <a:spLocks noGrp="1"/>
           </p:cNvSpPr>
           <p:nvPr>
-            <p:ph type="sldNum" idx="2"/>
+            <p:ph type="sldNum" idx="11"/>
           </p:nvPr>
         </p:nvSpPr>
         <p:spPr/>
         <p:txBody>
           <a:bodyPr/>
           <a:p>
-            <a:fld id="{42B2F00B-AF7A-4AD5-B0AC-F6697D67BF2B}" type="slidenum">
+            <a:fld id="{EE45CBAB-B940-4A61-998F-41929C864C5C}" type="slidenum">
               <a:t>23</a:t>
             </a:fld>
           </a:p>
@@ -14287,7 +14619,7 @@
       </p:grpSpPr>
       <p:sp>
         <p:nvSpPr>
-          <p:cNvPr id="141" name="PlaceHolder 1"/>
+          <p:cNvPr id="143" name="PlaceHolder 1"/>
           <p:cNvSpPr>
             <a:spLocks noGrp="1"/>
           </p:cNvSpPr>
@@ -14343,7 +14675,7 @@
       </p:sp>
       <p:sp>
         <p:nvSpPr>
-          <p:cNvPr id="142" name="PlaceHolder 2"/>
+          <p:cNvPr id="144" name="PlaceHolder 2"/>
           <p:cNvSpPr>
             <a:spLocks noGrp="1"/>
           </p:cNvSpPr>
@@ -14398,7 +14730,7 @@
             <a:spLocks noGrp="1"/>
           </p:cNvSpPr>
           <p:nvPr>
-            <p:ph type="ftr" idx="1"/>
+            <p:ph type="ftr" idx="16"/>
           </p:nvPr>
         </p:nvSpPr>
         <p:spPr/>
@@ -14418,14 +14750,14 @@
             <a:spLocks noGrp="1"/>
           </p:cNvSpPr>
           <p:nvPr>
-            <p:ph type="sldNum" idx="2"/>
+            <p:ph type="sldNum" idx="17"/>
           </p:nvPr>
         </p:nvSpPr>
         <p:spPr/>
         <p:txBody>
           <a:bodyPr/>
           <a:p>
-            <a:fld id="{226034C2-1308-4198-9D35-76924625A9BB}" type="slidenum">
+            <a:fld id="{8EDD6C7D-BF4D-4F05-BB75-727E99FA9685}" type="slidenum">
               <a:t>24</a:t>
             </a:fld>
           </a:p>
@@ -14463,7 +14795,7 @@
       </p:grpSpPr>
       <p:sp>
         <p:nvSpPr>
-          <p:cNvPr id="143" name="PlaceHolder 1"/>
+          <p:cNvPr id="145" name="PlaceHolder 1"/>
           <p:cNvSpPr>
             <a:spLocks noGrp="1"/>
           </p:cNvSpPr>
@@ -14519,7 +14851,7 @@
       </p:sp>
       <p:sp>
         <p:nvSpPr>
-          <p:cNvPr id="144" name="PlaceHolder 2"/>
+          <p:cNvPr id="146" name="PlaceHolder 2"/>
           <p:cNvSpPr>
             <a:spLocks noGrp="1"/>
           </p:cNvSpPr>
@@ -14689,7 +15021,7 @@
             <a:spLocks noGrp="1"/>
           </p:cNvSpPr>
           <p:nvPr>
-            <p:ph type="ftr" idx="1"/>
+            <p:ph type="ftr" idx="10"/>
           </p:nvPr>
         </p:nvSpPr>
         <p:spPr/>
@@ -14709,14 +15041,14 @@
             <a:spLocks noGrp="1"/>
           </p:cNvSpPr>
           <p:nvPr>
-            <p:ph type="sldNum" idx="2"/>
+            <p:ph type="sldNum" idx="11"/>
           </p:nvPr>
         </p:nvSpPr>
         <p:spPr/>
         <p:txBody>
           <a:bodyPr/>
           <a:p>
-            <a:fld id="{98901F06-7D6A-49D6-A777-AC84E97BAF52}" type="slidenum">
+            <a:fld id="{4DE50D7C-3B95-4987-8564-4A2BE9AE7533}" type="slidenum">
               <a:t>25</a:t>
             </a:fld>
           </a:p>
@@ -14754,7 +15086,7 @@
       </p:grpSpPr>
       <p:sp>
         <p:nvSpPr>
-          <p:cNvPr id="145" name="PlaceHolder 1"/>
+          <p:cNvPr id="147" name="PlaceHolder 1"/>
           <p:cNvSpPr>
             <a:spLocks noGrp="1"/>
           </p:cNvSpPr>
@@ -14810,7 +15142,7 @@
       </p:sp>
       <p:sp>
         <p:nvSpPr>
-          <p:cNvPr id="146" name="PlaceHolder 2"/>
+          <p:cNvPr id="148" name="PlaceHolder 2"/>
           <p:cNvSpPr>
             <a:spLocks noGrp="1"/>
           </p:cNvSpPr>
@@ -14941,7 +15273,7 @@
       </p:sp>
       <p:pic>
         <p:nvPicPr>
-          <p:cNvPr id="147" name="Picture 4" descr=""/>
+          <p:cNvPr id="149" name="Picture 4" descr=""/>
           <p:cNvPicPr/>
           <p:nvPr/>
         </p:nvPicPr>
@@ -14965,7 +15297,7 @@
       </p:pic>
       <p:pic>
         <p:nvPicPr>
-          <p:cNvPr id="148" name="Picture 6" descr=""/>
+          <p:cNvPr id="150" name="Picture 6" descr=""/>
           <p:cNvPicPr/>
           <p:nvPr/>
         </p:nvPicPr>
@@ -14994,7 +15326,7 @@
             <a:spLocks noGrp="1"/>
           </p:cNvSpPr>
           <p:nvPr>
-            <p:ph type="ftr" idx="1"/>
+            <p:ph type="ftr" idx="10"/>
           </p:nvPr>
         </p:nvSpPr>
         <p:spPr/>
@@ -15014,14 +15346,14 @@
             <a:spLocks noGrp="1"/>
           </p:cNvSpPr>
           <p:nvPr>
-            <p:ph type="sldNum" idx="2"/>
+            <p:ph type="sldNum" idx="11"/>
           </p:nvPr>
         </p:nvSpPr>
         <p:spPr/>
         <p:txBody>
           <a:bodyPr/>
           <a:p>
-            <a:fld id="{E1743F65-25F7-4C22-A61E-AECB910693A2}" type="slidenum">
+            <a:fld id="{F45400D8-C4A7-4AAD-94C0-0533D0C0BF59}" type="slidenum">
               <a:t>26</a:t>
             </a:fld>
           </a:p>
@@ -15071,7 +15403,7 @@
                                           </p:stCondLst>
                                         </p:cTn>
                                         <p:tgtEl>
-                                          <p:spTgt spid="147"/>
+                                          <p:spTgt spid="149"/>
                                         </p:tgtEl>
                                         <p:attrNameLst>
                                           <p:attrName>style.visibility</p:attrName>
@@ -15085,7 +15417,7 @@
                                       <p:cBhvr additive="repl">
                                         <p:cTn id="7" dur="500"/>
                                         <p:tgtEl>
-                                          <p:spTgt spid="147"/>
+                                          <p:spTgt spid="149"/>
                                         </p:tgtEl>
                                       </p:cBhvr>
                                     </p:animEffect>
@@ -15124,7 +15456,7 @@
                                           </p:stCondLst>
                                         </p:cTn>
                                         <p:tgtEl>
-                                          <p:spTgt spid="146">
+                                          <p:spTgt spid="148">
                                             <p:txEl>
                                               <p:pRg st="2" end="2"/>
                                             </p:txEl>
@@ -15151,7 +15483,7 @@
                                       <p:cBhvr>
                                         <p:cTn id="13" dur="indefinite"/>
                                         <p:tgtEl>
-                                          <p:spTgt spid="147"/>
+                                          <p:spTgt spid="149"/>
                                         </p:tgtEl>
                                         <p:attrNameLst>
                                           <p:attrName>style.opacity</p:attrName>
@@ -15165,7 +15497,7 @@
                                       <p:cBhvr additive="repl">
                                         <p:cTn id="14" dur="indefinite"/>
                                         <p:tgtEl>
-                                          <p:spTgt spid="147"/>
+                                          <p:spTgt spid="149"/>
                                         </p:tgtEl>
                                       </p:cBhvr>
                                     </p:animEffect>
@@ -15204,7 +15536,7 @@
                                           </p:stCondLst>
                                         </p:cTn>
                                         <p:tgtEl>
-                                          <p:spTgt spid="148"/>
+                                          <p:spTgt spid="150"/>
                                         </p:tgtEl>
                                         <p:attrNameLst>
                                           <p:attrName>style.visibility</p:attrName>
@@ -15218,7 +15550,7 @@
                                       <p:cBhvr additive="repl">
                                         <p:cTn id="19" dur="500"/>
                                         <p:tgtEl>
-                                          <p:spTgt spid="148"/>
+                                          <p:spTgt spid="150"/>
                                         </p:tgtEl>
                                       </p:cBhvr>
                                     </p:animEffect>
@@ -15275,7 +15607,7 @@
       </p:grpSpPr>
       <p:sp>
         <p:nvSpPr>
-          <p:cNvPr id="149" name="PlaceHolder 1"/>
+          <p:cNvPr id="151" name="PlaceHolder 1"/>
           <p:cNvSpPr>
             <a:spLocks noGrp="1"/>
           </p:cNvSpPr>
@@ -15331,7 +15663,7 @@
       </p:sp>
       <p:sp>
         <p:nvSpPr>
-          <p:cNvPr id="150" name="PlaceHolder 2"/>
+          <p:cNvPr id="152" name="PlaceHolder 2"/>
           <p:cNvSpPr>
             <a:spLocks noGrp="1"/>
           </p:cNvSpPr>
@@ -15558,7 +15890,7 @@
             <a:spLocks noGrp="1"/>
           </p:cNvSpPr>
           <p:nvPr>
-            <p:ph type="ftr" idx="1"/>
+            <p:ph type="ftr" idx="10"/>
           </p:nvPr>
         </p:nvSpPr>
         <p:spPr/>
@@ -15578,14 +15910,14 @@
             <a:spLocks noGrp="1"/>
           </p:cNvSpPr>
           <p:nvPr>
-            <p:ph type="sldNum" idx="2"/>
+            <p:ph type="sldNum" idx="11"/>
           </p:nvPr>
         </p:nvSpPr>
         <p:spPr/>
         <p:txBody>
           <a:bodyPr/>
           <a:p>
-            <a:fld id="{4D84E2FD-DA27-49D9-B71E-59CF7B0DCEFC}" type="slidenum">
+            <a:fld id="{BADEAD1C-0FBE-4DF6-A3FA-F22569BE6141}" type="slidenum">
               <a:t>27</a:t>
             </a:fld>
           </a:p>
@@ -15623,7 +15955,7 @@
       </p:grpSpPr>
       <p:sp>
         <p:nvSpPr>
-          <p:cNvPr id="151" name="PlaceHolder 1"/>
+          <p:cNvPr id="153" name="PlaceHolder 1"/>
           <p:cNvSpPr>
             <a:spLocks noGrp="1"/>
           </p:cNvSpPr>
@@ -15679,7 +16011,7 @@
       </p:sp>
       <p:sp>
         <p:nvSpPr>
-          <p:cNvPr id="152" name="PlaceHolder 2"/>
+          <p:cNvPr id="154" name="PlaceHolder 2"/>
           <p:cNvSpPr>
             <a:spLocks noGrp="1"/>
           </p:cNvSpPr>
@@ -15702,7 +16034,7 @@
         </p:spPr>
         <p:txBody>
           <a:bodyPr lIns="91440" rIns="91440" tIns="45720" bIns="45720" anchor="t">
-            <a:normAutofit/>
+            <a:normAutofit lnSpcReduction="9999"/>
           </a:bodyPr>
           <a:p>
             <a:pPr marL="228600" indent="-228600" defTabSz="914400">
@@ -16045,6 +16377,108 @@
             </a:endParaRPr>
           </a:p>
           <a:p>
+            <a:pPr lvl="1" marL="685800" indent="-228600" defTabSz="914400">
+              <a:lnSpc>
+                <a:spcPct val="90000"/>
+              </a:lnSpc>
+              <a:spcBef>
+                <a:spcPts val="1134"/>
+              </a:spcBef>
+              <a:buClr>
+                <a:srgbClr val="ffffff"/>
+              </a:buClr>
+              <a:buFont typeface="Arial"/>
+              <a:buChar char="•"/>
+            </a:pPr>
+            <a:r>
+              <a:rPr b="0" lang="en-US" sz="2000" strike="noStrike" u="none">
+                <a:solidFill>
+                  <a:schemeClr val="lt1"/>
+                </a:solidFill>
+                <a:effectLst/>
+                <a:uFillTx/>
+                <a:latin typeface="Aptos"/>
+              </a:rPr>
+              <a:t>$PSScriptRoot</a:t>
+            </a:r>
+            <a:endParaRPr b="0" lang="en-SE" sz="2000" strike="noStrike" u="none">
+              <a:solidFill>
+                <a:schemeClr val="lt1"/>
+              </a:solidFill>
+              <a:effectLst/>
+              <a:uFillTx/>
+              <a:latin typeface="Aptos"/>
+            </a:endParaRPr>
+          </a:p>
+          <a:p>
+            <a:pPr lvl="2" marL="1143000" indent="-228600" defTabSz="914400">
+              <a:lnSpc>
+                <a:spcPct val="90000"/>
+              </a:lnSpc>
+              <a:spcBef>
+                <a:spcPts val="499"/>
+              </a:spcBef>
+              <a:buClr>
+                <a:srgbClr val="ffffff"/>
+              </a:buClr>
+              <a:buFont typeface="Arial"/>
+              <a:buChar char="•"/>
+            </a:pPr>
+            <a:r>
+              <a:rPr b="0" lang="en-US" sz="2000" strike="noStrike" u="none">
+                <a:solidFill>
+                  <a:schemeClr val="lt1"/>
+                </a:solidFill>
+                <a:effectLst/>
+                <a:uFillTx/>
+                <a:latin typeface="Aptos"/>
+              </a:rPr>
+              <a:t>Only in saved files</a:t>
+            </a:r>
+            <a:endParaRPr b="0" lang="en-SE" sz="2000" strike="noStrike" u="none">
+              <a:solidFill>
+                <a:schemeClr val="lt1"/>
+              </a:solidFill>
+              <a:effectLst/>
+              <a:uFillTx/>
+              <a:latin typeface="Aptos"/>
+            </a:endParaRPr>
+          </a:p>
+          <a:p>
+            <a:pPr lvl="2" marL="1143000" indent="-228600" defTabSz="914400">
+              <a:lnSpc>
+                <a:spcPct val="90000"/>
+              </a:lnSpc>
+              <a:spcBef>
+                <a:spcPts val="499"/>
+              </a:spcBef>
+              <a:buClr>
+                <a:srgbClr val="ffffff"/>
+              </a:buClr>
+              <a:buFont typeface="Arial"/>
+              <a:buChar char="•"/>
+            </a:pPr>
+            <a:r>
+              <a:rPr b="0" lang="en-US" sz="2000" strike="noStrike" u="none">
+                <a:solidFill>
+                  <a:schemeClr val="lt1"/>
+                </a:solidFill>
+                <a:effectLst/>
+                <a:uFillTx/>
+                <a:latin typeface="Aptos"/>
+              </a:rPr>
+              <a:t>Contains parent of .ps1/.psm1</a:t>
+            </a:r>
+            <a:endParaRPr b="0" lang="en-SE" sz="2000" strike="noStrike" u="none">
+              <a:solidFill>
+                <a:schemeClr val="lt1"/>
+              </a:solidFill>
+              <a:effectLst/>
+              <a:uFillTx/>
+              <a:latin typeface="Aptos"/>
+            </a:endParaRPr>
+          </a:p>
+          <a:p>
             <a:pPr indent="0" defTabSz="914400">
               <a:lnSpc>
                 <a:spcPct val="90000"/>
@@ -16129,7 +16563,7 @@
             <a:spLocks noGrp="1"/>
           </p:cNvSpPr>
           <p:nvPr>
-            <p:ph type="ftr" idx="1"/>
+            <p:ph type="ftr" idx="10"/>
           </p:nvPr>
         </p:nvSpPr>
         <p:spPr/>
@@ -16149,14 +16583,14 @@
             <a:spLocks noGrp="1"/>
           </p:cNvSpPr>
           <p:nvPr>
-            <p:ph type="sldNum" idx="2"/>
+            <p:ph type="sldNum" idx="11"/>
           </p:nvPr>
         </p:nvSpPr>
         <p:spPr/>
         <p:txBody>
           <a:bodyPr/>
           <a:p>
-            <a:fld id="{23D41788-9830-4F71-A311-6398D48AC032}" type="slidenum">
+            <a:fld id="{D2D80CA7-F3C0-4992-973E-8AD63B4FAAF5}" type="slidenum">
               <a:t>28</a:t>
             </a:fld>
           </a:p>
@@ -16194,7 +16628,7 @@
       </p:grpSpPr>
       <p:sp>
         <p:nvSpPr>
-          <p:cNvPr id="153" name="PlaceHolder 1"/>
+          <p:cNvPr id="155" name="PlaceHolder 1"/>
           <p:cNvSpPr>
             <a:spLocks noGrp="1"/>
           </p:cNvSpPr>
@@ -16250,7 +16684,7 @@
       </p:sp>
       <p:sp>
         <p:nvSpPr>
-          <p:cNvPr id="154" name="PlaceHolder 2"/>
+          <p:cNvPr id="156" name="PlaceHolder 2"/>
           <p:cNvSpPr>
             <a:spLocks noGrp="1"/>
           </p:cNvSpPr>
@@ -16507,7 +16941,7 @@
             <a:spLocks noGrp="1"/>
           </p:cNvSpPr>
           <p:nvPr>
-            <p:ph type="ftr" idx="1"/>
+            <p:ph type="ftr" idx="10"/>
           </p:nvPr>
         </p:nvSpPr>
         <p:spPr/>
@@ -16527,14 +16961,14 @@
             <a:spLocks noGrp="1"/>
           </p:cNvSpPr>
           <p:nvPr>
-            <p:ph type="sldNum" idx="2"/>
+            <p:ph type="sldNum" idx="11"/>
           </p:nvPr>
         </p:nvSpPr>
         <p:spPr/>
         <p:txBody>
           <a:bodyPr/>
           <a:p>
-            <a:fld id="{FBBA64A2-AC55-42B0-B0FC-B4F4DB0746BD}" type="slidenum">
+            <a:fld id="{2BA21DA3-486C-4EB9-AF3C-6D7DBD97FBA6}" type="slidenum">
               <a:t>29</a:t>
             </a:fld>
           </a:p>
@@ -16572,7 +17006,7 @@
       </p:grpSpPr>
       <p:sp>
         <p:nvSpPr>
-          <p:cNvPr id="99" name="PlaceHolder 1"/>
+          <p:cNvPr id="101" name="PlaceHolder 1"/>
           <p:cNvSpPr>
             <a:spLocks noGrp="1"/>
           </p:cNvSpPr>
@@ -16628,7 +17062,7 @@
       </p:sp>
       <p:sp>
         <p:nvSpPr>
-          <p:cNvPr id="100" name="PlaceHolder 2"/>
+          <p:cNvPr id="102" name="PlaceHolder 2"/>
           <p:cNvSpPr>
             <a:spLocks noGrp="1"/>
           </p:cNvSpPr>
@@ -16868,7 +17302,7 @@
             <a:spLocks noGrp="1"/>
           </p:cNvSpPr>
           <p:nvPr>
-            <p:ph type="ftr" idx="1"/>
+            <p:ph type="ftr" idx="10"/>
           </p:nvPr>
         </p:nvSpPr>
         <p:spPr/>
@@ -16888,14 +17322,14 @@
             <a:spLocks noGrp="1"/>
           </p:cNvSpPr>
           <p:nvPr>
-            <p:ph type="sldNum" idx="2"/>
+            <p:ph type="sldNum" idx="11"/>
           </p:nvPr>
         </p:nvSpPr>
         <p:spPr/>
         <p:txBody>
           <a:bodyPr/>
           <a:p>
-            <a:fld id="{F2B76ED0-8744-436C-B630-3E589C023CFE}" type="slidenum">
+            <a:fld id="{F544992C-872C-4089-A772-21365C8F86A0}" type="slidenum">
               <a:t>3</a:t>
             </a:fld>
           </a:p>
@@ -16933,7 +17367,7 @@
       </p:grpSpPr>
       <p:sp>
         <p:nvSpPr>
-          <p:cNvPr id="155" name="PlaceHolder 1"/>
+          <p:cNvPr id="157" name="PlaceHolder 1"/>
           <p:cNvSpPr>
             <a:spLocks noGrp="1"/>
           </p:cNvSpPr>
@@ -16989,7 +17423,7 @@
       </p:sp>
       <p:sp>
         <p:nvSpPr>
-          <p:cNvPr id="156" name="PlaceHolder 2"/>
+          <p:cNvPr id="158" name="PlaceHolder 2"/>
           <p:cNvSpPr>
             <a:spLocks noGrp="1"/>
           </p:cNvSpPr>
@@ -17246,7 +17680,7 @@
             <a:spLocks noGrp="1"/>
           </p:cNvSpPr>
           <p:nvPr>
-            <p:ph type="ftr" idx="1"/>
+            <p:ph type="ftr" idx="10"/>
           </p:nvPr>
         </p:nvSpPr>
         <p:spPr/>
@@ -17266,14 +17700,14 @@
             <a:spLocks noGrp="1"/>
           </p:cNvSpPr>
           <p:nvPr>
-            <p:ph type="sldNum" idx="2"/>
+            <p:ph type="sldNum" idx="11"/>
           </p:nvPr>
         </p:nvSpPr>
         <p:spPr/>
         <p:txBody>
           <a:bodyPr/>
           <a:p>
-            <a:fld id="{7AE0A1C8-E990-479E-8D1F-A921D22B7A66}" type="slidenum">
+            <a:fld id="{825111C2-0082-4CC4-B5E3-C979E27BA9A2}" type="slidenum">
               <a:t>30</a:t>
             </a:fld>
           </a:p>
@@ -17311,7 +17745,7 @@
       </p:grpSpPr>
       <p:sp>
         <p:nvSpPr>
-          <p:cNvPr id="157" name="PlaceHolder 1"/>
+          <p:cNvPr id="159" name="PlaceHolder 1"/>
           <p:cNvSpPr>
             <a:spLocks noGrp="1"/>
           </p:cNvSpPr>
@@ -17367,7 +17801,7 @@
       </p:sp>
       <p:sp>
         <p:nvSpPr>
-          <p:cNvPr id="158" name="PlaceHolder 2"/>
+          <p:cNvPr id="160" name="PlaceHolder 2"/>
           <p:cNvSpPr>
             <a:spLocks noGrp="1"/>
           </p:cNvSpPr>
@@ -17673,7 +18107,7 @@
             <a:spLocks noGrp="1"/>
           </p:cNvSpPr>
           <p:nvPr>
-            <p:ph type="ftr" idx="1"/>
+            <p:ph type="ftr" idx="10"/>
           </p:nvPr>
         </p:nvSpPr>
         <p:spPr/>
@@ -17693,14 +18127,14 @@
             <a:spLocks noGrp="1"/>
           </p:cNvSpPr>
           <p:nvPr>
-            <p:ph type="sldNum" idx="2"/>
+            <p:ph type="sldNum" idx="11"/>
           </p:nvPr>
         </p:nvSpPr>
         <p:spPr/>
         <p:txBody>
           <a:bodyPr/>
           <a:p>
-            <a:fld id="{65E7DD3B-228E-4DF6-9ADA-1158B53FBC56}" type="slidenum">
+            <a:fld id="{4E458A3C-9B78-429B-ABC5-590CB3832E32}" type="slidenum">
               <a:t>31</a:t>
             </a:fld>
           </a:p>
@@ -17738,7 +18172,7 @@
       </p:grpSpPr>
       <p:sp>
         <p:nvSpPr>
-          <p:cNvPr id="159" name="PlaceHolder 1"/>
+          <p:cNvPr id="161" name="PlaceHolder 1"/>
           <p:cNvSpPr>
             <a:spLocks noGrp="1"/>
           </p:cNvSpPr>
@@ -17794,7 +18228,7 @@
       </p:sp>
       <p:sp>
         <p:nvSpPr>
-          <p:cNvPr id="160" name="PlaceHolder 2"/>
+          <p:cNvPr id="162" name="PlaceHolder 2"/>
           <p:cNvSpPr>
             <a:spLocks noGrp="1"/>
           </p:cNvSpPr>
@@ -18017,7 +18451,7 @@
             <a:spLocks noGrp="1"/>
           </p:cNvSpPr>
           <p:nvPr>
-            <p:ph type="ftr" idx="1"/>
+            <p:ph type="ftr" idx="10"/>
           </p:nvPr>
         </p:nvSpPr>
         <p:spPr/>
@@ -18037,14 +18471,14 @@
             <a:spLocks noGrp="1"/>
           </p:cNvSpPr>
           <p:nvPr>
-            <p:ph type="sldNum" idx="2"/>
+            <p:ph type="sldNum" idx="11"/>
           </p:nvPr>
         </p:nvSpPr>
         <p:spPr/>
         <p:txBody>
           <a:bodyPr/>
           <a:p>
-            <a:fld id="{204B5DE8-AD8A-468C-BD18-A8E2E0FC1A7C}" type="slidenum">
+            <a:fld id="{BCA7321D-D79F-4B00-9B39-AFE68D14DA1F}" type="slidenum">
               <a:t>32</a:t>
             </a:fld>
           </a:p>
@@ -18082,7 +18516,7 @@
       </p:grpSpPr>
       <p:sp>
         <p:nvSpPr>
-          <p:cNvPr id="161" name="PlaceHolder 1"/>
+          <p:cNvPr id="163" name="PlaceHolder 1"/>
           <p:cNvSpPr>
             <a:spLocks noGrp="1"/>
           </p:cNvSpPr>
@@ -18138,7 +18572,7 @@
       </p:sp>
       <p:sp>
         <p:nvSpPr>
-          <p:cNvPr id="162" name="PlaceHolder 2"/>
+          <p:cNvPr id="164" name="PlaceHolder 2"/>
           <p:cNvSpPr>
             <a:spLocks noGrp="1"/>
           </p:cNvSpPr>
@@ -18920,7 +19354,7 @@
             <a:spLocks noGrp="1"/>
           </p:cNvSpPr>
           <p:nvPr>
-            <p:ph type="ftr" idx="1"/>
+            <p:ph type="ftr" idx="10"/>
           </p:nvPr>
         </p:nvSpPr>
         <p:spPr/>
@@ -18940,14 +19374,14 @@
             <a:spLocks noGrp="1"/>
           </p:cNvSpPr>
           <p:nvPr>
-            <p:ph type="sldNum" idx="2"/>
+            <p:ph type="sldNum" idx="11"/>
           </p:nvPr>
         </p:nvSpPr>
         <p:spPr/>
         <p:txBody>
           <a:bodyPr/>
           <a:p>
-            <a:fld id="{2A1B56E6-28C2-4519-B966-A29255D8E309}" type="slidenum">
+            <a:fld id="{34CE20B2-42FC-40FC-9BE8-3850CD82070C}" type="slidenum">
               <a:t>33</a:t>
             </a:fld>
           </a:p>
@@ -18985,7 +19419,7 @@
       </p:grpSpPr>
       <p:sp>
         <p:nvSpPr>
-          <p:cNvPr id="163" name="PlaceHolder 1"/>
+          <p:cNvPr id="165" name="PlaceHolder 1"/>
           <p:cNvSpPr>
             <a:spLocks noGrp="1"/>
           </p:cNvSpPr>
@@ -19041,7 +19475,7 @@
       </p:sp>
       <p:sp>
         <p:nvSpPr>
-          <p:cNvPr id="164" name="PlaceHolder 2"/>
+          <p:cNvPr id="166" name="PlaceHolder 2"/>
           <p:cNvSpPr>
             <a:spLocks noGrp="1"/>
           </p:cNvSpPr>
@@ -19230,7 +19664,7 @@
             <a:spLocks noGrp="1"/>
           </p:cNvSpPr>
           <p:nvPr>
-            <p:ph type="ftr" idx="1"/>
+            <p:ph type="ftr" idx="10"/>
           </p:nvPr>
         </p:nvSpPr>
         <p:spPr/>
@@ -19250,14 +19684,14 @@
             <a:spLocks noGrp="1"/>
           </p:cNvSpPr>
           <p:nvPr>
-            <p:ph type="sldNum" idx="2"/>
+            <p:ph type="sldNum" idx="11"/>
           </p:nvPr>
         </p:nvSpPr>
         <p:spPr/>
         <p:txBody>
           <a:bodyPr/>
           <a:p>
-            <a:fld id="{DCB78F0C-A735-47B5-8AE9-7197AE6C2404}" type="slidenum">
+            <a:fld id="{36DE850D-2D3B-47B3-8A2D-C267589B1114}" type="slidenum">
               <a:t>34</a:t>
             </a:fld>
           </a:p>
@@ -19295,7 +19729,7 @@
       </p:grpSpPr>
       <p:sp>
         <p:nvSpPr>
-          <p:cNvPr id="165" name="PlaceHolder 1"/>
+          <p:cNvPr id="167" name="PlaceHolder 1"/>
           <p:cNvSpPr>
             <a:spLocks noGrp="1"/>
           </p:cNvSpPr>
@@ -19351,7 +19785,7 @@
       </p:sp>
       <p:sp>
         <p:nvSpPr>
-          <p:cNvPr id="166" name="PlaceHolder 2"/>
+          <p:cNvPr id="168" name="PlaceHolder 2"/>
           <p:cNvSpPr>
             <a:spLocks noGrp="1"/>
           </p:cNvSpPr>
@@ -19529,7 +19963,7 @@
             <a:spLocks noGrp="1"/>
           </p:cNvSpPr>
           <p:nvPr>
-            <p:ph type="ftr" idx="1"/>
+            <p:ph type="ftr" idx="31"/>
           </p:nvPr>
         </p:nvSpPr>
         <p:spPr/>
@@ -19549,14 +19983,14 @@
             <a:spLocks noGrp="1"/>
           </p:cNvSpPr>
           <p:nvPr>
-            <p:ph type="sldNum" idx="2"/>
+            <p:ph type="sldNum" idx="32"/>
           </p:nvPr>
         </p:nvSpPr>
         <p:spPr/>
         <p:txBody>
           <a:bodyPr/>
           <a:p>
-            <a:fld id="{9E1E452D-82A2-408C-8BFE-77BA66E0BB50}" type="slidenum">
+            <a:fld id="{B8E7AB3F-4E3D-410B-BBB7-30852E9E4C85}" type="slidenum">
               <a:t>35</a:t>
             </a:fld>
           </a:p>
@@ -19594,7 +20028,7 @@
       </p:grpSpPr>
       <p:sp>
         <p:nvSpPr>
-          <p:cNvPr id="167" name="PlaceHolder 1"/>
+          <p:cNvPr id="169" name="PlaceHolder 1"/>
           <p:cNvSpPr>
             <a:spLocks noGrp="1"/>
           </p:cNvSpPr>
@@ -19650,7 +20084,7 @@
       </p:sp>
       <p:sp>
         <p:nvSpPr>
-          <p:cNvPr id="168" name="PlaceHolder 2"/>
+          <p:cNvPr id="170" name="PlaceHolder 2"/>
           <p:cNvSpPr>
             <a:spLocks noGrp="1"/>
           </p:cNvSpPr>
@@ -19705,7 +20139,7 @@
             <a:spLocks noGrp="1"/>
           </p:cNvSpPr>
           <p:nvPr>
-            <p:ph type="ftr" idx="1"/>
+            <p:ph type="ftr" idx="16"/>
           </p:nvPr>
         </p:nvSpPr>
         <p:spPr/>
@@ -19725,14 +20159,14 @@
             <a:spLocks noGrp="1"/>
           </p:cNvSpPr>
           <p:nvPr>
-            <p:ph type="sldNum" idx="2"/>
+            <p:ph type="sldNum" idx="17"/>
           </p:nvPr>
         </p:nvSpPr>
         <p:spPr/>
         <p:txBody>
           <a:bodyPr/>
           <a:p>
-            <a:fld id="{6BD44BEB-099E-496D-8DF4-88268E50177F}" type="slidenum">
+            <a:fld id="{DC939619-DB1B-446A-AB46-16538750DC79}" type="slidenum">
               <a:t>36</a:t>
             </a:fld>
           </a:p>
@@ -19770,7 +20204,7 @@
       </p:grpSpPr>
       <p:sp>
         <p:nvSpPr>
-          <p:cNvPr id="169" name="PlaceHolder 1"/>
+          <p:cNvPr id="171" name="PlaceHolder 1"/>
           <p:cNvSpPr>
             <a:spLocks noGrp="1"/>
           </p:cNvSpPr>
@@ -19826,7 +20260,7 @@
       </p:sp>
       <p:sp>
         <p:nvSpPr>
-          <p:cNvPr id="170" name="PlaceHolder 2"/>
+          <p:cNvPr id="172" name="PlaceHolder 2"/>
           <p:cNvSpPr>
             <a:spLocks noGrp="1"/>
           </p:cNvSpPr>
@@ -19928,7 +20362,7 @@
             <a:spLocks noGrp="1"/>
           </p:cNvSpPr>
           <p:nvPr>
-            <p:ph type="ftr" idx="1"/>
+            <p:ph type="ftr" idx="10"/>
           </p:nvPr>
         </p:nvSpPr>
         <p:spPr/>
@@ -19948,14 +20382,14 @@
             <a:spLocks noGrp="1"/>
           </p:cNvSpPr>
           <p:nvPr>
-            <p:ph type="sldNum" idx="2"/>
+            <p:ph type="sldNum" idx="11"/>
           </p:nvPr>
         </p:nvSpPr>
         <p:spPr/>
         <p:txBody>
           <a:bodyPr/>
           <a:p>
-            <a:fld id="{06E31D53-83D8-4DD5-87CA-1A4B1444A021}" type="slidenum">
+            <a:fld id="{F5C4A303-26B7-448E-93F3-F90D6B772701}" type="slidenum">
               <a:t>37</a:t>
             </a:fld>
           </a:p>
@@ -19993,7 +20427,7 @@
       </p:grpSpPr>
       <p:sp>
         <p:nvSpPr>
-          <p:cNvPr id="171" name="PlaceHolder 1"/>
+          <p:cNvPr id="173" name="PlaceHolder 1"/>
           <p:cNvSpPr>
             <a:spLocks noGrp="1"/>
           </p:cNvSpPr>
@@ -20049,7 +20483,7 @@
       </p:sp>
       <p:sp>
         <p:nvSpPr>
-          <p:cNvPr id="172" name="PlaceHolder 2"/>
+          <p:cNvPr id="174" name="PlaceHolder 2"/>
           <p:cNvSpPr>
             <a:spLocks noGrp="1"/>
           </p:cNvSpPr>
@@ -20170,7 +20604,7 @@
             <a:spLocks noGrp="1"/>
           </p:cNvSpPr>
           <p:nvPr>
-            <p:ph type="ftr" idx="1"/>
+            <p:ph type="ftr" idx="10"/>
           </p:nvPr>
         </p:nvSpPr>
         <p:spPr/>
@@ -20190,14 +20624,14 @@
             <a:spLocks noGrp="1"/>
           </p:cNvSpPr>
           <p:nvPr>
-            <p:ph type="sldNum" idx="2"/>
+            <p:ph type="sldNum" idx="11"/>
           </p:nvPr>
         </p:nvSpPr>
         <p:spPr/>
         <p:txBody>
           <a:bodyPr/>
           <a:p>
-            <a:fld id="{648B5B38-5392-4955-8271-AD8103012277}" type="slidenum">
+            <a:fld id="{C3F0BC3D-C965-4F90-83C5-19496B6D4E76}" type="slidenum">
               <a:t>38</a:t>
             </a:fld>
           </a:p>
@@ -20235,7 +20669,7 @@
       </p:grpSpPr>
       <p:sp>
         <p:nvSpPr>
-          <p:cNvPr id="173" name="PlaceHolder 1"/>
+          <p:cNvPr id="175" name="PlaceHolder 1"/>
           <p:cNvSpPr>
             <a:spLocks noGrp="1"/>
           </p:cNvSpPr>
@@ -20291,7 +20725,7 @@
       </p:sp>
       <p:sp>
         <p:nvSpPr>
-          <p:cNvPr id="174" name="PlaceHolder 2"/>
+          <p:cNvPr id="176" name="PlaceHolder 2"/>
           <p:cNvSpPr>
             <a:spLocks noGrp="1"/>
           </p:cNvSpPr>
@@ -20699,7 +21133,7 @@
             <a:spLocks noGrp="1"/>
           </p:cNvSpPr>
           <p:nvPr>
-            <p:ph type="ftr" idx="1"/>
+            <p:ph type="ftr" idx="10"/>
           </p:nvPr>
         </p:nvSpPr>
         <p:spPr/>
@@ -20719,14 +21153,14 @@
             <a:spLocks noGrp="1"/>
           </p:cNvSpPr>
           <p:nvPr>
-            <p:ph type="sldNum" idx="2"/>
+            <p:ph type="sldNum" idx="11"/>
           </p:nvPr>
         </p:nvSpPr>
         <p:spPr/>
         <p:txBody>
           <a:bodyPr/>
           <a:p>
-            <a:fld id="{07560715-3A27-46BE-82E9-E05BCD9594AE}" type="slidenum">
+            <a:fld id="{1076F767-F0CC-4CFB-A950-9BEF9C2AC659}" type="slidenum">
               <a:t>39</a:t>
             </a:fld>
           </a:p>
@@ -20764,7 +21198,7 @@
       </p:grpSpPr>
       <p:sp>
         <p:nvSpPr>
-          <p:cNvPr id="101" name="PlaceHolder 1"/>
+          <p:cNvPr id="103" name="PlaceHolder 1"/>
           <p:cNvSpPr>
             <a:spLocks noGrp="1"/>
           </p:cNvSpPr>
@@ -20820,7 +21254,7 @@
       </p:sp>
       <p:sp>
         <p:nvSpPr>
-          <p:cNvPr id="102" name="PlaceHolder 2"/>
+          <p:cNvPr id="104" name="PlaceHolder 2"/>
           <p:cNvSpPr>
             <a:spLocks noGrp="1"/>
           </p:cNvSpPr>
@@ -21228,7 +21662,7 @@
             <a:spLocks noGrp="1"/>
           </p:cNvSpPr>
           <p:nvPr>
-            <p:ph type="ftr" idx="1"/>
+            <p:ph type="ftr" idx="10"/>
           </p:nvPr>
         </p:nvSpPr>
         <p:spPr/>
@@ -21248,14 +21682,14 @@
             <a:spLocks noGrp="1"/>
           </p:cNvSpPr>
           <p:nvPr>
-            <p:ph type="sldNum" idx="2"/>
+            <p:ph type="sldNum" idx="11"/>
           </p:nvPr>
         </p:nvSpPr>
         <p:spPr/>
         <p:txBody>
           <a:bodyPr/>
           <a:p>
-            <a:fld id="{5D8F8CD1-16C8-456C-97F2-68FAA04BCABB}" type="slidenum">
+            <a:fld id="{0C9C7699-49DB-43A8-9AB2-07E3E32931B8}" type="slidenum">
               <a:t>4</a:t>
             </a:fld>
           </a:p>
@@ -21293,7 +21727,7 @@
       </p:grpSpPr>
       <p:sp>
         <p:nvSpPr>
-          <p:cNvPr id="175" name="PlaceHolder 1"/>
+          <p:cNvPr id="177" name="PlaceHolder 1"/>
           <p:cNvSpPr>
             <a:spLocks noGrp="1"/>
           </p:cNvSpPr>
@@ -21349,7 +21783,7 @@
       </p:sp>
       <p:sp>
         <p:nvSpPr>
-          <p:cNvPr id="176" name="PlaceHolder 2"/>
+          <p:cNvPr id="178" name="PlaceHolder 2"/>
           <p:cNvSpPr>
             <a:spLocks noGrp="1"/>
           </p:cNvSpPr>
@@ -21563,7 +21997,7 @@
             <a:spLocks noGrp="1"/>
           </p:cNvSpPr>
           <p:nvPr>
-            <p:ph type="ftr" idx="1"/>
+            <p:ph type="ftr" idx="10"/>
           </p:nvPr>
         </p:nvSpPr>
         <p:spPr/>
@@ -21583,14 +22017,14 @@
             <a:spLocks noGrp="1"/>
           </p:cNvSpPr>
           <p:nvPr>
-            <p:ph type="sldNum" idx="2"/>
+            <p:ph type="sldNum" idx="11"/>
           </p:nvPr>
         </p:nvSpPr>
         <p:spPr/>
         <p:txBody>
           <a:bodyPr/>
           <a:p>
-            <a:fld id="{A0C7D079-5793-47AC-8E4E-7F741FB3506E}" type="slidenum">
+            <a:fld id="{EA99A5C8-13A3-473C-A64D-36E6FFADF455}" type="slidenum">
               <a:t>40</a:t>
             </a:fld>
           </a:p>
@@ -21628,7 +22062,7 @@
       </p:grpSpPr>
       <p:sp>
         <p:nvSpPr>
-          <p:cNvPr id="177" name="PlaceHolder 1"/>
+          <p:cNvPr id="179" name="PlaceHolder 1"/>
           <p:cNvSpPr>
             <a:spLocks noGrp="1"/>
           </p:cNvSpPr>
@@ -21684,7 +22118,7 @@
       </p:sp>
       <p:sp>
         <p:nvSpPr>
-          <p:cNvPr id="178" name="PlaceHolder 2"/>
+          <p:cNvPr id="180" name="PlaceHolder 2"/>
           <p:cNvSpPr>
             <a:spLocks noGrp="1"/>
           </p:cNvSpPr>
@@ -21840,7 +22274,7 @@
             <a:spLocks noGrp="1"/>
           </p:cNvSpPr>
           <p:nvPr>
-            <p:ph type="ftr" idx="1"/>
+            <p:ph type="ftr" idx="31"/>
           </p:nvPr>
         </p:nvSpPr>
         <p:spPr/>
@@ -21860,14 +22294,14 @@
             <a:spLocks noGrp="1"/>
           </p:cNvSpPr>
           <p:nvPr>
-            <p:ph type="sldNum" idx="2"/>
+            <p:ph type="sldNum" idx="32"/>
           </p:nvPr>
         </p:nvSpPr>
         <p:spPr/>
         <p:txBody>
           <a:bodyPr/>
           <a:p>
-            <a:fld id="{AB3DA237-C76B-434D-8A3F-92477305685D}" type="slidenum">
+            <a:fld id="{CFB18EA9-6F88-4BC2-AA60-E1BC6285D901}" type="slidenum">
               <a:t>41</a:t>
             </a:fld>
           </a:p>
@@ -21905,7 +22339,7 @@
       </p:grpSpPr>
       <p:sp>
         <p:nvSpPr>
-          <p:cNvPr id="179" name="PlaceHolder 1"/>
+          <p:cNvPr id="181" name="PlaceHolder 1"/>
           <p:cNvSpPr>
             <a:spLocks noGrp="1"/>
           </p:cNvSpPr>
@@ -21961,7 +22395,7 @@
       </p:sp>
       <p:sp>
         <p:nvSpPr>
-          <p:cNvPr id="180" name="PlaceHolder 2"/>
+          <p:cNvPr id="182" name="PlaceHolder 2"/>
           <p:cNvSpPr>
             <a:spLocks noGrp="1"/>
           </p:cNvSpPr>
@@ -22016,7 +22450,7 @@
             <a:spLocks noGrp="1"/>
           </p:cNvSpPr>
           <p:nvPr>
-            <p:ph type="ftr" idx="1"/>
+            <p:ph type="ftr" idx="16"/>
           </p:nvPr>
         </p:nvSpPr>
         <p:spPr/>
@@ -22036,14 +22470,14 @@
             <a:spLocks noGrp="1"/>
           </p:cNvSpPr>
           <p:nvPr>
-            <p:ph type="sldNum" idx="2"/>
+            <p:ph type="sldNum" idx="17"/>
           </p:nvPr>
         </p:nvSpPr>
         <p:spPr/>
         <p:txBody>
           <a:bodyPr/>
           <a:p>
-            <a:fld id="{815970F5-E855-4A80-B383-B6515EA59863}" type="slidenum">
+            <a:fld id="{71509299-2985-48AE-8761-868293869136}" type="slidenum">
               <a:t>42</a:t>
             </a:fld>
           </a:p>
@@ -22081,7 +22515,7 @@
       </p:grpSpPr>
       <p:sp>
         <p:nvSpPr>
-          <p:cNvPr id="181" name="PlaceHolder 1"/>
+          <p:cNvPr id="183" name="PlaceHolder 1"/>
           <p:cNvSpPr>
             <a:spLocks noGrp="1"/>
           </p:cNvSpPr>
@@ -22137,7 +22571,7 @@
       </p:sp>
       <p:sp>
         <p:nvSpPr>
-          <p:cNvPr id="182" name="PlaceHolder 2"/>
+          <p:cNvPr id="184" name="PlaceHolder 2"/>
           <p:cNvSpPr>
             <a:spLocks noGrp="1"/>
           </p:cNvSpPr>
@@ -22428,7 +22862,7 @@
             <a:spLocks noGrp="1"/>
           </p:cNvSpPr>
           <p:nvPr>
-            <p:ph type="ftr" idx="1"/>
+            <p:ph type="ftr" idx="10"/>
           </p:nvPr>
         </p:nvSpPr>
         <p:spPr/>
@@ -22448,14 +22882,14 @@
             <a:spLocks noGrp="1"/>
           </p:cNvSpPr>
           <p:nvPr>
-            <p:ph type="sldNum" idx="2"/>
+            <p:ph type="sldNum" idx="11"/>
           </p:nvPr>
         </p:nvSpPr>
         <p:spPr/>
         <p:txBody>
           <a:bodyPr/>
           <a:p>
-            <a:fld id="{5FEF2DC9-D701-4F77-81A1-A9905FF6A117}" type="slidenum">
+            <a:fld id="{D487B6EB-42DB-4FAD-9503-A5C3DFE9C465}" type="slidenum">
               <a:t>43</a:t>
             </a:fld>
           </a:p>
@@ -22493,7 +22927,7 @@
       </p:grpSpPr>
       <p:sp>
         <p:nvSpPr>
-          <p:cNvPr id="183" name="PlaceHolder 1"/>
+          <p:cNvPr id="185" name="PlaceHolder 1"/>
           <p:cNvSpPr>
             <a:spLocks noGrp="1"/>
           </p:cNvSpPr>
@@ -22549,7 +22983,7 @@
       </p:sp>
       <p:sp>
         <p:nvSpPr>
-          <p:cNvPr id="184" name="PlaceHolder 2"/>
+          <p:cNvPr id="186" name="PlaceHolder 2"/>
           <p:cNvSpPr>
             <a:spLocks noGrp="1"/>
           </p:cNvSpPr>
@@ -22738,7 +23172,7 @@
             <a:spLocks noGrp="1"/>
           </p:cNvSpPr>
           <p:nvPr>
-            <p:ph type="ftr" idx="1"/>
+            <p:ph type="ftr" idx="10"/>
           </p:nvPr>
         </p:nvSpPr>
         <p:spPr/>
@@ -22758,14 +23192,14 @@
             <a:spLocks noGrp="1"/>
           </p:cNvSpPr>
           <p:nvPr>
-            <p:ph type="sldNum" idx="2"/>
+            <p:ph type="sldNum" idx="11"/>
           </p:nvPr>
         </p:nvSpPr>
         <p:spPr/>
         <p:txBody>
           <a:bodyPr/>
           <a:p>
-            <a:fld id="{ED6207B7-51A9-4F39-8A83-41598D4F53C7}" type="slidenum">
+            <a:fld id="{4147B0C2-BFF5-456B-A0B4-91848F562A62}" type="slidenum">
               <a:t>44</a:t>
             </a:fld>
           </a:p>
@@ -22803,7 +23237,7 @@
       </p:grpSpPr>
       <p:sp>
         <p:nvSpPr>
-          <p:cNvPr id="185" name="PlaceHolder 1"/>
+          <p:cNvPr id="187" name="PlaceHolder 1"/>
           <p:cNvSpPr>
             <a:spLocks noGrp="1"/>
           </p:cNvSpPr>
@@ -22859,7 +23293,7 @@
       </p:sp>
       <p:sp>
         <p:nvSpPr>
-          <p:cNvPr id="186" name="PlaceHolder 2"/>
+          <p:cNvPr id="188" name="PlaceHolder 2"/>
           <p:cNvSpPr>
             <a:spLocks noGrp="1"/>
           </p:cNvSpPr>
@@ -23137,7 +23571,7 @@
             <a:spLocks noGrp="1"/>
           </p:cNvSpPr>
           <p:nvPr>
-            <p:ph type="ftr" idx="1"/>
+            <p:ph type="ftr" idx="10"/>
           </p:nvPr>
         </p:nvSpPr>
         <p:spPr/>
@@ -23157,14 +23591,14 @@
             <a:spLocks noGrp="1"/>
           </p:cNvSpPr>
           <p:nvPr>
-            <p:ph type="sldNum" idx="2"/>
+            <p:ph type="sldNum" idx="11"/>
           </p:nvPr>
         </p:nvSpPr>
         <p:spPr/>
         <p:txBody>
           <a:bodyPr/>
           <a:p>
-            <a:fld id="{8A244C3D-EE46-48B1-A215-F039B01F5B97}" type="slidenum">
+            <a:fld id="{EDAD2E04-4E66-4BEB-BEC1-24B137912245}" type="slidenum">
               <a:t>45</a:t>
             </a:fld>
           </a:p>
@@ -23202,7 +23636,7 @@
       </p:grpSpPr>
       <p:sp>
         <p:nvSpPr>
-          <p:cNvPr id="187" name="PlaceHolder 1"/>
+          <p:cNvPr id="189" name="PlaceHolder 1"/>
           <p:cNvSpPr>
             <a:spLocks noGrp="1"/>
           </p:cNvSpPr>
@@ -23258,7 +23692,7 @@
       </p:sp>
       <p:sp>
         <p:nvSpPr>
-          <p:cNvPr id="188" name="PlaceHolder 2"/>
+          <p:cNvPr id="190" name="PlaceHolder 2"/>
           <p:cNvSpPr>
             <a:spLocks noGrp="1"/>
           </p:cNvSpPr>
@@ -23360,7 +23794,7 @@
             <a:spLocks noGrp="1"/>
           </p:cNvSpPr>
           <p:nvPr>
-            <p:ph type="ftr" idx="1"/>
+            <p:ph type="ftr" idx="10"/>
           </p:nvPr>
         </p:nvSpPr>
         <p:spPr/>
@@ -23380,14 +23814,14 @@
             <a:spLocks noGrp="1"/>
           </p:cNvSpPr>
           <p:nvPr>
-            <p:ph type="sldNum" idx="2"/>
+            <p:ph type="sldNum" idx="11"/>
           </p:nvPr>
         </p:nvSpPr>
         <p:spPr/>
         <p:txBody>
           <a:bodyPr/>
           <a:p>
-            <a:fld id="{F8DCBA8B-A1C3-4A6E-99F6-C321C1937C87}" type="slidenum">
+            <a:fld id="{3F9F7E42-E6BC-4597-A992-1E817E392297}" type="slidenum">
               <a:t>46</a:t>
             </a:fld>
           </a:p>
@@ -23425,7 +23859,7 @@
       </p:grpSpPr>
       <p:sp>
         <p:nvSpPr>
-          <p:cNvPr id="189" name="PlaceHolder 1"/>
+          <p:cNvPr id="191" name="PlaceHolder 1"/>
           <p:cNvSpPr>
             <a:spLocks noGrp="1"/>
           </p:cNvSpPr>
@@ -23481,7 +23915,7 @@
       </p:sp>
       <p:sp>
         <p:nvSpPr>
-          <p:cNvPr id="190" name="PlaceHolder 2"/>
+          <p:cNvPr id="192" name="PlaceHolder 2"/>
           <p:cNvSpPr>
             <a:spLocks noGrp="1"/>
           </p:cNvSpPr>
@@ -23719,7 +24153,7 @@
             <a:spLocks noGrp="1"/>
           </p:cNvSpPr>
           <p:nvPr>
-            <p:ph type="ftr" idx="1"/>
+            <p:ph type="ftr" idx="10"/>
           </p:nvPr>
         </p:nvSpPr>
         <p:spPr/>
@@ -23739,14 +24173,14 @@
             <a:spLocks noGrp="1"/>
           </p:cNvSpPr>
           <p:nvPr>
-            <p:ph type="sldNum" idx="2"/>
+            <p:ph type="sldNum" idx="11"/>
           </p:nvPr>
         </p:nvSpPr>
         <p:spPr/>
         <p:txBody>
           <a:bodyPr/>
           <a:p>
-            <a:fld id="{EB728F3B-1D64-45EF-827C-66982CF46407}" type="slidenum">
+            <a:fld id="{5090954E-0292-432A-B5E4-87BBE7E4867A}" type="slidenum">
               <a:t>47</a:t>
             </a:fld>
           </a:p>
@@ -23784,7 +24218,7 @@
       </p:grpSpPr>
       <p:sp>
         <p:nvSpPr>
-          <p:cNvPr id="191" name="PlaceHolder 1"/>
+          <p:cNvPr id="193" name="PlaceHolder 1"/>
           <p:cNvSpPr>
             <a:spLocks noGrp="1"/>
           </p:cNvSpPr>
@@ -23840,7 +24274,7 @@
       </p:sp>
       <p:sp>
         <p:nvSpPr>
-          <p:cNvPr id="192" name="PlaceHolder 2"/>
+          <p:cNvPr id="194" name="PlaceHolder 2"/>
           <p:cNvSpPr>
             <a:spLocks noGrp="1"/>
           </p:cNvSpPr>
@@ -24112,7 +24546,7 @@
             <a:spLocks noGrp="1"/>
           </p:cNvSpPr>
           <p:nvPr>
-            <p:ph type="ftr" idx="1"/>
+            <p:ph type="ftr" idx="10"/>
           </p:nvPr>
         </p:nvSpPr>
         <p:spPr/>
@@ -24132,14 +24566,14 @@
             <a:spLocks noGrp="1"/>
           </p:cNvSpPr>
           <p:nvPr>
-            <p:ph type="sldNum" idx="2"/>
+            <p:ph type="sldNum" idx="11"/>
           </p:nvPr>
         </p:nvSpPr>
         <p:spPr/>
         <p:txBody>
           <a:bodyPr/>
           <a:p>
-            <a:fld id="{493358F0-0F8A-48AD-AB92-B91D22B5ECF9}" type="slidenum">
+            <a:fld id="{5AB19176-9C77-4D27-8C27-A9B128112E27}" type="slidenum">
               <a:t>48</a:t>
             </a:fld>
           </a:p>
@@ -24177,7 +24611,7 @@
       </p:grpSpPr>
       <p:sp>
         <p:nvSpPr>
-          <p:cNvPr id="193" name="PlaceHolder 1"/>
+          <p:cNvPr id="195" name="PlaceHolder 1"/>
           <p:cNvSpPr>
             <a:spLocks noGrp="1"/>
           </p:cNvSpPr>
@@ -24233,7 +24667,7 @@
       </p:sp>
       <p:sp>
         <p:nvSpPr>
-          <p:cNvPr id="194" name="PlaceHolder 2"/>
+          <p:cNvPr id="196" name="PlaceHolder 2"/>
           <p:cNvSpPr>
             <a:spLocks noGrp="1"/>
           </p:cNvSpPr>
@@ -24369,7 +24803,7 @@
             <a:spLocks noGrp="1"/>
           </p:cNvSpPr>
           <p:nvPr>
-            <p:ph type="ftr" idx="1"/>
+            <p:ph type="ftr" idx="10"/>
           </p:nvPr>
         </p:nvSpPr>
         <p:spPr/>
@@ -24389,14 +24823,14 @@
             <a:spLocks noGrp="1"/>
           </p:cNvSpPr>
           <p:nvPr>
-            <p:ph type="sldNum" idx="2"/>
+            <p:ph type="sldNum" idx="11"/>
           </p:nvPr>
         </p:nvSpPr>
         <p:spPr/>
         <p:txBody>
           <a:bodyPr/>
           <a:p>
-            <a:fld id="{D05E2D48-9880-4A24-BAD8-62973629F3D1}" type="slidenum">
+            <a:fld id="{68E73429-9967-478A-B6FA-117E06E98BCA}" type="slidenum">
               <a:t>49</a:t>
             </a:fld>
           </a:p>
@@ -24434,7 +24868,7 @@
       </p:grpSpPr>
       <p:sp>
         <p:nvSpPr>
-          <p:cNvPr id="103" name="PlaceHolder 1"/>
+          <p:cNvPr id="105" name="PlaceHolder 1"/>
           <p:cNvSpPr>
             <a:spLocks noGrp="1"/>
           </p:cNvSpPr>
@@ -24490,7 +24924,7 @@
       </p:sp>
       <p:sp>
         <p:nvSpPr>
-          <p:cNvPr id="104" name="PlaceHolder 2"/>
+          <p:cNvPr id="106" name="PlaceHolder 2"/>
           <p:cNvSpPr>
             <a:spLocks noGrp="1"/>
           </p:cNvSpPr>
@@ -24796,7 +25230,7 @@
             <a:spLocks noGrp="1"/>
           </p:cNvSpPr>
           <p:nvPr>
-            <p:ph type="ftr" idx="1"/>
+            <p:ph type="ftr" idx="10"/>
           </p:nvPr>
         </p:nvSpPr>
         <p:spPr/>
@@ -24816,14 +25250,14 @@
             <a:spLocks noGrp="1"/>
           </p:cNvSpPr>
           <p:nvPr>
-            <p:ph type="sldNum" idx="2"/>
+            <p:ph type="sldNum" idx="11"/>
           </p:nvPr>
         </p:nvSpPr>
         <p:spPr/>
         <p:txBody>
           <a:bodyPr/>
           <a:p>
-            <a:fld id="{02ACDF2B-16B8-4752-9AC1-FB2AB04AE6BA}" type="slidenum">
+            <a:fld id="{9690699D-0A67-42FC-9C41-7567765F4EDC}" type="slidenum">
               <a:t>5</a:t>
             </a:fld>
           </a:p>
@@ -24861,7 +25295,7 @@
       </p:grpSpPr>
       <p:sp>
         <p:nvSpPr>
-          <p:cNvPr id="195" name="PlaceHolder 1"/>
+          <p:cNvPr id="197" name="PlaceHolder 1"/>
           <p:cNvSpPr>
             <a:spLocks noGrp="1"/>
           </p:cNvSpPr>
@@ -24917,7 +25351,7 @@
       </p:sp>
       <p:sp>
         <p:nvSpPr>
-          <p:cNvPr id="196" name="PlaceHolder 2"/>
+          <p:cNvPr id="198" name="PlaceHolder 2"/>
           <p:cNvSpPr>
             <a:spLocks noGrp="1"/>
           </p:cNvSpPr>
@@ -25073,7 +25507,7 @@
             <a:spLocks noGrp="1"/>
           </p:cNvSpPr>
           <p:nvPr>
-            <p:ph type="ftr" idx="1"/>
+            <p:ph type="ftr" idx="31"/>
           </p:nvPr>
         </p:nvSpPr>
         <p:spPr/>
@@ -25093,14 +25527,14 @@
             <a:spLocks noGrp="1"/>
           </p:cNvSpPr>
           <p:nvPr>
-            <p:ph type="sldNum" idx="2"/>
+            <p:ph type="sldNum" idx="32"/>
           </p:nvPr>
         </p:nvSpPr>
         <p:spPr/>
         <p:txBody>
           <a:bodyPr/>
           <a:p>
-            <a:fld id="{5796D5D4-82D5-422E-A963-C41D2A6B16A5}" type="slidenum">
+            <a:fld id="{730E7E3D-3D3C-4527-BE42-F4B347992783}" type="slidenum">
               <a:t>50</a:t>
             </a:fld>
           </a:p>
@@ -25138,7 +25572,7 @@
       </p:grpSpPr>
       <p:sp>
         <p:nvSpPr>
-          <p:cNvPr id="197" name="PlaceHolder 1"/>
+          <p:cNvPr id="199" name="PlaceHolder 1"/>
           <p:cNvSpPr>
             <a:spLocks noGrp="1"/>
           </p:cNvSpPr>
@@ -25194,7 +25628,7 @@
       </p:sp>
       <p:sp>
         <p:nvSpPr>
-          <p:cNvPr id="198" name="PlaceHolder 2"/>
+          <p:cNvPr id="200" name="PlaceHolder 2"/>
           <p:cNvSpPr>
             <a:spLocks noGrp="1"/>
           </p:cNvSpPr>
@@ -25263,7 +25697,7 @@
             <a:spLocks noGrp="1"/>
           </p:cNvSpPr>
           <p:nvPr>
-            <p:ph type="ftr" idx="1"/>
+            <p:ph type="ftr" idx="16"/>
           </p:nvPr>
         </p:nvSpPr>
         <p:spPr/>
@@ -25283,14 +25717,14 @@
             <a:spLocks noGrp="1"/>
           </p:cNvSpPr>
           <p:nvPr>
-            <p:ph type="sldNum" idx="2"/>
+            <p:ph type="sldNum" idx="17"/>
           </p:nvPr>
         </p:nvSpPr>
         <p:spPr/>
         <p:txBody>
           <a:bodyPr/>
           <a:p>
-            <a:fld id="{3A460A1D-2760-486F-A3FE-7E574709704B}" type="slidenum">
+            <a:fld id="{522BFC17-1C10-4395-8F04-96434339AD84}" type="slidenum">
               <a:t>51</a:t>
             </a:fld>
           </a:p>
@@ -25328,7 +25762,7 @@
       </p:grpSpPr>
       <p:sp>
         <p:nvSpPr>
-          <p:cNvPr id="199" name="PlaceHolder 1"/>
+          <p:cNvPr id="201" name="PlaceHolder 1"/>
           <p:cNvSpPr>
             <a:spLocks noGrp="1"/>
           </p:cNvSpPr>
@@ -25384,7 +25818,7 @@
       </p:sp>
       <p:sp>
         <p:nvSpPr>
-          <p:cNvPr id="200" name="PlaceHolder 2"/>
+          <p:cNvPr id="202" name="PlaceHolder 2"/>
           <p:cNvSpPr>
             <a:spLocks noGrp="1"/>
           </p:cNvSpPr>
@@ -25486,7 +25920,7 @@
             <a:spLocks noGrp="1"/>
           </p:cNvSpPr>
           <p:nvPr>
-            <p:ph type="ftr" idx="1"/>
+            <p:ph type="ftr" idx="10"/>
           </p:nvPr>
         </p:nvSpPr>
         <p:spPr/>
@@ -25506,14 +25940,14 @@
             <a:spLocks noGrp="1"/>
           </p:cNvSpPr>
           <p:nvPr>
-            <p:ph type="sldNum" idx="2"/>
+            <p:ph type="sldNum" idx="11"/>
           </p:nvPr>
         </p:nvSpPr>
         <p:spPr/>
         <p:txBody>
           <a:bodyPr/>
           <a:p>
-            <a:fld id="{B0A94601-D3F5-4DD8-9EF8-0A2A96796F32}" type="slidenum">
+            <a:fld id="{2C07D994-39F5-4AB2-BEA3-BAB8A8FA094B}" type="slidenum">
               <a:t>52</a:t>
             </a:fld>
           </a:p>
@@ -25551,7 +25985,7 @@
       </p:grpSpPr>
       <p:sp>
         <p:nvSpPr>
-          <p:cNvPr id="201" name="PlaceHolder 1"/>
+          <p:cNvPr id="203" name="PlaceHolder 1"/>
           <p:cNvSpPr>
             <a:spLocks noGrp="1"/>
           </p:cNvSpPr>
@@ -25607,7 +26041,7 @@
       </p:sp>
       <p:sp>
         <p:nvSpPr>
-          <p:cNvPr id="202" name="PlaceHolder 2"/>
+          <p:cNvPr id="204" name="PlaceHolder 2"/>
           <p:cNvSpPr>
             <a:spLocks noGrp="1"/>
           </p:cNvSpPr>
@@ -25898,7 +26332,7 @@
             <a:spLocks noGrp="1"/>
           </p:cNvSpPr>
           <p:nvPr>
-            <p:ph type="ftr" idx="1"/>
+            <p:ph type="ftr" idx="10"/>
           </p:nvPr>
         </p:nvSpPr>
         <p:spPr/>
@@ -25918,14 +26352,14 @@
             <a:spLocks noGrp="1"/>
           </p:cNvSpPr>
           <p:nvPr>
-            <p:ph type="sldNum" idx="2"/>
+            <p:ph type="sldNum" idx="11"/>
           </p:nvPr>
         </p:nvSpPr>
         <p:spPr/>
         <p:txBody>
           <a:bodyPr/>
           <a:p>
-            <a:fld id="{0F85F0FC-BD10-47BD-89D0-2A6783BA5056}" type="slidenum">
+            <a:fld id="{F0654D98-FA31-44E7-BC04-0451EE13202B}" type="slidenum">
               <a:t>53</a:t>
             </a:fld>
           </a:p>
@@ -25963,7 +26397,7 @@
       </p:grpSpPr>
       <p:sp>
         <p:nvSpPr>
-          <p:cNvPr id="203" name="PlaceHolder 1"/>
+          <p:cNvPr id="205" name="PlaceHolder 1"/>
           <p:cNvSpPr>
             <a:spLocks noGrp="1"/>
           </p:cNvSpPr>
@@ -26019,7 +26453,7 @@
       </p:sp>
       <p:sp>
         <p:nvSpPr>
-          <p:cNvPr id="204" name="PlaceHolder 2"/>
+          <p:cNvPr id="206" name="PlaceHolder 2"/>
           <p:cNvSpPr>
             <a:spLocks noGrp="1"/>
           </p:cNvSpPr>
@@ -26257,7 +26691,7 @@
             <a:spLocks noGrp="1"/>
           </p:cNvSpPr>
           <p:nvPr>
-            <p:ph type="ftr" idx="1"/>
+            <p:ph type="ftr" idx="10"/>
           </p:nvPr>
         </p:nvSpPr>
         <p:spPr/>
@@ -26277,14 +26711,14 @@
             <a:spLocks noGrp="1"/>
           </p:cNvSpPr>
           <p:nvPr>
-            <p:ph type="sldNum" idx="2"/>
+            <p:ph type="sldNum" idx="11"/>
           </p:nvPr>
         </p:nvSpPr>
         <p:spPr/>
         <p:txBody>
           <a:bodyPr/>
           <a:p>
-            <a:fld id="{4C15FCFE-51EF-4C67-9B74-B4993B2DFDAA}" type="slidenum">
+            <a:fld id="{C76A98B0-E458-4378-8B13-1C1FEA4797E8}" type="slidenum">
               <a:t>54</a:t>
             </a:fld>
           </a:p>
@@ -26322,7 +26756,7 @@
       </p:grpSpPr>
       <p:sp>
         <p:nvSpPr>
-          <p:cNvPr id="205" name="PlaceHolder 1"/>
+          <p:cNvPr id="207" name="PlaceHolder 1"/>
           <p:cNvSpPr>
             <a:spLocks noGrp="1"/>
           </p:cNvSpPr>
@@ -26378,7 +26812,7 @@
       </p:sp>
       <p:sp>
         <p:nvSpPr>
-          <p:cNvPr id="206" name="PlaceHolder 2"/>
+          <p:cNvPr id="208" name="PlaceHolder 2"/>
           <p:cNvSpPr>
             <a:spLocks noGrp="1"/>
           </p:cNvSpPr>
@@ -26548,7 +26982,7 @@
             <a:spLocks noGrp="1"/>
           </p:cNvSpPr>
           <p:nvPr>
-            <p:ph type="ftr" idx="1"/>
+            <p:ph type="ftr" idx="10"/>
           </p:nvPr>
         </p:nvSpPr>
         <p:spPr/>
@@ -26568,14 +27002,14 @@
             <a:spLocks noGrp="1"/>
           </p:cNvSpPr>
           <p:nvPr>
-            <p:ph type="sldNum" idx="2"/>
+            <p:ph type="sldNum" idx="11"/>
           </p:nvPr>
         </p:nvSpPr>
         <p:spPr/>
         <p:txBody>
           <a:bodyPr/>
           <a:p>
-            <a:fld id="{12C73BF0-371E-4999-BACF-EB97B84C013C}" type="slidenum">
+            <a:fld id="{637838F5-6689-4E92-BDC8-87D3353FAEE3}" type="slidenum">
               <a:t>55</a:t>
             </a:fld>
           </a:p>
@@ -26613,7 +27047,7 @@
       </p:grpSpPr>
       <p:sp>
         <p:nvSpPr>
-          <p:cNvPr id="207" name="PlaceHolder 1"/>
+          <p:cNvPr id="209" name="PlaceHolder 1"/>
           <p:cNvSpPr>
             <a:spLocks noGrp="1"/>
           </p:cNvSpPr>
@@ -26669,7 +27103,7 @@
       </p:sp>
       <p:sp>
         <p:nvSpPr>
-          <p:cNvPr id="208" name="PlaceHolder 2"/>
+          <p:cNvPr id="210" name="PlaceHolder 2"/>
           <p:cNvSpPr>
             <a:spLocks noGrp="1"/>
           </p:cNvSpPr>
@@ -26825,7 +27259,7 @@
             <a:spLocks noGrp="1"/>
           </p:cNvSpPr>
           <p:nvPr>
-            <p:ph type="ftr" idx="1"/>
+            <p:ph type="ftr" idx="31"/>
           </p:nvPr>
         </p:nvSpPr>
         <p:spPr/>
@@ -26845,14 +27279,14 @@
             <a:spLocks noGrp="1"/>
           </p:cNvSpPr>
           <p:nvPr>
-            <p:ph type="sldNum" idx="2"/>
+            <p:ph type="sldNum" idx="32"/>
           </p:nvPr>
         </p:nvSpPr>
         <p:spPr/>
         <p:txBody>
           <a:bodyPr/>
           <a:p>
-            <a:fld id="{50793515-31A0-4153-AFC9-1931D9055A2D}" type="slidenum">
+            <a:fld id="{C6FBBE71-993B-4E0F-AD54-B4D3CEEE0E8F}" type="slidenum">
               <a:t>56</a:t>
             </a:fld>
           </a:p>
@@ -26890,7 +27324,7 @@
       </p:grpSpPr>
       <p:sp>
         <p:nvSpPr>
-          <p:cNvPr id="209" name="PlaceHolder 1"/>
+          <p:cNvPr id="211" name="PlaceHolder 1"/>
           <p:cNvSpPr>
             <a:spLocks noGrp="1"/>
           </p:cNvSpPr>
@@ -26946,7 +27380,7 @@
       </p:sp>
       <p:sp>
         <p:nvSpPr>
-          <p:cNvPr id="210" name="PlaceHolder 2"/>
+          <p:cNvPr id="212" name="PlaceHolder 2"/>
           <p:cNvSpPr>
             <a:spLocks noGrp="1"/>
           </p:cNvSpPr>
@@ -27001,7 +27435,7 @@
             <a:spLocks noGrp="1"/>
           </p:cNvSpPr>
           <p:nvPr>
-            <p:ph type="ftr" idx="1"/>
+            <p:ph type="ftr" idx="16"/>
           </p:nvPr>
         </p:nvSpPr>
         <p:spPr/>
@@ -27021,14 +27455,14 @@
             <a:spLocks noGrp="1"/>
           </p:cNvSpPr>
           <p:nvPr>
-            <p:ph type="sldNum" idx="2"/>
+            <p:ph type="sldNum" idx="17"/>
           </p:nvPr>
         </p:nvSpPr>
         <p:spPr/>
         <p:txBody>
           <a:bodyPr/>
           <a:p>
-            <a:fld id="{ED3C2945-F5B9-4398-94C6-E6D9366DEAE9}" type="slidenum">
+            <a:fld id="{5E6ADD0B-3AF8-4C63-A138-BC407D0E66C0}" type="slidenum">
               <a:t>57</a:t>
             </a:fld>
           </a:p>
@@ -27066,7 +27500,7 @@
       </p:grpSpPr>
       <p:sp>
         <p:nvSpPr>
-          <p:cNvPr id="211" name="PlaceHolder 1"/>
+          <p:cNvPr id="213" name="PlaceHolder 1"/>
           <p:cNvSpPr>
             <a:spLocks noGrp="1"/>
           </p:cNvSpPr>
@@ -27122,7 +27556,7 @@
       </p:sp>
       <p:sp>
         <p:nvSpPr>
-          <p:cNvPr id="212" name="PlaceHolder 2"/>
+          <p:cNvPr id="214" name="PlaceHolder 2"/>
           <p:cNvSpPr>
             <a:spLocks noGrp="1"/>
           </p:cNvSpPr>
@@ -27519,7 +27953,7 @@
             <a:spLocks noGrp="1"/>
           </p:cNvSpPr>
           <p:nvPr>
-            <p:ph type="ftr" idx="1"/>
+            <p:ph type="ftr" idx="10"/>
           </p:nvPr>
         </p:nvSpPr>
         <p:spPr/>
@@ -27539,14 +27973,14 @@
             <a:spLocks noGrp="1"/>
           </p:cNvSpPr>
           <p:nvPr>
-            <p:ph type="sldNum" idx="2"/>
+            <p:ph type="sldNum" idx="11"/>
           </p:nvPr>
         </p:nvSpPr>
         <p:spPr/>
         <p:txBody>
           <a:bodyPr/>
           <a:p>
-            <a:fld id="{4F3E2D8C-0D18-4EB8-8452-5CF5284BFED8}" type="slidenum">
+            <a:fld id="{10D3A92D-CB40-4272-BF6E-F362386DEC83}" type="slidenum">
               <a:t>58</a:t>
             </a:fld>
           </a:p>
@@ -27584,7 +28018,7 @@
       </p:grpSpPr>
       <p:sp>
         <p:nvSpPr>
-          <p:cNvPr id="213" name="PlaceHolder 1"/>
+          <p:cNvPr id="215" name="PlaceHolder 1"/>
           <p:cNvSpPr>
             <a:spLocks noGrp="1"/>
           </p:cNvSpPr>
@@ -27640,7 +28074,7 @@
       </p:sp>
       <p:sp>
         <p:nvSpPr>
-          <p:cNvPr id="214" name="PlaceHolder 2"/>
+          <p:cNvPr id="216" name="PlaceHolder 2"/>
           <p:cNvSpPr>
             <a:spLocks noGrp="1"/>
           </p:cNvSpPr>
@@ -27911,7 +28345,7 @@
             <a:spLocks noGrp="1"/>
           </p:cNvSpPr>
           <p:nvPr>
-            <p:ph type="ftr" idx="1"/>
+            <p:ph type="ftr" idx="10"/>
           </p:nvPr>
         </p:nvSpPr>
         <p:spPr/>
@@ -27931,14 +28365,14 @@
             <a:spLocks noGrp="1"/>
           </p:cNvSpPr>
           <p:nvPr>
-            <p:ph type="sldNum" idx="2"/>
+            <p:ph type="sldNum" idx="11"/>
           </p:nvPr>
         </p:nvSpPr>
         <p:spPr/>
         <p:txBody>
           <a:bodyPr/>
           <a:p>
-            <a:fld id="{C7463CB3-104C-4C9D-9051-737F3E2E55D0}" type="slidenum">
+            <a:fld id="{87AEF07A-30EE-424A-9B69-4044389FF6AB}" type="slidenum">
               <a:t>59</a:t>
             </a:fld>
           </a:p>
@@ -27976,7 +28410,7 @@
       </p:grpSpPr>
       <p:sp>
         <p:nvSpPr>
-          <p:cNvPr id="105" name="PlaceHolder 1"/>
+          <p:cNvPr id="107" name="PlaceHolder 1"/>
           <p:cNvSpPr>
             <a:spLocks noGrp="1"/>
           </p:cNvSpPr>
@@ -28032,7 +28466,7 @@
       </p:sp>
       <p:sp>
         <p:nvSpPr>
-          <p:cNvPr id="106" name="PlaceHolder 2"/>
+          <p:cNvPr id="108" name="PlaceHolder 2"/>
           <p:cNvSpPr>
             <a:spLocks noGrp="1"/>
           </p:cNvSpPr>
@@ -28153,7 +28587,7 @@
             <a:spLocks noGrp="1"/>
           </p:cNvSpPr>
           <p:nvPr>
-            <p:ph type="ftr" idx="1"/>
+            <p:ph type="ftr" idx="10"/>
           </p:nvPr>
         </p:nvSpPr>
         <p:spPr/>
@@ -28173,14 +28607,14 @@
             <a:spLocks noGrp="1"/>
           </p:cNvSpPr>
           <p:nvPr>
-            <p:ph type="sldNum" idx="2"/>
+            <p:ph type="sldNum" idx="11"/>
           </p:nvPr>
         </p:nvSpPr>
         <p:spPr/>
         <p:txBody>
           <a:bodyPr/>
           <a:p>
-            <a:fld id="{ACDED03A-E419-44A7-84A7-013F05661D62}" type="slidenum">
+            <a:fld id="{DE19E1E9-EF31-4CDE-A15F-B3AE309BB25D}" type="slidenum">
               <a:t>6</a:t>
             </a:fld>
           </a:p>
@@ -28218,7 +28652,7 @@
       </p:grpSpPr>
       <p:sp>
         <p:nvSpPr>
-          <p:cNvPr id="215" name="PlaceHolder 1"/>
+          <p:cNvPr id="217" name="PlaceHolder 1"/>
           <p:cNvSpPr>
             <a:spLocks noGrp="1"/>
           </p:cNvSpPr>
@@ -28274,7 +28708,7 @@
       </p:sp>
       <p:sp>
         <p:nvSpPr>
-          <p:cNvPr id="216" name="PlaceHolder 2"/>
+          <p:cNvPr id="218" name="PlaceHolder 2"/>
           <p:cNvSpPr>
             <a:spLocks noGrp="1"/>
           </p:cNvSpPr>
@@ -28376,7 +28810,7 @@
             <a:spLocks noGrp="1"/>
           </p:cNvSpPr>
           <p:nvPr>
-            <p:ph type="ftr" idx="1"/>
+            <p:ph type="ftr" idx="10"/>
           </p:nvPr>
         </p:nvSpPr>
         <p:spPr/>
@@ -28396,14 +28830,14 @@
             <a:spLocks noGrp="1"/>
           </p:cNvSpPr>
           <p:nvPr>
-            <p:ph type="sldNum" idx="2"/>
+            <p:ph type="sldNum" idx="11"/>
           </p:nvPr>
         </p:nvSpPr>
         <p:spPr/>
         <p:txBody>
           <a:bodyPr/>
           <a:p>
-            <a:fld id="{AB440F05-A976-49CF-A57C-A9EAC12527B7}" type="slidenum">
+            <a:fld id="{74DD2111-4EDD-440F-B1F2-1CF2D2C4833A}" type="slidenum">
               <a:t>60</a:t>
             </a:fld>
           </a:p>
@@ -28441,7 +28875,7 @@
       </p:grpSpPr>
       <p:sp>
         <p:nvSpPr>
-          <p:cNvPr id="217" name="PlaceHolder 1"/>
+          <p:cNvPr id="219" name="PlaceHolder 1"/>
           <p:cNvSpPr>
             <a:spLocks noGrp="1"/>
           </p:cNvSpPr>
@@ -28497,7 +28931,7 @@
       </p:sp>
       <p:sp>
         <p:nvSpPr>
-          <p:cNvPr id="218" name="PlaceHolder 2"/>
+          <p:cNvPr id="220" name="PlaceHolder 2"/>
           <p:cNvSpPr>
             <a:spLocks noGrp="1"/>
           </p:cNvSpPr>
@@ -28766,7 +29200,7 @@
             <a:spLocks noGrp="1"/>
           </p:cNvSpPr>
           <p:nvPr>
-            <p:ph type="ftr" idx="1"/>
+            <p:ph type="ftr" idx="31"/>
           </p:nvPr>
         </p:nvSpPr>
         <p:spPr/>
@@ -28786,14 +29220,14 @@
             <a:spLocks noGrp="1"/>
           </p:cNvSpPr>
           <p:nvPr>
-            <p:ph type="sldNum" idx="2"/>
+            <p:ph type="sldNum" idx="32"/>
           </p:nvPr>
         </p:nvSpPr>
         <p:spPr/>
         <p:txBody>
           <a:bodyPr/>
           <a:p>
-            <a:fld id="{6AA3CFD1-7A09-422B-9AF8-A01349DD476A}" type="slidenum">
+            <a:fld id="{32210FCB-F6F1-453D-8BBD-9981EBD163C7}" type="slidenum">
               <a:t>61</a:t>
             </a:fld>
           </a:p>
@@ -28831,7 +29265,7 @@
       </p:grpSpPr>
       <p:sp>
         <p:nvSpPr>
-          <p:cNvPr id="219" name="PlaceHolder 1"/>
+          <p:cNvPr id="221" name="PlaceHolder 1"/>
           <p:cNvSpPr>
             <a:spLocks noGrp="1"/>
           </p:cNvSpPr>
@@ -28887,7 +29321,7 @@
       </p:sp>
       <p:sp>
         <p:nvSpPr>
-          <p:cNvPr id="220" name="PlaceHolder 2"/>
+          <p:cNvPr id="222" name="PlaceHolder 2"/>
           <p:cNvSpPr>
             <a:spLocks noGrp="1"/>
           </p:cNvSpPr>
@@ -28942,7 +29376,7 @@
             <a:spLocks noGrp="1"/>
           </p:cNvSpPr>
           <p:nvPr>
-            <p:ph type="ftr" idx="1"/>
+            <p:ph type="ftr" idx="16"/>
           </p:nvPr>
         </p:nvSpPr>
         <p:spPr/>
@@ -28962,14 +29396,14 @@
             <a:spLocks noGrp="1"/>
           </p:cNvSpPr>
           <p:nvPr>
-            <p:ph type="sldNum" idx="2"/>
+            <p:ph type="sldNum" idx="17"/>
           </p:nvPr>
         </p:nvSpPr>
         <p:spPr/>
         <p:txBody>
           <a:bodyPr/>
           <a:p>
-            <a:fld id="{EC0A83B9-2B8F-49D7-AD22-0FBA2F000E89}" type="slidenum">
+            <a:fld id="{2F720E6A-C5A0-43EA-8AAA-8EC2AB3B7623}" type="slidenum">
               <a:t>62</a:t>
             </a:fld>
           </a:p>
@@ -29007,7 +29441,7 @@
       </p:grpSpPr>
       <p:sp>
         <p:nvSpPr>
-          <p:cNvPr id="221" name="PlaceHolder 1"/>
+          <p:cNvPr id="223" name="PlaceHolder 1"/>
           <p:cNvSpPr>
             <a:spLocks noGrp="1"/>
           </p:cNvSpPr>
@@ -29063,7 +29497,7 @@
       </p:sp>
       <p:sp>
         <p:nvSpPr>
-          <p:cNvPr id="222" name="PlaceHolder 2"/>
+          <p:cNvPr id="224" name="PlaceHolder 2"/>
           <p:cNvSpPr>
             <a:spLocks noGrp="1"/>
           </p:cNvSpPr>
@@ -29235,7 +29669,7 @@
             <a:spLocks noGrp="1"/>
           </p:cNvSpPr>
           <p:nvPr>
-            <p:ph type="ftr" idx="1"/>
+            <p:ph type="ftr" idx="10"/>
           </p:nvPr>
         </p:nvSpPr>
         <p:spPr/>
@@ -29255,14 +29689,14 @@
             <a:spLocks noGrp="1"/>
           </p:cNvSpPr>
           <p:nvPr>
-            <p:ph type="sldNum" idx="2"/>
+            <p:ph type="sldNum" idx="11"/>
           </p:nvPr>
         </p:nvSpPr>
         <p:spPr/>
         <p:txBody>
           <a:bodyPr/>
           <a:p>
-            <a:fld id="{0B2E2732-462C-4201-9354-8EA3181B33B1}" type="slidenum">
+            <a:fld id="{928E2521-BD84-4F09-B741-D049223C66E8}" type="slidenum">
               <a:t>63</a:t>
             </a:fld>
           </a:p>
@@ -29300,7 +29734,7 @@
       </p:grpSpPr>
       <p:sp>
         <p:nvSpPr>
-          <p:cNvPr id="223" name="PlaceHolder 1"/>
+          <p:cNvPr id="225" name="PlaceHolder 1"/>
           <p:cNvSpPr>
             <a:spLocks noGrp="1"/>
           </p:cNvSpPr>
@@ -29356,7 +29790,7 @@
       </p:sp>
       <p:sp>
         <p:nvSpPr>
-          <p:cNvPr id="224" name="PlaceHolder 2"/>
+          <p:cNvPr id="226" name="PlaceHolder 2"/>
           <p:cNvSpPr>
             <a:spLocks noGrp="1"/>
           </p:cNvSpPr>
@@ -29594,7 +30028,7 @@
             <a:spLocks noGrp="1"/>
           </p:cNvSpPr>
           <p:nvPr>
-            <p:ph type="ftr" idx="1"/>
+            <p:ph type="ftr" idx="10"/>
           </p:nvPr>
         </p:nvSpPr>
         <p:spPr/>
@@ -29614,14 +30048,14 @@
             <a:spLocks noGrp="1"/>
           </p:cNvSpPr>
           <p:nvPr>
-            <p:ph type="sldNum" idx="2"/>
+            <p:ph type="sldNum" idx="11"/>
           </p:nvPr>
         </p:nvSpPr>
         <p:spPr/>
         <p:txBody>
           <a:bodyPr/>
           <a:p>
-            <a:fld id="{EA381F08-9AB4-46B1-852F-CF41D65C99EF}" type="slidenum">
+            <a:fld id="{17BDFEBE-1139-40E9-804F-17ACA192BD26}" type="slidenum">
               <a:t>64</a:t>
             </a:fld>
           </a:p>
@@ -29659,7 +30093,7 @@
       </p:grpSpPr>
       <p:sp>
         <p:nvSpPr>
-          <p:cNvPr id="225" name="PlaceHolder 1"/>
+          <p:cNvPr id="227" name="PlaceHolder 1"/>
           <p:cNvSpPr>
             <a:spLocks noGrp="1"/>
           </p:cNvSpPr>
@@ -29715,7 +30149,7 @@
       </p:sp>
       <p:sp>
         <p:nvSpPr>
-          <p:cNvPr id="226" name="PlaceHolder 2"/>
+          <p:cNvPr id="228" name="PlaceHolder 2"/>
           <p:cNvSpPr>
             <a:spLocks noGrp="1"/>
           </p:cNvSpPr>
@@ -30157,7 +30591,7 @@
             <a:spLocks noGrp="1"/>
           </p:cNvSpPr>
           <p:nvPr>
-            <p:ph type="ftr" idx="1"/>
+            <p:ph type="ftr" idx="10"/>
           </p:nvPr>
         </p:nvSpPr>
         <p:spPr/>
@@ -30177,14 +30611,14 @@
             <a:spLocks noGrp="1"/>
           </p:cNvSpPr>
           <p:nvPr>
-            <p:ph type="sldNum" idx="2"/>
+            <p:ph type="sldNum" idx="11"/>
           </p:nvPr>
         </p:nvSpPr>
         <p:spPr/>
         <p:txBody>
           <a:bodyPr/>
           <a:p>
-            <a:fld id="{347E22BD-FB3A-460C-837A-F38E987A89E8}" type="slidenum">
+            <a:fld id="{75968F14-000A-4553-B6B2-8E2D39A7C565}" type="slidenum">
               <a:t>65</a:t>
             </a:fld>
           </a:p>
@@ -30222,7 +30656,7 @@
       </p:grpSpPr>
       <p:sp>
         <p:nvSpPr>
-          <p:cNvPr id="227" name="PlaceHolder 1"/>
+          <p:cNvPr id="229" name="PlaceHolder 1"/>
           <p:cNvSpPr>
             <a:spLocks noGrp="1"/>
           </p:cNvSpPr>
@@ -30278,7 +30712,7 @@
       </p:sp>
       <p:sp>
         <p:nvSpPr>
-          <p:cNvPr id="228" name="PlaceHolder 2"/>
+          <p:cNvPr id="230" name="PlaceHolder 2"/>
           <p:cNvSpPr>
             <a:spLocks noGrp="1"/>
           </p:cNvSpPr>
@@ -30434,7 +30868,7 @@
             <a:spLocks noGrp="1"/>
           </p:cNvSpPr>
           <p:nvPr>
-            <p:ph type="ftr" idx="1"/>
+            <p:ph type="ftr" idx="31"/>
           </p:nvPr>
         </p:nvSpPr>
         <p:spPr/>
@@ -30454,14 +30888,14 @@
             <a:spLocks noGrp="1"/>
           </p:cNvSpPr>
           <p:nvPr>
-            <p:ph type="sldNum" idx="2"/>
+            <p:ph type="sldNum" idx="32"/>
           </p:nvPr>
         </p:nvSpPr>
         <p:spPr/>
         <p:txBody>
           <a:bodyPr/>
           <a:p>
-            <a:fld id="{E77E309A-2DF6-4F29-AB6F-6C16A1127976}" type="slidenum">
+            <a:fld id="{39D987A1-B62F-4FBE-8839-1AAFFE99AAE1}" type="slidenum">
               <a:t>66</a:t>
             </a:fld>
           </a:p>
@@ -30499,7 +30933,7 @@
       </p:grpSpPr>
       <p:sp>
         <p:nvSpPr>
-          <p:cNvPr id="229" name="PlaceHolder 1"/>
+          <p:cNvPr id="231" name="PlaceHolder 1"/>
           <p:cNvSpPr>
             <a:spLocks noGrp="1"/>
           </p:cNvSpPr>
@@ -30555,7 +30989,7 @@
       </p:sp>
       <p:sp>
         <p:nvSpPr>
-          <p:cNvPr id="230" name="PlaceHolder 2"/>
+          <p:cNvPr id="232" name="PlaceHolder 2"/>
           <p:cNvSpPr>
             <a:spLocks noGrp="1"/>
           </p:cNvSpPr>
@@ -30610,7 +31044,7 @@
             <a:spLocks noGrp="1"/>
           </p:cNvSpPr>
           <p:nvPr>
-            <p:ph type="ftr" idx="1"/>
+            <p:ph type="ftr" idx="16"/>
           </p:nvPr>
         </p:nvSpPr>
         <p:spPr/>
@@ -30630,14 +31064,14 @@
             <a:spLocks noGrp="1"/>
           </p:cNvSpPr>
           <p:nvPr>
-            <p:ph type="sldNum" idx="2"/>
+            <p:ph type="sldNum" idx="17"/>
           </p:nvPr>
         </p:nvSpPr>
         <p:spPr/>
         <p:txBody>
           <a:bodyPr/>
           <a:p>
-            <a:fld id="{F572916A-2623-48CB-882F-99012AA54103}" type="slidenum">
+            <a:fld id="{E329AC4C-05F8-4CAB-B855-56C068A8C31E}" type="slidenum">
               <a:t>67</a:t>
             </a:fld>
           </a:p>
@@ -30675,7 +31109,7 @@
       </p:grpSpPr>
       <p:sp>
         <p:nvSpPr>
-          <p:cNvPr id="231" name="PlaceHolder 1"/>
+          <p:cNvPr id="233" name="PlaceHolder 1"/>
           <p:cNvSpPr>
             <a:spLocks noGrp="1"/>
           </p:cNvSpPr>
@@ -30731,7 +31165,7 @@
       </p:sp>
       <p:sp>
         <p:nvSpPr>
-          <p:cNvPr id="232" name="PlaceHolder 2"/>
+          <p:cNvPr id="234" name="PlaceHolder 2"/>
           <p:cNvSpPr>
             <a:spLocks noGrp="1"/>
           </p:cNvSpPr>
@@ -30920,7 +31354,7 @@
             <a:spLocks noGrp="1"/>
           </p:cNvSpPr>
           <p:nvPr>
-            <p:ph type="ftr" idx="1"/>
+            <p:ph type="ftr" idx="10"/>
           </p:nvPr>
         </p:nvSpPr>
         <p:spPr/>
@@ -30940,14 +31374,14 @@
             <a:spLocks noGrp="1"/>
           </p:cNvSpPr>
           <p:nvPr>
-            <p:ph type="sldNum" idx="2"/>
+            <p:ph type="sldNum" idx="11"/>
           </p:nvPr>
         </p:nvSpPr>
         <p:spPr/>
         <p:txBody>
           <a:bodyPr/>
           <a:p>
-            <a:fld id="{492E9766-A5D3-4EE1-B6A1-17EBF3C6DACF}" type="slidenum">
+            <a:fld id="{FE54A144-69AC-44C2-8341-564D7556D666}" type="slidenum">
               <a:t>68</a:t>
             </a:fld>
           </a:p>
@@ -30985,7 +31419,7 @@
       </p:grpSpPr>
       <p:sp>
         <p:nvSpPr>
-          <p:cNvPr id="233" name="PlaceHolder 1"/>
+          <p:cNvPr id="235" name="PlaceHolder 1"/>
           <p:cNvSpPr>
             <a:spLocks noGrp="1"/>
           </p:cNvSpPr>
@@ -31041,7 +31475,7 @@
       </p:sp>
       <p:sp>
         <p:nvSpPr>
-          <p:cNvPr id="234" name="PlaceHolder 2"/>
+          <p:cNvPr id="236" name="PlaceHolder 2"/>
           <p:cNvSpPr>
             <a:spLocks noGrp="1"/>
           </p:cNvSpPr>
@@ -31230,7 +31664,7 @@
             <a:spLocks noGrp="1"/>
           </p:cNvSpPr>
           <p:nvPr>
-            <p:ph type="ftr" idx="1"/>
+            <p:ph type="ftr" idx="10"/>
           </p:nvPr>
         </p:nvSpPr>
         <p:spPr/>
@@ -31250,14 +31684,14 @@
             <a:spLocks noGrp="1"/>
           </p:cNvSpPr>
           <p:nvPr>
-            <p:ph type="sldNum" idx="2"/>
+            <p:ph type="sldNum" idx="11"/>
           </p:nvPr>
         </p:nvSpPr>
         <p:spPr/>
         <p:txBody>
           <a:bodyPr/>
           <a:p>
-            <a:fld id="{67250628-B460-4143-8C14-D08BF2F3DFEC}" type="slidenum">
+            <a:fld id="{B6393F6D-61BD-431E-A297-5693EE05B7EA}" type="slidenum">
               <a:t>69</a:t>
             </a:fld>
           </a:p>
@@ -31295,7 +31729,7 @@
       </p:grpSpPr>
       <p:sp>
         <p:nvSpPr>
-          <p:cNvPr id="107" name="PlaceHolder 1"/>
+          <p:cNvPr id="109" name="PlaceHolder 1"/>
           <p:cNvSpPr>
             <a:spLocks noGrp="1"/>
           </p:cNvSpPr>
@@ -31351,7 +31785,7 @@
       </p:sp>
       <p:sp>
         <p:nvSpPr>
-          <p:cNvPr id="108" name="PlaceHolder 2"/>
+          <p:cNvPr id="110" name="PlaceHolder 2"/>
           <p:cNvSpPr>
             <a:spLocks noGrp="1"/>
           </p:cNvSpPr>
@@ -31585,7 +32019,7 @@
             <a:spLocks noGrp="1"/>
           </p:cNvSpPr>
           <p:nvPr>
-            <p:ph type="ftr" idx="1"/>
+            <p:ph type="ftr" idx="10"/>
           </p:nvPr>
         </p:nvSpPr>
         <p:spPr/>
@@ -31605,14 +32039,14 @@
             <a:spLocks noGrp="1"/>
           </p:cNvSpPr>
           <p:nvPr>
-            <p:ph type="sldNum" idx="2"/>
+            <p:ph type="sldNum" idx="11"/>
           </p:nvPr>
         </p:nvSpPr>
         <p:spPr/>
         <p:txBody>
           <a:bodyPr/>
           <a:p>
-            <a:fld id="{88FD2F9A-051A-4F70-A8D5-25ECE7BD29A0}" type="slidenum">
+            <a:fld id="{7651928F-E8F1-4AF6-81CE-AF7917FF67DA}" type="slidenum">
               <a:t>7</a:t>
             </a:fld>
           </a:p>
@@ -31650,7 +32084,7 @@
       </p:grpSpPr>
       <p:sp>
         <p:nvSpPr>
-          <p:cNvPr id="235" name="PlaceHolder 1"/>
+          <p:cNvPr id="237" name="PlaceHolder 1"/>
           <p:cNvSpPr>
             <a:spLocks noGrp="1"/>
           </p:cNvSpPr>
@@ -31706,7 +32140,7 @@
       </p:sp>
       <p:sp>
         <p:nvSpPr>
-          <p:cNvPr id="236" name="PlaceHolder 2"/>
+          <p:cNvPr id="238" name="PlaceHolder 2"/>
           <p:cNvSpPr>
             <a:spLocks noGrp="1"/>
           </p:cNvSpPr>
@@ -31842,7 +32276,7 @@
             <a:spLocks noGrp="1"/>
           </p:cNvSpPr>
           <p:nvPr>
-            <p:ph type="ftr" idx="1"/>
+            <p:ph type="ftr" idx="10"/>
           </p:nvPr>
         </p:nvSpPr>
         <p:spPr/>
@@ -31862,14 +32296,14 @@
             <a:spLocks noGrp="1"/>
           </p:cNvSpPr>
           <p:nvPr>
-            <p:ph type="sldNum" idx="2"/>
+            <p:ph type="sldNum" idx="11"/>
           </p:nvPr>
         </p:nvSpPr>
         <p:spPr/>
         <p:txBody>
           <a:bodyPr/>
           <a:p>
-            <a:fld id="{FC0CF49D-F2D1-4DBA-B9D2-240FCEADF485}" type="slidenum">
+            <a:fld id="{50E09B9D-F93A-4DA3-946A-4574956655F9}" type="slidenum">
               <a:t>70</a:t>
             </a:fld>
           </a:p>
@@ -31907,7 +32341,7 @@
       </p:grpSpPr>
       <p:sp>
         <p:nvSpPr>
-          <p:cNvPr id="237" name="PlaceHolder 1"/>
+          <p:cNvPr id="239" name="PlaceHolder 1"/>
           <p:cNvSpPr>
             <a:spLocks noGrp="1"/>
           </p:cNvSpPr>
@@ -31963,7 +32397,7 @@
       </p:sp>
       <p:sp>
         <p:nvSpPr>
-          <p:cNvPr id="238" name="PlaceHolder 2"/>
+          <p:cNvPr id="240" name="PlaceHolder 2"/>
           <p:cNvSpPr>
             <a:spLocks noGrp="1"/>
           </p:cNvSpPr>
@@ -32099,7 +32533,7 @@
             <a:spLocks noGrp="1"/>
           </p:cNvSpPr>
           <p:nvPr>
-            <p:ph type="ftr" idx="1"/>
+            <p:ph type="ftr" idx="10"/>
           </p:nvPr>
         </p:nvSpPr>
         <p:spPr/>
@@ -32119,14 +32553,14 @@
             <a:spLocks noGrp="1"/>
           </p:cNvSpPr>
           <p:nvPr>
-            <p:ph type="sldNum" idx="2"/>
+            <p:ph type="sldNum" idx="11"/>
           </p:nvPr>
         </p:nvSpPr>
         <p:spPr/>
         <p:txBody>
           <a:bodyPr/>
           <a:p>
-            <a:fld id="{2ABF3F43-D0DA-47F5-9080-1DC470DF87A5}" type="slidenum">
+            <a:fld id="{08733E5A-D9A9-439F-8FD1-71B2515286D5}" type="slidenum">
               <a:t>71</a:t>
             </a:fld>
           </a:p>
@@ -32164,7 +32598,7 @@
       </p:grpSpPr>
       <p:sp>
         <p:nvSpPr>
-          <p:cNvPr id="239" name="PlaceHolder 1"/>
+          <p:cNvPr id="241" name="PlaceHolder 1"/>
           <p:cNvSpPr>
             <a:spLocks noGrp="1"/>
           </p:cNvSpPr>
@@ -32220,7 +32654,7 @@
       </p:sp>
       <p:sp>
         <p:nvSpPr>
-          <p:cNvPr id="240" name="PlaceHolder 2"/>
+          <p:cNvPr id="242" name="PlaceHolder 2"/>
           <p:cNvSpPr>
             <a:spLocks noGrp="1"/>
           </p:cNvSpPr>
@@ -32424,7 +32858,7 @@
             <a:spLocks noGrp="1"/>
           </p:cNvSpPr>
           <p:nvPr>
-            <p:ph type="ftr" idx="1"/>
+            <p:ph type="ftr" idx="10"/>
           </p:nvPr>
         </p:nvSpPr>
         <p:spPr/>
@@ -32444,14 +32878,14 @@
             <a:spLocks noGrp="1"/>
           </p:cNvSpPr>
           <p:nvPr>
-            <p:ph type="sldNum" idx="2"/>
+            <p:ph type="sldNum" idx="11"/>
           </p:nvPr>
         </p:nvSpPr>
         <p:spPr/>
         <p:txBody>
           <a:bodyPr/>
           <a:p>
-            <a:fld id="{946EBE4D-1C86-4DBE-BD54-7933DD08677C}" type="slidenum">
+            <a:fld id="{7CAEA424-4D4D-4120-AABD-72AFE3DF70F0}" type="slidenum">
               <a:t>72</a:t>
             </a:fld>
           </a:p>
@@ -32489,7 +32923,7 @@
       </p:grpSpPr>
       <p:sp>
         <p:nvSpPr>
-          <p:cNvPr id="241" name="PlaceHolder 1"/>
+          <p:cNvPr id="243" name="PlaceHolder 1"/>
           <p:cNvSpPr>
             <a:spLocks noGrp="1"/>
           </p:cNvSpPr>
@@ -32545,7 +32979,7 @@
       </p:sp>
       <p:sp>
         <p:nvSpPr>
-          <p:cNvPr id="242" name="PlaceHolder 2"/>
+          <p:cNvPr id="244" name="PlaceHolder 2"/>
           <p:cNvSpPr>
             <a:spLocks noGrp="1"/>
           </p:cNvSpPr>
@@ -32681,7 +33115,7 @@
             <a:spLocks noGrp="1"/>
           </p:cNvSpPr>
           <p:nvPr>
-            <p:ph type="ftr" idx="1"/>
+            <p:ph type="ftr" idx="10"/>
           </p:nvPr>
         </p:nvSpPr>
         <p:spPr/>
@@ -32701,14 +33135,14 @@
             <a:spLocks noGrp="1"/>
           </p:cNvSpPr>
           <p:nvPr>
-            <p:ph type="sldNum" idx="2"/>
+            <p:ph type="sldNum" idx="11"/>
           </p:nvPr>
         </p:nvSpPr>
         <p:spPr/>
         <p:txBody>
           <a:bodyPr/>
           <a:p>
-            <a:fld id="{1B439434-DC2E-4261-AE8A-14B6C2DEFD86}" type="slidenum">
+            <a:fld id="{C4B02CF2-2F92-473B-9097-A8A3A53CAB79}" type="slidenum">
               <a:t>73</a:t>
             </a:fld>
           </a:p>
@@ -32746,7 +33180,7 @@
       </p:grpSpPr>
       <p:sp>
         <p:nvSpPr>
-          <p:cNvPr id="243" name="PlaceHolder 1"/>
+          <p:cNvPr id="245" name="PlaceHolder 1"/>
           <p:cNvSpPr>
             <a:spLocks noGrp="1"/>
           </p:cNvSpPr>
@@ -32802,7 +33236,7 @@
       </p:sp>
       <p:sp>
         <p:nvSpPr>
-          <p:cNvPr id="244" name="PlaceHolder 2"/>
+          <p:cNvPr id="246" name="PlaceHolder 2"/>
           <p:cNvSpPr>
             <a:spLocks noGrp="1"/>
           </p:cNvSpPr>
@@ -32958,7 +33392,7 @@
             <a:spLocks noGrp="1"/>
           </p:cNvSpPr>
           <p:nvPr>
-            <p:ph type="ftr" idx="1"/>
+            <p:ph type="ftr" idx="31"/>
           </p:nvPr>
         </p:nvSpPr>
         <p:spPr/>
@@ -32978,14 +33412,14 @@
             <a:spLocks noGrp="1"/>
           </p:cNvSpPr>
           <p:nvPr>
-            <p:ph type="sldNum" idx="2"/>
+            <p:ph type="sldNum" idx="32"/>
           </p:nvPr>
         </p:nvSpPr>
         <p:spPr/>
         <p:txBody>
           <a:bodyPr/>
           <a:p>
-            <a:fld id="{7BA45422-0E14-4A6D-AFA7-2C4DA27BECBF}" type="slidenum">
+            <a:fld id="{B4B442EA-46EF-4D29-B2FF-722571ABEB02}" type="slidenum">
               <a:t>74</a:t>
             </a:fld>
           </a:p>
@@ -33023,7 +33457,7 @@
       </p:grpSpPr>
       <p:sp>
         <p:nvSpPr>
-          <p:cNvPr id="245" name="PlaceHolder 1"/>
+          <p:cNvPr id="247" name="PlaceHolder 1"/>
           <p:cNvSpPr>
             <a:spLocks noGrp="1"/>
           </p:cNvSpPr>
@@ -33079,7 +33513,7 @@
       </p:sp>
       <p:sp>
         <p:nvSpPr>
-          <p:cNvPr id="246" name="PlaceHolder 2"/>
+          <p:cNvPr id="248" name="PlaceHolder 2"/>
           <p:cNvSpPr>
             <a:spLocks noGrp="1"/>
           </p:cNvSpPr>
@@ -33134,7 +33568,7 @@
             <a:spLocks noGrp="1"/>
           </p:cNvSpPr>
           <p:nvPr>
-            <p:ph type="ftr" idx="1"/>
+            <p:ph type="ftr" idx="16"/>
           </p:nvPr>
         </p:nvSpPr>
         <p:spPr/>
@@ -33154,14 +33588,14 @@
             <a:spLocks noGrp="1"/>
           </p:cNvSpPr>
           <p:nvPr>
-            <p:ph type="sldNum" idx="2"/>
+            <p:ph type="sldNum" idx="17"/>
           </p:nvPr>
         </p:nvSpPr>
         <p:spPr/>
         <p:txBody>
           <a:bodyPr/>
           <a:p>
-            <a:fld id="{D5668CA1-73A8-4273-990F-0E1C0BD43E4D}" type="slidenum">
+            <a:fld id="{4542EC1D-21F6-4C95-87FF-468CA87E480E}" type="slidenum">
               <a:t>75</a:t>
             </a:fld>
           </a:p>
@@ -33199,7 +33633,7 @@
       </p:grpSpPr>
       <p:sp>
         <p:nvSpPr>
-          <p:cNvPr id="247" name="PlaceHolder 1"/>
+          <p:cNvPr id="249" name="PlaceHolder 1"/>
           <p:cNvSpPr>
             <a:spLocks noGrp="1"/>
           </p:cNvSpPr>
@@ -33255,7 +33689,7 @@
       </p:sp>
       <p:sp>
         <p:nvSpPr>
-          <p:cNvPr id="248" name="PlaceHolder 2"/>
+          <p:cNvPr id="250" name="PlaceHolder 2"/>
           <p:cNvSpPr>
             <a:spLocks noGrp="1"/>
           </p:cNvSpPr>
@@ -33391,7 +33825,7 @@
             <a:spLocks noGrp="1"/>
           </p:cNvSpPr>
           <p:nvPr>
-            <p:ph type="ftr" idx="1"/>
+            <p:ph type="ftr" idx="10"/>
           </p:nvPr>
         </p:nvSpPr>
         <p:spPr/>
@@ -33411,14 +33845,14 @@
             <a:spLocks noGrp="1"/>
           </p:cNvSpPr>
           <p:nvPr>
-            <p:ph type="sldNum" idx="2"/>
+            <p:ph type="sldNum" idx="11"/>
           </p:nvPr>
         </p:nvSpPr>
         <p:spPr/>
         <p:txBody>
           <a:bodyPr/>
           <a:p>
-            <a:fld id="{90F059B8-4AF9-436B-9B01-A3D87CC7C776}" type="slidenum">
+            <a:fld id="{58590078-3678-4303-96C6-34267EAB1A3A}" type="slidenum">
               <a:t>76</a:t>
             </a:fld>
           </a:p>
@@ -33456,7 +33890,7 @@
       </p:grpSpPr>
       <p:sp>
         <p:nvSpPr>
-          <p:cNvPr id="249" name="PlaceHolder 1"/>
+          <p:cNvPr id="251" name="PlaceHolder 1"/>
           <p:cNvSpPr>
             <a:spLocks noGrp="1"/>
           </p:cNvSpPr>
@@ -33512,7 +33946,7 @@
       </p:sp>
       <p:sp>
         <p:nvSpPr>
-          <p:cNvPr id="250" name="PlaceHolder 2"/>
+          <p:cNvPr id="252" name="PlaceHolder 2"/>
           <p:cNvSpPr>
             <a:spLocks noGrp="1"/>
           </p:cNvSpPr>
@@ -33750,7 +34184,7 @@
             <a:spLocks noGrp="1"/>
           </p:cNvSpPr>
           <p:nvPr>
-            <p:ph type="ftr" idx="1"/>
+            <p:ph type="ftr" idx="10"/>
           </p:nvPr>
         </p:nvSpPr>
         <p:spPr/>
@@ -33770,14 +34204,14 @@
             <a:spLocks noGrp="1"/>
           </p:cNvSpPr>
           <p:nvPr>
-            <p:ph type="sldNum" idx="2"/>
+            <p:ph type="sldNum" idx="11"/>
           </p:nvPr>
         </p:nvSpPr>
         <p:spPr/>
         <p:txBody>
           <a:bodyPr/>
           <a:p>
-            <a:fld id="{8AA6AAF6-91E5-45B1-A5C8-AB09170D2E2B}" type="slidenum">
+            <a:fld id="{2ED1131E-EC43-4189-9212-685C385CE2EC}" type="slidenum">
               <a:t>77</a:t>
             </a:fld>
           </a:p>
@@ -33815,7 +34249,7 @@
       </p:grpSpPr>
       <p:sp>
         <p:nvSpPr>
-          <p:cNvPr id="251" name="PlaceHolder 1"/>
+          <p:cNvPr id="253" name="PlaceHolder 1"/>
           <p:cNvSpPr>
             <a:spLocks noGrp="1"/>
           </p:cNvSpPr>
@@ -33871,7 +34305,7 @@
       </p:sp>
       <p:sp>
         <p:nvSpPr>
-          <p:cNvPr id="252" name="PlaceHolder 2"/>
+          <p:cNvPr id="254" name="PlaceHolder 2"/>
           <p:cNvSpPr>
             <a:spLocks noGrp="1"/>
           </p:cNvSpPr>
@@ -33973,7 +34407,7 @@
             <a:spLocks noGrp="1"/>
           </p:cNvSpPr>
           <p:nvPr>
-            <p:ph type="ftr" idx="1"/>
+            <p:ph type="ftr" idx="10"/>
           </p:nvPr>
         </p:nvSpPr>
         <p:spPr/>
@@ -33993,14 +34427,14 @@
             <a:spLocks noGrp="1"/>
           </p:cNvSpPr>
           <p:nvPr>
-            <p:ph type="sldNum" idx="2"/>
+            <p:ph type="sldNum" idx="11"/>
           </p:nvPr>
         </p:nvSpPr>
         <p:spPr/>
         <p:txBody>
           <a:bodyPr/>
           <a:p>
-            <a:fld id="{87964AD2-54D2-4A7D-A295-154C00224AA6}" type="slidenum">
+            <a:fld id="{BB58DCD8-D2E3-4652-9587-71A12D8B85CB}" type="slidenum">
               <a:t>78</a:t>
             </a:fld>
           </a:p>
@@ -34038,7 +34472,7 @@
       </p:grpSpPr>
       <p:sp>
         <p:nvSpPr>
-          <p:cNvPr id="253" name="PlaceHolder 1"/>
+          <p:cNvPr id="255" name="PlaceHolder 1"/>
           <p:cNvSpPr>
             <a:spLocks noGrp="1"/>
           </p:cNvSpPr>
@@ -34094,7 +34528,7 @@
       </p:sp>
       <p:sp>
         <p:nvSpPr>
-          <p:cNvPr id="254" name="PlaceHolder 2"/>
+          <p:cNvPr id="256" name="PlaceHolder 2"/>
           <p:cNvSpPr>
             <a:spLocks noGrp="1"/>
           </p:cNvSpPr>
@@ -34250,7 +34684,7 @@
             <a:spLocks noGrp="1"/>
           </p:cNvSpPr>
           <p:nvPr>
-            <p:ph type="ftr" idx="1"/>
+            <p:ph type="ftr" idx="31"/>
           </p:nvPr>
         </p:nvSpPr>
         <p:spPr/>
@@ -34270,14 +34704,14 @@
             <a:spLocks noGrp="1"/>
           </p:cNvSpPr>
           <p:nvPr>
-            <p:ph type="sldNum" idx="2"/>
+            <p:ph type="sldNum" idx="32"/>
           </p:nvPr>
         </p:nvSpPr>
         <p:spPr/>
         <p:txBody>
           <a:bodyPr/>
           <a:p>
-            <a:fld id="{209E52F2-F5BA-464C-9FF9-201999DEC822}" type="slidenum">
+            <a:fld id="{DADDD491-6CA4-4C39-A9DA-32F56A6B3232}" type="slidenum">
               <a:t>79</a:t>
             </a:fld>
           </a:p>
@@ -34315,7 +34749,7 @@
       </p:grpSpPr>
       <p:sp>
         <p:nvSpPr>
-          <p:cNvPr id="109" name="PlaceHolder 1"/>
+          <p:cNvPr id="111" name="PlaceHolder 1"/>
           <p:cNvSpPr>
             <a:spLocks noGrp="1"/>
           </p:cNvSpPr>
@@ -34371,7 +34805,7 @@
       </p:sp>
       <p:sp>
         <p:nvSpPr>
-          <p:cNvPr id="110" name="PlaceHolder 2"/>
+          <p:cNvPr id="112" name="PlaceHolder 2"/>
           <p:cNvSpPr>
             <a:spLocks noGrp="1"/>
           </p:cNvSpPr>
@@ -34527,7 +34961,7 @@
             <a:spLocks noGrp="1"/>
           </p:cNvSpPr>
           <p:nvPr>
-            <p:ph type="ftr" idx="1"/>
+            <p:ph type="ftr" idx="31"/>
           </p:nvPr>
         </p:nvSpPr>
         <p:spPr/>
@@ -34547,14 +34981,14 @@
             <a:spLocks noGrp="1"/>
           </p:cNvSpPr>
           <p:nvPr>
-            <p:ph type="sldNum" idx="2"/>
+            <p:ph type="sldNum" idx="32"/>
           </p:nvPr>
         </p:nvSpPr>
         <p:spPr/>
         <p:txBody>
           <a:bodyPr/>
           <a:p>
-            <a:fld id="{7B705880-7689-4CF6-B30C-5352D8B4EA89}" type="slidenum">
+            <a:fld id="{837D9DF6-C6A4-4D5D-9254-C2EDC42642DF}" type="slidenum">
               <a:t>8</a:t>
             </a:fld>
           </a:p>
@@ -34592,7 +35026,7 @@
       </p:grpSpPr>
       <p:sp>
         <p:nvSpPr>
-          <p:cNvPr id="255" name="PlaceHolder 1"/>
+          <p:cNvPr id="257" name="PlaceHolder 1"/>
           <p:cNvSpPr>
             <a:spLocks noGrp="1"/>
           </p:cNvSpPr>
@@ -34648,7 +35082,7 @@
       </p:sp>
       <p:sp>
         <p:nvSpPr>
-          <p:cNvPr id="256" name="PlaceHolder 2"/>
+          <p:cNvPr id="258" name="PlaceHolder 2"/>
           <p:cNvSpPr>
             <a:spLocks noGrp="1"/>
           </p:cNvSpPr>
@@ -34740,7 +35174,7 @@
       </p:grpSpPr>
       <p:sp>
         <p:nvSpPr>
-          <p:cNvPr id="111" name="PlaceHolder 1"/>
+          <p:cNvPr id="113" name="PlaceHolder 1"/>
           <p:cNvSpPr>
             <a:spLocks noGrp="1"/>
           </p:cNvSpPr>
@@ -34796,7 +35230,7 @@
       </p:sp>
       <p:sp>
         <p:nvSpPr>
-          <p:cNvPr id="112" name="PlaceHolder 2"/>
+          <p:cNvPr id="114" name="PlaceHolder 2"/>
           <p:cNvSpPr>
             <a:spLocks noGrp="1"/>
           </p:cNvSpPr>
@@ -34966,7 +35400,7 @@
             <a:spLocks noGrp="1"/>
           </p:cNvSpPr>
           <p:nvPr>
-            <p:ph type="ftr" idx="1"/>
+            <p:ph type="ftr" idx="10"/>
           </p:nvPr>
         </p:nvSpPr>
         <p:spPr/>
@@ -34986,14 +35420,14 @@
             <a:spLocks noGrp="1"/>
           </p:cNvSpPr>
           <p:nvPr>
-            <p:ph type="sldNum" idx="2"/>
+            <p:ph type="sldNum" idx="11"/>
           </p:nvPr>
         </p:nvSpPr>
         <p:spPr/>
         <p:txBody>
           <a:bodyPr/>
           <a:p>
-            <a:fld id="{6AEC741F-5C04-4BE8-936D-B044899516F8}" type="slidenum">
+            <a:fld id="{CA27B756-48BB-40F1-A775-2B2BD00A14A6}" type="slidenum">
               <a:t>9</a:t>
             </a:fld>
           </a:p>
@@ -35055,14 +35489,14 @@
     </a:clrScheme>
     <a:fontScheme name="Office">
       <a:majorFont>
-        <a:latin typeface="Aptos Display" panose="02110004020202020204" pitchFamily="0" charset="1"/>
-        <a:ea typeface=""/>
-        <a:cs typeface=""/>
+        <a:latin typeface="Arial" pitchFamily="0" charset="1"/>
+        <a:ea typeface="DejaVu Sans" pitchFamily="0" charset="1"/>
+        <a:cs typeface="DejaVu Sans" pitchFamily="0" charset="1"/>
       </a:majorFont>
       <a:minorFont>
-        <a:latin typeface="Aptos" panose="02110004020202020204" pitchFamily="0" charset="1"/>
-        <a:ea typeface=""/>
-        <a:cs typeface=""/>
+        <a:latin typeface="Arial" pitchFamily="0" charset="1"/>
+        <a:ea typeface="DejaVu Sans" pitchFamily="0" charset="1"/>
+        <a:cs typeface="DejaVu Sans" pitchFamily="0" charset="1"/>
       </a:minorFont>
     </a:fontScheme>
     <a:fmtScheme>
@@ -35070,67 +35504,25 @@
         <a:solidFill>
           <a:schemeClr val="phClr"/>
         </a:solidFill>
-        <a:gradFill>
-          <a:gsLst>
-            <a:gs pos="0">
-              <a:schemeClr val="phClr">
-                <a:lumMod val="110000"/>
-                <a:tint val="67000"/>
-              </a:schemeClr>
-            </a:gs>
-            <a:gs pos="50000">
-              <a:schemeClr val="phClr">
-                <a:lumMod val="105000"/>
-                <a:tint val="73000"/>
-              </a:schemeClr>
-            </a:gs>
-            <a:gs pos="100000">
-              <a:schemeClr val="phClr">
-                <a:lumMod val="105000"/>
-                <a:tint val="81000"/>
-              </a:schemeClr>
-            </a:gs>
-          </a:gsLst>
-          <a:lin ang="5400000" scaled="0"/>
-          <a:tileRect l="0" t="0" r="0" b="0"/>
-        </a:gradFill>
-        <a:gradFill>
-          <a:gsLst>
-            <a:gs pos="0">
-              <a:schemeClr val="phClr">
-                <a:lumMod val="102000"/>
-                <a:tint val="94000"/>
-              </a:schemeClr>
-            </a:gs>
-            <a:gs pos="50000">
-              <a:schemeClr val="phClr">
-                <a:lumMod val="100000"/>
-                <a:shade val="100000"/>
-              </a:schemeClr>
-            </a:gs>
-            <a:gs pos="100000">
-              <a:schemeClr val="phClr">
-                <a:lumMod val="99000"/>
-                <a:shade val="78000"/>
-              </a:schemeClr>
-            </a:gs>
-          </a:gsLst>
-          <a:lin ang="5400000" scaled="0"/>
-          <a:tileRect l="0" t="0" r="0" b="0"/>
-        </a:gradFill>
+        <a:solidFill>
+          <a:schemeClr val="phClr"/>
+        </a:solidFill>
+        <a:solidFill>
+          <a:schemeClr val="phClr"/>
+        </a:solidFill>
       </a:fillStyleLst>
       <a:lnStyleLst>
-        <a:ln w="12700" cap="flat" cmpd="sng" algn="ctr">
+        <a:ln w="6350" cap="flat" cmpd="sng" algn="ctr">
           <a:prstDash val="solid"/>
-          <a:miter lim="800000"/>
+          <a:miter/>
         </a:ln>
-        <a:ln w="19050" cap="flat" cmpd="sng" algn="ctr">
+        <a:ln w="6350" cap="flat" cmpd="sng" algn="ctr">
           <a:prstDash val="solid"/>
-          <a:miter lim="800000"/>
+          <a:miter/>
         </a:ln>
-        <a:ln w="25400" cap="flat" cmpd="sng" algn="ctr">
+        <a:ln w="6350" cap="flat" cmpd="sng" algn="ctr">
           <a:prstDash val="solid"/>
-          <a:miter lim="800000"/>
+          <a:miter/>
         </a:ln>
       </a:lnStyleLst>
       <a:effectStyleLst>
@@ -35149,35 +35541,329 @@
           <a:schemeClr val="phClr"/>
         </a:solidFill>
         <a:solidFill>
-          <a:schemeClr val="phClr">
-            <a:tint val="95000"/>
-          </a:schemeClr>
+          <a:schemeClr val="phClr"/>
         </a:solidFill>
-        <a:gradFill>
-          <a:gsLst>
-            <a:gs pos="0">
-              <a:schemeClr val="phClr">
-                <a:tint val="93000"/>
-                <a:shade val="98000"/>
-                <a:lumMod val="102000"/>
-              </a:schemeClr>
-            </a:gs>
-            <a:gs pos="50000">
-              <a:schemeClr val="phClr">
-                <a:tint val="98000"/>
-                <a:shade val="90000"/>
-                <a:lumMod val="103000"/>
-              </a:schemeClr>
-            </a:gs>
-            <a:gs pos="100000">
-              <a:schemeClr val="phClr">
-                <a:shade val="63000"/>
-              </a:schemeClr>
-            </a:gs>
-          </a:gsLst>
-          <a:lin ang="5400000" scaled="0"/>
-          <a:tileRect l="0" t="0" r="0" b="0"/>
-        </a:gradFill>
+        <a:solidFill>
+          <a:schemeClr val="phClr"/>
+        </a:solidFill>
+      </a:bgFillStyleLst>
+    </a:fmtScheme>
+  </a:themeElements>
+</a:theme>
+</file>
+
+<file path=ppt/theme/theme10.xml><?xml version="1.0" encoding="utf-8"?>
+<a:theme xmlns:a="http://schemas.openxmlformats.org/drawingml/2006/main" xmlns:r="http://schemas.openxmlformats.org/officeDocument/2006/relationships" name="Office Theme">
+  <a:themeElements>
+    <a:clrScheme name="Custom 1">
+      <a:dk1>
+        <a:srgbClr val="000000"/>
+      </a:dk1>
+      <a:lt1>
+        <a:srgbClr val="ffffff"/>
+      </a:lt1>
+      <a:dk2>
+        <a:srgbClr val="0e2841"/>
+      </a:dk2>
+      <a:lt2>
+        <a:srgbClr val="e8e8e8"/>
+      </a:lt2>
+      <a:accent1>
+        <a:srgbClr val="156082"/>
+      </a:accent1>
+      <a:accent2>
+        <a:srgbClr val="e97132"/>
+      </a:accent2>
+      <a:accent3>
+        <a:srgbClr val="196b24"/>
+      </a:accent3>
+      <a:accent4>
+        <a:srgbClr val="0f9ed5"/>
+      </a:accent4>
+      <a:accent5>
+        <a:srgbClr val="a02b93"/>
+      </a:accent5>
+      <a:accent6>
+        <a:srgbClr val="4ea72e"/>
+      </a:accent6>
+      <a:hlink>
+        <a:srgbClr val="dbe9f7"/>
+      </a:hlink>
+      <a:folHlink>
+        <a:srgbClr val="d5becb"/>
+      </a:folHlink>
+    </a:clrScheme>
+    <a:fontScheme name="Office">
+      <a:majorFont>
+        <a:latin typeface="Arial" pitchFamily="0" charset="1"/>
+        <a:ea typeface="DejaVu Sans" pitchFamily="0" charset="1"/>
+        <a:cs typeface="DejaVu Sans" pitchFamily="0" charset="1"/>
+      </a:majorFont>
+      <a:minorFont>
+        <a:latin typeface="Arial" pitchFamily="0" charset="1"/>
+        <a:ea typeface="DejaVu Sans" pitchFamily="0" charset="1"/>
+        <a:cs typeface="DejaVu Sans" pitchFamily="0" charset="1"/>
+      </a:minorFont>
+    </a:fontScheme>
+    <a:fmtScheme>
+      <a:fillStyleLst>
+        <a:solidFill>
+          <a:schemeClr val="phClr"/>
+        </a:solidFill>
+        <a:solidFill>
+          <a:schemeClr val="phClr"/>
+        </a:solidFill>
+        <a:solidFill>
+          <a:schemeClr val="phClr"/>
+        </a:solidFill>
+      </a:fillStyleLst>
+      <a:lnStyleLst>
+        <a:ln w="6350" cap="flat" cmpd="sng" algn="ctr">
+          <a:prstDash val="solid"/>
+          <a:miter/>
+        </a:ln>
+        <a:ln w="6350" cap="flat" cmpd="sng" algn="ctr">
+          <a:prstDash val="solid"/>
+          <a:miter/>
+        </a:ln>
+        <a:ln w="6350" cap="flat" cmpd="sng" algn="ctr">
+          <a:prstDash val="solid"/>
+          <a:miter/>
+        </a:ln>
+      </a:lnStyleLst>
+      <a:effectStyleLst>
+        <a:effectStyle>
+          <a:effectLst/>
+        </a:effectStyle>
+        <a:effectStyle>
+          <a:effectLst/>
+        </a:effectStyle>
+        <a:effectStyle>
+          <a:effectLst/>
+        </a:effectStyle>
+      </a:effectStyleLst>
+      <a:bgFillStyleLst>
+        <a:solidFill>
+          <a:schemeClr val="phClr"/>
+        </a:solidFill>
+        <a:solidFill>
+          <a:schemeClr val="phClr"/>
+        </a:solidFill>
+        <a:solidFill>
+          <a:schemeClr val="phClr"/>
+        </a:solidFill>
+      </a:bgFillStyleLst>
+    </a:fmtScheme>
+  </a:themeElements>
+</a:theme>
+</file>
+
+<file path=ppt/theme/theme11.xml><?xml version="1.0" encoding="utf-8"?>
+<a:theme xmlns:a="http://schemas.openxmlformats.org/drawingml/2006/main" xmlns:r="http://schemas.openxmlformats.org/officeDocument/2006/relationships" name="Office Theme">
+  <a:themeElements>
+    <a:clrScheme name="Custom 1">
+      <a:dk1>
+        <a:srgbClr val="000000"/>
+      </a:dk1>
+      <a:lt1>
+        <a:srgbClr val="ffffff"/>
+      </a:lt1>
+      <a:dk2>
+        <a:srgbClr val="0e2841"/>
+      </a:dk2>
+      <a:lt2>
+        <a:srgbClr val="e8e8e8"/>
+      </a:lt2>
+      <a:accent1>
+        <a:srgbClr val="156082"/>
+      </a:accent1>
+      <a:accent2>
+        <a:srgbClr val="e97132"/>
+      </a:accent2>
+      <a:accent3>
+        <a:srgbClr val="196b24"/>
+      </a:accent3>
+      <a:accent4>
+        <a:srgbClr val="0f9ed5"/>
+      </a:accent4>
+      <a:accent5>
+        <a:srgbClr val="a02b93"/>
+      </a:accent5>
+      <a:accent6>
+        <a:srgbClr val="4ea72e"/>
+      </a:accent6>
+      <a:hlink>
+        <a:srgbClr val="dbe9f7"/>
+      </a:hlink>
+      <a:folHlink>
+        <a:srgbClr val="d5becb"/>
+      </a:folHlink>
+    </a:clrScheme>
+    <a:fontScheme name="Office">
+      <a:majorFont>
+        <a:latin typeface="Arial" pitchFamily="0" charset="1"/>
+        <a:ea typeface="DejaVu Sans" pitchFamily="0" charset="1"/>
+        <a:cs typeface="DejaVu Sans" pitchFamily="0" charset="1"/>
+      </a:majorFont>
+      <a:minorFont>
+        <a:latin typeface="Arial" pitchFamily="0" charset="1"/>
+        <a:ea typeface="DejaVu Sans" pitchFamily="0" charset="1"/>
+        <a:cs typeface="DejaVu Sans" pitchFamily="0" charset="1"/>
+      </a:minorFont>
+    </a:fontScheme>
+    <a:fmtScheme>
+      <a:fillStyleLst>
+        <a:solidFill>
+          <a:schemeClr val="phClr"/>
+        </a:solidFill>
+        <a:solidFill>
+          <a:schemeClr val="phClr"/>
+        </a:solidFill>
+        <a:solidFill>
+          <a:schemeClr val="phClr"/>
+        </a:solidFill>
+      </a:fillStyleLst>
+      <a:lnStyleLst>
+        <a:ln w="6350" cap="flat" cmpd="sng" algn="ctr">
+          <a:prstDash val="solid"/>
+          <a:miter/>
+        </a:ln>
+        <a:ln w="6350" cap="flat" cmpd="sng" algn="ctr">
+          <a:prstDash val="solid"/>
+          <a:miter/>
+        </a:ln>
+        <a:ln w="6350" cap="flat" cmpd="sng" algn="ctr">
+          <a:prstDash val="solid"/>
+          <a:miter/>
+        </a:ln>
+      </a:lnStyleLst>
+      <a:effectStyleLst>
+        <a:effectStyle>
+          <a:effectLst/>
+        </a:effectStyle>
+        <a:effectStyle>
+          <a:effectLst/>
+        </a:effectStyle>
+        <a:effectStyle>
+          <a:effectLst/>
+        </a:effectStyle>
+      </a:effectStyleLst>
+      <a:bgFillStyleLst>
+        <a:solidFill>
+          <a:schemeClr val="phClr"/>
+        </a:solidFill>
+        <a:solidFill>
+          <a:schemeClr val="phClr"/>
+        </a:solidFill>
+        <a:solidFill>
+          <a:schemeClr val="phClr"/>
+        </a:solidFill>
+      </a:bgFillStyleLst>
+    </a:fmtScheme>
+  </a:themeElements>
+</a:theme>
+</file>
+
+<file path=ppt/theme/theme12.xml><?xml version="1.0" encoding="utf-8"?>
+<a:theme xmlns:a="http://schemas.openxmlformats.org/drawingml/2006/main" xmlns:r="http://schemas.openxmlformats.org/officeDocument/2006/relationships" name="Office Theme">
+  <a:themeElements>
+    <a:clrScheme name="Custom 1">
+      <a:dk1>
+        <a:srgbClr val="000000"/>
+      </a:dk1>
+      <a:lt1>
+        <a:srgbClr val="ffffff"/>
+      </a:lt1>
+      <a:dk2>
+        <a:srgbClr val="0e2841"/>
+      </a:dk2>
+      <a:lt2>
+        <a:srgbClr val="e8e8e8"/>
+      </a:lt2>
+      <a:accent1>
+        <a:srgbClr val="156082"/>
+      </a:accent1>
+      <a:accent2>
+        <a:srgbClr val="e97132"/>
+      </a:accent2>
+      <a:accent3>
+        <a:srgbClr val="196b24"/>
+      </a:accent3>
+      <a:accent4>
+        <a:srgbClr val="0f9ed5"/>
+      </a:accent4>
+      <a:accent5>
+        <a:srgbClr val="a02b93"/>
+      </a:accent5>
+      <a:accent6>
+        <a:srgbClr val="4ea72e"/>
+      </a:accent6>
+      <a:hlink>
+        <a:srgbClr val="dbe9f7"/>
+      </a:hlink>
+      <a:folHlink>
+        <a:srgbClr val="d5becb"/>
+      </a:folHlink>
+    </a:clrScheme>
+    <a:fontScheme name="Office">
+      <a:majorFont>
+        <a:latin typeface="Arial" pitchFamily="0" charset="1"/>
+        <a:ea typeface="DejaVu Sans" pitchFamily="0" charset="1"/>
+        <a:cs typeface="DejaVu Sans" pitchFamily="0" charset="1"/>
+      </a:majorFont>
+      <a:minorFont>
+        <a:latin typeface="Arial" pitchFamily="0" charset="1"/>
+        <a:ea typeface="DejaVu Sans" pitchFamily="0" charset="1"/>
+        <a:cs typeface="DejaVu Sans" pitchFamily="0" charset="1"/>
+      </a:minorFont>
+    </a:fontScheme>
+    <a:fmtScheme>
+      <a:fillStyleLst>
+        <a:solidFill>
+          <a:schemeClr val="phClr"/>
+        </a:solidFill>
+        <a:solidFill>
+          <a:schemeClr val="phClr"/>
+        </a:solidFill>
+        <a:solidFill>
+          <a:schemeClr val="phClr"/>
+        </a:solidFill>
+      </a:fillStyleLst>
+      <a:lnStyleLst>
+        <a:ln w="6350" cap="flat" cmpd="sng" algn="ctr">
+          <a:prstDash val="solid"/>
+          <a:miter/>
+        </a:ln>
+        <a:ln w="6350" cap="flat" cmpd="sng" algn="ctr">
+          <a:prstDash val="solid"/>
+          <a:miter/>
+        </a:ln>
+        <a:ln w="6350" cap="flat" cmpd="sng" algn="ctr">
+          <a:prstDash val="solid"/>
+          <a:miter/>
+        </a:ln>
+      </a:lnStyleLst>
+      <a:effectStyleLst>
+        <a:effectStyle>
+          <a:effectLst/>
+        </a:effectStyle>
+        <a:effectStyle>
+          <a:effectLst/>
+        </a:effectStyle>
+        <a:effectStyle>
+          <a:effectLst/>
+        </a:effectStyle>
+      </a:effectStyleLst>
+      <a:bgFillStyleLst>
+        <a:solidFill>
+          <a:schemeClr val="phClr"/>
+        </a:solidFill>
+        <a:solidFill>
+          <a:schemeClr val="phClr"/>
+        </a:solidFill>
+        <a:solidFill>
+          <a:schemeClr val="phClr"/>
+        </a:solidFill>
       </a:bgFillStyleLst>
     </a:fmtScheme>
   </a:themeElements>
@@ -35290,8 +35976,850 @@
 </a:theme>
 </file>
 
-<file path=docMetadata/LabelInfo.xml><?xml version="1.0" encoding="utf-8"?>
-<clbl:labelList xmlns:clbl="http://schemas.microsoft.com/office/2020/mipLabelMetadata">
-  <clbl:label id="{f19e1f18-975f-4467-8967-eb98acd961ab}" enabled="1" method="Privileged" siteId="{70d22a8d-923a-445e-82d4-32329da21746}" contentBits="0" removed="0"/>
-</clbl:labelList>
+<file path=ppt/theme/theme2.xml><?xml version="1.0" encoding="utf-8"?>
+<a:theme xmlns:a="http://schemas.openxmlformats.org/drawingml/2006/main" xmlns:r="http://schemas.openxmlformats.org/officeDocument/2006/relationships" name="Office Theme">
+  <a:themeElements>
+    <a:clrScheme name="Custom 1">
+      <a:dk1>
+        <a:srgbClr val="000000"/>
+      </a:dk1>
+      <a:lt1>
+        <a:srgbClr val="ffffff"/>
+      </a:lt1>
+      <a:dk2>
+        <a:srgbClr val="0e2841"/>
+      </a:dk2>
+      <a:lt2>
+        <a:srgbClr val="e8e8e8"/>
+      </a:lt2>
+      <a:accent1>
+        <a:srgbClr val="156082"/>
+      </a:accent1>
+      <a:accent2>
+        <a:srgbClr val="e97132"/>
+      </a:accent2>
+      <a:accent3>
+        <a:srgbClr val="196b24"/>
+      </a:accent3>
+      <a:accent4>
+        <a:srgbClr val="0f9ed5"/>
+      </a:accent4>
+      <a:accent5>
+        <a:srgbClr val="a02b93"/>
+      </a:accent5>
+      <a:accent6>
+        <a:srgbClr val="4ea72e"/>
+      </a:accent6>
+      <a:hlink>
+        <a:srgbClr val="dbe9f7"/>
+      </a:hlink>
+      <a:folHlink>
+        <a:srgbClr val="d5becb"/>
+      </a:folHlink>
+    </a:clrScheme>
+    <a:fontScheme name="Office">
+      <a:majorFont>
+        <a:latin typeface="Arial" pitchFamily="0" charset="1"/>
+        <a:ea typeface="DejaVu Sans" pitchFamily="0" charset="1"/>
+        <a:cs typeface="DejaVu Sans" pitchFamily="0" charset="1"/>
+      </a:majorFont>
+      <a:minorFont>
+        <a:latin typeface="Arial" pitchFamily="0" charset="1"/>
+        <a:ea typeface="DejaVu Sans" pitchFamily="0" charset="1"/>
+        <a:cs typeface="DejaVu Sans" pitchFamily="0" charset="1"/>
+      </a:minorFont>
+    </a:fontScheme>
+    <a:fmtScheme>
+      <a:fillStyleLst>
+        <a:solidFill>
+          <a:schemeClr val="phClr"/>
+        </a:solidFill>
+        <a:solidFill>
+          <a:schemeClr val="phClr"/>
+        </a:solidFill>
+        <a:solidFill>
+          <a:schemeClr val="phClr"/>
+        </a:solidFill>
+      </a:fillStyleLst>
+      <a:lnStyleLst>
+        <a:ln w="6350" cap="flat" cmpd="sng" algn="ctr">
+          <a:prstDash val="solid"/>
+          <a:miter/>
+        </a:ln>
+        <a:ln w="6350" cap="flat" cmpd="sng" algn="ctr">
+          <a:prstDash val="solid"/>
+          <a:miter/>
+        </a:ln>
+        <a:ln w="6350" cap="flat" cmpd="sng" algn="ctr">
+          <a:prstDash val="solid"/>
+          <a:miter/>
+        </a:ln>
+      </a:lnStyleLst>
+      <a:effectStyleLst>
+        <a:effectStyle>
+          <a:effectLst/>
+        </a:effectStyle>
+        <a:effectStyle>
+          <a:effectLst/>
+        </a:effectStyle>
+        <a:effectStyle>
+          <a:effectLst/>
+        </a:effectStyle>
+      </a:effectStyleLst>
+      <a:bgFillStyleLst>
+        <a:solidFill>
+          <a:schemeClr val="phClr"/>
+        </a:solidFill>
+        <a:solidFill>
+          <a:schemeClr val="phClr"/>
+        </a:solidFill>
+        <a:solidFill>
+          <a:schemeClr val="phClr"/>
+        </a:solidFill>
+      </a:bgFillStyleLst>
+    </a:fmtScheme>
+  </a:themeElements>
+</a:theme>
+</file>
+
+<file path=ppt/theme/theme3.xml><?xml version="1.0" encoding="utf-8"?>
+<a:theme xmlns:a="http://schemas.openxmlformats.org/drawingml/2006/main" xmlns:r="http://schemas.openxmlformats.org/officeDocument/2006/relationships" name="Office Theme">
+  <a:themeElements>
+    <a:clrScheme name="Custom 1">
+      <a:dk1>
+        <a:srgbClr val="000000"/>
+      </a:dk1>
+      <a:lt1>
+        <a:srgbClr val="ffffff"/>
+      </a:lt1>
+      <a:dk2>
+        <a:srgbClr val="0e2841"/>
+      </a:dk2>
+      <a:lt2>
+        <a:srgbClr val="e8e8e8"/>
+      </a:lt2>
+      <a:accent1>
+        <a:srgbClr val="156082"/>
+      </a:accent1>
+      <a:accent2>
+        <a:srgbClr val="e97132"/>
+      </a:accent2>
+      <a:accent3>
+        <a:srgbClr val="196b24"/>
+      </a:accent3>
+      <a:accent4>
+        <a:srgbClr val="0f9ed5"/>
+      </a:accent4>
+      <a:accent5>
+        <a:srgbClr val="a02b93"/>
+      </a:accent5>
+      <a:accent6>
+        <a:srgbClr val="4ea72e"/>
+      </a:accent6>
+      <a:hlink>
+        <a:srgbClr val="dbe9f7"/>
+      </a:hlink>
+      <a:folHlink>
+        <a:srgbClr val="d5becb"/>
+      </a:folHlink>
+    </a:clrScheme>
+    <a:fontScheme name="Office">
+      <a:majorFont>
+        <a:latin typeface="Arial" pitchFamily="0" charset="1"/>
+        <a:ea typeface="DejaVu Sans" pitchFamily="0" charset="1"/>
+        <a:cs typeface="DejaVu Sans" pitchFamily="0" charset="1"/>
+      </a:majorFont>
+      <a:minorFont>
+        <a:latin typeface="Arial" pitchFamily="0" charset="1"/>
+        <a:ea typeface="DejaVu Sans" pitchFamily="0" charset="1"/>
+        <a:cs typeface="DejaVu Sans" pitchFamily="0" charset="1"/>
+      </a:minorFont>
+    </a:fontScheme>
+    <a:fmtScheme>
+      <a:fillStyleLst>
+        <a:solidFill>
+          <a:schemeClr val="phClr"/>
+        </a:solidFill>
+        <a:solidFill>
+          <a:schemeClr val="phClr"/>
+        </a:solidFill>
+        <a:solidFill>
+          <a:schemeClr val="phClr"/>
+        </a:solidFill>
+      </a:fillStyleLst>
+      <a:lnStyleLst>
+        <a:ln w="6350" cap="flat" cmpd="sng" algn="ctr">
+          <a:prstDash val="solid"/>
+          <a:miter/>
+        </a:ln>
+        <a:ln w="6350" cap="flat" cmpd="sng" algn="ctr">
+          <a:prstDash val="solid"/>
+          <a:miter/>
+        </a:ln>
+        <a:ln w="6350" cap="flat" cmpd="sng" algn="ctr">
+          <a:prstDash val="solid"/>
+          <a:miter/>
+        </a:ln>
+      </a:lnStyleLst>
+      <a:effectStyleLst>
+        <a:effectStyle>
+          <a:effectLst/>
+        </a:effectStyle>
+        <a:effectStyle>
+          <a:effectLst/>
+        </a:effectStyle>
+        <a:effectStyle>
+          <a:effectLst/>
+        </a:effectStyle>
+      </a:effectStyleLst>
+      <a:bgFillStyleLst>
+        <a:solidFill>
+          <a:schemeClr val="phClr"/>
+        </a:solidFill>
+        <a:solidFill>
+          <a:schemeClr val="phClr"/>
+        </a:solidFill>
+        <a:solidFill>
+          <a:schemeClr val="phClr"/>
+        </a:solidFill>
+      </a:bgFillStyleLst>
+    </a:fmtScheme>
+  </a:themeElements>
+</a:theme>
+</file>
+
+<file path=ppt/theme/theme4.xml><?xml version="1.0" encoding="utf-8"?>
+<a:theme xmlns:a="http://schemas.openxmlformats.org/drawingml/2006/main" xmlns:r="http://schemas.openxmlformats.org/officeDocument/2006/relationships" name="Office Theme">
+  <a:themeElements>
+    <a:clrScheme name="Custom 1">
+      <a:dk1>
+        <a:srgbClr val="000000"/>
+      </a:dk1>
+      <a:lt1>
+        <a:srgbClr val="ffffff"/>
+      </a:lt1>
+      <a:dk2>
+        <a:srgbClr val="0e2841"/>
+      </a:dk2>
+      <a:lt2>
+        <a:srgbClr val="e8e8e8"/>
+      </a:lt2>
+      <a:accent1>
+        <a:srgbClr val="156082"/>
+      </a:accent1>
+      <a:accent2>
+        <a:srgbClr val="e97132"/>
+      </a:accent2>
+      <a:accent3>
+        <a:srgbClr val="196b24"/>
+      </a:accent3>
+      <a:accent4>
+        <a:srgbClr val="0f9ed5"/>
+      </a:accent4>
+      <a:accent5>
+        <a:srgbClr val="a02b93"/>
+      </a:accent5>
+      <a:accent6>
+        <a:srgbClr val="4ea72e"/>
+      </a:accent6>
+      <a:hlink>
+        <a:srgbClr val="dbe9f7"/>
+      </a:hlink>
+      <a:folHlink>
+        <a:srgbClr val="d5becb"/>
+      </a:folHlink>
+    </a:clrScheme>
+    <a:fontScheme name="Office">
+      <a:majorFont>
+        <a:latin typeface="Arial" pitchFamily="0" charset="1"/>
+        <a:ea typeface="DejaVu Sans" pitchFamily="0" charset="1"/>
+        <a:cs typeface="DejaVu Sans" pitchFamily="0" charset="1"/>
+      </a:majorFont>
+      <a:minorFont>
+        <a:latin typeface="Arial" pitchFamily="0" charset="1"/>
+        <a:ea typeface="DejaVu Sans" pitchFamily="0" charset="1"/>
+        <a:cs typeface="DejaVu Sans" pitchFamily="0" charset="1"/>
+      </a:minorFont>
+    </a:fontScheme>
+    <a:fmtScheme>
+      <a:fillStyleLst>
+        <a:solidFill>
+          <a:schemeClr val="phClr"/>
+        </a:solidFill>
+        <a:solidFill>
+          <a:schemeClr val="phClr"/>
+        </a:solidFill>
+        <a:solidFill>
+          <a:schemeClr val="phClr"/>
+        </a:solidFill>
+      </a:fillStyleLst>
+      <a:lnStyleLst>
+        <a:ln w="6350" cap="flat" cmpd="sng" algn="ctr">
+          <a:prstDash val="solid"/>
+          <a:miter/>
+        </a:ln>
+        <a:ln w="6350" cap="flat" cmpd="sng" algn="ctr">
+          <a:prstDash val="solid"/>
+          <a:miter/>
+        </a:ln>
+        <a:ln w="6350" cap="flat" cmpd="sng" algn="ctr">
+          <a:prstDash val="solid"/>
+          <a:miter/>
+        </a:ln>
+      </a:lnStyleLst>
+      <a:effectStyleLst>
+        <a:effectStyle>
+          <a:effectLst/>
+        </a:effectStyle>
+        <a:effectStyle>
+          <a:effectLst/>
+        </a:effectStyle>
+        <a:effectStyle>
+          <a:effectLst/>
+        </a:effectStyle>
+      </a:effectStyleLst>
+      <a:bgFillStyleLst>
+        <a:solidFill>
+          <a:schemeClr val="phClr"/>
+        </a:solidFill>
+        <a:solidFill>
+          <a:schemeClr val="phClr"/>
+        </a:solidFill>
+        <a:solidFill>
+          <a:schemeClr val="phClr"/>
+        </a:solidFill>
+      </a:bgFillStyleLst>
+    </a:fmtScheme>
+  </a:themeElements>
+</a:theme>
+</file>
+
+<file path=ppt/theme/theme5.xml><?xml version="1.0" encoding="utf-8"?>
+<a:theme xmlns:a="http://schemas.openxmlformats.org/drawingml/2006/main" xmlns:r="http://schemas.openxmlformats.org/officeDocument/2006/relationships" name="Office Theme">
+  <a:themeElements>
+    <a:clrScheme name="Custom 1">
+      <a:dk1>
+        <a:srgbClr val="000000"/>
+      </a:dk1>
+      <a:lt1>
+        <a:srgbClr val="ffffff"/>
+      </a:lt1>
+      <a:dk2>
+        <a:srgbClr val="0e2841"/>
+      </a:dk2>
+      <a:lt2>
+        <a:srgbClr val="e8e8e8"/>
+      </a:lt2>
+      <a:accent1>
+        <a:srgbClr val="156082"/>
+      </a:accent1>
+      <a:accent2>
+        <a:srgbClr val="e97132"/>
+      </a:accent2>
+      <a:accent3>
+        <a:srgbClr val="196b24"/>
+      </a:accent3>
+      <a:accent4>
+        <a:srgbClr val="0f9ed5"/>
+      </a:accent4>
+      <a:accent5>
+        <a:srgbClr val="a02b93"/>
+      </a:accent5>
+      <a:accent6>
+        <a:srgbClr val="4ea72e"/>
+      </a:accent6>
+      <a:hlink>
+        <a:srgbClr val="dbe9f7"/>
+      </a:hlink>
+      <a:folHlink>
+        <a:srgbClr val="d5becb"/>
+      </a:folHlink>
+    </a:clrScheme>
+    <a:fontScheme name="Office">
+      <a:majorFont>
+        <a:latin typeface="Arial" pitchFamily="0" charset="1"/>
+        <a:ea typeface="DejaVu Sans" pitchFamily="0" charset="1"/>
+        <a:cs typeface="DejaVu Sans" pitchFamily="0" charset="1"/>
+      </a:majorFont>
+      <a:minorFont>
+        <a:latin typeface="Arial" pitchFamily="0" charset="1"/>
+        <a:ea typeface="DejaVu Sans" pitchFamily="0" charset="1"/>
+        <a:cs typeface="DejaVu Sans" pitchFamily="0" charset="1"/>
+      </a:minorFont>
+    </a:fontScheme>
+    <a:fmtScheme>
+      <a:fillStyleLst>
+        <a:solidFill>
+          <a:schemeClr val="phClr"/>
+        </a:solidFill>
+        <a:solidFill>
+          <a:schemeClr val="phClr"/>
+        </a:solidFill>
+        <a:solidFill>
+          <a:schemeClr val="phClr"/>
+        </a:solidFill>
+      </a:fillStyleLst>
+      <a:lnStyleLst>
+        <a:ln w="6350" cap="flat" cmpd="sng" algn="ctr">
+          <a:prstDash val="solid"/>
+          <a:miter/>
+        </a:ln>
+        <a:ln w="6350" cap="flat" cmpd="sng" algn="ctr">
+          <a:prstDash val="solid"/>
+          <a:miter/>
+        </a:ln>
+        <a:ln w="6350" cap="flat" cmpd="sng" algn="ctr">
+          <a:prstDash val="solid"/>
+          <a:miter/>
+        </a:ln>
+      </a:lnStyleLst>
+      <a:effectStyleLst>
+        <a:effectStyle>
+          <a:effectLst/>
+        </a:effectStyle>
+        <a:effectStyle>
+          <a:effectLst/>
+        </a:effectStyle>
+        <a:effectStyle>
+          <a:effectLst/>
+        </a:effectStyle>
+      </a:effectStyleLst>
+      <a:bgFillStyleLst>
+        <a:solidFill>
+          <a:schemeClr val="phClr"/>
+        </a:solidFill>
+        <a:solidFill>
+          <a:schemeClr val="phClr"/>
+        </a:solidFill>
+        <a:solidFill>
+          <a:schemeClr val="phClr"/>
+        </a:solidFill>
+      </a:bgFillStyleLst>
+    </a:fmtScheme>
+  </a:themeElements>
+</a:theme>
+</file>
+
+<file path=ppt/theme/theme6.xml><?xml version="1.0" encoding="utf-8"?>
+<a:theme xmlns:a="http://schemas.openxmlformats.org/drawingml/2006/main" xmlns:r="http://schemas.openxmlformats.org/officeDocument/2006/relationships" name="Office Theme">
+  <a:themeElements>
+    <a:clrScheme name="Custom 1">
+      <a:dk1>
+        <a:srgbClr val="000000"/>
+      </a:dk1>
+      <a:lt1>
+        <a:srgbClr val="ffffff"/>
+      </a:lt1>
+      <a:dk2>
+        <a:srgbClr val="0e2841"/>
+      </a:dk2>
+      <a:lt2>
+        <a:srgbClr val="e8e8e8"/>
+      </a:lt2>
+      <a:accent1>
+        <a:srgbClr val="156082"/>
+      </a:accent1>
+      <a:accent2>
+        <a:srgbClr val="e97132"/>
+      </a:accent2>
+      <a:accent3>
+        <a:srgbClr val="196b24"/>
+      </a:accent3>
+      <a:accent4>
+        <a:srgbClr val="0f9ed5"/>
+      </a:accent4>
+      <a:accent5>
+        <a:srgbClr val="a02b93"/>
+      </a:accent5>
+      <a:accent6>
+        <a:srgbClr val="4ea72e"/>
+      </a:accent6>
+      <a:hlink>
+        <a:srgbClr val="dbe9f7"/>
+      </a:hlink>
+      <a:folHlink>
+        <a:srgbClr val="d5becb"/>
+      </a:folHlink>
+    </a:clrScheme>
+    <a:fontScheme name="Office">
+      <a:majorFont>
+        <a:latin typeface="Arial" pitchFamily="0" charset="1"/>
+        <a:ea typeface="DejaVu Sans" pitchFamily="0" charset="1"/>
+        <a:cs typeface="DejaVu Sans" pitchFamily="0" charset="1"/>
+      </a:majorFont>
+      <a:minorFont>
+        <a:latin typeface="Arial" pitchFamily="0" charset="1"/>
+        <a:ea typeface="DejaVu Sans" pitchFamily="0" charset="1"/>
+        <a:cs typeface="DejaVu Sans" pitchFamily="0" charset="1"/>
+      </a:minorFont>
+    </a:fontScheme>
+    <a:fmtScheme>
+      <a:fillStyleLst>
+        <a:solidFill>
+          <a:schemeClr val="phClr"/>
+        </a:solidFill>
+        <a:solidFill>
+          <a:schemeClr val="phClr"/>
+        </a:solidFill>
+        <a:solidFill>
+          <a:schemeClr val="phClr"/>
+        </a:solidFill>
+      </a:fillStyleLst>
+      <a:lnStyleLst>
+        <a:ln w="6350" cap="flat" cmpd="sng" algn="ctr">
+          <a:prstDash val="solid"/>
+          <a:miter/>
+        </a:ln>
+        <a:ln w="6350" cap="flat" cmpd="sng" algn="ctr">
+          <a:prstDash val="solid"/>
+          <a:miter/>
+        </a:ln>
+        <a:ln w="6350" cap="flat" cmpd="sng" algn="ctr">
+          <a:prstDash val="solid"/>
+          <a:miter/>
+        </a:ln>
+      </a:lnStyleLst>
+      <a:effectStyleLst>
+        <a:effectStyle>
+          <a:effectLst/>
+        </a:effectStyle>
+        <a:effectStyle>
+          <a:effectLst/>
+        </a:effectStyle>
+        <a:effectStyle>
+          <a:effectLst/>
+        </a:effectStyle>
+      </a:effectStyleLst>
+      <a:bgFillStyleLst>
+        <a:solidFill>
+          <a:schemeClr val="phClr"/>
+        </a:solidFill>
+        <a:solidFill>
+          <a:schemeClr val="phClr"/>
+        </a:solidFill>
+        <a:solidFill>
+          <a:schemeClr val="phClr"/>
+        </a:solidFill>
+      </a:bgFillStyleLst>
+    </a:fmtScheme>
+  </a:themeElements>
+</a:theme>
+</file>
+
+<file path=ppt/theme/theme7.xml><?xml version="1.0" encoding="utf-8"?>
+<a:theme xmlns:a="http://schemas.openxmlformats.org/drawingml/2006/main" xmlns:r="http://schemas.openxmlformats.org/officeDocument/2006/relationships" name="Office Theme">
+  <a:themeElements>
+    <a:clrScheme name="Custom 1">
+      <a:dk1>
+        <a:srgbClr val="000000"/>
+      </a:dk1>
+      <a:lt1>
+        <a:srgbClr val="ffffff"/>
+      </a:lt1>
+      <a:dk2>
+        <a:srgbClr val="0e2841"/>
+      </a:dk2>
+      <a:lt2>
+        <a:srgbClr val="e8e8e8"/>
+      </a:lt2>
+      <a:accent1>
+        <a:srgbClr val="156082"/>
+      </a:accent1>
+      <a:accent2>
+        <a:srgbClr val="e97132"/>
+      </a:accent2>
+      <a:accent3>
+        <a:srgbClr val="196b24"/>
+      </a:accent3>
+      <a:accent4>
+        <a:srgbClr val="0f9ed5"/>
+      </a:accent4>
+      <a:accent5>
+        <a:srgbClr val="a02b93"/>
+      </a:accent5>
+      <a:accent6>
+        <a:srgbClr val="4ea72e"/>
+      </a:accent6>
+      <a:hlink>
+        <a:srgbClr val="dbe9f7"/>
+      </a:hlink>
+      <a:folHlink>
+        <a:srgbClr val="d5becb"/>
+      </a:folHlink>
+    </a:clrScheme>
+    <a:fontScheme name="Office">
+      <a:majorFont>
+        <a:latin typeface="Arial" pitchFamily="0" charset="1"/>
+        <a:ea typeface="DejaVu Sans" pitchFamily="0" charset="1"/>
+        <a:cs typeface="DejaVu Sans" pitchFamily="0" charset="1"/>
+      </a:majorFont>
+      <a:minorFont>
+        <a:latin typeface="Arial" pitchFamily="0" charset="1"/>
+        <a:ea typeface="DejaVu Sans" pitchFamily="0" charset="1"/>
+        <a:cs typeface="DejaVu Sans" pitchFamily="0" charset="1"/>
+      </a:minorFont>
+    </a:fontScheme>
+    <a:fmtScheme>
+      <a:fillStyleLst>
+        <a:solidFill>
+          <a:schemeClr val="phClr"/>
+        </a:solidFill>
+        <a:solidFill>
+          <a:schemeClr val="phClr"/>
+        </a:solidFill>
+        <a:solidFill>
+          <a:schemeClr val="phClr"/>
+        </a:solidFill>
+      </a:fillStyleLst>
+      <a:lnStyleLst>
+        <a:ln w="6350" cap="flat" cmpd="sng" algn="ctr">
+          <a:prstDash val="solid"/>
+          <a:miter/>
+        </a:ln>
+        <a:ln w="6350" cap="flat" cmpd="sng" algn="ctr">
+          <a:prstDash val="solid"/>
+          <a:miter/>
+        </a:ln>
+        <a:ln w="6350" cap="flat" cmpd="sng" algn="ctr">
+          <a:prstDash val="solid"/>
+          <a:miter/>
+        </a:ln>
+      </a:lnStyleLst>
+      <a:effectStyleLst>
+        <a:effectStyle>
+          <a:effectLst/>
+        </a:effectStyle>
+        <a:effectStyle>
+          <a:effectLst/>
+        </a:effectStyle>
+        <a:effectStyle>
+          <a:effectLst/>
+        </a:effectStyle>
+      </a:effectStyleLst>
+      <a:bgFillStyleLst>
+        <a:solidFill>
+          <a:schemeClr val="phClr"/>
+        </a:solidFill>
+        <a:solidFill>
+          <a:schemeClr val="phClr"/>
+        </a:solidFill>
+        <a:solidFill>
+          <a:schemeClr val="phClr"/>
+        </a:solidFill>
+      </a:bgFillStyleLst>
+    </a:fmtScheme>
+  </a:themeElements>
+</a:theme>
+</file>
+
+<file path=ppt/theme/theme8.xml><?xml version="1.0" encoding="utf-8"?>
+<a:theme xmlns:a="http://schemas.openxmlformats.org/drawingml/2006/main" xmlns:r="http://schemas.openxmlformats.org/officeDocument/2006/relationships" name="Office Theme">
+  <a:themeElements>
+    <a:clrScheme name="Custom 1">
+      <a:dk1>
+        <a:srgbClr val="000000"/>
+      </a:dk1>
+      <a:lt1>
+        <a:srgbClr val="ffffff"/>
+      </a:lt1>
+      <a:dk2>
+        <a:srgbClr val="0e2841"/>
+      </a:dk2>
+      <a:lt2>
+        <a:srgbClr val="e8e8e8"/>
+      </a:lt2>
+      <a:accent1>
+        <a:srgbClr val="156082"/>
+      </a:accent1>
+      <a:accent2>
+        <a:srgbClr val="e97132"/>
+      </a:accent2>
+      <a:accent3>
+        <a:srgbClr val="196b24"/>
+      </a:accent3>
+      <a:accent4>
+        <a:srgbClr val="0f9ed5"/>
+      </a:accent4>
+      <a:accent5>
+        <a:srgbClr val="a02b93"/>
+      </a:accent5>
+      <a:accent6>
+        <a:srgbClr val="4ea72e"/>
+      </a:accent6>
+      <a:hlink>
+        <a:srgbClr val="dbe9f7"/>
+      </a:hlink>
+      <a:folHlink>
+        <a:srgbClr val="d5becb"/>
+      </a:folHlink>
+    </a:clrScheme>
+    <a:fontScheme name="Office">
+      <a:majorFont>
+        <a:latin typeface="Arial" pitchFamily="0" charset="1"/>
+        <a:ea typeface="DejaVu Sans" pitchFamily="0" charset="1"/>
+        <a:cs typeface="DejaVu Sans" pitchFamily="0" charset="1"/>
+      </a:majorFont>
+      <a:minorFont>
+        <a:latin typeface="Arial" pitchFamily="0" charset="1"/>
+        <a:ea typeface="DejaVu Sans" pitchFamily="0" charset="1"/>
+        <a:cs typeface="DejaVu Sans" pitchFamily="0" charset="1"/>
+      </a:minorFont>
+    </a:fontScheme>
+    <a:fmtScheme>
+      <a:fillStyleLst>
+        <a:solidFill>
+          <a:schemeClr val="phClr"/>
+        </a:solidFill>
+        <a:solidFill>
+          <a:schemeClr val="phClr"/>
+        </a:solidFill>
+        <a:solidFill>
+          <a:schemeClr val="phClr"/>
+        </a:solidFill>
+      </a:fillStyleLst>
+      <a:lnStyleLst>
+        <a:ln w="6350" cap="flat" cmpd="sng" algn="ctr">
+          <a:prstDash val="solid"/>
+          <a:miter/>
+        </a:ln>
+        <a:ln w="6350" cap="flat" cmpd="sng" algn="ctr">
+          <a:prstDash val="solid"/>
+          <a:miter/>
+        </a:ln>
+        <a:ln w="6350" cap="flat" cmpd="sng" algn="ctr">
+          <a:prstDash val="solid"/>
+          <a:miter/>
+        </a:ln>
+      </a:lnStyleLst>
+      <a:effectStyleLst>
+        <a:effectStyle>
+          <a:effectLst/>
+        </a:effectStyle>
+        <a:effectStyle>
+          <a:effectLst/>
+        </a:effectStyle>
+        <a:effectStyle>
+          <a:effectLst/>
+        </a:effectStyle>
+      </a:effectStyleLst>
+      <a:bgFillStyleLst>
+        <a:solidFill>
+          <a:schemeClr val="phClr"/>
+        </a:solidFill>
+        <a:solidFill>
+          <a:schemeClr val="phClr"/>
+        </a:solidFill>
+        <a:solidFill>
+          <a:schemeClr val="phClr"/>
+        </a:solidFill>
+      </a:bgFillStyleLst>
+    </a:fmtScheme>
+  </a:themeElements>
+</a:theme>
+</file>
+
+<file path=ppt/theme/theme9.xml><?xml version="1.0" encoding="utf-8"?>
+<a:theme xmlns:a="http://schemas.openxmlformats.org/drawingml/2006/main" xmlns:r="http://schemas.openxmlformats.org/officeDocument/2006/relationships" name="Office Theme">
+  <a:themeElements>
+    <a:clrScheme name="Custom 1">
+      <a:dk1>
+        <a:srgbClr val="000000"/>
+      </a:dk1>
+      <a:lt1>
+        <a:srgbClr val="ffffff"/>
+      </a:lt1>
+      <a:dk2>
+        <a:srgbClr val="0e2841"/>
+      </a:dk2>
+      <a:lt2>
+        <a:srgbClr val="e8e8e8"/>
+      </a:lt2>
+      <a:accent1>
+        <a:srgbClr val="156082"/>
+      </a:accent1>
+      <a:accent2>
+        <a:srgbClr val="e97132"/>
+      </a:accent2>
+      <a:accent3>
+        <a:srgbClr val="196b24"/>
+      </a:accent3>
+      <a:accent4>
+        <a:srgbClr val="0f9ed5"/>
+      </a:accent4>
+      <a:accent5>
+        <a:srgbClr val="a02b93"/>
+      </a:accent5>
+      <a:accent6>
+        <a:srgbClr val="4ea72e"/>
+      </a:accent6>
+      <a:hlink>
+        <a:srgbClr val="dbe9f7"/>
+      </a:hlink>
+      <a:folHlink>
+        <a:srgbClr val="d5becb"/>
+      </a:folHlink>
+    </a:clrScheme>
+    <a:fontScheme name="Office">
+      <a:majorFont>
+        <a:latin typeface="Arial" pitchFamily="0" charset="1"/>
+        <a:ea typeface="DejaVu Sans" pitchFamily="0" charset="1"/>
+        <a:cs typeface="DejaVu Sans" pitchFamily="0" charset="1"/>
+      </a:majorFont>
+      <a:minorFont>
+        <a:latin typeface="Arial" pitchFamily="0" charset="1"/>
+        <a:ea typeface="DejaVu Sans" pitchFamily="0" charset="1"/>
+        <a:cs typeface="DejaVu Sans" pitchFamily="0" charset="1"/>
+      </a:minorFont>
+    </a:fontScheme>
+    <a:fmtScheme>
+      <a:fillStyleLst>
+        <a:solidFill>
+          <a:schemeClr val="phClr"/>
+        </a:solidFill>
+        <a:solidFill>
+          <a:schemeClr val="phClr"/>
+        </a:solidFill>
+        <a:solidFill>
+          <a:schemeClr val="phClr"/>
+        </a:solidFill>
+      </a:fillStyleLst>
+      <a:lnStyleLst>
+        <a:ln w="6350" cap="flat" cmpd="sng" algn="ctr">
+          <a:prstDash val="solid"/>
+          <a:miter/>
+        </a:ln>
+        <a:ln w="6350" cap="flat" cmpd="sng" algn="ctr">
+          <a:prstDash val="solid"/>
+          <a:miter/>
+        </a:ln>
+        <a:ln w="6350" cap="flat" cmpd="sng" algn="ctr">
+          <a:prstDash val="solid"/>
+          <a:miter/>
+        </a:ln>
+      </a:lnStyleLst>
+      <a:effectStyleLst>
+        <a:effectStyle>
+          <a:effectLst/>
+        </a:effectStyle>
+        <a:effectStyle>
+          <a:effectLst/>
+        </a:effectStyle>
+        <a:effectStyle>
+          <a:effectLst/>
+        </a:effectStyle>
+      </a:effectStyleLst>
+      <a:bgFillStyleLst>
+        <a:solidFill>
+          <a:schemeClr val="phClr"/>
+        </a:solidFill>
+        <a:solidFill>
+          <a:schemeClr val="phClr"/>
+        </a:solidFill>
+        <a:solidFill>
+          <a:schemeClr val="phClr"/>
+        </a:solidFill>
+      </a:bgFillStyleLst>
+    </a:fmtScheme>
+  </a:themeElements>
+</a:theme>
 </file>
--- a/PowerShell Advanced Fundamentals.pptx
+++ b/PowerShell Advanced Fundamentals.pptx
@@ -3,9 +3,9 @@
 <p:presentation xmlns:a="http://schemas.openxmlformats.org/drawingml/2006/main" xmlns:p="http://schemas.openxmlformats.org/presentationml/2006/main" xmlns:r="http://schemas.openxmlformats.org/officeDocument/2006/relationships" xmlns:p14="http://schemas.microsoft.com/office/powerpoint/2010/main" xmlns:p15="http://schemas.microsoft.com/office/powerpoint/2012/main" xmlns:mc="http://schemas.openxmlformats.org/markup-compatibility/2006">
   <p:sldMasterIdLst>
     <p:sldMasterId id="2147483648" r:id="rId2"/>
-    <p:sldMasterId id="2147483651" r:id="rId3"/>
-    <p:sldMasterId id="2147483653" r:id="rId4"/>
-    <p:sldMasterId id="2147483655" r:id="rId5"/>
+    <p:sldMasterId id="2147483652" r:id="rId3"/>
+    <p:sldMasterId id="2147483654" r:id="rId4"/>
+    <p:sldMasterId id="2147483656" r:id="rId5"/>
   </p:sldMasterIdLst>
   <p:notesMasterIdLst>
     <p:notesMasterId r:id="rId6"/>
@@ -116,7 +116,7 @@
       </p:grpSpPr>
       <p:sp>
         <p:nvSpPr>
-          <p:cNvPr id="32" name="PlaceHolder 1"/>
+          <p:cNvPr id="40" name="PlaceHolder 1"/>
           <p:cNvSpPr>
             <a:spLocks noGrp="1"/>
           </p:cNvSpPr>
@@ -167,7 +167,7 @@
       </p:sp>
       <p:sp>
         <p:nvSpPr>
-          <p:cNvPr id="33" name="PlaceHolder 2"/>
+          <p:cNvPr id="41" name="PlaceHolder 2"/>
           <p:cNvSpPr>
             <a:spLocks noGrp="1"/>
           </p:cNvSpPr>
@@ -220,7 +220,7 @@
       </p:sp>
       <p:sp>
         <p:nvSpPr>
-          <p:cNvPr id="34" name="PlaceHolder 3"/>
+          <p:cNvPr id="42" name="PlaceHolder 3"/>
           <p:cNvSpPr>
             <a:spLocks noGrp="1"/>
           </p:cNvSpPr>
@@ -273,12 +273,12 @@
       </p:sp>
       <p:sp>
         <p:nvSpPr>
-          <p:cNvPr id="35" name="PlaceHolder 4"/>
-          <p:cNvSpPr>
-            <a:spLocks noGrp="1"/>
-          </p:cNvSpPr>
-          <p:nvPr>
-            <p:ph type="dt" idx="12"/>
+          <p:cNvPr id="43" name="PlaceHolder 4"/>
+          <p:cNvSpPr>
+            <a:spLocks noGrp="1"/>
+          </p:cNvSpPr>
+          <p:nvPr>
+            <p:ph type="dt" idx="16"/>
           </p:nvPr>
         </p:nvSpPr>
         <p:spPr>
@@ -339,12 +339,12 @@
       </p:sp>
       <p:sp>
         <p:nvSpPr>
-          <p:cNvPr id="36" name="PlaceHolder 5"/>
-          <p:cNvSpPr>
-            <a:spLocks noGrp="1"/>
-          </p:cNvSpPr>
-          <p:nvPr>
-            <p:ph type="ftr" idx="13"/>
+          <p:cNvPr id="44" name="PlaceHolder 5"/>
+          <p:cNvSpPr>
+            <a:spLocks noGrp="1"/>
+          </p:cNvSpPr>
+          <p:nvPr>
+            <p:ph type="ftr" idx="17"/>
           </p:nvPr>
         </p:nvSpPr>
         <p:spPr>
@@ -405,12 +405,12 @@
       </p:sp>
       <p:sp>
         <p:nvSpPr>
-          <p:cNvPr id="37" name="PlaceHolder 6"/>
-          <p:cNvSpPr>
-            <a:spLocks noGrp="1"/>
-          </p:cNvSpPr>
-          <p:nvPr>
-            <p:ph type="sldNum" idx="14"/>
+          <p:cNvPr id="45" name="PlaceHolder 6"/>
+          <p:cNvSpPr>
+            <a:spLocks noGrp="1"/>
+          </p:cNvSpPr>
+          <p:nvPr>
+            <p:ph type="sldNum" idx="18"/>
           </p:nvPr>
         </p:nvSpPr>
         <p:spPr>
@@ -447,7 +447,7 @@
             <a:pPr indent="0" algn="r">
               <a:buNone/>
             </a:pPr>
-            <a:fld id="{887AA78C-9796-4EDC-942F-FCB1AD531E86}" type="slidenum">
+            <a:fld id="{F8B26F9A-21F2-4EAF-894A-59FA4AF07A11}" type="slidenum">
               <a:rPr b="0" lang="sv-SE" sz="1400" strike="noStrike" u="none">
                 <a:solidFill>
                   <a:srgbClr val="000000"/>
@@ -494,7 +494,7 @@
       </p:grpSpPr>
       <p:sp>
         <p:nvSpPr>
-          <p:cNvPr id="200" name="PlaceHolder 1"/>
+          <p:cNvPr id="208" name="PlaceHolder 1"/>
           <p:cNvSpPr>
             <a:spLocks noGrp="1"/>
           </p:cNvSpPr>
@@ -505,7 +505,7 @@
         <p:spPr>
           <a:xfrm>
             <a:off x="685800" y="1143000"/>
-            <a:ext cx="5485680" cy="3085560"/>
+            <a:ext cx="5485320" cy="3085200"/>
           </a:xfrm>
           <a:prstGeom prst="rect">
             <a:avLst/>
@@ -517,7 +517,7 @@
       </p:sp>
       <p:sp>
         <p:nvSpPr>
-          <p:cNvPr id="201" name="PlaceHolder 2"/>
+          <p:cNvPr id="209" name="PlaceHolder 2"/>
           <p:cNvSpPr>
             <a:spLocks noGrp="1"/>
           </p:cNvSpPr>
@@ -528,7 +528,7 @@
         <p:spPr>
           <a:xfrm>
             <a:off x="685800" y="4400640"/>
-            <a:ext cx="5485680" cy="3599640"/>
+            <a:ext cx="5485320" cy="3599280"/>
           </a:xfrm>
           <a:prstGeom prst="rect">
             <a:avLst/>
@@ -559,18 +559,18 @@
       </p:sp>
       <p:sp>
         <p:nvSpPr>
-          <p:cNvPr id="202" name="PlaceHolder 3"/>
-          <p:cNvSpPr>
-            <a:spLocks noGrp="1"/>
-          </p:cNvSpPr>
-          <p:nvPr>
-            <p:ph type="sldNum" idx="15"/>
+          <p:cNvPr id="210" name="PlaceHolder 3"/>
+          <p:cNvSpPr>
+            <a:spLocks noGrp="1"/>
+          </p:cNvSpPr>
+          <p:nvPr>
+            <p:ph type="sldNum" idx="19"/>
           </p:nvPr>
         </p:nvSpPr>
         <p:spPr>
           <a:xfrm>
             <a:off x="3884760" y="8685360"/>
-            <a:ext cx="2971080" cy="457920"/>
+            <a:ext cx="2970720" cy="457560"/>
           </a:xfrm>
           <a:prstGeom prst="rect">
             <a:avLst/>
@@ -613,7 +613,7 @@
                 <a:tab algn="l" pos="0"/>
               </a:tabLst>
             </a:pPr>
-            <a:fld id="{87011188-72B9-4A3C-B09E-E0CFF4546013}" type="slidenum">
+            <a:fld id="{6A4BD418-A1DD-4C3A-8B31-04B48E080FD8}" type="slidenum">
               <a:rPr b="0" lang="en-SE" sz="1200" strike="noStrike" u="none">
                 <a:solidFill>
                   <a:srgbClr val="000000"/>
@@ -659,7 +659,7 @@
       </p:grpSpPr>
       <p:sp>
         <p:nvSpPr>
-          <p:cNvPr id="203" name="PlaceHolder 1"/>
+          <p:cNvPr id="211" name="PlaceHolder 1"/>
           <p:cNvSpPr>
             <a:spLocks noGrp="1"/>
           </p:cNvSpPr>
@@ -670,7 +670,7 @@
         <p:spPr>
           <a:xfrm>
             <a:off x="685800" y="1143000"/>
-            <a:ext cx="5485680" cy="3085560"/>
+            <a:ext cx="5485320" cy="3085200"/>
           </a:xfrm>
           <a:prstGeom prst="rect">
             <a:avLst/>
@@ -682,7 +682,7 @@
       </p:sp>
       <p:sp>
         <p:nvSpPr>
-          <p:cNvPr id="204" name="PlaceHolder 2"/>
+          <p:cNvPr id="212" name="PlaceHolder 2"/>
           <p:cNvSpPr>
             <a:spLocks noGrp="1"/>
           </p:cNvSpPr>
@@ -693,7 +693,7 @@
         <p:spPr>
           <a:xfrm>
             <a:off x="685800" y="4400640"/>
-            <a:ext cx="5485680" cy="3599640"/>
+            <a:ext cx="5485320" cy="3599280"/>
           </a:xfrm>
           <a:prstGeom prst="rect">
             <a:avLst/>
@@ -724,18 +724,18 @@
       </p:sp>
       <p:sp>
         <p:nvSpPr>
-          <p:cNvPr id="205" name="PlaceHolder 3"/>
-          <p:cNvSpPr>
-            <a:spLocks noGrp="1"/>
-          </p:cNvSpPr>
-          <p:nvPr>
-            <p:ph type="sldNum" idx="16"/>
+          <p:cNvPr id="213" name="PlaceHolder 3"/>
+          <p:cNvSpPr>
+            <a:spLocks noGrp="1"/>
+          </p:cNvSpPr>
+          <p:nvPr>
+            <p:ph type="sldNum" idx="20"/>
           </p:nvPr>
         </p:nvSpPr>
         <p:spPr>
           <a:xfrm>
             <a:off x="3884760" y="8685360"/>
-            <a:ext cx="2971080" cy="457920"/>
+            <a:ext cx="2970720" cy="457560"/>
           </a:xfrm>
           <a:prstGeom prst="rect">
             <a:avLst/>
@@ -778,7 +778,7 @@
                 <a:tab algn="l" pos="0"/>
               </a:tabLst>
             </a:pPr>
-            <a:fld id="{7B12E947-73CB-41B1-AE7B-D8315A405A25}" type="slidenum">
+            <a:fld id="{C29AAB22-6284-4FF4-AD09-79231E90B7FA}" type="slidenum">
               <a:rPr b="0" lang="en-SE" sz="1200" strike="noStrike" u="none">
                 <a:solidFill>
                   <a:srgbClr val="000000"/>
@@ -824,7 +824,7 @@
       </p:grpSpPr>
       <p:sp>
         <p:nvSpPr>
-          <p:cNvPr id="206" name="PlaceHolder 1"/>
+          <p:cNvPr id="214" name="PlaceHolder 1"/>
           <p:cNvSpPr>
             <a:spLocks noGrp="1"/>
           </p:cNvSpPr>
@@ -835,7 +835,7 @@
         <p:spPr>
           <a:xfrm>
             <a:off x="685800" y="1143000"/>
-            <a:ext cx="5485680" cy="3085560"/>
+            <a:ext cx="5485320" cy="3085200"/>
           </a:xfrm>
           <a:prstGeom prst="rect">
             <a:avLst/>
@@ -847,7 +847,7 @@
       </p:sp>
       <p:sp>
         <p:nvSpPr>
-          <p:cNvPr id="207" name="PlaceHolder 2"/>
+          <p:cNvPr id="215" name="PlaceHolder 2"/>
           <p:cNvSpPr>
             <a:spLocks noGrp="1"/>
           </p:cNvSpPr>
@@ -858,7 +858,7 @@
         <p:spPr>
           <a:xfrm>
             <a:off x="685800" y="4400640"/>
-            <a:ext cx="5485680" cy="3599640"/>
+            <a:ext cx="5485320" cy="3599280"/>
           </a:xfrm>
           <a:prstGeom prst="rect">
             <a:avLst/>
@@ -889,18 +889,18 @@
       </p:sp>
       <p:sp>
         <p:nvSpPr>
-          <p:cNvPr id="208" name="PlaceHolder 3"/>
-          <p:cNvSpPr>
-            <a:spLocks noGrp="1"/>
-          </p:cNvSpPr>
-          <p:nvPr>
-            <p:ph type="sldNum" idx="17"/>
+          <p:cNvPr id="216" name="PlaceHolder 3"/>
+          <p:cNvSpPr>
+            <a:spLocks noGrp="1"/>
+          </p:cNvSpPr>
+          <p:nvPr>
+            <p:ph type="sldNum" idx="21"/>
           </p:nvPr>
         </p:nvSpPr>
         <p:spPr>
           <a:xfrm>
             <a:off x="3884760" y="8685360"/>
-            <a:ext cx="2971080" cy="457920"/>
+            <a:ext cx="2970720" cy="457560"/>
           </a:xfrm>
           <a:prstGeom prst="rect">
             <a:avLst/>
@@ -943,7 +943,7 @@
                 <a:tab algn="l" pos="0"/>
               </a:tabLst>
             </a:pPr>
-            <a:fld id="{678E8AB4-5965-4E4B-8093-9701EDB83BB3}" type="slidenum">
+            <a:fld id="{2D1C087E-82A1-48EA-B61D-B2627493687E}" type="slidenum">
               <a:rPr b="0" lang="en-SE" sz="1200" strike="noStrike" u="none">
                 <a:solidFill>
                   <a:srgbClr val="000000"/>
@@ -989,7 +989,7 @@
       </p:grpSpPr>
       <p:sp>
         <p:nvSpPr>
-          <p:cNvPr id="209" name="PlaceHolder 1"/>
+          <p:cNvPr id="217" name="PlaceHolder 1"/>
           <p:cNvSpPr>
             <a:spLocks noGrp="1"/>
           </p:cNvSpPr>
@@ -1000,7 +1000,7 @@
         <p:spPr>
           <a:xfrm>
             <a:off x="685800" y="1143000"/>
-            <a:ext cx="5485680" cy="3085560"/>
+            <a:ext cx="5485320" cy="3085200"/>
           </a:xfrm>
           <a:prstGeom prst="rect">
             <a:avLst/>
@@ -1012,7 +1012,7 @@
       </p:sp>
       <p:sp>
         <p:nvSpPr>
-          <p:cNvPr id="210" name="PlaceHolder 2"/>
+          <p:cNvPr id="218" name="PlaceHolder 2"/>
           <p:cNvSpPr>
             <a:spLocks noGrp="1"/>
           </p:cNvSpPr>
@@ -1023,7 +1023,7 @@
         <p:spPr>
           <a:xfrm>
             <a:off x="685800" y="4400640"/>
-            <a:ext cx="5485680" cy="3599640"/>
+            <a:ext cx="5485320" cy="3599280"/>
           </a:xfrm>
           <a:prstGeom prst="rect">
             <a:avLst/>
@@ -1054,18 +1054,18 @@
       </p:sp>
       <p:sp>
         <p:nvSpPr>
-          <p:cNvPr id="211" name="PlaceHolder 3"/>
-          <p:cNvSpPr>
-            <a:spLocks noGrp="1"/>
-          </p:cNvSpPr>
-          <p:nvPr>
-            <p:ph type="sldNum" idx="18"/>
+          <p:cNvPr id="219" name="PlaceHolder 3"/>
+          <p:cNvSpPr>
+            <a:spLocks noGrp="1"/>
+          </p:cNvSpPr>
+          <p:nvPr>
+            <p:ph type="sldNum" idx="22"/>
           </p:nvPr>
         </p:nvSpPr>
         <p:spPr>
           <a:xfrm>
             <a:off x="3884760" y="8685360"/>
-            <a:ext cx="2971080" cy="457920"/>
+            <a:ext cx="2970720" cy="457560"/>
           </a:xfrm>
           <a:prstGeom prst="rect">
             <a:avLst/>
@@ -1108,7 +1108,7 @@
                 <a:tab algn="l" pos="0"/>
               </a:tabLst>
             </a:pPr>
-            <a:fld id="{B2A8A3CF-C956-4DB5-BC87-B483A9BA8EEC}" type="slidenum">
+            <a:fld id="{0AFB87EF-464C-4FAC-AE8D-91C952B95410}" type="slidenum">
               <a:rPr b="0" lang="en-SE" sz="1200" strike="noStrike" u="none">
                 <a:solidFill>
                   <a:srgbClr val="000000"/>
@@ -1154,7 +1154,7 @@
       </p:grpSpPr>
       <p:sp>
         <p:nvSpPr>
-          <p:cNvPr id="212" name="PlaceHolder 1"/>
+          <p:cNvPr id="220" name="PlaceHolder 1"/>
           <p:cNvSpPr>
             <a:spLocks noGrp="1"/>
           </p:cNvSpPr>
@@ -1165,7 +1165,7 @@
         <p:spPr>
           <a:xfrm>
             <a:off x="685800" y="1143000"/>
-            <a:ext cx="5485680" cy="3085560"/>
+            <a:ext cx="5485320" cy="3085200"/>
           </a:xfrm>
           <a:prstGeom prst="rect">
             <a:avLst/>
@@ -1177,7 +1177,7 @@
       </p:sp>
       <p:sp>
         <p:nvSpPr>
-          <p:cNvPr id="213" name="PlaceHolder 2"/>
+          <p:cNvPr id="221" name="PlaceHolder 2"/>
           <p:cNvSpPr>
             <a:spLocks noGrp="1"/>
           </p:cNvSpPr>
@@ -1188,7 +1188,7 @@
         <p:spPr>
           <a:xfrm>
             <a:off x="685800" y="4400640"/>
-            <a:ext cx="5485680" cy="3599640"/>
+            <a:ext cx="5485320" cy="3599280"/>
           </a:xfrm>
           <a:prstGeom prst="rect">
             <a:avLst/>
@@ -1219,18 +1219,18 @@
       </p:sp>
       <p:sp>
         <p:nvSpPr>
-          <p:cNvPr id="214" name="PlaceHolder 3"/>
-          <p:cNvSpPr>
-            <a:spLocks noGrp="1"/>
-          </p:cNvSpPr>
-          <p:nvPr>
-            <p:ph type="sldNum" idx="19"/>
+          <p:cNvPr id="222" name="PlaceHolder 3"/>
+          <p:cNvSpPr>
+            <a:spLocks noGrp="1"/>
+          </p:cNvSpPr>
+          <p:nvPr>
+            <p:ph type="sldNum" idx="23"/>
           </p:nvPr>
         </p:nvSpPr>
         <p:spPr>
           <a:xfrm>
             <a:off x="3884760" y="8685360"/>
-            <a:ext cx="2971080" cy="457920"/>
+            <a:ext cx="2970720" cy="457560"/>
           </a:xfrm>
           <a:prstGeom prst="rect">
             <a:avLst/>
@@ -1273,7 +1273,7 @@
                 <a:tab algn="l" pos="0"/>
               </a:tabLst>
             </a:pPr>
-            <a:fld id="{FD9448F9-933B-4483-A188-755688A2699F}" type="slidenum">
+            <a:fld id="{1938522C-843B-4DEC-8DD6-858BC04FFA43}" type="slidenum">
               <a:rPr b="0" lang="en-SE" sz="1200" strike="noStrike" u="none">
                 <a:solidFill>
                   <a:srgbClr val="000000"/>
@@ -1319,7 +1319,7 @@
       </p:grpSpPr>
       <p:sp>
         <p:nvSpPr>
-          <p:cNvPr id="215" name="PlaceHolder 1"/>
+          <p:cNvPr id="223" name="PlaceHolder 1"/>
           <p:cNvSpPr>
             <a:spLocks noGrp="1"/>
           </p:cNvSpPr>
@@ -1330,7 +1330,7 @@
         <p:spPr>
           <a:xfrm>
             <a:off x="685800" y="1143000"/>
-            <a:ext cx="5485680" cy="3085560"/>
+            <a:ext cx="5485320" cy="3085200"/>
           </a:xfrm>
           <a:prstGeom prst="rect">
             <a:avLst/>
@@ -1342,7 +1342,7 @@
       </p:sp>
       <p:sp>
         <p:nvSpPr>
-          <p:cNvPr id="216" name="PlaceHolder 2"/>
+          <p:cNvPr id="224" name="PlaceHolder 2"/>
           <p:cNvSpPr>
             <a:spLocks noGrp="1"/>
           </p:cNvSpPr>
@@ -1353,7 +1353,7 @@
         <p:spPr>
           <a:xfrm>
             <a:off x="685800" y="4400640"/>
-            <a:ext cx="5485680" cy="3599640"/>
+            <a:ext cx="5485320" cy="3599280"/>
           </a:xfrm>
           <a:prstGeom prst="rect">
             <a:avLst/>
@@ -1384,18 +1384,18 @@
       </p:sp>
       <p:sp>
         <p:nvSpPr>
-          <p:cNvPr id="217" name="PlaceHolder 3"/>
-          <p:cNvSpPr>
-            <a:spLocks noGrp="1"/>
-          </p:cNvSpPr>
-          <p:nvPr>
-            <p:ph type="sldNum" idx="20"/>
+          <p:cNvPr id="225" name="PlaceHolder 3"/>
+          <p:cNvSpPr>
+            <a:spLocks noGrp="1"/>
+          </p:cNvSpPr>
+          <p:nvPr>
+            <p:ph type="sldNum" idx="24"/>
           </p:nvPr>
         </p:nvSpPr>
         <p:spPr>
           <a:xfrm>
             <a:off x="3884760" y="8685360"/>
-            <a:ext cx="2971080" cy="457920"/>
+            <a:ext cx="2970720" cy="457560"/>
           </a:xfrm>
           <a:prstGeom prst="rect">
             <a:avLst/>
@@ -1438,7 +1438,7 @@
                 <a:tab algn="l" pos="0"/>
               </a:tabLst>
             </a:pPr>
-            <a:fld id="{25058745-5311-4511-91D4-DE848E45839D}" type="slidenum">
+            <a:fld id="{01F0BAC9-7740-45C2-83F2-1CFEA1941ECB}" type="slidenum">
               <a:rPr b="0" lang="en-SE" sz="1200" strike="noStrike" u="none">
                 <a:solidFill>
                   <a:srgbClr val="000000"/>
@@ -1484,7 +1484,7 @@
       </p:grpSpPr>
       <p:sp>
         <p:nvSpPr>
-          <p:cNvPr id="218" name="PlaceHolder 1"/>
+          <p:cNvPr id="226" name="PlaceHolder 1"/>
           <p:cNvSpPr>
             <a:spLocks noGrp="1"/>
           </p:cNvSpPr>
@@ -1495,7 +1495,7 @@
         <p:spPr>
           <a:xfrm>
             <a:off x="685800" y="1143000"/>
-            <a:ext cx="5485680" cy="3085560"/>
+            <a:ext cx="5485320" cy="3085200"/>
           </a:xfrm>
           <a:prstGeom prst="rect">
             <a:avLst/>
@@ -1507,7 +1507,7 @@
       </p:sp>
       <p:sp>
         <p:nvSpPr>
-          <p:cNvPr id="219" name="PlaceHolder 2"/>
+          <p:cNvPr id="227" name="PlaceHolder 2"/>
           <p:cNvSpPr>
             <a:spLocks noGrp="1"/>
           </p:cNvSpPr>
@@ -1518,7 +1518,7 @@
         <p:spPr>
           <a:xfrm>
             <a:off x="685800" y="4400640"/>
-            <a:ext cx="5485680" cy="3599640"/>
+            <a:ext cx="5485320" cy="3599280"/>
           </a:xfrm>
           <a:prstGeom prst="rect">
             <a:avLst/>
@@ -1549,18 +1549,18 @@
       </p:sp>
       <p:sp>
         <p:nvSpPr>
-          <p:cNvPr id="220" name="PlaceHolder 3"/>
-          <p:cNvSpPr>
-            <a:spLocks noGrp="1"/>
-          </p:cNvSpPr>
-          <p:nvPr>
-            <p:ph type="sldNum" idx="21"/>
+          <p:cNvPr id="228" name="PlaceHolder 3"/>
+          <p:cNvSpPr>
+            <a:spLocks noGrp="1"/>
+          </p:cNvSpPr>
+          <p:nvPr>
+            <p:ph type="sldNum" idx="25"/>
           </p:nvPr>
         </p:nvSpPr>
         <p:spPr>
           <a:xfrm>
             <a:off x="3884760" y="8685360"/>
-            <a:ext cx="2971080" cy="457920"/>
+            <a:ext cx="2970720" cy="457560"/>
           </a:xfrm>
           <a:prstGeom prst="rect">
             <a:avLst/>
@@ -1603,7 +1603,7 @@
                 <a:tab algn="l" pos="0"/>
               </a:tabLst>
             </a:pPr>
-            <a:fld id="{49B4C104-6571-4D32-A75F-C462B0B71708}" type="slidenum">
+            <a:fld id="{27B71F51-4098-4315-87C0-15B0945566B9}" type="slidenum">
               <a:rPr b="0" lang="en-SE" sz="1200" strike="noStrike" u="none">
                 <a:solidFill>
                   <a:srgbClr val="000000"/>
@@ -1612,7 +1612,7 @@
                 <a:uFillTx/>
                 <a:latin typeface="Times New Roman"/>
               </a:rPr>
-              <a:t>&lt;number&gt;</a:t>
+              <a:t>79</a:t>
             </a:fld>
             <a:endParaRPr b="0" lang="sv-SE" sz="1200" strike="noStrike" u="none">
               <a:solidFill>
@@ -1649,7 +1649,7 @@
       </p:grpSpPr>
       <p:sp>
         <p:nvSpPr>
-          <p:cNvPr id="221" name="PlaceHolder 1"/>
+          <p:cNvPr id="229" name="PlaceHolder 1"/>
           <p:cNvSpPr>
             <a:spLocks noGrp="1"/>
           </p:cNvSpPr>
@@ -1660,7 +1660,7 @@
         <p:spPr>
           <a:xfrm>
             <a:off x="685800" y="1143000"/>
-            <a:ext cx="5485680" cy="3085560"/>
+            <a:ext cx="5485320" cy="3085200"/>
           </a:xfrm>
           <a:prstGeom prst="rect">
             <a:avLst/>
@@ -1672,7 +1672,7 @@
       </p:sp>
       <p:sp>
         <p:nvSpPr>
-          <p:cNvPr id="222" name="PlaceHolder 2"/>
+          <p:cNvPr id="230" name="PlaceHolder 2"/>
           <p:cNvSpPr>
             <a:spLocks noGrp="1"/>
           </p:cNvSpPr>
@@ -1683,7 +1683,7 @@
         <p:spPr>
           <a:xfrm>
             <a:off x="685800" y="4400640"/>
-            <a:ext cx="5485680" cy="3599640"/>
+            <a:ext cx="5485320" cy="3599280"/>
           </a:xfrm>
           <a:prstGeom prst="rect">
             <a:avLst/>
@@ -1714,18 +1714,18 @@
       </p:sp>
       <p:sp>
         <p:nvSpPr>
-          <p:cNvPr id="223" name="PlaceHolder 3"/>
-          <p:cNvSpPr>
-            <a:spLocks noGrp="1"/>
-          </p:cNvSpPr>
-          <p:nvPr>
-            <p:ph type="sldNum" idx="22"/>
+          <p:cNvPr id="231" name="PlaceHolder 3"/>
+          <p:cNvSpPr>
+            <a:spLocks noGrp="1"/>
+          </p:cNvSpPr>
+          <p:nvPr>
+            <p:ph type="sldNum" idx="26"/>
           </p:nvPr>
         </p:nvSpPr>
         <p:spPr>
           <a:xfrm>
             <a:off x="3884760" y="8685360"/>
-            <a:ext cx="2971080" cy="457920"/>
+            <a:ext cx="2970720" cy="457560"/>
           </a:xfrm>
           <a:prstGeom prst="rect">
             <a:avLst/>
@@ -1768,7 +1768,7 @@
                 <a:tab algn="l" pos="0"/>
               </a:tabLst>
             </a:pPr>
-            <a:fld id="{7CFDBC40-9356-4310-8B45-3CF98DC15C35}" type="slidenum">
+            <a:fld id="{3DCD6B66-B018-437B-9F78-AE583E1046C7}" type="slidenum">
               <a:rPr b="0" lang="en-SE" sz="1200" strike="noStrike" u="none">
                 <a:solidFill>
                   <a:srgbClr val="000000"/>
@@ -1777,7 +1777,7 @@
                 <a:uFillTx/>
                 <a:latin typeface="Times New Roman"/>
               </a:rPr>
-              <a:t>&lt;number&gt;</a:t>
+              <a:t>79</a:t>
             </a:fld>
             <a:endParaRPr b="0" lang="sv-SE" sz="1200" strike="noStrike" u="none">
               <a:solidFill>
@@ -1798,463 +1798,6 @@
 <file path=ppt/slideLayouts/slideLayout1.xml><?xml version="1.0" encoding="utf-8"?>
 <p:sldLayout xmlns:a="http://schemas.openxmlformats.org/drawingml/2006/main" xmlns:p="http://schemas.openxmlformats.org/presentationml/2006/main" xmlns:r="http://schemas.openxmlformats.org/officeDocument/2006/relationships" xmlns:p14="http://schemas.microsoft.com/office/powerpoint/2010/main" xmlns:p15="http://schemas.microsoft.com/office/powerpoint/2012/main" xmlns:mc="http://schemas.openxmlformats.org/markup-compatibility/2006" type="title" preserve="1">
   <p:cSld name="Title Slide">
-    <p:spTree>
-      <p:nvGrpSpPr>
-        <p:cNvPr id="1" name=""/>
-        <p:cNvGrpSpPr/>
-        <p:nvPr/>
-      </p:nvGrpSpPr>
-      <p:grpSpPr>
-        <a:xfrm>
-          <a:off x="0" y="0"/>
-          <a:ext cx="0" cy="0"/>
-          <a:chOff x="0" y="0"/>
-          <a:chExt cx="0" cy="0"/>
-        </a:xfrm>
-      </p:grpSpPr>
-      <p:sp>
-        <p:nvSpPr>
-          <p:cNvPr id="8" name="PlaceHolder 1"/>
-          <p:cNvSpPr>
-            <a:spLocks noGrp="1"/>
-          </p:cNvSpPr>
-          <p:nvPr>
-            <p:ph type="title"/>
-          </p:nvPr>
-        </p:nvSpPr>
-        <p:spPr>
-          <a:xfrm>
-            <a:off x="1523880" y="2003040"/>
-            <a:ext cx="9143280" cy="625320"/>
-          </a:xfrm>
-          <a:prstGeom prst="rect">
-            <a:avLst/>
-          </a:prstGeom>
-          <a:noFill/>
-          <a:ln w="0">
-            <a:noFill/>
-          </a:ln>
-        </p:spPr>
-        <p:txBody>
-          <a:bodyPr lIns="0" rIns="0" tIns="0" bIns="0" anchor="ctr">
-            <a:spAutoFit/>
-          </a:bodyPr>
-          <a:p>
-            <a:pPr indent="0" algn="ctr">
-              <a:buNone/>
-            </a:pPr>
-            <a:endParaRPr b="0" lang="sv-SE" sz="4400" strike="noStrike" u="none">
-              <a:solidFill>
-                <a:srgbClr val="ffffff"/>
-              </a:solidFill>
-              <a:effectLst/>
-              <a:uFillTx/>
-              <a:latin typeface="Arial"/>
-            </a:endParaRPr>
-          </a:p>
-        </p:txBody>
-      </p:sp>
-      <p:sp>
-        <p:nvSpPr>
-          <p:cNvPr id="9" name="PlaceHolder 2"/>
-          <p:cNvSpPr>
-            <a:spLocks noGrp="1"/>
-          </p:cNvSpPr>
-          <p:nvPr>
-            <p:ph type="subTitle"/>
-          </p:nvPr>
-        </p:nvSpPr>
-        <p:spPr>
-          <a:xfrm>
-            <a:off x="609480" y="1604520"/>
-            <a:ext cx="10972440" cy="3977280"/>
-          </a:xfrm>
-          <a:prstGeom prst="rect">
-            <a:avLst/>
-          </a:prstGeom>
-          <a:noFill/>
-          <a:ln w="0">
-            <a:noFill/>
-          </a:ln>
-        </p:spPr>
-        <p:txBody>
-          <a:bodyPr lIns="0" rIns="0" tIns="0" bIns="0" anchor="ctr">
-            <a:spAutoFit/>
-          </a:bodyPr>
-          <a:p>
-            <a:pPr indent="0" algn="ctr">
-              <a:buNone/>
-            </a:pPr>
-            <a:endParaRPr b="0" lang="sv-SE" sz="3200" strike="noStrike" u="none">
-              <a:solidFill>
-                <a:srgbClr val="ffffff"/>
-              </a:solidFill>
-              <a:effectLst/>
-              <a:uFillTx/>
-              <a:latin typeface="Arial"/>
-            </a:endParaRPr>
-          </a:p>
-        </p:txBody>
-      </p:sp>
-      <p:sp>
-        <p:nvSpPr>
-          <p:cNvPr id="4" name="PlaceHolder 3"/>
-          <p:cNvSpPr>
-            <a:spLocks noGrp="1"/>
-          </p:cNvSpPr>
-          <p:nvPr>
-            <p:ph type="ftr" idx="1"/>
-          </p:nvPr>
-        </p:nvSpPr>
-        <p:spPr/>
-        <p:txBody>
-          <a:bodyPr/>
-          <a:p>
-            <a:r>
-              <a:t>Footer</a:t>
-            </a:r>
-          </a:p>
-        </p:txBody>
-      </p:sp>
-      <p:sp>
-        <p:nvSpPr>
-          <p:cNvPr id="5" name="PlaceHolder 4"/>
-          <p:cNvSpPr>
-            <a:spLocks noGrp="1"/>
-          </p:cNvSpPr>
-          <p:nvPr>
-            <p:ph type="sldNum" idx="2"/>
-          </p:nvPr>
-        </p:nvSpPr>
-        <p:spPr/>
-        <p:txBody>
-          <a:bodyPr/>
-          <a:p>
-            <a:fld id="{2046E319-3B56-4B12-84CD-3795344DCBEE}" type="slidenum">
-              <a:t>&lt;#&gt;</a:t>
-            </a:fld>
-          </a:p>
-        </p:txBody>
-      </p:sp>
-    </p:spTree>
-  </p:cSld>
-</p:sldLayout>
-</file>
-
-<file path=ppt/slideLayouts/slideLayout2.xml><?xml version="1.0" encoding="utf-8"?>
-<p:sldLayout xmlns:a="http://schemas.openxmlformats.org/drawingml/2006/main" xmlns:p="http://schemas.openxmlformats.org/presentationml/2006/main" xmlns:r="http://schemas.openxmlformats.org/officeDocument/2006/relationships" xmlns:p14="http://schemas.microsoft.com/office/powerpoint/2010/main" xmlns:p15="http://schemas.microsoft.com/office/powerpoint/2012/main" xmlns:mc="http://schemas.openxmlformats.org/markup-compatibility/2006" type="blank" preserve="1">
-  <p:cSld name="Title Slide">
-    <p:spTree>
-      <p:nvGrpSpPr>
-        <p:cNvPr id="1" name=""/>
-        <p:cNvGrpSpPr/>
-        <p:nvPr/>
-      </p:nvGrpSpPr>
-      <p:grpSpPr>
-        <a:xfrm>
-          <a:off x="0" y="0"/>
-          <a:ext cx="0" cy="0"/>
-          <a:chOff x="0" y="0"/>
-          <a:chExt cx="0" cy="0"/>
-        </a:xfrm>
-      </p:grpSpPr>
-      <p:sp>
-        <p:nvSpPr>
-          <p:cNvPr id="2" name="PlaceHolder 1"/>
-          <p:cNvSpPr>
-            <a:spLocks noGrp="1"/>
-          </p:cNvSpPr>
-          <p:nvPr>
-            <p:ph type="ftr" idx="1"/>
-          </p:nvPr>
-        </p:nvSpPr>
-        <p:spPr/>
-        <p:txBody>
-          <a:bodyPr/>
-          <a:p>
-            <a:r>
-              <a:t>Footer</a:t>
-            </a:r>
-          </a:p>
-        </p:txBody>
-      </p:sp>
-      <p:sp>
-        <p:nvSpPr>
-          <p:cNvPr id="3" name="PlaceHolder 2"/>
-          <p:cNvSpPr>
-            <a:spLocks noGrp="1"/>
-          </p:cNvSpPr>
-          <p:nvPr>
-            <p:ph type="sldNum" idx="2"/>
-          </p:nvPr>
-        </p:nvSpPr>
-        <p:spPr/>
-        <p:txBody>
-          <a:bodyPr/>
-          <a:p>
-            <a:fld id="{CC5BB250-B076-44B5-89F1-5A01B2126BBC}" type="slidenum">
-              <a:t>&lt;#&gt;</a:t>
-            </a:fld>
-          </a:p>
-        </p:txBody>
-      </p:sp>
-    </p:spTree>
-  </p:cSld>
-</p:sldLayout>
-</file>
-
-<file path=ppt/slideLayouts/slideLayout3.xml><?xml version="1.0" encoding="utf-8"?>
-<p:sldLayout xmlns:a="http://schemas.openxmlformats.org/drawingml/2006/main" xmlns:p="http://schemas.openxmlformats.org/presentationml/2006/main" xmlns:r="http://schemas.openxmlformats.org/officeDocument/2006/relationships" xmlns:p14="http://schemas.microsoft.com/office/powerpoint/2010/main" xmlns:p15="http://schemas.microsoft.com/office/powerpoint/2012/main" xmlns:mc="http://schemas.openxmlformats.org/markup-compatibility/2006" type="blank" preserve="1">
-  <p:cSld name="Title and Text">
-    <p:spTree>
-      <p:nvGrpSpPr>
-        <p:cNvPr id="1" name=""/>
-        <p:cNvGrpSpPr/>
-        <p:nvPr/>
-      </p:nvGrpSpPr>
-      <p:grpSpPr>
-        <a:xfrm>
-          <a:off x="0" y="0"/>
-          <a:ext cx="0" cy="0"/>
-          <a:chOff x="0" y="0"/>
-          <a:chExt cx="0" cy="0"/>
-        </a:xfrm>
-      </p:grpSpPr>
-      <p:sp>
-        <p:nvSpPr>
-          <p:cNvPr id="2" name="PlaceHolder 1"/>
-          <p:cNvSpPr>
-            <a:spLocks noGrp="1"/>
-          </p:cNvSpPr>
-          <p:nvPr>
-            <p:ph type="ftr" idx="3"/>
-          </p:nvPr>
-        </p:nvSpPr>
-        <p:spPr/>
-        <p:txBody>
-          <a:bodyPr/>
-          <a:p>
-            <a:r>
-              <a:t>Footer</a:t>
-            </a:r>
-          </a:p>
-        </p:txBody>
-      </p:sp>
-      <p:sp>
-        <p:nvSpPr>
-          <p:cNvPr id="3" name="PlaceHolder 2"/>
-          <p:cNvSpPr>
-            <a:spLocks noGrp="1"/>
-          </p:cNvSpPr>
-          <p:nvPr>
-            <p:ph type="sldNum" idx="4"/>
-          </p:nvPr>
-        </p:nvSpPr>
-        <p:spPr/>
-        <p:txBody>
-          <a:bodyPr/>
-          <a:p>
-            <a:fld id="{09A36461-2E35-4175-A6B9-8E24E9C8292C}" type="slidenum">
-              <a:t>&lt;#&gt;</a:t>
-            </a:fld>
-          </a:p>
-        </p:txBody>
-      </p:sp>
-      <p:sp>
-        <p:nvSpPr>
-          <p:cNvPr id="4" name="PlaceHolder 3"/>
-          <p:cNvSpPr>
-            <a:spLocks noGrp="1"/>
-          </p:cNvSpPr>
-          <p:nvPr>
-            <p:ph type="dt" idx="5"/>
-          </p:nvPr>
-        </p:nvSpPr>
-        <p:spPr/>
-        <p:txBody>
-          <a:bodyPr/>
-          <a:p>
-            <a:r>
-              <a:rPr lang="sv-SE"/>
-              <a:t/>
-            </a:r>
-          </a:p>
-        </p:txBody>
-      </p:sp>
-    </p:spTree>
-  </p:cSld>
-</p:sldLayout>
-</file>
-
-<file path=ppt/slideLayouts/slideLayout4.xml><?xml version="1.0" encoding="utf-8"?>
-<p:sldLayout xmlns:a="http://schemas.openxmlformats.org/drawingml/2006/main" xmlns:p="http://schemas.openxmlformats.org/presentationml/2006/main" xmlns:r="http://schemas.openxmlformats.org/officeDocument/2006/relationships" xmlns:p14="http://schemas.microsoft.com/office/powerpoint/2010/main" xmlns:p15="http://schemas.microsoft.com/office/powerpoint/2012/main" xmlns:mc="http://schemas.openxmlformats.org/markup-compatibility/2006" type="blank" preserve="1">
-  <p:cSld name="Section Header">
-    <p:spTree>
-      <p:nvGrpSpPr>
-        <p:cNvPr id="1" name=""/>
-        <p:cNvGrpSpPr/>
-        <p:nvPr/>
-      </p:nvGrpSpPr>
-      <p:grpSpPr>
-        <a:xfrm>
-          <a:off x="0" y="0"/>
-          <a:ext cx="0" cy="0"/>
-          <a:chOff x="0" y="0"/>
-          <a:chExt cx="0" cy="0"/>
-        </a:xfrm>
-      </p:grpSpPr>
-      <p:sp>
-        <p:nvSpPr>
-          <p:cNvPr id="2" name="PlaceHolder 1"/>
-          <p:cNvSpPr>
-            <a:spLocks noGrp="1"/>
-          </p:cNvSpPr>
-          <p:nvPr>
-            <p:ph type="ftr" idx="6"/>
-          </p:nvPr>
-        </p:nvSpPr>
-        <p:spPr/>
-        <p:txBody>
-          <a:bodyPr/>
-          <a:p>
-            <a:r>
-              <a:t>Footer</a:t>
-            </a:r>
-          </a:p>
-        </p:txBody>
-      </p:sp>
-      <p:sp>
-        <p:nvSpPr>
-          <p:cNvPr id="3" name="PlaceHolder 2"/>
-          <p:cNvSpPr>
-            <a:spLocks noGrp="1"/>
-          </p:cNvSpPr>
-          <p:nvPr>
-            <p:ph type="sldNum" idx="7"/>
-          </p:nvPr>
-        </p:nvSpPr>
-        <p:spPr/>
-        <p:txBody>
-          <a:bodyPr/>
-          <a:p>
-            <a:fld id="{16F1259C-7761-42AD-8AC1-98FD86DC8DF2}" type="slidenum">
-              <a:t>&lt;#&gt;</a:t>
-            </a:fld>
-          </a:p>
-        </p:txBody>
-      </p:sp>
-      <p:sp>
-        <p:nvSpPr>
-          <p:cNvPr id="4" name="PlaceHolder 3"/>
-          <p:cNvSpPr>
-            <a:spLocks noGrp="1"/>
-          </p:cNvSpPr>
-          <p:nvPr>
-            <p:ph type="dt" idx="8"/>
-          </p:nvPr>
-        </p:nvSpPr>
-        <p:spPr/>
-        <p:txBody>
-          <a:bodyPr/>
-          <a:p>
-            <a:r>
-              <a:rPr lang="sv-SE"/>
-              <a:t/>
-            </a:r>
-          </a:p>
-        </p:txBody>
-      </p:sp>
-    </p:spTree>
-  </p:cSld>
-</p:sldLayout>
-</file>
-
-<file path=ppt/slideLayouts/slideLayout5.xml><?xml version="1.0" encoding="utf-8"?>
-<p:sldLayout xmlns:a="http://schemas.openxmlformats.org/drawingml/2006/main" xmlns:p="http://schemas.openxmlformats.org/presentationml/2006/main" xmlns:r="http://schemas.openxmlformats.org/officeDocument/2006/relationships" xmlns:p14="http://schemas.microsoft.com/office/powerpoint/2010/main" xmlns:p15="http://schemas.microsoft.com/office/powerpoint/2012/main" xmlns:mc="http://schemas.openxmlformats.org/markup-compatibility/2006" type="blank" preserve="1">
-  <p:cSld name="Content with Caption">
-    <p:spTree>
-      <p:nvGrpSpPr>
-        <p:cNvPr id="1" name=""/>
-        <p:cNvGrpSpPr/>
-        <p:nvPr/>
-      </p:nvGrpSpPr>
-      <p:grpSpPr>
-        <a:xfrm>
-          <a:off x="0" y="0"/>
-          <a:ext cx="0" cy="0"/>
-          <a:chOff x="0" y="0"/>
-          <a:chExt cx="0" cy="0"/>
-        </a:xfrm>
-      </p:grpSpPr>
-      <p:sp>
-        <p:nvSpPr>
-          <p:cNvPr id="2" name="PlaceHolder 1"/>
-          <p:cNvSpPr>
-            <a:spLocks noGrp="1"/>
-          </p:cNvSpPr>
-          <p:nvPr>
-            <p:ph type="ftr" idx="9"/>
-          </p:nvPr>
-        </p:nvSpPr>
-        <p:spPr/>
-        <p:txBody>
-          <a:bodyPr/>
-          <a:p>
-            <a:r>
-              <a:t>Footer</a:t>
-            </a:r>
-          </a:p>
-        </p:txBody>
-      </p:sp>
-      <p:sp>
-        <p:nvSpPr>
-          <p:cNvPr id="3" name="PlaceHolder 2"/>
-          <p:cNvSpPr>
-            <a:spLocks noGrp="1"/>
-          </p:cNvSpPr>
-          <p:nvPr>
-            <p:ph type="sldNum" idx="10"/>
-          </p:nvPr>
-        </p:nvSpPr>
-        <p:spPr/>
-        <p:txBody>
-          <a:bodyPr/>
-          <a:p>
-            <a:fld id="{EC822099-6245-4788-99D8-B585BD59823C}" type="slidenum">
-              <a:t>&lt;#&gt;</a:t>
-            </a:fld>
-          </a:p>
-        </p:txBody>
-      </p:sp>
-      <p:sp>
-        <p:nvSpPr>
-          <p:cNvPr id="4" name="PlaceHolder 3"/>
-          <p:cNvSpPr>
-            <a:spLocks noGrp="1"/>
-          </p:cNvSpPr>
-          <p:nvPr>
-            <p:ph type="dt" idx="11"/>
-          </p:nvPr>
-        </p:nvSpPr>
-        <p:spPr/>
-        <p:txBody>
-          <a:bodyPr/>
-          <a:p>
-            <a:r>
-              <a:rPr lang="sv-SE"/>
-              <a:t/>
-            </a:r>
-          </a:p>
-        </p:txBody>
-      </p:sp>
-    </p:spTree>
-  </p:cSld>
-</p:sldLayout>
-</file>
-
-<file path=ppt/slideMasters/slideMaster1.xml><?xml version="1.0" encoding="utf-8"?>
-<p:sldMaster xmlns:a="http://schemas.openxmlformats.org/drawingml/2006/main" xmlns:p="http://schemas.openxmlformats.org/presentationml/2006/main" xmlns:r="http://schemas.openxmlformats.org/officeDocument/2006/relationships" xmlns:p14="http://schemas.microsoft.com/office/powerpoint/2010/main" xmlns:p15="http://schemas.microsoft.com/office/powerpoint/2012/main" xmlns:mc="http://schemas.openxmlformats.org/markup-compatibility/2006">
-  <p:cSld>
     <p:bg>
       <p:bgPr>
         <a:gradFill rotWithShape="0">
@@ -2297,7 +1840,7 @@
         <p:spPr>
           <a:xfrm>
             <a:off x="779400" y="6289200"/>
-            <a:ext cx="1429560" cy="431280"/>
+            <a:ext cx="1429200" cy="430920"/>
           </a:xfrm>
           <a:prstGeom prst="rect">
             <a:avLst/>
@@ -2323,7 +1866,7 @@
         <p:spPr>
           <a:xfrm>
             <a:off x="10184760" y="5404680"/>
-            <a:ext cx="1544040" cy="1544040"/>
+            <a:ext cx="1543680" cy="1543680"/>
           </a:xfrm>
           <a:prstGeom prst="rect">
             <a:avLst/>
@@ -2346,8 +1889,8 @@
         </p:nvSpPr>
         <p:spPr>
           <a:xfrm>
-            <a:off x="1523880" y="2178360"/>
-            <a:ext cx="9143280" cy="274680"/>
+            <a:off x="1523880" y="2178000"/>
+            <a:ext cx="9142920" cy="274680"/>
           </a:xfrm>
           <a:prstGeom prst="rect">
             <a:avLst/>
@@ -2400,7 +1943,7 @@
         <p:spPr>
           <a:xfrm>
             <a:off x="4038480" y="6356520"/>
-            <a:ext cx="4114080" cy="364320"/>
+            <a:ext cx="4113720" cy="363960"/>
           </a:xfrm>
           <a:prstGeom prst="rect">
             <a:avLst/>
@@ -2482,7 +2025,7 @@
         <p:spPr>
           <a:xfrm>
             <a:off x="8610480" y="6356520"/>
-            <a:ext cx="2742480" cy="364320"/>
+            <a:ext cx="2742120" cy="363960"/>
           </a:xfrm>
           <a:prstGeom prst="rect">
             <a:avLst/>
@@ -2527,7 +2070,7 @@
                 <a:tab algn="l" pos="0"/>
               </a:tabLst>
             </a:pPr>
-            <a:fld id="{F54D4321-2F93-47A5-A22F-EAD7442FCAFF}" type="slidenum">
+            <a:fld id="{258BE3CA-BFBE-4EF4-9250-994BCB9BB64F}" type="slidenum">
               <a:rPr b="0" lang="en-SE" sz="1200" strike="noStrike" u="none">
                 <a:solidFill>
                   <a:schemeClr val="lt1">
@@ -2538,7 +2081,7 @@
                 <a:uFillTx/>
                 <a:latin typeface="Aptos"/>
               </a:rPr>
-              <a:t>21</a:t>
+              <a:t>36</a:t>
             </a:fld>
             <a:endParaRPr b="0" lang="sv-SE" sz="1200" strike="noStrike" u="none">
               <a:solidFill>
@@ -2806,17 +2349,12 @@
       </p:sp>
     </p:spTree>
   </p:cSld>
-  <p:clrMap bg1="lt1" tx1="dk1" bg2="lt2" tx2="dk2" accent1="accent1" accent2="accent2" accent3="accent3" accent4="accent4" accent5="accent5" accent6="accent6" hlink="hlink" folHlink="folHlink"/>
-  <p:sldLayoutIdLst>
-    <p:sldLayoutId id="2147483649" r:id="rId4"/>
-    <p:sldLayoutId id="2147483650" r:id="rId5"/>
-  </p:sldLayoutIdLst>
-</p:sldMaster>
+</p:sldLayout>
 </file>
 
-<file path=ppt/slideMasters/slideMaster2.xml><?xml version="1.0" encoding="utf-8"?>
-<p:sldMaster xmlns:a="http://schemas.openxmlformats.org/drawingml/2006/main" xmlns:p="http://schemas.openxmlformats.org/presentationml/2006/main" xmlns:r="http://schemas.openxmlformats.org/officeDocument/2006/relationships" xmlns:p14="http://schemas.microsoft.com/office/powerpoint/2010/main" xmlns:p15="http://schemas.microsoft.com/office/powerpoint/2012/main" xmlns:mc="http://schemas.openxmlformats.org/markup-compatibility/2006">
-  <p:cSld>
+<file path=ppt/slideLayouts/slideLayout2.xml><?xml version="1.0" encoding="utf-8"?>
+<p:sldLayout xmlns:a="http://schemas.openxmlformats.org/drawingml/2006/main" xmlns:p="http://schemas.openxmlformats.org/presentationml/2006/main" xmlns:r="http://schemas.openxmlformats.org/officeDocument/2006/relationships" xmlns:p14="http://schemas.microsoft.com/office/powerpoint/2010/main" xmlns:p15="http://schemas.microsoft.com/office/powerpoint/2012/main" xmlns:mc="http://schemas.openxmlformats.org/markup-compatibility/2006" type="blank" preserve="1">
+  <p:cSld name="Title Slide">
     <p:bg>
       <p:bgPr>
         <a:gradFill rotWithShape="0">
@@ -2848,7 +2386,7 @@
       </p:grpSpPr>
       <p:pic>
         <p:nvPicPr>
-          <p:cNvPr id="10" name="Picture 11" descr=""/>
+          <p:cNvPr id="8" name="Picture 11" descr=""/>
           <p:cNvPicPr/>
           <p:nvPr/>
         </p:nvPicPr>
@@ -2859,7 +2397,7 @@
         <p:spPr>
           <a:xfrm>
             <a:off x="779400" y="6289200"/>
-            <a:ext cx="1429560" cy="431280"/>
+            <a:ext cx="1429200" cy="430920"/>
           </a:xfrm>
           <a:prstGeom prst="rect">
             <a:avLst/>
@@ -2872,7 +2410,7 @@
       </p:pic>
       <p:pic>
         <p:nvPicPr>
-          <p:cNvPr id="11" name="Picture 3" descr=""/>
+          <p:cNvPr id="9" name="Picture 3" descr=""/>
           <p:cNvPicPr/>
           <p:nvPr/>
         </p:nvPicPr>
@@ -2885,7 +2423,7 @@
         <p:spPr>
           <a:xfrm>
             <a:off x="10184760" y="5404680"/>
-            <a:ext cx="1544040" cy="1544040"/>
+            <a:ext cx="1543680" cy="1543680"/>
           </a:xfrm>
           <a:prstGeom prst="rect">
             <a:avLst/>
@@ -2898,18 +2436,18 @@
       </p:pic>
       <p:sp>
         <p:nvSpPr>
-          <p:cNvPr id="12" name="PlaceHolder 1"/>
-          <p:cNvSpPr>
-            <a:spLocks noGrp="1"/>
-          </p:cNvSpPr>
-          <p:nvPr>
-            <p:ph type="ftr" idx="3"/>
+          <p:cNvPr id="10" name="PlaceHolder 1"/>
+          <p:cNvSpPr>
+            <a:spLocks noGrp="1"/>
+          </p:cNvSpPr>
+          <p:nvPr>
+            <p:ph type="title"/>
           </p:nvPr>
         </p:nvSpPr>
         <p:spPr>
           <a:xfrm>
-            <a:off x="4038480" y="6356520"/>
-            <a:ext cx="4114080" cy="364320"/>
+            <a:off x="1523880" y="2178000"/>
+            <a:ext cx="9142920" cy="274680"/>
           </a:xfrm>
           <a:prstGeom prst="rect">
             <a:avLst/>
@@ -2920,78 +2458,49 @@
           </a:ln>
         </p:spPr>
         <p:txBody>
-          <a:bodyPr lIns="91440" rIns="91440" tIns="45720" bIns="45720" anchor="ctr">
-            <a:noAutofit/>
+          <a:bodyPr lIns="0" rIns="0" tIns="0" bIns="0" anchor="ctr">
+            <a:spAutoFit/>
           </a:bodyPr>
-          <a:lstStyle>
-            <a:lvl1pPr indent="0" algn="ctr" defTabSz="914400">
-              <a:lnSpc>
-                <a:spcPct val="100000"/>
-              </a:lnSpc>
+          <a:p>
+            <a:pPr indent="0">
               <a:buNone/>
-              <a:tabLst>
-                <a:tab algn="l" pos="0"/>
-              </a:tabLst>
-              <a:defRPr b="0" lang="sv-SE" sz="1200" strike="noStrike" u="none">
-                <a:solidFill>
-                  <a:schemeClr val="lt1">
-                    <a:tint val="82000"/>
-                  </a:schemeClr>
-                </a:solidFill>
-                <a:effectLst/>
-                <a:uFillTx/>
-                <a:latin typeface="Aptos"/>
-              </a:defRPr>
-            </a:lvl1pPr>
-          </a:lstStyle>
-          <a:p>
-            <a:pPr indent="0" algn="ctr" defTabSz="914400">
-              <a:lnSpc>
-                <a:spcPct val="100000"/>
-              </a:lnSpc>
-              <a:buNone/>
-              <a:tabLst>
-                <a:tab algn="l" pos="0"/>
-              </a:tabLst>
-            </a:pPr>
-            <a:r>
-              <a:rPr b="0" lang="sv-SE" sz="1200" strike="noStrike" u="none">
-                <a:solidFill>
-                  <a:schemeClr val="lt1">
-                    <a:tint val="82000"/>
-                  </a:schemeClr>
-                </a:solidFill>
-                <a:effectLst/>
-                <a:uFillTx/>
-                <a:latin typeface="Aptos"/>
-              </a:rPr>
-              <a:t> </a:t>
-            </a:r>
-            <a:endParaRPr b="0" lang="sv-SE" sz="1200" strike="noStrike" u="none">
-              <a:solidFill>
-                <a:srgbClr val="ffffff"/>
-              </a:solidFill>
-              <a:effectLst/>
-              <a:uFillTx/>
-              <a:latin typeface="Times New Roman"/>
-            </a:endParaRPr>
-          </a:p>
-        </p:txBody>
-      </p:sp>
-      <p:sp>
-        <p:nvSpPr>
-          <p:cNvPr id="13" name="PlaceHolder 2"/>
-          <p:cNvSpPr>
-            <a:spLocks noGrp="1"/>
-          </p:cNvSpPr>
-          <p:nvPr>
-            <p:ph type="sldNum" idx="4"/>
+            </a:pPr>
+            <a:r>
+              <a:rPr b="0" lang="sv-SE" sz="1800" strike="noStrike" u="none">
+                <a:solidFill>
+                  <a:srgbClr val="ffffff"/>
+                </a:solidFill>
+                <a:effectLst/>
+                <a:uFillTx/>
+                <a:latin typeface="Arial"/>
+              </a:rPr>
+              <a:t>Click to edit the title text format</a:t>
+            </a:r>
+            <a:endParaRPr b="0" lang="sv-SE" sz="1800" strike="noStrike" u="none">
+              <a:solidFill>
+                <a:srgbClr val="ffffff"/>
+              </a:solidFill>
+              <a:effectLst/>
+              <a:uFillTx/>
+              <a:latin typeface="Arial"/>
+            </a:endParaRPr>
+          </a:p>
+        </p:txBody>
+      </p:sp>
+      <p:sp>
+        <p:nvSpPr>
+          <p:cNvPr id="11" name="PlaceHolder 2"/>
+          <p:cNvSpPr>
+            <a:spLocks noGrp="1"/>
+          </p:cNvSpPr>
+          <p:nvPr>
+            <p:ph type="ftr" idx="3"/>
           </p:nvPr>
         </p:nvSpPr>
         <p:spPr>
           <a:xfrm>
-            <a:off x="8610480" y="6356520"/>
-            <a:ext cx="2742480" cy="364320"/>
+            <a:off x="4038480" y="6356520"/>
+            <a:ext cx="4113720" cy="363960"/>
           </a:xfrm>
           <a:prstGeom prst="rect">
             <a:avLst/>
@@ -3006,7 +2515,7 @@
             <a:noAutofit/>
           </a:bodyPr>
           <a:lstStyle>
-            <a:lvl1pPr indent="0" algn="r" defTabSz="914400">
+            <a:lvl1pPr indent="0" algn="ctr" defTabSz="914400">
               <a:lnSpc>
                 <a:spcPct val="100000"/>
               </a:lnSpc>
@@ -3014,7 +2523,7 @@
               <a:tabLst>
                 <a:tab algn="l" pos="0"/>
               </a:tabLst>
-              <a:defRPr b="0" lang="en-SE" sz="1200" strike="noStrike" u="none">
+              <a:defRPr b="0" lang="sv-SE" sz="1200" strike="noStrike" u="none">
                 <a:solidFill>
                   <a:schemeClr val="lt1">
                     <a:tint val="82000"/>
@@ -3027,7 +2536,7 @@
             </a:lvl1pPr>
           </a:lstStyle>
           <a:p>
-            <a:pPr indent="0" algn="r" defTabSz="914400">
+            <a:pPr indent="0" algn="ctr" defTabSz="914400">
               <a:lnSpc>
                 <a:spcPct val="100000"/>
               </a:lnSpc>
@@ -3036,8 +2545,8 @@
                 <a:tab algn="l" pos="0"/>
               </a:tabLst>
             </a:pPr>
-            <a:fld id="{D2CCBAD7-2F0F-46F2-A22B-CC0680A82BC3}" type="slidenum">
-              <a:rPr b="0" lang="en-SE" sz="1200" strike="noStrike" u="none">
+            <a:r>
+              <a:rPr b="0" lang="sv-SE" sz="1200" strike="noStrike" u="none">
                 <a:solidFill>
                   <a:schemeClr val="lt1">
                     <a:tint val="82000"/>
@@ -3047,8 +2556,8 @@
                 <a:uFillTx/>
                 <a:latin typeface="Aptos"/>
               </a:rPr>
-              <a:t>1</a:t>
-            </a:fld>
+              <a:t>Björn Sundling  bjorn.sundling@advania.com</a:t>
+            </a:r>
             <a:endParaRPr b="0" lang="sv-SE" sz="1200" strike="noStrike" u="none">
               <a:solidFill>
                 <a:srgbClr val="ffffff"/>
@@ -3062,18 +2571,18 @@
       </p:sp>
       <p:sp>
         <p:nvSpPr>
-          <p:cNvPr id="14" name="PlaceHolder 3"/>
-          <p:cNvSpPr>
-            <a:spLocks noGrp="1"/>
-          </p:cNvSpPr>
-          <p:nvPr>
-            <p:ph type="dt" idx="5"/>
+          <p:cNvPr id="12" name="PlaceHolder 3"/>
+          <p:cNvSpPr>
+            <a:spLocks noGrp="1"/>
+          </p:cNvSpPr>
+          <p:nvPr>
+            <p:ph type="sldNum" idx="4"/>
           </p:nvPr>
         </p:nvSpPr>
         <p:spPr>
           <a:xfrm>
-            <a:off x="838080" y="6356520"/>
-            <a:ext cx="2742480" cy="364320"/>
+            <a:off x="8610480" y="6356520"/>
+            <a:ext cx="2742120" cy="363960"/>
           </a:xfrm>
           <a:prstGeom prst="rect">
             <a:avLst/>
@@ -3084,38 +2593,54 @@
           </a:ln>
         </p:spPr>
         <p:txBody>
-          <a:bodyPr lIns="90000" rIns="90000" tIns="45000" bIns="45000" anchor="t">
+          <a:bodyPr lIns="91440" rIns="91440" tIns="45720" bIns="45720" anchor="ctr">
             <a:noAutofit/>
           </a:bodyPr>
           <a:lstStyle>
-            <a:lvl1pPr indent="0">
+            <a:lvl1pPr indent="0" algn="r" defTabSz="914400">
+              <a:lnSpc>
+                <a:spcPct val="100000"/>
+              </a:lnSpc>
               <a:buNone/>
-              <a:defRPr b="0" lang="sv-SE" sz="1400" strike="noStrike" u="none">
-                <a:solidFill>
-                  <a:srgbClr val="ffffff"/>
-                </a:solidFill>
-                <a:effectLst/>
-                <a:uFillTx/>
-                <a:latin typeface="Times New Roman"/>
+              <a:tabLst>
+                <a:tab algn="l" pos="0"/>
+              </a:tabLst>
+              <a:defRPr b="0" lang="en-SE" sz="1200" strike="noStrike" u="none">
+                <a:solidFill>
+                  <a:schemeClr val="lt1">
+                    <a:tint val="82000"/>
+                  </a:schemeClr>
+                </a:solidFill>
+                <a:effectLst/>
+                <a:uFillTx/>
+                <a:latin typeface="Aptos"/>
               </a:defRPr>
             </a:lvl1pPr>
           </a:lstStyle>
           <a:p>
-            <a:pPr indent="0">
+            <a:pPr indent="0" algn="r" defTabSz="914400">
+              <a:lnSpc>
+                <a:spcPct val="100000"/>
+              </a:lnSpc>
               <a:buNone/>
-            </a:pPr>
-            <a:r>
-              <a:rPr b="0" lang="sv-SE" sz="1400" strike="noStrike" u="none">
-                <a:solidFill>
-                  <a:srgbClr val="ffffff"/>
-                </a:solidFill>
-                <a:effectLst/>
-                <a:uFillTx/>
-                <a:latin typeface="Times New Roman"/>
-              </a:rPr>
-              <a:t> </a:t>
-            </a:r>
-            <a:endParaRPr b="0" lang="sv-SE" sz="1400" strike="noStrike" u="none">
+              <a:tabLst>
+                <a:tab algn="l" pos="0"/>
+              </a:tabLst>
+            </a:pPr>
+            <a:fld id="{44376A75-178B-4F4F-BCA6-EC73E20AC623}" type="slidenum">
+              <a:rPr b="0" lang="en-SE" sz="1200" strike="noStrike" u="none">
+                <a:solidFill>
+                  <a:schemeClr val="lt1">
+                    <a:tint val="82000"/>
+                  </a:schemeClr>
+                </a:solidFill>
+                <a:effectLst/>
+                <a:uFillTx/>
+                <a:latin typeface="Aptos"/>
+              </a:rPr>
+              <a:t>36</a:t>
+            </a:fld>
+            <a:endParaRPr b="0" lang="sv-SE" sz="1200" strike="noStrike" u="none">
               <a:solidFill>
                 <a:srgbClr val="ffffff"/>
               </a:solidFill>
@@ -3128,60 +2653,7 @@
       </p:sp>
       <p:sp>
         <p:nvSpPr>
-          <p:cNvPr id="15" name="PlaceHolder 4"/>
-          <p:cNvSpPr>
-            <a:spLocks noGrp="1"/>
-          </p:cNvSpPr>
-          <p:nvPr>
-            <p:ph type="title"/>
-          </p:nvPr>
-        </p:nvSpPr>
-        <p:spPr>
-          <a:xfrm>
-            <a:off x="609480" y="273600"/>
-            <a:ext cx="10972440" cy="1144800"/>
-          </a:xfrm>
-          <a:prstGeom prst="rect">
-            <a:avLst/>
-          </a:prstGeom>
-          <a:noFill/>
-          <a:ln w="0">
-            <a:noFill/>
-          </a:ln>
-        </p:spPr>
-        <p:txBody>
-          <a:bodyPr lIns="0" rIns="0" tIns="0" bIns="0" anchor="ctr">
-            <a:noAutofit/>
-          </a:bodyPr>
-          <a:p>
-            <a:pPr indent="0" algn="ctr">
-              <a:buNone/>
-            </a:pPr>
-            <a:r>
-              <a:rPr b="0" lang="sv-SE" sz="4400" strike="noStrike" u="none">
-                <a:solidFill>
-                  <a:srgbClr val="ffffff"/>
-                </a:solidFill>
-                <a:effectLst/>
-                <a:uFillTx/>
-                <a:latin typeface="Arial"/>
-              </a:rPr>
-              <a:t>Click to edit the title text format</a:t>
-            </a:r>
-            <a:endParaRPr b="0" lang="sv-SE" sz="4400" strike="noStrike" u="none">
-              <a:solidFill>
-                <a:srgbClr val="ffffff"/>
-              </a:solidFill>
-              <a:effectLst/>
-              <a:uFillTx/>
-              <a:latin typeface="Arial"/>
-            </a:endParaRPr>
-          </a:p>
-        </p:txBody>
-      </p:sp>
-      <p:sp>
-        <p:nvSpPr>
-          <p:cNvPr id="16" name="PlaceHolder 5"/>
+          <p:cNvPr id="13" name="PlaceHolder 4"/>
           <p:cNvSpPr>
             <a:spLocks noGrp="1"/>
           </p:cNvSpPr>
@@ -3434,9 +2906,533 @@
       </p:sp>
     </p:spTree>
   </p:cSld>
+</p:sldLayout>
+</file>
+
+<file path=ppt/slideLayouts/slideLayout3.xml><?xml version="1.0" encoding="utf-8"?>
+<p:sldLayout xmlns:a="http://schemas.openxmlformats.org/drawingml/2006/main" xmlns:p="http://schemas.openxmlformats.org/presentationml/2006/main" xmlns:r="http://schemas.openxmlformats.org/officeDocument/2006/relationships" xmlns:p14="http://schemas.microsoft.com/office/powerpoint/2010/main" xmlns:p15="http://schemas.microsoft.com/office/powerpoint/2012/main" xmlns:mc="http://schemas.openxmlformats.org/markup-compatibility/2006" type="blank" preserve="1">
+  <p:cSld name="Default">
+    <p:bg>
+      <p:bgPr>
+        <a:gradFill rotWithShape="0">
+          <a:gsLst>
+            <a:gs pos="13000">
+              <a:srgbClr val="43454b"/>
+            </a:gs>
+            <a:gs pos="95000">
+              <a:srgbClr val="8e919a"/>
+            </a:gs>
+          </a:gsLst>
+          <a:lin ang="2700000"/>
+        </a:gradFill>
+      </p:bgPr>
+    </p:bg>
+    <p:spTree>
+      <p:nvGrpSpPr>
+        <p:cNvPr id="1" name=""/>
+        <p:cNvGrpSpPr/>
+        <p:nvPr/>
+      </p:nvGrpSpPr>
+      <p:grpSpPr>
+        <a:xfrm>
+          <a:off x="0" y="0"/>
+          <a:ext cx="0" cy="0"/>
+          <a:chOff x="0" y="0"/>
+          <a:chExt cx="0" cy="0"/>
+        </a:xfrm>
+      </p:grpSpPr>
+      <p:pic>
+        <p:nvPicPr>
+          <p:cNvPr id="14" name="Picture 11" descr=""/>
+          <p:cNvPicPr/>
+          <p:nvPr/>
+        </p:nvPicPr>
+        <p:blipFill>
+          <a:blip r:embed="rId2"/>
+          <a:stretch/>
+        </p:blipFill>
+        <p:spPr>
+          <a:xfrm>
+            <a:off x="779400" y="6289200"/>
+            <a:ext cx="1429200" cy="430920"/>
+          </a:xfrm>
+          <a:prstGeom prst="rect">
+            <a:avLst/>
+          </a:prstGeom>
+          <a:noFill/>
+          <a:ln w="0">
+            <a:noFill/>
+          </a:ln>
+        </p:spPr>
+      </p:pic>
+      <p:pic>
+        <p:nvPicPr>
+          <p:cNvPr id="15" name="Picture 3" descr=""/>
+          <p:cNvPicPr/>
+          <p:nvPr/>
+        </p:nvPicPr>
+        <p:blipFill>
+          <a:blip r:embed="rId3">
+            <a:alphaModFix amt="20000"/>
+          </a:blip>
+          <a:stretch/>
+        </p:blipFill>
+        <p:spPr>
+          <a:xfrm>
+            <a:off x="10184760" y="5404680"/>
+            <a:ext cx="1543680" cy="1543680"/>
+          </a:xfrm>
+          <a:prstGeom prst="rect">
+            <a:avLst/>
+          </a:prstGeom>
+          <a:noFill/>
+          <a:ln w="0">
+            <a:noFill/>
+          </a:ln>
+        </p:spPr>
+      </p:pic>
+      <p:sp>
+        <p:nvSpPr>
+          <p:cNvPr id="16" name="PlaceHolder 1"/>
+          <p:cNvSpPr>
+            <a:spLocks noGrp="1"/>
+          </p:cNvSpPr>
+          <p:nvPr>
+            <p:ph type="ftr" idx="5"/>
+          </p:nvPr>
+        </p:nvSpPr>
+        <p:spPr>
+          <a:xfrm>
+            <a:off x="4038480" y="6356520"/>
+            <a:ext cx="4113720" cy="363960"/>
+          </a:xfrm>
+          <a:prstGeom prst="rect">
+            <a:avLst/>
+          </a:prstGeom>
+          <a:noFill/>
+          <a:ln w="0">
+            <a:noFill/>
+          </a:ln>
+        </p:spPr>
+        <p:txBody>
+          <a:bodyPr lIns="91440" rIns="91440" tIns="45720" bIns="45720" anchor="ctr">
+            <a:noAutofit/>
+          </a:bodyPr>
+          <a:lstStyle>
+            <a:lvl1pPr indent="0" algn="ctr" defTabSz="914400">
+              <a:lnSpc>
+                <a:spcPct val="100000"/>
+              </a:lnSpc>
+              <a:buNone/>
+              <a:tabLst>
+                <a:tab algn="l" pos="0"/>
+              </a:tabLst>
+              <a:defRPr b="0" lang="sv-SE" sz="1200" strike="noStrike" u="none">
+                <a:solidFill>
+                  <a:schemeClr val="lt1">
+                    <a:tint val="82000"/>
+                  </a:schemeClr>
+                </a:solidFill>
+                <a:effectLst/>
+                <a:uFillTx/>
+                <a:latin typeface="Aptos"/>
+              </a:defRPr>
+            </a:lvl1pPr>
+          </a:lstStyle>
+          <a:p>
+            <a:pPr indent="0" algn="ctr" defTabSz="914400">
+              <a:lnSpc>
+                <a:spcPct val="100000"/>
+              </a:lnSpc>
+              <a:buNone/>
+              <a:tabLst>
+                <a:tab algn="l" pos="0"/>
+              </a:tabLst>
+            </a:pPr>
+            <a:r>
+              <a:rPr b="0" lang="sv-SE" sz="1200" strike="noStrike" u="none">
+                <a:solidFill>
+                  <a:schemeClr val="lt1">
+                    <a:tint val="82000"/>
+                  </a:schemeClr>
+                </a:solidFill>
+                <a:effectLst/>
+                <a:uFillTx/>
+                <a:latin typeface="Aptos"/>
+              </a:rPr>
+              <a:t>&lt;footer&gt;</a:t>
+            </a:r>
+            <a:endParaRPr b="0" lang="sv-SE" sz="1200" strike="noStrike" u="none">
+              <a:solidFill>
+                <a:srgbClr val="ffffff"/>
+              </a:solidFill>
+              <a:effectLst/>
+              <a:uFillTx/>
+              <a:latin typeface="Times New Roman"/>
+            </a:endParaRPr>
+          </a:p>
+        </p:txBody>
+      </p:sp>
+      <p:sp>
+        <p:nvSpPr>
+          <p:cNvPr id="17" name="PlaceHolder 2"/>
+          <p:cNvSpPr>
+            <a:spLocks noGrp="1"/>
+          </p:cNvSpPr>
+          <p:nvPr>
+            <p:ph type="sldNum" idx="6"/>
+          </p:nvPr>
+        </p:nvSpPr>
+        <p:spPr>
+          <a:xfrm>
+            <a:off x="8610480" y="6356520"/>
+            <a:ext cx="2742120" cy="363960"/>
+          </a:xfrm>
+          <a:prstGeom prst="rect">
+            <a:avLst/>
+          </a:prstGeom>
+          <a:noFill/>
+          <a:ln w="0">
+            <a:noFill/>
+          </a:ln>
+        </p:spPr>
+        <p:txBody>
+          <a:bodyPr lIns="91440" rIns="91440" tIns="45720" bIns="45720" anchor="ctr">
+            <a:noAutofit/>
+          </a:bodyPr>
+          <a:lstStyle>
+            <a:lvl1pPr indent="0" algn="r" defTabSz="914400">
+              <a:lnSpc>
+                <a:spcPct val="100000"/>
+              </a:lnSpc>
+              <a:buNone/>
+              <a:tabLst>
+                <a:tab algn="l" pos="0"/>
+              </a:tabLst>
+              <a:defRPr b="0" lang="en-SE" sz="1200" strike="noStrike" u="none">
+                <a:solidFill>
+                  <a:schemeClr val="lt1">
+                    <a:tint val="82000"/>
+                  </a:schemeClr>
+                </a:solidFill>
+                <a:effectLst/>
+                <a:uFillTx/>
+                <a:latin typeface="Aptos"/>
+              </a:defRPr>
+            </a:lvl1pPr>
+          </a:lstStyle>
+          <a:p>
+            <a:pPr indent="0" algn="r" defTabSz="914400">
+              <a:lnSpc>
+                <a:spcPct val="100000"/>
+              </a:lnSpc>
+              <a:buNone/>
+              <a:tabLst>
+                <a:tab algn="l" pos="0"/>
+              </a:tabLst>
+            </a:pPr>
+            <a:fld id="{D7C63BB7-DC6C-4771-B24D-16F350F2309D}" type="slidenum">
+              <a:rPr b="0" lang="en-SE" sz="1200" strike="noStrike" u="none">
+                <a:solidFill>
+                  <a:schemeClr val="lt1">
+                    <a:tint val="82000"/>
+                  </a:schemeClr>
+                </a:solidFill>
+                <a:effectLst/>
+                <a:uFillTx/>
+                <a:latin typeface="Aptos"/>
+              </a:rPr>
+              <a:t>&lt;number&gt;</a:t>
+            </a:fld>
+            <a:endParaRPr b="0" lang="sv-SE" sz="1200" strike="noStrike" u="none">
+              <a:solidFill>
+                <a:srgbClr val="ffffff"/>
+              </a:solidFill>
+              <a:effectLst/>
+              <a:uFillTx/>
+              <a:latin typeface="Times New Roman"/>
+            </a:endParaRPr>
+          </a:p>
+        </p:txBody>
+      </p:sp>
+    </p:spTree>
+  </p:cSld>
+</p:sldLayout>
+</file>
+
+<file path=ppt/slideLayouts/slideLayout4.xml><?xml version="1.0" encoding="utf-8"?>
+<p:sldLayout xmlns:a="http://schemas.openxmlformats.org/drawingml/2006/main" xmlns:p="http://schemas.openxmlformats.org/presentationml/2006/main" xmlns:r="http://schemas.openxmlformats.org/officeDocument/2006/relationships" xmlns:p14="http://schemas.microsoft.com/office/powerpoint/2010/main" xmlns:p15="http://schemas.microsoft.com/office/powerpoint/2012/main" xmlns:mc="http://schemas.openxmlformats.org/markup-compatibility/2006" type="blank" preserve="1">
+  <p:cSld name="Title and Text">
+    <p:spTree>
+      <p:nvGrpSpPr>
+        <p:cNvPr id="1" name=""/>
+        <p:cNvGrpSpPr/>
+        <p:nvPr/>
+      </p:nvGrpSpPr>
+      <p:grpSpPr>
+        <a:xfrm>
+          <a:off x="0" y="0"/>
+          <a:ext cx="0" cy="0"/>
+          <a:chOff x="0" y="0"/>
+          <a:chExt cx="0" cy="0"/>
+        </a:xfrm>
+      </p:grpSpPr>
+      <p:sp>
+        <p:nvSpPr>
+          <p:cNvPr id="2" name="PlaceHolder 1"/>
+          <p:cNvSpPr>
+            <a:spLocks noGrp="1"/>
+          </p:cNvSpPr>
+          <p:nvPr>
+            <p:ph type="ftr" idx="7"/>
+          </p:nvPr>
+        </p:nvSpPr>
+        <p:spPr/>
+        <p:txBody>
+          <a:bodyPr/>
+          <a:p>
+            <a:r>
+              <a:t>Footer</a:t>
+            </a:r>
+          </a:p>
+        </p:txBody>
+      </p:sp>
+      <p:sp>
+        <p:nvSpPr>
+          <p:cNvPr id="3" name="PlaceHolder 2"/>
+          <p:cNvSpPr>
+            <a:spLocks noGrp="1"/>
+          </p:cNvSpPr>
+          <p:nvPr>
+            <p:ph type="sldNum" idx="8"/>
+          </p:nvPr>
+        </p:nvSpPr>
+        <p:spPr/>
+        <p:txBody>
+          <a:bodyPr/>
+          <a:p>
+            <a:fld id="{01D097E8-F7FB-456E-BB48-73ACA8C09B6F}" type="slidenum">
+              <a:t>&lt;#&gt;</a:t>
+            </a:fld>
+          </a:p>
+        </p:txBody>
+      </p:sp>
+      <p:sp>
+        <p:nvSpPr>
+          <p:cNvPr id="4" name="PlaceHolder 3"/>
+          <p:cNvSpPr>
+            <a:spLocks noGrp="1"/>
+          </p:cNvSpPr>
+          <p:nvPr>
+            <p:ph type="dt" idx="9"/>
+          </p:nvPr>
+        </p:nvSpPr>
+        <p:spPr/>
+        <p:txBody>
+          <a:bodyPr/>
+          <a:p>
+            <a:r>
+              <a:rPr lang="sv-SE"/>
+              <a:t/>
+            </a:r>
+          </a:p>
+        </p:txBody>
+      </p:sp>
+    </p:spTree>
+  </p:cSld>
+</p:sldLayout>
+</file>
+
+<file path=ppt/slideLayouts/slideLayout5.xml><?xml version="1.0" encoding="utf-8"?>
+<p:sldLayout xmlns:a="http://schemas.openxmlformats.org/drawingml/2006/main" xmlns:p="http://schemas.openxmlformats.org/presentationml/2006/main" xmlns:r="http://schemas.openxmlformats.org/officeDocument/2006/relationships" xmlns:p14="http://schemas.microsoft.com/office/powerpoint/2010/main" xmlns:p15="http://schemas.microsoft.com/office/powerpoint/2012/main" xmlns:mc="http://schemas.openxmlformats.org/markup-compatibility/2006" type="blank" preserve="1">
+  <p:cSld name="Section Header">
+    <p:spTree>
+      <p:nvGrpSpPr>
+        <p:cNvPr id="1" name=""/>
+        <p:cNvGrpSpPr/>
+        <p:nvPr/>
+      </p:nvGrpSpPr>
+      <p:grpSpPr>
+        <a:xfrm>
+          <a:off x="0" y="0"/>
+          <a:ext cx="0" cy="0"/>
+          <a:chOff x="0" y="0"/>
+          <a:chExt cx="0" cy="0"/>
+        </a:xfrm>
+      </p:grpSpPr>
+      <p:sp>
+        <p:nvSpPr>
+          <p:cNvPr id="2" name="PlaceHolder 1"/>
+          <p:cNvSpPr>
+            <a:spLocks noGrp="1"/>
+          </p:cNvSpPr>
+          <p:nvPr>
+            <p:ph type="ftr" idx="10"/>
+          </p:nvPr>
+        </p:nvSpPr>
+        <p:spPr/>
+        <p:txBody>
+          <a:bodyPr/>
+          <a:p>
+            <a:r>
+              <a:t>Footer</a:t>
+            </a:r>
+          </a:p>
+        </p:txBody>
+      </p:sp>
+      <p:sp>
+        <p:nvSpPr>
+          <p:cNvPr id="3" name="PlaceHolder 2"/>
+          <p:cNvSpPr>
+            <a:spLocks noGrp="1"/>
+          </p:cNvSpPr>
+          <p:nvPr>
+            <p:ph type="sldNum" idx="11"/>
+          </p:nvPr>
+        </p:nvSpPr>
+        <p:spPr/>
+        <p:txBody>
+          <a:bodyPr/>
+          <a:p>
+            <a:fld id="{2CF52632-1DA5-4538-B25E-24E4747D2419}" type="slidenum">
+              <a:t>&lt;#&gt;</a:t>
+            </a:fld>
+          </a:p>
+        </p:txBody>
+      </p:sp>
+      <p:sp>
+        <p:nvSpPr>
+          <p:cNvPr id="4" name="PlaceHolder 3"/>
+          <p:cNvSpPr>
+            <a:spLocks noGrp="1"/>
+          </p:cNvSpPr>
+          <p:nvPr>
+            <p:ph type="dt" idx="12"/>
+          </p:nvPr>
+        </p:nvSpPr>
+        <p:spPr/>
+        <p:txBody>
+          <a:bodyPr/>
+          <a:p>
+            <a:r>
+              <a:rPr lang="sv-SE"/>
+              <a:t/>
+            </a:r>
+          </a:p>
+        </p:txBody>
+      </p:sp>
+    </p:spTree>
+  </p:cSld>
+</p:sldLayout>
+</file>
+
+<file path=ppt/slideLayouts/slideLayout6.xml><?xml version="1.0" encoding="utf-8"?>
+<p:sldLayout xmlns:a="http://schemas.openxmlformats.org/drawingml/2006/main" xmlns:p="http://schemas.openxmlformats.org/presentationml/2006/main" xmlns:r="http://schemas.openxmlformats.org/officeDocument/2006/relationships" xmlns:p14="http://schemas.microsoft.com/office/powerpoint/2010/main" xmlns:p15="http://schemas.microsoft.com/office/powerpoint/2012/main" xmlns:mc="http://schemas.openxmlformats.org/markup-compatibility/2006" type="blank" preserve="1">
+  <p:cSld name="Content with Caption">
+    <p:spTree>
+      <p:nvGrpSpPr>
+        <p:cNvPr id="1" name=""/>
+        <p:cNvGrpSpPr/>
+        <p:nvPr/>
+      </p:nvGrpSpPr>
+      <p:grpSpPr>
+        <a:xfrm>
+          <a:off x="0" y="0"/>
+          <a:ext cx="0" cy="0"/>
+          <a:chOff x="0" y="0"/>
+          <a:chExt cx="0" cy="0"/>
+        </a:xfrm>
+      </p:grpSpPr>
+      <p:sp>
+        <p:nvSpPr>
+          <p:cNvPr id="2" name="PlaceHolder 1"/>
+          <p:cNvSpPr>
+            <a:spLocks noGrp="1"/>
+          </p:cNvSpPr>
+          <p:nvPr>
+            <p:ph type="ftr" idx="13"/>
+          </p:nvPr>
+        </p:nvSpPr>
+        <p:spPr/>
+        <p:txBody>
+          <a:bodyPr/>
+          <a:p>
+            <a:r>
+              <a:t>Footer</a:t>
+            </a:r>
+          </a:p>
+        </p:txBody>
+      </p:sp>
+      <p:sp>
+        <p:nvSpPr>
+          <p:cNvPr id="3" name="PlaceHolder 2"/>
+          <p:cNvSpPr>
+            <a:spLocks noGrp="1"/>
+          </p:cNvSpPr>
+          <p:nvPr>
+            <p:ph type="sldNum" idx="14"/>
+          </p:nvPr>
+        </p:nvSpPr>
+        <p:spPr/>
+        <p:txBody>
+          <a:bodyPr/>
+          <a:p>
+            <a:fld id="{85639016-DBD9-4BD1-B3AC-B54177F0B6DF}" type="slidenum">
+              <a:t>&lt;#&gt;</a:t>
+            </a:fld>
+          </a:p>
+        </p:txBody>
+      </p:sp>
+      <p:sp>
+        <p:nvSpPr>
+          <p:cNvPr id="4" name="PlaceHolder 3"/>
+          <p:cNvSpPr>
+            <a:spLocks noGrp="1"/>
+          </p:cNvSpPr>
+          <p:nvPr>
+            <p:ph type="dt" idx="15"/>
+          </p:nvPr>
+        </p:nvSpPr>
+        <p:spPr/>
+        <p:txBody>
+          <a:bodyPr/>
+          <a:p>
+            <a:r>
+              <a:rPr lang="sv-SE"/>
+              <a:t/>
+            </a:r>
+          </a:p>
+        </p:txBody>
+      </p:sp>
+    </p:spTree>
+  </p:cSld>
+</p:sldLayout>
+</file>
+
+<file path=ppt/slideMasters/slideMaster1.xml><?xml version="1.0" encoding="utf-8"?>
+<p:sldMaster xmlns:a="http://schemas.openxmlformats.org/drawingml/2006/main" xmlns:p="http://schemas.openxmlformats.org/presentationml/2006/main" xmlns:r="http://schemas.openxmlformats.org/officeDocument/2006/relationships" xmlns:p14="http://schemas.microsoft.com/office/powerpoint/2010/main" xmlns:p15="http://schemas.microsoft.com/office/powerpoint/2012/main" xmlns:mc="http://schemas.openxmlformats.org/markup-compatibility/2006">
+  <p:cSld>
+    <p:spTree>
+      <p:nvGrpSpPr>
+        <p:cNvPr id="1" name=""/>
+        <p:cNvGrpSpPr/>
+        <p:nvPr/>
+      </p:nvGrpSpPr>
+      <p:grpSpPr>
+        <a:xfrm>
+          <a:off x="0" y="0"/>
+          <a:ext cx="0" cy="0"/>
+          <a:chOff x="0" y="0"/>
+          <a:chExt cx="0" cy="0"/>
+        </a:xfrm>
+      </p:grpSpPr>
+    </p:spTree>
+  </p:cSld>
   <p:clrMap bg1="lt1" tx1="dk1" bg2="lt2" tx2="dk2" accent1="accent1" accent2="accent2" accent3="accent3" accent4="accent4" accent5="accent5" accent6="accent6" hlink="hlink" folHlink="folHlink"/>
   <p:sldLayoutIdLst>
-    <p:sldLayoutId id="2147483652" r:id="rId4"/>
+    <p:sldLayoutId id="2147483649" r:id="rId2"/>
+    <p:sldLayoutId id="2147483650" r:id="rId3"/>
+    <p:sldLayoutId id="2147483651" r:id="rId4"/>
   </p:sldLayoutIdLst>
 </p:sldMaster>
 </file>
@@ -3475,7 +3471,7 @@
       </p:grpSpPr>
       <p:pic>
         <p:nvPicPr>
-          <p:cNvPr id="17" name="Picture 11" descr=""/>
+          <p:cNvPr id="18" name="Picture 11" descr=""/>
           <p:cNvPicPr/>
           <p:nvPr/>
         </p:nvPicPr>
@@ -3486,7 +3482,7 @@
         <p:spPr>
           <a:xfrm>
             <a:off x="779400" y="6289200"/>
-            <a:ext cx="1429560" cy="431280"/>
+            <a:ext cx="1429200" cy="430920"/>
           </a:xfrm>
           <a:prstGeom prst="rect">
             <a:avLst/>
@@ -3499,7 +3495,7 @@
       </p:pic>
       <p:pic>
         <p:nvPicPr>
-          <p:cNvPr id="18" name="Picture 3" descr=""/>
+          <p:cNvPr id="19" name="Picture 3" descr=""/>
           <p:cNvPicPr/>
           <p:nvPr/>
         </p:nvPicPr>
@@ -3512,7 +3508,7 @@
         <p:spPr>
           <a:xfrm>
             <a:off x="10184760" y="5404680"/>
-            <a:ext cx="1544040" cy="1544040"/>
+            <a:ext cx="1543680" cy="1543680"/>
           </a:xfrm>
           <a:prstGeom prst="rect">
             <a:avLst/>
@@ -3525,18 +3521,18 @@
       </p:pic>
       <p:sp>
         <p:nvSpPr>
-          <p:cNvPr id="19" name="PlaceHolder 1"/>
-          <p:cNvSpPr>
-            <a:spLocks noGrp="1"/>
-          </p:cNvSpPr>
-          <p:nvPr>
-            <p:ph type="ftr" idx="6"/>
+          <p:cNvPr id="20" name="PlaceHolder 1"/>
+          <p:cNvSpPr>
+            <a:spLocks noGrp="1"/>
+          </p:cNvSpPr>
+          <p:nvPr>
+            <p:ph type="ftr" idx="7"/>
           </p:nvPr>
         </p:nvSpPr>
         <p:spPr>
           <a:xfrm>
             <a:off x="4038480" y="6356520"/>
-            <a:ext cx="4114080" cy="364320"/>
+            <a:ext cx="4113720" cy="363960"/>
           </a:xfrm>
           <a:prstGeom prst="rect">
             <a:avLst/>
@@ -3592,7 +3588,7 @@
                 <a:uFillTx/>
                 <a:latin typeface="Aptos"/>
               </a:rPr>
-              <a:t> </a:t>
+              <a:t>&lt;footer&gt;</a:t>
             </a:r>
             <a:endParaRPr b="0" lang="sv-SE" sz="1200" strike="noStrike" u="none">
               <a:solidFill>
@@ -3607,18 +3603,18 @@
       </p:sp>
       <p:sp>
         <p:nvSpPr>
-          <p:cNvPr id="20" name="PlaceHolder 2"/>
-          <p:cNvSpPr>
-            <a:spLocks noGrp="1"/>
-          </p:cNvSpPr>
-          <p:nvPr>
-            <p:ph type="sldNum" idx="7"/>
+          <p:cNvPr id="21" name="PlaceHolder 2"/>
+          <p:cNvSpPr>
+            <a:spLocks noGrp="1"/>
+          </p:cNvSpPr>
+          <p:nvPr>
+            <p:ph type="sldNum" idx="8"/>
           </p:nvPr>
         </p:nvSpPr>
         <p:spPr>
           <a:xfrm>
             <a:off x="8610480" y="6356520"/>
-            <a:ext cx="2742480" cy="364320"/>
+            <a:ext cx="2742120" cy="363960"/>
           </a:xfrm>
           <a:prstGeom prst="rect">
             <a:avLst/>
@@ -3663,7 +3659,7 @@
                 <a:tab algn="l" pos="0"/>
               </a:tabLst>
             </a:pPr>
-            <a:fld id="{29EE2568-1277-4F03-96CE-1D1C79B9F351}" type="slidenum">
+            <a:fld id="{60ED31DA-6C68-4B72-805C-25E0776120A2}" type="slidenum">
               <a:rPr b="0" lang="en-SE" sz="1200" strike="noStrike" u="none">
                 <a:solidFill>
                   <a:schemeClr val="lt1">
@@ -3674,7 +3670,7 @@
                 <a:uFillTx/>
                 <a:latin typeface="Aptos"/>
               </a:rPr>
-              <a:t>1</a:t>
+              <a:t>&lt;number&gt;</a:t>
             </a:fld>
             <a:endParaRPr b="0" lang="sv-SE" sz="1200" strike="noStrike" u="none">
               <a:solidFill>
@@ -3689,18 +3685,18 @@
       </p:sp>
       <p:sp>
         <p:nvSpPr>
-          <p:cNvPr id="21" name="PlaceHolder 3"/>
-          <p:cNvSpPr>
-            <a:spLocks noGrp="1"/>
-          </p:cNvSpPr>
-          <p:nvPr>
-            <p:ph type="dt" idx="8"/>
+          <p:cNvPr id="22" name="PlaceHolder 3"/>
+          <p:cNvSpPr>
+            <a:spLocks noGrp="1"/>
+          </p:cNvSpPr>
+          <p:nvPr>
+            <p:ph type="dt" idx="9"/>
           </p:nvPr>
         </p:nvSpPr>
         <p:spPr>
           <a:xfrm>
             <a:off x="838080" y="6356520"/>
-            <a:ext cx="2742480" cy="364320"/>
+            <a:ext cx="2742120" cy="363960"/>
           </a:xfrm>
           <a:prstGeom prst="rect">
             <a:avLst/>
@@ -3740,7 +3736,7 @@
                 <a:uFillTx/>
                 <a:latin typeface="Times New Roman"/>
               </a:rPr>
-              <a:t> </a:t>
+              <a:t>&lt;date/time&gt;</a:t>
             </a:r>
             <a:endParaRPr b="0" lang="sv-SE" sz="1400" strike="noStrike" u="none">
               <a:solidFill>
@@ -3755,7 +3751,7 @@
       </p:sp>
       <p:sp>
         <p:nvSpPr>
-          <p:cNvPr id="22" name="PlaceHolder 4"/>
+          <p:cNvPr id="23" name="PlaceHolder 4"/>
           <p:cNvSpPr>
             <a:spLocks noGrp="1"/>
           </p:cNvSpPr>
@@ -3808,7 +3804,7 @@
       </p:sp>
       <p:sp>
         <p:nvSpPr>
-          <p:cNvPr id="23" name="PlaceHolder 5"/>
+          <p:cNvPr id="24" name="PlaceHolder 5"/>
           <p:cNvSpPr>
             <a:spLocks noGrp="1"/>
           </p:cNvSpPr>
@@ -4063,7 +4059,7 @@
   </p:cSld>
   <p:clrMap bg1="lt1" tx1="dk1" bg2="lt2" tx2="dk2" accent1="accent1" accent2="accent2" accent3="accent3" accent4="accent4" accent5="accent5" accent6="accent6" hlink="hlink" folHlink="folHlink"/>
   <p:sldLayoutIdLst>
-    <p:sldLayoutId id="2147483654" r:id="rId4"/>
+    <p:sldLayoutId id="2147483653" r:id="rId4"/>
   </p:sldLayoutIdLst>
 </p:sldMaster>
 </file>
@@ -4102,7 +4098,7 @@
       </p:grpSpPr>
       <p:pic>
         <p:nvPicPr>
-          <p:cNvPr id="24" name="Picture 11" descr=""/>
+          <p:cNvPr id="25" name="Picture 11" descr=""/>
           <p:cNvPicPr/>
           <p:nvPr/>
         </p:nvPicPr>
@@ -4113,7 +4109,7 @@
         <p:spPr>
           <a:xfrm>
             <a:off x="779400" y="6289200"/>
-            <a:ext cx="1429560" cy="431280"/>
+            <a:ext cx="1429200" cy="430920"/>
           </a:xfrm>
           <a:prstGeom prst="rect">
             <a:avLst/>
@@ -4126,7 +4122,7 @@
       </p:pic>
       <p:pic>
         <p:nvPicPr>
-          <p:cNvPr id="25" name="Picture 3" descr=""/>
+          <p:cNvPr id="26" name="Picture 3" descr=""/>
           <p:cNvPicPr/>
           <p:nvPr/>
         </p:nvPicPr>
@@ -4139,7 +4135,7 @@
         <p:spPr>
           <a:xfrm>
             <a:off x="10184760" y="5404680"/>
-            <a:ext cx="1544040" cy="1544040"/>
+            <a:ext cx="1543680" cy="1543680"/>
           </a:xfrm>
           <a:prstGeom prst="rect">
             <a:avLst/>
@@ -4150,22 +4146,20 @@
           </a:ln>
         </p:spPr>
       </p:pic>
-      <p:pic>
-        <p:nvPicPr>
-          <p:cNvPr id="26" name="Picture 7" descr=""/>
-          <p:cNvPicPr/>
-          <p:nvPr/>
-        </p:nvPicPr>
-        <p:blipFill>
-          <a:blip r:embed="rId4">
-            <a:alphaModFix amt="70000"/>
-          </a:blip>
-          <a:stretch/>
-        </p:blipFill>
+      <p:sp>
+        <p:nvSpPr>
+          <p:cNvPr id="27" name="PlaceHolder 1"/>
+          <p:cNvSpPr>
+            <a:spLocks noGrp="1"/>
+          </p:cNvSpPr>
+          <p:nvPr>
+            <p:ph type="ftr" idx="10"/>
+          </p:nvPr>
+        </p:nvSpPr>
         <p:spPr>
           <a:xfrm>
-            <a:off x="5543280" y="457200"/>
-            <a:ext cx="5808240" cy="3441600"/>
+            <a:off x="4038480" y="6356520"/>
+            <a:ext cx="4113720" cy="363960"/>
           </a:xfrm>
           <a:prstGeom prst="rect">
             <a:avLst/>
@@ -4175,21 +4169,79 @@
             <a:noFill/>
           </a:ln>
         </p:spPr>
-      </p:pic>
-      <p:sp>
-        <p:nvSpPr>
-          <p:cNvPr id="27" name="PlaceHolder 1"/>
-          <p:cNvSpPr>
-            <a:spLocks noGrp="1"/>
-          </p:cNvSpPr>
-          <p:nvPr>
-            <p:ph type="ftr" idx="9"/>
+        <p:txBody>
+          <a:bodyPr lIns="91440" rIns="91440" tIns="45720" bIns="45720" anchor="ctr">
+            <a:noAutofit/>
+          </a:bodyPr>
+          <a:lstStyle>
+            <a:lvl1pPr indent="0" algn="ctr" defTabSz="914400">
+              <a:lnSpc>
+                <a:spcPct val="100000"/>
+              </a:lnSpc>
+              <a:buNone/>
+              <a:tabLst>
+                <a:tab algn="l" pos="0"/>
+              </a:tabLst>
+              <a:defRPr b="0" lang="sv-SE" sz="1200" strike="noStrike" u="none">
+                <a:solidFill>
+                  <a:schemeClr val="lt1">
+                    <a:tint val="82000"/>
+                  </a:schemeClr>
+                </a:solidFill>
+                <a:effectLst/>
+                <a:uFillTx/>
+                <a:latin typeface="Aptos"/>
+              </a:defRPr>
+            </a:lvl1pPr>
+          </a:lstStyle>
+          <a:p>
+            <a:pPr indent="0" algn="ctr" defTabSz="914400">
+              <a:lnSpc>
+                <a:spcPct val="100000"/>
+              </a:lnSpc>
+              <a:buNone/>
+              <a:tabLst>
+                <a:tab algn="l" pos="0"/>
+              </a:tabLst>
+            </a:pPr>
+            <a:r>
+              <a:rPr b="0" lang="sv-SE" sz="1200" strike="noStrike" u="none">
+                <a:solidFill>
+                  <a:schemeClr val="lt1">
+                    <a:tint val="82000"/>
+                  </a:schemeClr>
+                </a:solidFill>
+                <a:effectLst/>
+                <a:uFillTx/>
+                <a:latin typeface="Aptos"/>
+              </a:rPr>
+              <a:t> </a:t>
+            </a:r>
+            <a:endParaRPr b="0" lang="sv-SE" sz="1200" strike="noStrike" u="none">
+              <a:solidFill>
+                <a:srgbClr val="ffffff"/>
+              </a:solidFill>
+              <a:effectLst/>
+              <a:uFillTx/>
+              <a:latin typeface="Times New Roman"/>
+            </a:endParaRPr>
+          </a:p>
+        </p:txBody>
+      </p:sp>
+      <p:sp>
+        <p:nvSpPr>
+          <p:cNvPr id="28" name="PlaceHolder 2"/>
+          <p:cNvSpPr>
+            <a:spLocks noGrp="1"/>
+          </p:cNvSpPr>
+          <p:nvPr>
+            <p:ph type="sldNum" idx="11"/>
           </p:nvPr>
         </p:nvSpPr>
         <p:spPr>
           <a:xfrm>
-            <a:off x="4038480" y="6356520"/>
-            <a:ext cx="4114080" cy="364320"/>
+            <a:off x="8610480" y="6356520"/>
+            <a:ext cx="2742120" cy="363960"/>
           </a:xfrm>
           <a:prstGeom prst="rect">
             <a:avLst/>
@@ -4204,88 +4256,6 @@
             <a:noAutofit/>
           </a:bodyPr>
           <a:lstStyle>
-            <a:lvl1pPr indent="0" algn="ctr" defTabSz="914400">
-              <a:lnSpc>
-                <a:spcPct val="100000"/>
-              </a:lnSpc>
-              <a:buNone/>
-              <a:tabLst>
-                <a:tab algn="l" pos="0"/>
-              </a:tabLst>
-              <a:defRPr b="0" lang="sv-SE" sz="1200" strike="noStrike" u="none">
-                <a:solidFill>
-                  <a:schemeClr val="lt1">
-                    <a:tint val="82000"/>
-                  </a:schemeClr>
-                </a:solidFill>
-                <a:effectLst/>
-                <a:uFillTx/>
-                <a:latin typeface="Aptos"/>
-              </a:defRPr>
-            </a:lvl1pPr>
-          </a:lstStyle>
-          <a:p>
-            <a:pPr indent="0" algn="ctr" defTabSz="914400">
-              <a:lnSpc>
-                <a:spcPct val="100000"/>
-              </a:lnSpc>
-              <a:buNone/>
-              <a:tabLst>
-                <a:tab algn="l" pos="0"/>
-              </a:tabLst>
-            </a:pPr>
-            <a:r>
-              <a:rPr b="0" lang="sv-SE" sz="1200" strike="noStrike" u="none">
-                <a:solidFill>
-                  <a:schemeClr val="lt1">
-                    <a:tint val="82000"/>
-                  </a:schemeClr>
-                </a:solidFill>
-                <a:effectLst/>
-                <a:uFillTx/>
-                <a:latin typeface="Aptos"/>
-              </a:rPr>
-              <a:t> </a:t>
-            </a:r>
-            <a:endParaRPr b="0" lang="sv-SE" sz="1200" strike="noStrike" u="none">
-              <a:solidFill>
-                <a:srgbClr val="ffffff"/>
-              </a:solidFill>
-              <a:effectLst/>
-              <a:uFillTx/>
-              <a:latin typeface="Times New Roman"/>
-            </a:endParaRPr>
-          </a:p>
-        </p:txBody>
-      </p:sp>
-      <p:sp>
-        <p:nvSpPr>
-          <p:cNvPr id="28" name="PlaceHolder 2"/>
-          <p:cNvSpPr>
-            <a:spLocks noGrp="1"/>
-          </p:cNvSpPr>
-          <p:nvPr>
-            <p:ph type="sldNum" idx="10"/>
-          </p:nvPr>
-        </p:nvSpPr>
-        <p:spPr>
-          <a:xfrm>
-            <a:off x="8610480" y="6356520"/>
-            <a:ext cx="2742480" cy="364320"/>
-          </a:xfrm>
-          <a:prstGeom prst="rect">
-            <a:avLst/>
-          </a:prstGeom>
-          <a:noFill/>
-          <a:ln w="0">
-            <a:noFill/>
-          </a:ln>
-        </p:spPr>
-        <p:txBody>
-          <a:bodyPr lIns="91440" rIns="91440" tIns="45720" bIns="45720" anchor="ctr">
-            <a:noAutofit/>
-          </a:bodyPr>
-          <a:lstStyle>
             <a:lvl1pPr indent="0" algn="r" defTabSz="914400">
               <a:lnSpc>
                 <a:spcPct val="100000"/>
@@ -4316,7 +4286,7 @@
                 <a:tab algn="l" pos="0"/>
               </a:tabLst>
             </a:pPr>
-            <a:fld id="{DCC62E15-A182-468E-B619-E2CE1B7C325C}" type="slidenum">
+            <a:fld id="{D0806B25-3BF7-48F5-AA4A-E70D59726FD5}" type="slidenum">
               <a:rPr b="0" lang="en-SE" sz="1200" strike="noStrike" u="none">
                 <a:solidFill>
                   <a:schemeClr val="lt1">
@@ -4347,13 +4317,13 @@
             <a:spLocks noGrp="1"/>
           </p:cNvSpPr>
           <p:nvPr>
-            <p:ph type="dt" idx="11"/>
+            <p:ph type="dt" idx="12"/>
           </p:nvPr>
         </p:nvSpPr>
         <p:spPr>
           <a:xfrm>
             <a:off x="838080" y="6356520"/>
-            <a:ext cx="2742480" cy="364320"/>
+            <a:ext cx="2742120" cy="363960"/>
           </a:xfrm>
           <a:prstGeom prst="rect">
             <a:avLst/>
@@ -4716,7 +4686,660 @@
   </p:cSld>
   <p:clrMap bg1="lt1" tx1="dk1" bg2="lt2" tx2="dk2" accent1="accent1" accent2="accent2" accent3="accent3" accent4="accent4" accent5="accent5" accent6="accent6" hlink="hlink" folHlink="folHlink"/>
   <p:sldLayoutIdLst>
-    <p:sldLayoutId id="2147483656" r:id="rId5"/>
+    <p:sldLayoutId id="2147483655" r:id="rId4"/>
+  </p:sldLayoutIdLst>
+</p:sldMaster>
+</file>
+
+<file path=ppt/slideMasters/slideMaster5.xml><?xml version="1.0" encoding="utf-8"?>
+<p:sldMaster xmlns:a="http://schemas.openxmlformats.org/drawingml/2006/main" xmlns:p="http://schemas.openxmlformats.org/presentationml/2006/main" xmlns:r="http://schemas.openxmlformats.org/officeDocument/2006/relationships" xmlns:p14="http://schemas.microsoft.com/office/powerpoint/2010/main" xmlns:p15="http://schemas.microsoft.com/office/powerpoint/2012/main" xmlns:mc="http://schemas.openxmlformats.org/markup-compatibility/2006">
+  <p:cSld>
+    <p:bg>
+      <p:bgPr>
+        <a:gradFill rotWithShape="0">
+          <a:gsLst>
+            <a:gs pos="13000">
+              <a:srgbClr val="43454b"/>
+            </a:gs>
+            <a:gs pos="95000">
+              <a:srgbClr val="8e919a"/>
+            </a:gs>
+          </a:gsLst>
+          <a:lin ang="2700000"/>
+        </a:gradFill>
+      </p:bgPr>
+    </p:bg>
+    <p:spTree>
+      <p:nvGrpSpPr>
+        <p:cNvPr id="1" name=""/>
+        <p:cNvGrpSpPr/>
+        <p:nvPr/>
+      </p:nvGrpSpPr>
+      <p:grpSpPr>
+        <a:xfrm>
+          <a:off x="0" y="0"/>
+          <a:ext cx="0" cy="0"/>
+          <a:chOff x="0" y="0"/>
+          <a:chExt cx="0" cy="0"/>
+        </a:xfrm>
+      </p:grpSpPr>
+      <p:pic>
+        <p:nvPicPr>
+          <p:cNvPr id="32" name="Picture 11" descr=""/>
+          <p:cNvPicPr/>
+          <p:nvPr/>
+        </p:nvPicPr>
+        <p:blipFill>
+          <a:blip r:embed="rId2"/>
+          <a:stretch/>
+        </p:blipFill>
+        <p:spPr>
+          <a:xfrm>
+            <a:off x="779400" y="6289200"/>
+            <a:ext cx="1429200" cy="430920"/>
+          </a:xfrm>
+          <a:prstGeom prst="rect">
+            <a:avLst/>
+          </a:prstGeom>
+          <a:noFill/>
+          <a:ln w="0">
+            <a:noFill/>
+          </a:ln>
+        </p:spPr>
+      </p:pic>
+      <p:pic>
+        <p:nvPicPr>
+          <p:cNvPr id="33" name="Picture 3" descr=""/>
+          <p:cNvPicPr/>
+          <p:nvPr/>
+        </p:nvPicPr>
+        <p:blipFill>
+          <a:blip r:embed="rId3">
+            <a:alphaModFix amt="20000"/>
+          </a:blip>
+          <a:stretch/>
+        </p:blipFill>
+        <p:spPr>
+          <a:xfrm>
+            <a:off x="10184760" y="5404680"/>
+            <a:ext cx="1543680" cy="1543680"/>
+          </a:xfrm>
+          <a:prstGeom prst="rect">
+            <a:avLst/>
+          </a:prstGeom>
+          <a:noFill/>
+          <a:ln w="0">
+            <a:noFill/>
+          </a:ln>
+        </p:spPr>
+      </p:pic>
+      <p:pic>
+        <p:nvPicPr>
+          <p:cNvPr id="34" name="Picture 7" descr=""/>
+          <p:cNvPicPr/>
+          <p:nvPr/>
+        </p:nvPicPr>
+        <p:blipFill>
+          <a:blip r:embed="rId4">
+            <a:alphaModFix amt="70000"/>
+          </a:blip>
+          <a:stretch/>
+        </p:blipFill>
+        <p:spPr>
+          <a:xfrm>
+            <a:off x="5543280" y="457200"/>
+            <a:ext cx="5807880" cy="3441240"/>
+          </a:xfrm>
+          <a:prstGeom prst="rect">
+            <a:avLst/>
+          </a:prstGeom>
+          <a:noFill/>
+          <a:ln w="0">
+            <a:noFill/>
+          </a:ln>
+        </p:spPr>
+      </p:pic>
+      <p:sp>
+        <p:nvSpPr>
+          <p:cNvPr id="35" name="PlaceHolder 1"/>
+          <p:cNvSpPr>
+            <a:spLocks noGrp="1"/>
+          </p:cNvSpPr>
+          <p:nvPr>
+            <p:ph type="ftr" idx="13"/>
+          </p:nvPr>
+        </p:nvSpPr>
+        <p:spPr>
+          <a:xfrm>
+            <a:off x="4038480" y="6356520"/>
+            <a:ext cx="4113720" cy="363960"/>
+          </a:xfrm>
+          <a:prstGeom prst="rect">
+            <a:avLst/>
+          </a:prstGeom>
+          <a:noFill/>
+          <a:ln w="0">
+            <a:noFill/>
+          </a:ln>
+        </p:spPr>
+        <p:txBody>
+          <a:bodyPr lIns="91440" rIns="91440" tIns="45720" bIns="45720" anchor="ctr">
+            <a:noAutofit/>
+          </a:bodyPr>
+          <a:lstStyle>
+            <a:lvl1pPr indent="0" algn="ctr" defTabSz="914400">
+              <a:lnSpc>
+                <a:spcPct val="100000"/>
+              </a:lnSpc>
+              <a:buNone/>
+              <a:tabLst>
+                <a:tab algn="l" pos="0"/>
+              </a:tabLst>
+              <a:defRPr b="0" lang="sv-SE" sz="1200" strike="noStrike" u="none">
+                <a:solidFill>
+                  <a:schemeClr val="lt1">
+                    <a:tint val="82000"/>
+                  </a:schemeClr>
+                </a:solidFill>
+                <a:effectLst/>
+                <a:uFillTx/>
+                <a:latin typeface="Aptos"/>
+              </a:defRPr>
+            </a:lvl1pPr>
+          </a:lstStyle>
+          <a:p>
+            <a:pPr indent="0" algn="ctr" defTabSz="914400">
+              <a:lnSpc>
+                <a:spcPct val="100000"/>
+              </a:lnSpc>
+              <a:buNone/>
+              <a:tabLst>
+                <a:tab algn="l" pos="0"/>
+              </a:tabLst>
+            </a:pPr>
+            <a:r>
+              <a:rPr b="0" lang="sv-SE" sz="1200" strike="noStrike" u="none">
+                <a:solidFill>
+                  <a:schemeClr val="lt1">
+                    <a:tint val="82000"/>
+                  </a:schemeClr>
+                </a:solidFill>
+                <a:effectLst/>
+                <a:uFillTx/>
+                <a:latin typeface="Aptos"/>
+              </a:rPr>
+              <a:t> </a:t>
+            </a:r>
+            <a:endParaRPr b="0" lang="sv-SE" sz="1200" strike="noStrike" u="none">
+              <a:solidFill>
+                <a:srgbClr val="ffffff"/>
+              </a:solidFill>
+              <a:effectLst/>
+              <a:uFillTx/>
+              <a:latin typeface="Times New Roman"/>
+            </a:endParaRPr>
+          </a:p>
+        </p:txBody>
+      </p:sp>
+      <p:sp>
+        <p:nvSpPr>
+          <p:cNvPr id="36" name="PlaceHolder 2"/>
+          <p:cNvSpPr>
+            <a:spLocks noGrp="1"/>
+          </p:cNvSpPr>
+          <p:nvPr>
+            <p:ph type="sldNum" idx="14"/>
+          </p:nvPr>
+        </p:nvSpPr>
+        <p:spPr>
+          <a:xfrm>
+            <a:off x="8610480" y="6356520"/>
+            <a:ext cx="2742120" cy="363960"/>
+          </a:xfrm>
+          <a:prstGeom prst="rect">
+            <a:avLst/>
+          </a:prstGeom>
+          <a:noFill/>
+          <a:ln w="0">
+            <a:noFill/>
+          </a:ln>
+        </p:spPr>
+        <p:txBody>
+          <a:bodyPr lIns="91440" rIns="91440" tIns="45720" bIns="45720" anchor="ctr">
+            <a:noAutofit/>
+          </a:bodyPr>
+          <a:lstStyle>
+            <a:lvl1pPr indent="0" algn="r" defTabSz="914400">
+              <a:lnSpc>
+                <a:spcPct val="100000"/>
+              </a:lnSpc>
+              <a:buNone/>
+              <a:tabLst>
+                <a:tab algn="l" pos="0"/>
+              </a:tabLst>
+              <a:defRPr b="0" lang="en-SE" sz="1200" strike="noStrike" u="none">
+                <a:solidFill>
+                  <a:schemeClr val="lt1">
+                    <a:tint val="82000"/>
+                  </a:schemeClr>
+                </a:solidFill>
+                <a:effectLst/>
+                <a:uFillTx/>
+                <a:latin typeface="Aptos"/>
+              </a:defRPr>
+            </a:lvl1pPr>
+          </a:lstStyle>
+          <a:p>
+            <a:pPr indent="0" algn="r" defTabSz="914400">
+              <a:lnSpc>
+                <a:spcPct val="100000"/>
+              </a:lnSpc>
+              <a:buNone/>
+              <a:tabLst>
+                <a:tab algn="l" pos="0"/>
+              </a:tabLst>
+            </a:pPr>
+            <a:fld id="{50FA23CB-9907-4636-A097-AE53ABFE51D6}" type="slidenum">
+              <a:rPr b="0" lang="en-SE" sz="1200" strike="noStrike" u="none">
+                <a:solidFill>
+                  <a:schemeClr val="lt1">
+                    <a:tint val="82000"/>
+                  </a:schemeClr>
+                </a:solidFill>
+                <a:effectLst/>
+                <a:uFillTx/>
+                <a:latin typeface="Aptos"/>
+              </a:rPr>
+              <a:t>1</a:t>
+            </a:fld>
+            <a:endParaRPr b="0" lang="sv-SE" sz="1200" strike="noStrike" u="none">
+              <a:solidFill>
+                <a:srgbClr val="ffffff"/>
+              </a:solidFill>
+              <a:effectLst/>
+              <a:uFillTx/>
+              <a:latin typeface="Times New Roman"/>
+            </a:endParaRPr>
+          </a:p>
+        </p:txBody>
+      </p:sp>
+      <p:sp>
+        <p:nvSpPr>
+          <p:cNvPr id="37" name="PlaceHolder 3"/>
+          <p:cNvSpPr>
+            <a:spLocks noGrp="1"/>
+          </p:cNvSpPr>
+          <p:nvPr>
+            <p:ph type="dt" idx="15"/>
+          </p:nvPr>
+        </p:nvSpPr>
+        <p:spPr>
+          <a:xfrm>
+            <a:off x="838080" y="6356520"/>
+            <a:ext cx="2742120" cy="363960"/>
+          </a:xfrm>
+          <a:prstGeom prst="rect">
+            <a:avLst/>
+          </a:prstGeom>
+          <a:noFill/>
+          <a:ln w="0">
+            <a:noFill/>
+          </a:ln>
+        </p:spPr>
+        <p:txBody>
+          <a:bodyPr lIns="90000" rIns="90000" tIns="45000" bIns="45000" anchor="t">
+            <a:noAutofit/>
+          </a:bodyPr>
+          <a:lstStyle>
+            <a:lvl1pPr indent="0">
+              <a:buNone/>
+              <a:defRPr b="0" lang="sv-SE" sz="1400" strike="noStrike" u="none">
+                <a:solidFill>
+                  <a:srgbClr val="ffffff"/>
+                </a:solidFill>
+                <a:effectLst/>
+                <a:uFillTx/>
+                <a:latin typeface="Times New Roman"/>
+              </a:defRPr>
+            </a:lvl1pPr>
+          </a:lstStyle>
+          <a:p>
+            <a:pPr indent="0">
+              <a:buNone/>
+            </a:pPr>
+            <a:r>
+              <a:rPr b="0" lang="sv-SE" sz="1400" strike="noStrike" u="none">
+                <a:solidFill>
+                  <a:srgbClr val="ffffff"/>
+                </a:solidFill>
+                <a:effectLst/>
+                <a:uFillTx/>
+                <a:latin typeface="Times New Roman"/>
+              </a:rPr>
+              <a:t> </a:t>
+            </a:r>
+            <a:endParaRPr b="0" lang="sv-SE" sz="1400" strike="noStrike" u="none">
+              <a:solidFill>
+                <a:srgbClr val="ffffff"/>
+              </a:solidFill>
+              <a:effectLst/>
+              <a:uFillTx/>
+              <a:latin typeface="Times New Roman"/>
+            </a:endParaRPr>
+          </a:p>
+        </p:txBody>
+      </p:sp>
+      <p:sp>
+        <p:nvSpPr>
+          <p:cNvPr id="38" name="PlaceHolder 4"/>
+          <p:cNvSpPr>
+            <a:spLocks noGrp="1"/>
+          </p:cNvSpPr>
+          <p:nvPr>
+            <p:ph type="title"/>
+          </p:nvPr>
+        </p:nvSpPr>
+        <p:spPr>
+          <a:xfrm>
+            <a:off x="609480" y="273600"/>
+            <a:ext cx="10972440" cy="1144800"/>
+          </a:xfrm>
+          <a:prstGeom prst="rect">
+            <a:avLst/>
+          </a:prstGeom>
+          <a:noFill/>
+          <a:ln w="0">
+            <a:noFill/>
+          </a:ln>
+        </p:spPr>
+        <p:txBody>
+          <a:bodyPr lIns="0" rIns="0" tIns="0" bIns="0" anchor="ctr">
+            <a:noAutofit/>
+          </a:bodyPr>
+          <a:p>
+            <a:pPr indent="0" algn="ctr">
+              <a:buNone/>
+            </a:pPr>
+            <a:r>
+              <a:rPr b="0" lang="sv-SE" sz="4400" strike="noStrike" u="none">
+                <a:solidFill>
+                  <a:srgbClr val="ffffff"/>
+                </a:solidFill>
+                <a:effectLst/>
+                <a:uFillTx/>
+                <a:latin typeface="Arial"/>
+              </a:rPr>
+              <a:t>Click to edit the title text format</a:t>
+            </a:r>
+            <a:endParaRPr b="0" lang="sv-SE" sz="4400" strike="noStrike" u="none">
+              <a:solidFill>
+                <a:srgbClr val="ffffff"/>
+              </a:solidFill>
+              <a:effectLst/>
+              <a:uFillTx/>
+              <a:latin typeface="Arial"/>
+            </a:endParaRPr>
+          </a:p>
+        </p:txBody>
+      </p:sp>
+      <p:sp>
+        <p:nvSpPr>
+          <p:cNvPr id="39" name="PlaceHolder 5"/>
+          <p:cNvSpPr>
+            <a:spLocks noGrp="1"/>
+          </p:cNvSpPr>
+          <p:nvPr>
+            <p:ph type="body"/>
+          </p:nvPr>
+        </p:nvSpPr>
+        <p:spPr>
+          <a:xfrm>
+            <a:off x="609480" y="1604520"/>
+            <a:ext cx="10972440" cy="3977280"/>
+          </a:xfrm>
+          <a:prstGeom prst="rect">
+            <a:avLst/>
+          </a:prstGeom>
+          <a:noFill/>
+          <a:ln w="0">
+            <a:noFill/>
+          </a:ln>
+        </p:spPr>
+        <p:txBody>
+          <a:bodyPr lIns="0" rIns="0" tIns="0" bIns="0" anchor="t">
+            <a:normAutofit/>
+          </a:bodyPr>
+          <a:p>
+            <a:pPr marL="432000" indent="-324000">
+              <a:spcBef>
+                <a:spcPts val="1417"/>
+              </a:spcBef>
+              <a:buClr>
+                <a:srgbClr val="ffffff"/>
+              </a:buClr>
+              <a:buSzPct val="45000"/>
+              <a:buFont typeface="Wingdings" charset="2"/>
+              <a:buChar char=""/>
+            </a:pPr>
+            <a:r>
+              <a:rPr b="0" lang="sv-SE" sz="3200" strike="noStrike" u="none">
+                <a:solidFill>
+                  <a:srgbClr val="ffffff"/>
+                </a:solidFill>
+                <a:effectLst/>
+                <a:uFillTx/>
+                <a:latin typeface="Arial"/>
+              </a:rPr>
+              <a:t>Click to edit the outline text format</a:t>
+            </a:r>
+            <a:endParaRPr b="0" lang="sv-SE" sz="3200" strike="noStrike" u="none">
+              <a:solidFill>
+                <a:srgbClr val="ffffff"/>
+              </a:solidFill>
+              <a:effectLst/>
+              <a:uFillTx/>
+              <a:latin typeface="Arial"/>
+            </a:endParaRPr>
+          </a:p>
+          <a:p>
+            <a:pPr lvl="1" marL="864000" indent="-324000">
+              <a:spcBef>
+                <a:spcPts val="1134"/>
+              </a:spcBef>
+              <a:buClr>
+                <a:srgbClr val="ffffff"/>
+              </a:buClr>
+              <a:buSzPct val="75000"/>
+              <a:buFont typeface="Symbol" charset="2"/>
+              <a:buChar char=""/>
+            </a:pPr>
+            <a:r>
+              <a:rPr b="0" lang="sv-SE" sz="2800" strike="noStrike" u="none">
+                <a:solidFill>
+                  <a:srgbClr val="ffffff"/>
+                </a:solidFill>
+                <a:effectLst/>
+                <a:uFillTx/>
+                <a:latin typeface="Arial"/>
+              </a:rPr>
+              <a:t>Second Outline Level</a:t>
+            </a:r>
+            <a:endParaRPr b="0" lang="sv-SE" sz="2800" strike="noStrike" u="none">
+              <a:solidFill>
+                <a:srgbClr val="ffffff"/>
+              </a:solidFill>
+              <a:effectLst/>
+              <a:uFillTx/>
+              <a:latin typeface="Arial"/>
+            </a:endParaRPr>
+          </a:p>
+          <a:p>
+            <a:pPr lvl="2" marL="1296000" indent="-288000">
+              <a:spcBef>
+                <a:spcPts val="850"/>
+              </a:spcBef>
+              <a:buClr>
+                <a:srgbClr val="ffffff"/>
+              </a:buClr>
+              <a:buSzPct val="45000"/>
+              <a:buFont typeface="Wingdings" charset="2"/>
+              <a:buChar char=""/>
+            </a:pPr>
+            <a:r>
+              <a:rPr b="0" lang="sv-SE" sz="2400" strike="noStrike" u="none">
+                <a:solidFill>
+                  <a:srgbClr val="ffffff"/>
+                </a:solidFill>
+                <a:effectLst/>
+                <a:uFillTx/>
+                <a:latin typeface="Arial"/>
+              </a:rPr>
+              <a:t>Third Outline Level</a:t>
+            </a:r>
+            <a:endParaRPr b="0" lang="sv-SE" sz="2400" strike="noStrike" u="none">
+              <a:solidFill>
+                <a:srgbClr val="ffffff"/>
+              </a:solidFill>
+              <a:effectLst/>
+              <a:uFillTx/>
+              <a:latin typeface="Arial"/>
+            </a:endParaRPr>
+          </a:p>
+          <a:p>
+            <a:pPr lvl="3" marL="1728000" indent="-216000">
+              <a:spcBef>
+                <a:spcPts val="567"/>
+              </a:spcBef>
+              <a:buClr>
+                <a:srgbClr val="ffffff"/>
+              </a:buClr>
+              <a:buSzPct val="75000"/>
+              <a:buFont typeface="Symbol" charset="2"/>
+              <a:buChar char=""/>
+            </a:pPr>
+            <a:r>
+              <a:rPr b="0" lang="sv-SE" sz="2000" strike="noStrike" u="none">
+                <a:solidFill>
+                  <a:srgbClr val="ffffff"/>
+                </a:solidFill>
+                <a:effectLst/>
+                <a:uFillTx/>
+                <a:latin typeface="Arial"/>
+              </a:rPr>
+              <a:t>Fourth Outline Level</a:t>
+            </a:r>
+            <a:endParaRPr b="0" lang="sv-SE" sz="2000" strike="noStrike" u="none">
+              <a:solidFill>
+                <a:srgbClr val="ffffff"/>
+              </a:solidFill>
+              <a:effectLst/>
+              <a:uFillTx/>
+              <a:latin typeface="Arial"/>
+            </a:endParaRPr>
+          </a:p>
+          <a:p>
+            <a:pPr lvl="4" marL="2160000" indent="-216000">
+              <a:spcBef>
+                <a:spcPts val="283"/>
+              </a:spcBef>
+              <a:buClr>
+                <a:srgbClr val="ffffff"/>
+              </a:buClr>
+              <a:buSzPct val="45000"/>
+              <a:buFont typeface="Wingdings" charset="2"/>
+              <a:buChar char=""/>
+            </a:pPr>
+            <a:r>
+              <a:rPr b="0" lang="sv-SE" sz="2000" strike="noStrike" u="none">
+                <a:solidFill>
+                  <a:srgbClr val="ffffff"/>
+                </a:solidFill>
+                <a:effectLst/>
+                <a:uFillTx/>
+                <a:latin typeface="Arial"/>
+              </a:rPr>
+              <a:t>Fifth Outline Level</a:t>
+            </a:r>
+            <a:endParaRPr b="0" lang="sv-SE" sz="2000" strike="noStrike" u="none">
+              <a:solidFill>
+                <a:srgbClr val="ffffff"/>
+              </a:solidFill>
+              <a:effectLst/>
+              <a:uFillTx/>
+              <a:latin typeface="Arial"/>
+            </a:endParaRPr>
+          </a:p>
+          <a:p>
+            <a:pPr lvl="5" marL="2592000" indent="-216000">
+              <a:spcBef>
+                <a:spcPts val="283"/>
+              </a:spcBef>
+              <a:buClr>
+                <a:srgbClr val="ffffff"/>
+              </a:buClr>
+              <a:buSzPct val="45000"/>
+              <a:buFont typeface="Wingdings" charset="2"/>
+              <a:buChar char=""/>
+            </a:pPr>
+            <a:r>
+              <a:rPr b="0" lang="sv-SE" sz="2000" strike="noStrike" u="none">
+                <a:solidFill>
+                  <a:srgbClr val="ffffff"/>
+                </a:solidFill>
+                <a:effectLst/>
+                <a:uFillTx/>
+                <a:latin typeface="Arial"/>
+              </a:rPr>
+              <a:t>Sixth Outline Level</a:t>
+            </a:r>
+            <a:endParaRPr b="0" lang="sv-SE" sz="2000" strike="noStrike" u="none">
+              <a:solidFill>
+                <a:srgbClr val="ffffff"/>
+              </a:solidFill>
+              <a:effectLst/>
+              <a:uFillTx/>
+              <a:latin typeface="Arial"/>
+            </a:endParaRPr>
+          </a:p>
+          <a:p>
+            <a:pPr lvl="6" marL="3024000" indent="-216000">
+              <a:spcBef>
+                <a:spcPts val="283"/>
+              </a:spcBef>
+              <a:buClr>
+                <a:srgbClr val="ffffff"/>
+              </a:buClr>
+              <a:buSzPct val="45000"/>
+              <a:buFont typeface="Wingdings" charset="2"/>
+              <a:buChar char=""/>
+            </a:pPr>
+            <a:r>
+              <a:rPr b="0" lang="sv-SE" sz="2000" strike="noStrike" u="none">
+                <a:solidFill>
+                  <a:srgbClr val="ffffff"/>
+                </a:solidFill>
+                <a:effectLst/>
+                <a:uFillTx/>
+                <a:latin typeface="Arial"/>
+              </a:rPr>
+              <a:t>Seventh Outline Level</a:t>
+            </a:r>
+            <a:endParaRPr b="0" lang="sv-SE" sz="2000" strike="noStrike" u="none">
+              <a:solidFill>
+                <a:srgbClr val="ffffff"/>
+              </a:solidFill>
+              <a:effectLst/>
+              <a:uFillTx/>
+              <a:latin typeface="Arial"/>
+            </a:endParaRPr>
+          </a:p>
+        </p:txBody>
+      </p:sp>
+    </p:spTree>
+  </p:cSld>
+  <p:clrMap bg1="lt1" tx1="dk1" bg2="lt2" tx2="dk2" accent1="accent1" accent2="accent2" accent3="accent3" accent4="accent4" accent5="accent5" accent6="accent6" hlink="hlink" folHlink="folHlink"/>
+  <p:sldLayoutIdLst>
+    <p:sldLayoutId id="2147483657" r:id="rId5"/>
   </p:sldLayoutIdLst>
 </p:sldMaster>
 </file>
@@ -4740,7 +5363,7 @@
       </p:grpSpPr>
       <p:sp>
         <p:nvSpPr>
-          <p:cNvPr id="38" name="PlaceHolder 1"/>
+          <p:cNvPr id="46" name="PlaceHolder 1"/>
           <p:cNvSpPr>
             <a:spLocks noGrp="1"/>
           </p:cNvSpPr>
@@ -4751,7 +5374,7 @@
         <p:spPr>
           <a:xfrm>
             <a:off x="1523880" y="1122480"/>
-            <a:ext cx="9143280" cy="2386800"/>
+            <a:ext cx="9142920" cy="2386440"/>
           </a:xfrm>
           <a:prstGeom prst="rect">
             <a:avLst/>
@@ -4799,7 +5422,7 @@
       </p:sp>
       <p:sp>
         <p:nvSpPr>
-          <p:cNvPr id="39" name="PlaceHolder 2"/>
+          <p:cNvPr id="47" name="PlaceHolder 2"/>
           <p:cNvSpPr>
             <a:spLocks noGrp="1"/>
           </p:cNvSpPr>
@@ -4810,7 +5433,7 @@
         <p:spPr>
           <a:xfrm>
             <a:off x="1523880" y="3602160"/>
-            <a:ext cx="9143280" cy="1654920"/>
+            <a:ext cx="9142920" cy="1654560"/>
           </a:xfrm>
           <a:prstGeom prst="rect">
             <a:avLst/>
@@ -4871,7 +5494,7 @@
       </p:grpSpPr>
       <p:sp>
         <p:nvSpPr>
-          <p:cNvPr id="56" name="PlaceHolder 1"/>
+          <p:cNvPr id="64" name="PlaceHolder 1"/>
           <p:cNvSpPr>
             <a:spLocks noGrp="1"/>
           </p:cNvSpPr>
@@ -4882,7 +5505,7 @@
         <p:spPr>
           <a:xfrm>
             <a:off x="831960" y="1709640"/>
-            <a:ext cx="10514880" cy="2851920"/>
+            <a:ext cx="10514520" cy="2851560"/>
           </a:xfrm>
           <a:prstGeom prst="rect">
             <a:avLst/>
@@ -4930,7 +5553,7 @@
       </p:sp>
       <p:sp>
         <p:nvSpPr>
-          <p:cNvPr id="57" name="PlaceHolder 2"/>
+          <p:cNvPr id="65" name="PlaceHolder 2"/>
           <p:cNvSpPr>
             <a:spLocks noGrp="1"/>
           </p:cNvSpPr>
@@ -4941,7 +5564,7 @@
         <p:spPr>
           <a:xfrm>
             <a:off x="831960" y="4589640"/>
-            <a:ext cx="10514880" cy="1499400"/>
+            <a:ext cx="10514520" cy="1499040"/>
           </a:xfrm>
           <a:prstGeom prst="rect">
             <a:avLst/>
@@ -4980,7 +5603,7 @@
             <a:spLocks noGrp="1"/>
           </p:cNvSpPr>
           <p:nvPr>
-            <p:ph type="ftr" idx="6"/>
+            <p:ph type="ftr" idx="10"/>
           </p:nvPr>
         </p:nvSpPr>
         <p:spPr/>
@@ -5000,14 +5623,14 @@
             <a:spLocks noGrp="1"/>
           </p:cNvSpPr>
           <p:nvPr>
-            <p:ph type="sldNum" idx="7"/>
+            <p:ph type="sldNum" idx="11"/>
           </p:nvPr>
         </p:nvSpPr>
         <p:spPr/>
         <p:txBody>
           <a:bodyPr/>
           <a:p>
-            <a:fld id="{D4115037-2A6F-49EC-8933-E2E776BF5366}" type="slidenum">
+            <a:fld id="{9659E083-52EA-4F7B-9DDE-E36C5E1D306B}" type="slidenum">
               <a:t>10</a:t>
             </a:fld>
           </a:p>
@@ -5045,7 +5668,7 @@
       </p:grpSpPr>
       <p:sp>
         <p:nvSpPr>
-          <p:cNvPr id="58" name="PlaceHolder 1"/>
+          <p:cNvPr id="66" name="PlaceHolder 1"/>
           <p:cNvSpPr>
             <a:spLocks noGrp="1"/>
           </p:cNvSpPr>
@@ -5056,7 +5679,7 @@
         <p:spPr>
           <a:xfrm>
             <a:off x="838080" y="365040"/>
-            <a:ext cx="10514880" cy="1324800"/>
+            <a:ext cx="10514520" cy="1324440"/>
           </a:xfrm>
           <a:prstGeom prst="rect">
             <a:avLst/>
@@ -5104,7 +5727,7 @@
       </p:sp>
       <p:sp>
         <p:nvSpPr>
-          <p:cNvPr id="59" name="PlaceHolder 2"/>
+          <p:cNvPr id="67" name="PlaceHolder 2"/>
           <p:cNvSpPr>
             <a:spLocks noGrp="1"/>
           </p:cNvSpPr>
@@ -5115,7 +5738,7 @@
         <p:spPr>
           <a:xfrm>
             <a:off x="838080" y="1825560"/>
-            <a:ext cx="10514880" cy="4350600"/>
+            <a:ext cx="10514520" cy="4350240"/>
           </a:xfrm>
           <a:prstGeom prst="rect">
             <a:avLst/>
@@ -5478,7 +6101,7 @@
             <a:spLocks noGrp="1"/>
           </p:cNvSpPr>
           <p:nvPr>
-            <p:ph type="ftr" idx="3"/>
+            <p:ph type="ftr" idx="7"/>
           </p:nvPr>
         </p:nvSpPr>
         <p:spPr/>
@@ -5498,14 +6121,14 @@
             <a:spLocks noGrp="1"/>
           </p:cNvSpPr>
           <p:nvPr>
-            <p:ph type="sldNum" idx="4"/>
+            <p:ph type="sldNum" idx="8"/>
           </p:nvPr>
         </p:nvSpPr>
         <p:spPr/>
         <p:txBody>
           <a:bodyPr/>
           <a:p>
-            <a:fld id="{7C86765E-A802-40DC-93E5-A9E1668EBEEC}" type="slidenum">
+            <a:fld id="{CD4CC7A0-BB47-49E6-A298-B84CE44C1303}" type="slidenum">
               <a:t>11</a:t>
             </a:fld>
           </a:p>
@@ -5543,7 +6166,7 @@
       </p:grpSpPr>
       <p:sp>
         <p:nvSpPr>
-          <p:cNvPr id="60" name="PlaceHolder 1"/>
+          <p:cNvPr id="68" name="PlaceHolder 1"/>
           <p:cNvSpPr>
             <a:spLocks noGrp="1"/>
           </p:cNvSpPr>
@@ -5554,7 +6177,7 @@
         <p:spPr>
           <a:xfrm>
             <a:off x="838080" y="365040"/>
-            <a:ext cx="10514880" cy="1324800"/>
+            <a:ext cx="10514520" cy="1324440"/>
           </a:xfrm>
           <a:prstGeom prst="rect">
             <a:avLst/>
@@ -5602,7 +6225,7 @@
       </p:sp>
       <p:sp>
         <p:nvSpPr>
-          <p:cNvPr id="61" name="PlaceHolder 2"/>
+          <p:cNvPr id="69" name="PlaceHolder 2"/>
           <p:cNvSpPr>
             <a:spLocks noGrp="1"/>
           </p:cNvSpPr>
@@ -5613,7 +6236,7 @@
         <p:spPr>
           <a:xfrm>
             <a:off x="838080" y="1825560"/>
-            <a:ext cx="10514880" cy="4350600"/>
+            <a:ext cx="10514520" cy="4350240"/>
           </a:xfrm>
           <a:prstGeom prst="rect">
             <a:avLst/>
@@ -5794,7 +6417,7 @@
             <a:spLocks noGrp="1"/>
           </p:cNvSpPr>
           <p:nvPr>
-            <p:ph type="ftr" idx="3"/>
+            <p:ph type="ftr" idx="7"/>
           </p:nvPr>
         </p:nvSpPr>
         <p:spPr/>
@@ -5814,14 +6437,14 @@
             <a:spLocks noGrp="1"/>
           </p:cNvSpPr>
           <p:nvPr>
-            <p:ph type="sldNum" idx="4"/>
+            <p:ph type="sldNum" idx="8"/>
           </p:nvPr>
         </p:nvSpPr>
         <p:spPr/>
         <p:txBody>
           <a:bodyPr/>
           <a:p>
-            <a:fld id="{35A196F2-3868-40D7-BE45-88EF3B5764E7}" type="slidenum">
+            <a:fld id="{19121A24-7AF2-44C9-8514-3FA1F93EB5B0}" type="slidenum">
               <a:t>12</a:t>
             </a:fld>
           </a:p>
@@ -5859,7 +6482,7 @@
       </p:grpSpPr>
       <p:sp>
         <p:nvSpPr>
-          <p:cNvPr id="62" name="PlaceHolder 1"/>
+          <p:cNvPr id="70" name="PlaceHolder 1"/>
           <p:cNvSpPr>
             <a:spLocks noGrp="1"/>
           </p:cNvSpPr>
@@ -5870,7 +6493,7 @@
         <p:spPr>
           <a:xfrm>
             <a:off x="838080" y="365040"/>
-            <a:ext cx="10514880" cy="1324800"/>
+            <a:ext cx="10514520" cy="1324440"/>
           </a:xfrm>
           <a:prstGeom prst="rect">
             <a:avLst/>
@@ -5918,7 +6541,7 @@
       </p:sp>
       <p:sp>
         <p:nvSpPr>
-          <p:cNvPr id="63" name="PlaceHolder 2"/>
+          <p:cNvPr id="71" name="PlaceHolder 2"/>
           <p:cNvSpPr>
             <a:spLocks noGrp="1"/>
           </p:cNvSpPr>
@@ -5929,7 +6552,7 @@
         <p:spPr>
           <a:xfrm>
             <a:off x="838080" y="1825560"/>
-            <a:ext cx="10514880" cy="4350600"/>
+            <a:ext cx="10514520" cy="4350240"/>
           </a:xfrm>
           <a:prstGeom prst="rect">
             <a:avLst/>
@@ -6178,7 +6801,7 @@
             <a:spLocks noGrp="1"/>
           </p:cNvSpPr>
           <p:nvPr>
-            <p:ph type="ftr" idx="3"/>
+            <p:ph type="ftr" idx="7"/>
           </p:nvPr>
         </p:nvSpPr>
         <p:spPr/>
@@ -6198,14 +6821,14 @@
             <a:spLocks noGrp="1"/>
           </p:cNvSpPr>
           <p:nvPr>
-            <p:ph type="sldNum" idx="4"/>
+            <p:ph type="sldNum" idx="8"/>
           </p:nvPr>
         </p:nvSpPr>
         <p:spPr/>
         <p:txBody>
           <a:bodyPr/>
           <a:p>
-            <a:fld id="{512107B6-A779-4538-B66A-59F7B0B6CE32}" type="slidenum">
+            <a:fld id="{732A5E49-4BEA-4209-84EC-E1F99EBD97D0}" type="slidenum">
               <a:t>13</a:t>
             </a:fld>
           </a:p>
@@ -6243,7 +6866,7 @@
       </p:grpSpPr>
       <p:sp>
         <p:nvSpPr>
-          <p:cNvPr id="64" name="PlaceHolder 1"/>
+          <p:cNvPr id="72" name="PlaceHolder 1"/>
           <p:cNvSpPr>
             <a:spLocks noGrp="1"/>
           </p:cNvSpPr>
@@ -6254,7 +6877,7 @@
         <p:spPr>
           <a:xfrm>
             <a:off x="838080" y="365040"/>
-            <a:ext cx="10514880" cy="1324800"/>
+            <a:ext cx="10514520" cy="1324440"/>
           </a:xfrm>
           <a:prstGeom prst="rect">
             <a:avLst/>
@@ -6302,7 +6925,7 @@
       </p:sp>
       <p:sp>
         <p:nvSpPr>
-          <p:cNvPr id="65" name="PlaceHolder 2"/>
+          <p:cNvPr id="73" name="PlaceHolder 2"/>
           <p:cNvSpPr>
             <a:spLocks noGrp="1"/>
           </p:cNvSpPr>
@@ -6313,7 +6936,7 @@
         <p:spPr>
           <a:xfrm>
             <a:off x="838080" y="1825560"/>
-            <a:ext cx="10514880" cy="4350600"/>
+            <a:ext cx="10514520" cy="4350240"/>
           </a:xfrm>
           <a:prstGeom prst="rect">
             <a:avLst/>
@@ -6902,7 +7525,7 @@
             <a:spLocks noGrp="1"/>
           </p:cNvSpPr>
           <p:nvPr>
-            <p:ph type="ftr" idx="3"/>
+            <p:ph type="ftr" idx="7"/>
           </p:nvPr>
         </p:nvSpPr>
         <p:spPr/>
@@ -6922,14 +7545,14 @@
             <a:spLocks noGrp="1"/>
           </p:cNvSpPr>
           <p:nvPr>
-            <p:ph type="sldNum" idx="4"/>
+            <p:ph type="sldNum" idx="8"/>
           </p:nvPr>
         </p:nvSpPr>
         <p:spPr/>
         <p:txBody>
           <a:bodyPr/>
           <a:p>
-            <a:fld id="{B9D2E32D-32EE-4EC4-88BF-72646918AC9C}" type="slidenum">
+            <a:fld id="{24775559-4312-4D92-895B-8C6EE6D8283F}" type="slidenum">
               <a:t>14</a:t>
             </a:fld>
           </a:p>
@@ -6967,7 +7590,7 @@
       </p:grpSpPr>
       <p:sp>
         <p:nvSpPr>
-          <p:cNvPr id="66" name="PlaceHolder 1"/>
+          <p:cNvPr id="74" name="PlaceHolder 1"/>
           <p:cNvSpPr>
             <a:spLocks noGrp="1"/>
           </p:cNvSpPr>
@@ -6978,7 +7601,7 @@
         <p:spPr>
           <a:xfrm>
             <a:off x="838080" y="365040"/>
-            <a:ext cx="10514880" cy="1324800"/>
+            <a:ext cx="10514520" cy="1324440"/>
           </a:xfrm>
           <a:prstGeom prst="rect">
             <a:avLst/>
@@ -7026,7 +7649,7 @@
       </p:sp>
       <p:sp>
         <p:nvSpPr>
-          <p:cNvPr id="67" name="PlaceHolder 2"/>
+          <p:cNvPr id="75" name="PlaceHolder 2"/>
           <p:cNvSpPr>
             <a:spLocks noGrp="1"/>
           </p:cNvSpPr>
@@ -7037,7 +7660,7 @@
         <p:spPr>
           <a:xfrm>
             <a:off x="838080" y="1825560"/>
-            <a:ext cx="10514880" cy="4350600"/>
+            <a:ext cx="10514520" cy="4350240"/>
           </a:xfrm>
           <a:prstGeom prst="rect">
             <a:avLst/>
@@ -7422,7 +8045,7 @@
             <a:spLocks noGrp="1"/>
           </p:cNvSpPr>
           <p:nvPr>
-            <p:ph type="ftr" idx="3"/>
+            <p:ph type="ftr" idx="7"/>
           </p:nvPr>
         </p:nvSpPr>
         <p:spPr/>
@@ -7442,14 +8065,14 @@
             <a:spLocks noGrp="1"/>
           </p:cNvSpPr>
           <p:nvPr>
-            <p:ph type="sldNum" idx="4"/>
+            <p:ph type="sldNum" idx="8"/>
           </p:nvPr>
         </p:nvSpPr>
         <p:spPr/>
         <p:txBody>
           <a:bodyPr/>
           <a:p>
-            <a:fld id="{A0A7D2D9-8C37-4181-97E0-2BD4EE6EDB9F}" type="slidenum">
+            <a:fld id="{8AF07156-637F-4DE8-A65D-08C3C36C4814}" type="slidenum">
               <a:t>15</a:t>
             </a:fld>
           </a:p>
@@ -7487,7 +8110,7 @@
       </p:grpSpPr>
       <p:sp>
         <p:nvSpPr>
-          <p:cNvPr id="68" name="PlaceHolder 1"/>
+          <p:cNvPr id="76" name="PlaceHolder 1"/>
           <p:cNvSpPr>
             <a:spLocks noGrp="1"/>
           </p:cNvSpPr>
@@ -7498,7 +8121,7 @@
         <p:spPr>
           <a:xfrm>
             <a:off x="838080" y="365040"/>
-            <a:ext cx="10514880" cy="1324800"/>
+            <a:ext cx="10514520" cy="1324440"/>
           </a:xfrm>
           <a:prstGeom prst="rect">
             <a:avLst/>
@@ -7546,7 +8169,7 @@
       </p:sp>
       <p:sp>
         <p:nvSpPr>
-          <p:cNvPr id="69" name="PlaceHolder 2"/>
+          <p:cNvPr id="77" name="PlaceHolder 2"/>
           <p:cNvSpPr>
             <a:spLocks noGrp="1"/>
           </p:cNvSpPr>
@@ -7557,7 +8180,7 @@
         <p:spPr>
           <a:xfrm>
             <a:off x="838080" y="1825560"/>
-            <a:ext cx="10514880" cy="4350600"/>
+            <a:ext cx="10514520" cy="4350240"/>
           </a:xfrm>
           <a:prstGeom prst="rect">
             <a:avLst/>
@@ -7784,7 +8407,7 @@
             <a:spLocks noGrp="1"/>
           </p:cNvSpPr>
           <p:nvPr>
-            <p:ph type="ftr" idx="3"/>
+            <p:ph type="ftr" idx="7"/>
           </p:nvPr>
         </p:nvSpPr>
         <p:spPr/>
@@ -7804,14 +8427,14 @@
             <a:spLocks noGrp="1"/>
           </p:cNvSpPr>
           <p:nvPr>
-            <p:ph type="sldNum" idx="4"/>
+            <p:ph type="sldNum" idx="8"/>
           </p:nvPr>
         </p:nvSpPr>
         <p:spPr/>
         <p:txBody>
           <a:bodyPr/>
           <a:p>
-            <a:fld id="{52D9A321-2EE6-487E-830D-0F4A1155E34F}" type="slidenum">
+            <a:fld id="{F5B08A22-8FFF-4C6F-8352-9C8C982FF52F}" type="slidenum">
               <a:t>16</a:t>
             </a:fld>
           </a:p>
@@ -7849,7 +8472,7 @@
       </p:grpSpPr>
       <p:sp>
         <p:nvSpPr>
-          <p:cNvPr id="70" name="PlaceHolder 1"/>
+          <p:cNvPr id="78" name="PlaceHolder 1"/>
           <p:cNvSpPr>
             <a:spLocks noGrp="1"/>
           </p:cNvSpPr>
@@ -7860,7 +8483,7 @@
         <p:spPr>
           <a:xfrm>
             <a:off x="839880" y="457200"/>
-            <a:ext cx="3931560" cy="1599480"/>
+            <a:ext cx="3931200" cy="1599120"/>
           </a:xfrm>
           <a:prstGeom prst="rect">
             <a:avLst/>
@@ -7908,7 +8531,7 @@
       </p:sp>
       <p:sp>
         <p:nvSpPr>
-          <p:cNvPr id="71" name="PlaceHolder 2"/>
+          <p:cNvPr id="79" name="PlaceHolder 2"/>
           <p:cNvSpPr>
             <a:spLocks noGrp="1"/>
           </p:cNvSpPr>
@@ -7919,7 +8542,7 @@
         <p:spPr>
           <a:xfrm>
             <a:off x="839880" y="2057400"/>
-            <a:ext cx="10876320" cy="3810960"/>
+            <a:ext cx="10875960" cy="3810600"/>
           </a:xfrm>
           <a:prstGeom prst="rect">
             <a:avLst/>
@@ -8166,7 +8789,7 @@
             <a:spLocks noGrp="1"/>
           </p:cNvSpPr>
           <p:nvPr>
-            <p:ph type="ftr" idx="9"/>
+            <p:ph type="ftr" idx="13"/>
           </p:nvPr>
         </p:nvSpPr>
         <p:spPr/>
@@ -8186,14 +8809,14 @@
             <a:spLocks noGrp="1"/>
           </p:cNvSpPr>
           <p:nvPr>
-            <p:ph type="sldNum" idx="10"/>
+            <p:ph type="sldNum" idx="14"/>
           </p:nvPr>
         </p:nvSpPr>
         <p:spPr/>
         <p:txBody>
           <a:bodyPr/>
           <a:p>
-            <a:fld id="{1FBA88DB-41D8-47A8-AD2C-33CA8E603199}" type="slidenum">
+            <a:fld id="{8C12F05E-77A4-4637-8A0F-63598CED8C98}" type="slidenum">
               <a:t>17</a:t>
             </a:fld>
           </a:p>
@@ -8231,7 +8854,7 @@
       </p:grpSpPr>
       <p:sp>
         <p:nvSpPr>
-          <p:cNvPr id="72" name="PlaceHolder 1"/>
+          <p:cNvPr id="80" name="PlaceHolder 1"/>
           <p:cNvSpPr>
             <a:spLocks noGrp="1"/>
           </p:cNvSpPr>
@@ -8242,7 +8865,7 @@
         <p:spPr>
           <a:xfrm>
             <a:off x="831960" y="1709640"/>
-            <a:ext cx="10514880" cy="2851920"/>
+            <a:ext cx="10514520" cy="2851560"/>
           </a:xfrm>
           <a:prstGeom prst="rect">
             <a:avLst/>
@@ -8290,7 +8913,7 @@
       </p:sp>
       <p:sp>
         <p:nvSpPr>
-          <p:cNvPr id="73" name="PlaceHolder 2"/>
+          <p:cNvPr id="81" name="PlaceHolder 2"/>
           <p:cNvSpPr>
             <a:spLocks noGrp="1"/>
           </p:cNvSpPr>
@@ -8301,7 +8924,7 @@
         <p:spPr>
           <a:xfrm>
             <a:off x="831960" y="4589640"/>
-            <a:ext cx="10514880" cy="1499400"/>
+            <a:ext cx="10514520" cy="1499040"/>
           </a:xfrm>
           <a:prstGeom prst="rect">
             <a:avLst/>
@@ -8340,7 +8963,7 @@
             <a:spLocks noGrp="1"/>
           </p:cNvSpPr>
           <p:nvPr>
-            <p:ph type="ftr" idx="6"/>
+            <p:ph type="ftr" idx="10"/>
           </p:nvPr>
         </p:nvSpPr>
         <p:spPr/>
@@ -8360,14 +8983,14 @@
             <a:spLocks noGrp="1"/>
           </p:cNvSpPr>
           <p:nvPr>
-            <p:ph type="sldNum" idx="7"/>
+            <p:ph type="sldNum" idx="11"/>
           </p:nvPr>
         </p:nvSpPr>
         <p:spPr/>
         <p:txBody>
           <a:bodyPr/>
           <a:p>
-            <a:fld id="{EC2B70B5-67CA-411A-9846-97857C2872E4}" type="slidenum">
+            <a:fld id="{4C1E6926-FED0-4BC0-8244-2A24853AA44E}" type="slidenum">
               <a:t>18</a:t>
             </a:fld>
           </a:p>
@@ -8405,7 +9028,7 @@
       </p:grpSpPr>
       <p:sp>
         <p:nvSpPr>
-          <p:cNvPr id="74" name="PlaceHolder 1"/>
+          <p:cNvPr id="82" name="PlaceHolder 1"/>
           <p:cNvSpPr>
             <a:spLocks noGrp="1"/>
           </p:cNvSpPr>
@@ -8416,7 +9039,7 @@
         <p:spPr>
           <a:xfrm>
             <a:off x="838080" y="365040"/>
-            <a:ext cx="10514880" cy="1324800"/>
+            <a:ext cx="10514520" cy="1324440"/>
           </a:xfrm>
           <a:prstGeom prst="rect">
             <a:avLst/>
@@ -8464,7 +9087,7 @@
       </p:sp>
       <p:sp>
         <p:nvSpPr>
-          <p:cNvPr id="75" name="PlaceHolder 2"/>
+          <p:cNvPr id="83" name="PlaceHolder 2"/>
           <p:cNvSpPr>
             <a:spLocks noGrp="1"/>
           </p:cNvSpPr>
@@ -8475,7 +9098,7 @@
         <p:spPr>
           <a:xfrm>
             <a:off x="838080" y="1825560"/>
-            <a:ext cx="10514880" cy="4350600"/>
+            <a:ext cx="10514520" cy="4350240"/>
           </a:xfrm>
           <a:prstGeom prst="rect">
             <a:avLst/>
@@ -8690,7 +9313,7 @@
             <a:spLocks noGrp="1"/>
           </p:cNvSpPr>
           <p:nvPr>
-            <p:ph type="ftr" idx="3"/>
+            <p:ph type="ftr" idx="7"/>
           </p:nvPr>
         </p:nvSpPr>
         <p:spPr/>
@@ -8710,14 +9333,14 @@
             <a:spLocks noGrp="1"/>
           </p:cNvSpPr>
           <p:nvPr>
-            <p:ph type="sldNum" idx="4"/>
+            <p:ph type="sldNum" idx="8"/>
           </p:nvPr>
         </p:nvSpPr>
         <p:spPr/>
         <p:txBody>
           <a:bodyPr/>
           <a:p>
-            <a:fld id="{B9ED431C-DE97-47D1-8219-FED640A533F9}" type="slidenum">
+            <a:fld id="{A85A5044-A590-4BBE-A738-4BE3FD7E482A}" type="slidenum">
               <a:t>19</a:t>
             </a:fld>
           </a:p>
@@ -8755,7 +9378,7 @@
       </p:grpSpPr>
       <p:sp>
         <p:nvSpPr>
-          <p:cNvPr id="40" name="PlaceHolder 1"/>
+          <p:cNvPr id="48" name="PlaceHolder 1"/>
           <p:cNvSpPr>
             <a:spLocks noGrp="1"/>
           </p:cNvSpPr>
@@ -8766,7 +9389,7 @@
         <p:spPr>
           <a:xfrm>
             <a:off x="831960" y="1709640"/>
-            <a:ext cx="10514880" cy="2851920"/>
+            <a:ext cx="10514520" cy="2851560"/>
           </a:xfrm>
           <a:prstGeom prst="rect">
             <a:avLst/>
@@ -8814,7 +9437,7 @@
       </p:sp>
       <p:sp>
         <p:nvSpPr>
-          <p:cNvPr id="41" name="PlaceHolder 2"/>
+          <p:cNvPr id="49" name="PlaceHolder 2"/>
           <p:cNvSpPr>
             <a:spLocks noGrp="1"/>
           </p:cNvSpPr>
@@ -8825,7 +9448,7 @@
         <p:spPr>
           <a:xfrm>
             <a:off x="831960" y="4589640"/>
-            <a:ext cx="10514880" cy="1499400"/>
+            <a:ext cx="10514520" cy="1499040"/>
           </a:xfrm>
           <a:prstGeom prst="rect">
             <a:avLst/>
@@ -8864,7 +9487,7 @@
             <a:spLocks noGrp="1"/>
           </p:cNvSpPr>
           <p:nvPr>
-            <p:ph type="ftr" idx="6"/>
+            <p:ph type="ftr" idx="10"/>
           </p:nvPr>
         </p:nvSpPr>
         <p:spPr/>
@@ -8884,14 +9507,14 @@
             <a:spLocks noGrp="1"/>
           </p:cNvSpPr>
           <p:nvPr>
-            <p:ph type="sldNum" idx="7"/>
+            <p:ph type="sldNum" idx="11"/>
           </p:nvPr>
         </p:nvSpPr>
         <p:spPr/>
         <p:txBody>
           <a:bodyPr/>
           <a:p>
-            <a:fld id="{3E48F8D4-0392-4F7A-ADFC-7DFD1F9A5CAC}" type="slidenum">
+            <a:fld id="{AF166BB1-2B86-46EE-9899-77B6F0C7C5E4}" type="slidenum">
               <a:t>2</a:t>
             </a:fld>
           </a:p>
@@ -8929,7 +9552,7 @@
       </p:grpSpPr>
       <p:sp>
         <p:nvSpPr>
-          <p:cNvPr id="76" name="PlaceHolder 1"/>
+          <p:cNvPr id="84" name="PlaceHolder 1"/>
           <p:cNvSpPr>
             <a:spLocks noGrp="1"/>
           </p:cNvSpPr>
@@ -8940,7 +9563,7 @@
         <p:spPr>
           <a:xfrm>
             <a:off x="838080" y="365040"/>
-            <a:ext cx="10514880" cy="1324800"/>
+            <a:ext cx="10514520" cy="1324440"/>
           </a:xfrm>
           <a:prstGeom prst="rect">
             <a:avLst/>
@@ -8988,7 +9611,7 @@
       </p:sp>
       <p:sp>
         <p:nvSpPr>
-          <p:cNvPr id="77" name="PlaceHolder 2"/>
+          <p:cNvPr id="85" name="PlaceHolder 2"/>
           <p:cNvSpPr>
             <a:spLocks noGrp="1"/>
           </p:cNvSpPr>
@@ -8999,7 +9622,7 @@
         <p:spPr>
           <a:xfrm>
             <a:off x="838080" y="1825560"/>
-            <a:ext cx="10514880" cy="4350600"/>
+            <a:ext cx="10514520" cy="4350240"/>
           </a:xfrm>
           <a:prstGeom prst="rect">
             <a:avLst/>
@@ -9350,7 +9973,7 @@
             <a:spLocks noGrp="1"/>
           </p:cNvSpPr>
           <p:nvPr>
-            <p:ph type="ftr" idx="3"/>
+            <p:ph type="ftr" idx="7"/>
           </p:nvPr>
         </p:nvSpPr>
         <p:spPr/>
@@ -9370,14 +9993,14 @@
             <a:spLocks noGrp="1"/>
           </p:cNvSpPr>
           <p:nvPr>
-            <p:ph type="sldNum" idx="4"/>
+            <p:ph type="sldNum" idx="8"/>
           </p:nvPr>
         </p:nvSpPr>
         <p:spPr/>
         <p:txBody>
           <a:bodyPr/>
           <a:p>
-            <a:fld id="{5F0148FF-757D-4423-8B4A-D1294A4E75B4}" type="slidenum">
+            <a:fld id="{040BEB9B-C58F-4B2F-A675-6C3C0E4F935E}" type="slidenum">
               <a:t>20</a:t>
             </a:fld>
           </a:p>
@@ -9415,7 +10038,7 @@
       </p:grpSpPr>
       <p:sp>
         <p:nvSpPr>
-          <p:cNvPr id="78" name="PlaceHolder 1"/>
+          <p:cNvPr id="86" name="PlaceHolder 1"/>
           <p:cNvSpPr>
             <a:spLocks noGrp="1"/>
           </p:cNvSpPr>
@@ -9426,7 +10049,7 @@
         <p:spPr>
           <a:xfrm>
             <a:off x="838080" y="365040"/>
-            <a:ext cx="10514880" cy="1324800"/>
+            <a:ext cx="10514520" cy="1324440"/>
           </a:xfrm>
           <a:prstGeom prst="rect">
             <a:avLst/>
@@ -9474,7 +10097,7 @@
       </p:sp>
       <p:sp>
         <p:nvSpPr>
-          <p:cNvPr id="79" name="PlaceHolder 2"/>
+          <p:cNvPr id="87" name="PlaceHolder 2"/>
           <p:cNvSpPr>
             <a:spLocks noGrp="1"/>
           </p:cNvSpPr>
@@ -9485,7 +10108,7 @@
         <p:spPr>
           <a:xfrm>
             <a:off x="838080" y="1825560"/>
-            <a:ext cx="10514880" cy="4350600"/>
+            <a:ext cx="10514520" cy="4350240"/>
           </a:xfrm>
           <a:prstGeom prst="rect">
             <a:avLst/>
@@ -9734,7 +10357,7 @@
             <a:spLocks noGrp="1"/>
           </p:cNvSpPr>
           <p:nvPr>
-            <p:ph type="ftr" idx="3"/>
+            <p:ph type="ftr" idx="7"/>
           </p:nvPr>
         </p:nvSpPr>
         <p:spPr/>
@@ -9754,14 +10377,14 @@
             <a:spLocks noGrp="1"/>
           </p:cNvSpPr>
           <p:nvPr>
-            <p:ph type="sldNum" idx="4"/>
+            <p:ph type="sldNum" idx="8"/>
           </p:nvPr>
         </p:nvSpPr>
         <p:spPr/>
         <p:txBody>
           <a:bodyPr/>
           <a:p>
-            <a:fld id="{C8D2E632-4A85-4316-9BDE-F3B45B5D36FB}" type="slidenum">
+            <a:fld id="{89D2A492-5C69-4C54-90F0-1FD64A2896EE}" type="slidenum">
               <a:t>21</a:t>
             </a:fld>
           </a:p>
@@ -9799,7 +10422,7 @@
       </p:grpSpPr>
       <p:sp>
         <p:nvSpPr>
-          <p:cNvPr id="80" name="PlaceHolder 1"/>
+          <p:cNvPr id="88" name="PlaceHolder 1"/>
           <p:cNvSpPr>
             <a:spLocks noGrp="1"/>
           </p:cNvSpPr>
@@ -9810,7 +10433,7 @@
         <p:spPr>
           <a:xfrm>
             <a:off x="838080" y="365040"/>
-            <a:ext cx="10514880" cy="1324800"/>
+            <a:ext cx="10514520" cy="1324440"/>
           </a:xfrm>
           <a:prstGeom prst="rect">
             <a:avLst/>
@@ -9858,7 +10481,7 @@
       </p:sp>
       <p:sp>
         <p:nvSpPr>
-          <p:cNvPr id="81" name="PlaceHolder 2"/>
+          <p:cNvPr id="89" name="PlaceHolder 2"/>
           <p:cNvSpPr>
             <a:spLocks noGrp="1"/>
           </p:cNvSpPr>
@@ -9869,7 +10492,7 @@
         <p:spPr>
           <a:xfrm>
             <a:off x="838080" y="1825560"/>
-            <a:ext cx="10514880" cy="4350600"/>
+            <a:ext cx="10514520" cy="4350240"/>
           </a:xfrm>
           <a:prstGeom prst="rect">
             <a:avLst/>
@@ -10062,7 +10685,7 @@
             <a:spLocks noGrp="1"/>
           </p:cNvSpPr>
           <p:nvPr>
-            <p:ph type="ftr" idx="3"/>
+            <p:ph type="ftr" idx="7"/>
           </p:nvPr>
         </p:nvSpPr>
         <p:spPr/>
@@ -10082,14 +10705,14 @@
             <a:spLocks noGrp="1"/>
           </p:cNvSpPr>
           <p:nvPr>
-            <p:ph type="sldNum" idx="4"/>
+            <p:ph type="sldNum" idx="8"/>
           </p:nvPr>
         </p:nvSpPr>
         <p:spPr/>
         <p:txBody>
           <a:bodyPr/>
           <a:p>
-            <a:fld id="{7530470A-72F8-47F6-8195-9356193D9FD3}" type="slidenum">
+            <a:fld id="{5C040F70-3E45-4886-8417-894311B9FCCB}" type="slidenum">
               <a:t>22</a:t>
             </a:fld>
           </a:p>
@@ -10127,7 +10750,7 @@
       </p:grpSpPr>
       <p:sp>
         <p:nvSpPr>
-          <p:cNvPr id="82" name="PlaceHolder 1"/>
+          <p:cNvPr id="90" name="PlaceHolder 1"/>
           <p:cNvSpPr>
             <a:spLocks noGrp="1"/>
           </p:cNvSpPr>
@@ -10138,7 +10761,7 @@
         <p:spPr>
           <a:xfrm>
             <a:off x="838080" y="365040"/>
-            <a:ext cx="10514880" cy="1324800"/>
+            <a:ext cx="10514520" cy="1324440"/>
           </a:xfrm>
           <a:prstGeom prst="rect">
             <a:avLst/>
@@ -10186,7 +10809,7 @@
       </p:sp>
       <p:sp>
         <p:nvSpPr>
-          <p:cNvPr id="83" name="PlaceHolder 2"/>
+          <p:cNvPr id="91" name="PlaceHolder 2"/>
           <p:cNvSpPr>
             <a:spLocks noGrp="1"/>
           </p:cNvSpPr>
@@ -10197,7 +10820,7 @@
         <p:spPr>
           <a:xfrm>
             <a:off x="838080" y="1753560"/>
-            <a:ext cx="10514880" cy="4350600"/>
+            <a:ext cx="10514520" cy="4350240"/>
           </a:xfrm>
           <a:prstGeom prst="rect">
             <a:avLst/>
@@ -10316,7 +10939,7 @@
             </a:endParaRPr>
           </a:p>
           <a:p>
-            <a:pPr lvl="1" marL="864000" indent="0" defTabSz="914400">
+            <a:pPr marL="864000" indent="0" defTabSz="914400">
               <a:lnSpc>
                 <a:spcPct val="90000"/>
               </a:lnSpc>
@@ -10324,6 +10947,9 @@
                 <a:spcPts val="1134"/>
               </a:spcBef>
               <a:buNone/>
+              <a:tabLst>
+                <a:tab algn="l" pos="0"/>
+              </a:tabLst>
             </a:pPr>
             <a:endParaRPr b="0" lang="sv-SE" sz="2200" strike="noStrike" u="none">
               <a:solidFill>
@@ -10343,7 +10969,7 @@
             <a:spLocks noGrp="1"/>
           </p:cNvSpPr>
           <p:nvPr>
-            <p:ph type="ftr" idx="3"/>
+            <p:ph type="ftr" idx="7"/>
           </p:nvPr>
         </p:nvSpPr>
         <p:spPr/>
@@ -10363,14 +10989,14 @@
             <a:spLocks noGrp="1"/>
           </p:cNvSpPr>
           <p:nvPr>
-            <p:ph type="sldNum" idx="4"/>
+            <p:ph type="sldNum" idx="8"/>
           </p:nvPr>
         </p:nvSpPr>
         <p:spPr/>
         <p:txBody>
           <a:bodyPr/>
           <a:p>
-            <a:fld id="{AA79B223-8F5E-409B-8D72-6F0CB84583A8}" type="slidenum">
+            <a:fld id="{31FE33F5-DB03-4555-A904-BFBEF4D6EC2D}" type="slidenum">
               <a:t>23</a:t>
             </a:fld>
           </a:p>
@@ -10408,7 +11034,7 @@
       </p:grpSpPr>
       <p:sp>
         <p:nvSpPr>
-          <p:cNvPr id="84" name="PlaceHolder 1"/>
+          <p:cNvPr id="92" name="PlaceHolder 1"/>
           <p:cNvSpPr>
             <a:spLocks noGrp="1"/>
           </p:cNvSpPr>
@@ -10419,7 +11045,7 @@
         <p:spPr>
           <a:xfrm>
             <a:off x="831960" y="1709640"/>
-            <a:ext cx="10514880" cy="2851920"/>
+            <a:ext cx="10514520" cy="2851560"/>
           </a:xfrm>
           <a:prstGeom prst="rect">
             <a:avLst/>
@@ -10467,7 +11093,7 @@
       </p:sp>
       <p:sp>
         <p:nvSpPr>
-          <p:cNvPr id="85" name="PlaceHolder 2"/>
+          <p:cNvPr id="93" name="PlaceHolder 2"/>
           <p:cNvSpPr>
             <a:spLocks noGrp="1"/>
           </p:cNvSpPr>
@@ -10478,7 +11104,7 @@
         <p:spPr>
           <a:xfrm>
             <a:off x="831960" y="4589640"/>
-            <a:ext cx="10514880" cy="1499400"/>
+            <a:ext cx="10514520" cy="1499040"/>
           </a:xfrm>
           <a:prstGeom prst="rect">
             <a:avLst/>
@@ -10517,7 +11143,7 @@
             <a:spLocks noGrp="1"/>
           </p:cNvSpPr>
           <p:nvPr>
-            <p:ph type="ftr" idx="6"/>
+            <p:ph type="ftr" idx="10"/>
           </p:nvPr>
         </p:nvSpPr>
         <p:spPr/>
@@ -10537,14 +11163,14 @@
             <a:spLocks noGrp="1"/>
           </p:cNvSpPr>
           <p:nvPr>
-            <p:ph type="sldNum" idx="7"/>
+            <p:ph type="sldNum" idx="11"/>
           </p:nvPr>
         </p:nvSpPr>
         <p:spPr/>
         <p:txBody>
           <a:bodyPr/>
           <a:p>
-            <a:fld id="{FA9E2C90-1B68-49C0-81A6-52C753E0F8B1}" type="slidenum">
+            <a:fld id="{1B374248-C0ED-4C3F-A1B9-C6F21CDBE2F4}" type="slidenum">
               <a:t>24</a:t>
             </a:fld>
           </a:p>
@@ -10582,7 +11208,7 @@
       </p:grpSpPr>
       <p:sp>
         <p:nvSpPr>
-          <p:cNvPr id="86" name="PlaceHolder 1"/>
+          <p:cNvPr id="94" name="PlaceHolder 1"/>
           <p:cNvSpPr>
             <a:spLocks noGrp="1"/>
           </p:cNvSpPr>
@@ -10593,7 +11219,7 @@
         <p:spPr>
           <a:xfrm>
             <a:off x="838080" y="365040"/>
-            <a:ext cx="10514880" cy="1324800"/>
+            <a:ext cx="10514520" cy="1324440"/>
           </a:xfrm>
           <a:prstGeom prst="rect">
             <a:avLst/>
@@ -10641,7 +11267,7 @@
       </p:sp>
       <p:sp>
         <p:nvSpPr>
-          <p:cNvPr id="87" name="PlaceHolder 2"/>
+          <p:cNvPr id="95" name="PlaceHolder 2"/>
           <p:cNvSpPr>
             <a:spLocks noGrp="1"/>
           </p:cNvSpPr>
@@ -10652,7 +11278,7 @@
         <p:spPr>
           <a:xfrm>
             <a:off x="838080" y="1825560"/>
-            <a:ext cx="10514880" cy="4350600"/>
+            <a:ext cx="10514520" cy="4350240"/>
           </a:xfrm>
           <a:prstGeom prst="rect">
             <a:avLst/>
@@ -10811,7 +11437,7 @@
             <a:spLocks noGrp="1"/>
           </p:cNvSpPr>
           <p:nvPr>
-            <p:ph type="ftr" idx="3"/>
+            <p:ph type="ftr" idx="7"/>
           </p:nvPr>
         </p:nvSpPr>
         <p:spPr/>
@@ -10831,14 +11457,14 @@
             <a:spLocks noGrp="1"/>
           </p:cNvSpPr>
           <p:nvPr>
-            <p:ph type="sldNum" idx="4"/>
+            <p:ph type="sldNum" idx="8"/>
           </p:nvPr>
         </p:nvSpPr>
         <p:spPr/>
         <p:txBody>
           <a:bodyPr/>
           <a:p>
-            <a:fld id="{F2DD3EF9-78E6-4F49-BFC8-EBFC224DDFC5}" type="slidenum">
+            <a:fld id="{FDA22C5A-5AA0-4A57-A98A-1F3EDD1629A2}" type="slidenum">
               <a:t>25</a:t>
             </a:fld>
           </a:p>
@@ -10876,7 +11502,7 @@
       </p:grpSpPr>
       <p:sp>
         <p:nvSpPr>
-          <p:cNvPr id="88" name="PlaceHolder 1"/>
+          <p:cNvPr id="96" name="PlaceHolder 1"/>
           <p:cNvSpPr>
             <a:spLocks noGrp="1"/>
           </p:cNvSpPr>
@@ -10887,7 +11513,7 @@
         <p:spPr>
           <a:xfrm>
             <a:off x="838080" y="365040"/>
-            <a:ext cx="10514880" cy="1324800"/>
+            <a:ext cx="10514520" cy="1324440"/>
           </a:xfrm>
           <a:prstGeom prst="rect">
             <a:avLst/>
@@ -10935,7 +11561,7 @@
       </p:sp>
       <p:sp>
         <p:nvSpPr>
-          <p:cNvPr id="89" name="PlaceHolder 2"/>
+          <p:cNvPr id="97" name="PlaceHolder 2"/>
           <p:cNvSpPr>
             <a:spLocks noGrp="1"/>
           </p:cNvSpPr>
@@ -10946,7 +11572,7 @@
         <p:spPr>
           <a:xfrm>
             <a:off x="838080" y="1825560"/>
-            <a:ext cx="10514880" cy="4350600"/>
+            <a:ext cx="10514520" cy="4350240"/>
           </a:xfrm>
           <a:prstGeom prst="rect">
             <a:avLst/>
@@ -11066,7 +11692,7 @@
       </p:sp>
       <p:pic>
         <p:nvPicPr>
-          <p:cNvPr id="90" name="Picture 4" descr=""/>
+          <p:cNvPr id="98" name="Picture 4" descr=""/>
           <p:cNvPicPr/>
           <p:nvPr/>
         </p:nvPicPr>
@@ -11077,7 +11703,7 @@
         <p:spPr>
           <a:xfrm>
             <a:off x="3621960" y="990000"/>
-            <a:ext cx="7611840" cy="5519520"/>
+            <a:ext cx="7611480" cy="5519160"/>
           </a:xfrm>
           <a:prstGeom prst="rect">
             <a:avLst/>
@@ -11090,7 +11716,7 @@
       </p:pic>
       <p:pic>
         <p:nvPicPr>
-          <p:cNvPr id="91" name="Picture 6" descr=""/>
+          <p:cNvPr id="99" name="Picture 6" descr=""/>
           <p:cNvPicPr/>
           <p:nvPr/>
         </p:nvPicPr>
@@ -11101,7 +11727,7 @@
         <p:spPr>
           <a:xfrm>
             <a:off x="3621960" y="2489400"/>
-            <a:ext cx="5938200" cy="2137680"/>
+            <a:ext cx="5937840" cy="2137320"/>
           </a:xfrm>
           <a:prstGeom prst="rect">
             <a:avLst/>
@@ -11119,7 +11745,7 @@
             <a:spLocks noGrp="1"/>
           </p:cNvSpPr>
           <p:nvPr>
-            <p:ph type="ftr" idx="3"/>
+            <p:ph type="ftr" idx="7"/>
           </p:nvPr>
         </p:nvSpPr>
         <p:spPr/>
@@ -11139,14 +11765,14 @@
             <a:spLocks noGrp="1"/>
           </p:cNvSpPr>
           <p:nvPr>
-            <p:ph type="sldNum" idx="4"/>
+            <p:ph type="sldNum" idx="8"/>
           </p:nvPr>
         </p:nvSpPr>
         <p:spPr/>
         <p:txBody>
           <a:bodyPr/>
           <a:p>
-            <a:fld id="{25E130DC-1BDB-45C4-9EF3-DE238414B43E}" type="slidenum">
+            <a:fld id="{585D7C70-5CB0-411B-A7DA-A4AB95B20652}" type="slidenum">
               <a:t>26</a:t>
             </a:fld>
           </a:p>
@@ -11196,7 +11822,7 @@
                                           </p:stCondLst>
                                         </p:cTn>
                                         <p:tgtEl>
-                                          <p:spTgt spid="90"/>
+                                          <p:spTgt spid="98"/>
                                         </p:tgtEl>
                                         <p:attrNameLst>
                                           <p:attrName>style.visibility</p:attrName>
@@ -11210,7 +11836,7 @@
                                       <p:cBhvr additive="repl">
                                         <p:cTn id="7" dur="500"/>
                                         <p:tgtEl>
-                                          <p:spTgt spid="90"/>
+                                          <p:spTgt spid="98"/>
                                         </p:tgtEl>
                                       </p:cBhvr>
                                     </p:animEffect>
@@ -11249,7 +11875,7 @@
                                           </p:stCondLst>
                                         </p:cTn>
                                         <p:tgtEl>
-                                          <p:spTgt spid="89">
+                                          <p:spTgt spid="97">
                                             <p:txEl>
                                               <p:pRg st="2" end="2"/>
                                             </p:txEl>
@@ -11276,7 +11902,7 @@
                                       <p:cBhvr>
                                         <p:cTn id="13" dur="indefinite"/>
                                         <p:tgtEl>
-                                          <p:spTgt spid="90"/>
+                                          <p:spTgt spid="98"/>
                                         </p:tgtEl>
                                         <p:attrNameLst>
                                           <p:attrName>style.opacity</p:attrName>
@@ -11290,7 +11916,7 @@
                                       <p:cBhvr additive="repl">
                                         <p:cTn id="14" dur="indefinite"/>
                                         <p:tgtEl>
-                                          <p:spTgt spid="90"/>
+                                          <p:spTgt spid="98"/>
                                         </p:tgtEl>
                                       </p:cBhvr>
                                     </p:animEffect>
@@ -11329,7 +11955,7 @@
                                           </p:stCondLst>
                                         </p:cTn>
                                         <p:tgtEl>
-                                          <p:spTgt spid="91"/>
+                                          <p:spTgt spid="99"/>
                                         </p:tgtEl>
                                         <p:attrNameLst>
                                           <p:attrName>style.visibility</p:attrName>
@@ -11343,7 +11969,7 @@
                                       <p:cBhvr additive="repl">
                                         <p:cTn id="19" dur="500"/>
                                         <p:tgtEl>
-                                          <p:spTgt spid="91"/>
+                                          <p:spTgt spid="99"/>
                                         </p:tgtEl>
                                       </p:cBhvr>
                                     </p:animEffect>
@@ -11400,7 +12026,7 @@
       </p:grpSpPr>
       <p:sp>
         <p:nvSpPr>
-          <p:cNvPr id="92" name="PlaceHolder 1"/>
+          <p:cNvPr id="100" name="PlaceHolder 1"/>
           <p:cNvSpPr>
             <a:spLocks noGrp="1"/>
           </p:cNvSpPr>
@@ -11411,7 +12037,7 @@
         <p:spPr>
           <a:xfrm>
             <a:off x="838080" y="365040"/>
-            <a:ext cx="10514880" cy="1324800"/>
+            <a:ext cx="10514520" cy="1324440"/>
           </a:xfrm>
           <a:prstGeom prst="rect">
             <a:avLst/>
@@ -11459,7 +12085,7 @@
       </p:sp>
       <p:sp>
         <p:nvSpPr>
-          <p:cNvPr id="93" name="PlaceHolder 2"/>
+          <p:cNvPr id="101" name="PlaceHolder 2"/>
           <p:cNvSpPr>
             <a:spLocks noGrp="1"/>
           </p:cNvSpPr>
@@ -11470,7 +12096,7 @@
         <p:spPr>
           <a:xfrm>
             <a:off x="838080" y="1825560"/>
-            <a:ext cx="10514880" cy="4350600"/>
+            <a:ext cx="10514520" cy="4350240"/>
           </a:xfrm>
           <a:prstGeom prst="rect">
             <a:avLst/>
@@ -11695,7 +12321,7 @@
             <a:spLocks noGrp="1"/>
           </p:cNvSpPr>
           <p:nvPr>
-            <p:ph type="ftr" idx="3"/>
+            <p:ph type="ftr" idx="7"/>
           </p:nvPr>
         </p:nvSpPr>
         <p:spPr/>
@@ -11715,14 +12341,14 @@
             <a:spLocks noGrp="1"/>
           </p:cNvSpPr>
           <p:nvPr>
-            <p:ph type="sldNum" idx="4"/>
+            <p:ph type="sldNum" idx="8"/>
           </p:nvPr>
         </p:nvSpPr>
         <p:spPr/>
         <p:txBody>
           <a:bodyPr/>
           <a:p>
-            <a:fld id="{2FA73B71-7C00-4C0C-92B1-258089D49E6B}" type="slidenum">
+            <a:fld id="{C3064A74-8C23-4B4F-81BB-611387EBA01F}" type="slidenum">
               <a:t>27</a:t>
             </a:fld>
           </a:p>
@@ -11760,7 +12386,7 @@
       </p:grpSpPr>
       <p:sp>
         <p:nvSpPr>
-          <p:cNvPr id="94" name="PlaceHolder 1"/>
+          <p:cNvPr id="102" name="PlaceHolder 1"/>
           <p:cNvSpPr>
             <a:spLocks noGrp="1"/>
           </p:cNvSpPr>
@@ -11771,7 +12397,7 @@
         <p:spPr>
           <a:xfrm>
             <a:off x="838080" y="365040"/>
-            <a:ext cx="10514880" cy="1324800"/>
+            <a:ext cx="10514520" cy="1324440"/>
           </a:xfrm>
           <a:prstGeom prst="rect">
             <a:avLst/>
@@ -11819,7 +12445,7 @@
       </p:sp>
       <p:sp>
         <p:nvSpPr>
-          <p:cNvPr id="95" name="PlaceHolder 2"/>
+          <p:cNvPr id="103" name="PlaceHolder 2"/>
           <p:cNvSpPr>
             <a:spLocks noGrp="1"/>
           </p:cNvSpPr>
@@ -11830,7 +12456,7 @@
         <p:spPr>
           <a:xfrm>
             <a:off x="838080" y="1825560"/>
-            <a:ext cx="10514880" cy="4350600"/>
+            <a:ext cx="10514520" cy="4350240"/>
           </a:xfrm>
           <a:prstGeom prst="rect">
             <a:avLst/>
@@ -12383,7 +13009,7 @@
             <a:spLocks noGrp="1"/>
           </p:cNvSpPr>
           <p:nvPr>
-            <p:ph type="ftr" idx="3"/>
+            <p:ph type="ftr" idx="7"/>
           </p:nvPr>
         </p:nvSpPr>
         <p:spPr/>
@@ -12403,14 +13029,14 @@
             <a:spLocks noGrp="1"/>
           </p:cNvSpPr>
           <p:nvPr>
-            <p:ph type="sldNum" idx="4"/>
+            <p:ph type="sldNum" idx="8"/>
           </p:nvPr>
         </p:nvSpPr>
         <p:spPr/>
         <p:txBody>
           <a:bodyPr/>
           <a:p>
-            <a:fld id="{14C46093-CDF9-40CE-8A41-81B8465E80E4}" type="slidenum">
+            <a:fld id="{90834E59-A800-406E-A9CB-BDC0798D6AFC}" type="slidenum">
               <a:t>28</a:t>
             </a:fld>
           </a:p>
@@ -12448,7 +13074,7 @@
       </p:grpSpPr>
       <p:sp>
         <p:nvSpPr>
-          <p:cNvPr id="96" name="PlaceHolder 1"/>
+          <p:cNvPr id="104" name="PlaceHolder 1"/>
           <p:cNvSpPr>
             <a:spLocks noGrp="1"/>
           </p:cNvSpPr>
@@ -12459,7 +13085,7 @@
         <p:spPr>
           <a:xfrm>
             <a:off x="838080" y="365040"/>
-            <a:ext cx="10514880" cy="1324800"/>
+            <a:ext cx="10514520" cy="1324440"/>
           </a:xfrm>
           <a:prstGeom prst="rect">
             <a:avLst/>
@@ -12507,7 +13133,7 @@
       </p:sp>
       <p:sp>
         <p:nvSpPr>
-          <p:cNvPr id="97" name="PlaceHolder 2"/>
+          <p:cNvPr id="105" name="PlaceHolder 2"/>
           <p:cNvSpPr>
             <a:spLocks noGrp="1"/>
           </p:cNvSpPr>
@@ -12518,7 +13144,7 @@
         <p:spPr>
           <a:xfrm>
             <a:off x="838080" y="1825560"/>
-            <a:ext cx="10514880" cy="4350600"/>
+            <a:ext cx="10514520" cy="4350240"/>
           </a:xfrm>
           <a:prstGeom prst="rect">
             <a:avLst/>
@@ -12767,7 +13393,7 @@
             <a:spLocks noGrp="1"/>
           </p:cNvSpPr>
           <p:nvPr>
-            <p:ph type="ftr" idx="3"/>
+            <p:ph type="ftr" idx="7"/>
           </p:nvPr>
         </p:nvSpPr>
         <p:spPr/>
@@ -12787,14 +13413,14 @@
             <a:spLocks noGrp="1"/>
           </p:cNvSpPr>
           <p:nvPr>
-            <p:ph type="sldNum" idx="4"/>
+            <p:ph type="sldNum" idx="8"/>
           </p:nvPr>
         </p:nvSpPr>
         <p:spPr/>
         <p:txBody>
           <a:bodyPr/>
           <a:p>
-            <a:fld id="{9A35BA15-05BF-4FE7-B7D2-8A0189FCC0FF}" type="slidenum">
+            <a:fld id="{31783ED6-E7D9-4166-8490-F7ADB86C3B49}" type="slidenum">
               <a:t>29</a:t>
             </a:fld>
           </a:p>
@@ -12832,7 +13458,7 @@
       </p:grpSpPr>
       <p:sp>
         <p:nvSpPr>
-          <p:cNvPr id="42" name="PlaceHolder 1"/>
+          <p:cNvPr id="50" name="PlaceHolder 1"/>
           <p:cNvSpPr>
             <a:spLocks noGrp="1"/>
           </p:cNvSpPr>
@@ -12843,7 +13469,7 @@
         <p:spPr>
           <a:xfrm>
             <a:off x="838080" y="365040"/>
-            <a:ext cx="10514880" cy="1324800"/>
+            <a:ext cx="10514520" cy="1324440"/>
           </a:xfrm>
           <a:prstGeom prst="rect">
             <a:avLst/>
@@ -12891,7 +13517,7 @@
       </p:sp>
       <p:sp>
         <p:nvSpPr>
-          <p:cNvPr id="43" name="PlaceHolder 2"/>
+          <p:cNvPr id="51" name="PlaceHolder 2"/>
           <p:cNvSpPr>
             <a:spLocks noGrp="1"/>
           </p:cNvSpPr>
@@ -12902,7 +13528,7 @@
         <p:spPr>
           <a:xfrm>
             <a:off x="838080" y="1825560"/>
-            <a:ext cx="10514880" cy="4350600"/>
+            <a:ext cx="10514520" cy="4350240"/>
           </a:xfrm>
           <a:prstGeom prst="rect">
             <a:avLst/>
@@ -13131,7 +13757,7 @@
             <a:spLocks noGrp="1"/>
           </p:cNvSpPr>
           <p:nvPr>
-            <p:ph type="ftr" idx="3"/>
+            <p:ph type="ftr" idx="7"/>
           </p:nvPr>
         </p:nvSpPr>
         <p:spPr/>
@@ -13151,14 +13777,14 @@
             <a:spLocks noGrp="1"/>
           </p:cNvSpPr>
           <p:nvPr>
-            <p:ph type="sldNum" idx="4"/>
+            <p:ph type="sldNum" idx="8"/>
           </p:nvPr>
         </p:nvSpPr>
         <p:spPr/>
         <p:txBody>
           <a:bodyPr/>
           <a:p>
-            <a:fld id="{4C77D0EB-C242-4747-8166-993ADCF9FCA3}" type="slidenum">
+            <a:fld id="{73784455-C4AC-4D71-9D6A-95E9B0DEA54B}" type="slidenum">
               <a:t>3</a:t>
             </a:fld>
           </a:p>
@@ -13196,7 +13822,7 @@
       </p:grpSpPr>
       <p:sp>
         <p:nvSpPr>
-          <p:cNvPr id="98" name="PlaceHolder 1"/>
+          <p:cNvPr id="106" name="PlaceHolder 1"/>
           <p:cNvSpPr>
             <a:spLocks noGrp="1"/>
           </p:cNvSpPr>
@@ -13207,7 +13833,7 @@
         <p:spPr>
           <a:xfrm>
             <a:off x="838080" y="365040"/>
-            <a:ext cx="10514880" cy="1324800"/>
+            <a:ext cx="10514520" cy="1324440"/>
           </a:xfrm>
           <a:prstGeom prst="rect">
             <a:avLst/>
@@ -13255,7 +13881,7 @@
       </p:sp>
       <p:sp>
         <p:nvSpPr>
-          <p:cNvPr id="99" name="PlaceHolder 2"/>
+          <p:cNvPr id="107" name="PlaceHolder 2"/>
           <p:cNvSpPr>
             <a:spLocks noGrp="1"/>
           </p:cNvSpPr>
@@ -13266,7 +13892,7 @@
         <p:spPr>
           <a:xfrm>
             <a:off x="838080" y="1825560"/>
-            <a:ext cx="10514880" cy="4350600"/>
+            <a:ext cx="10514520" cy="4350240"/>
           </a:xfrm>
           <a:prstGeom prst="rect">
             <a:avLst/>
@@ -13515,7 +14141,7 @@
             <a:spLocks noGrp="1"/>
           </p:cNvSpPr>
           <p:nvPr>
-            <p:ph type="ftr" idx="3"/>
+            <p:ph type="ftr" idx="7"/>
           </p:nvPr>
         </p:nvSpPr>
         <p:spPr/>
@@ -13535,14 +14161,14 @@
             <a:spLocks noGrp="1"/>
           </p:cNvSpPr>
           <p:nvPr>
-            <p:ph type="sldNum" idx="4"/>
+            <p:ph type="sldNum" idx="8"/>
           </p:nvPr>
         </p:nvSpPr>
         <p:spPr/>
         <p:txBody>
           <a:bodyPr/>
           <a:p>
-            <a:fld id="{959468D8-B2EA-49A6-A74A-96C3E5F52246}" type="slidenum">
+            <a:fld id="{E106CB07-FC8C-460F-81BF-4AEF5152E80B}" type="slidenum">
               <a:t>30</a:t>
             </a:fld>
           </a:p>
@@ -13580,7 +14206,7 @@
       </p:grpSpPr>
       <p:sp>
         <p:nvSpPr>
-          <p:cNvPr id="100" name="PlaceHolder 1"/>
+          <p:cNvPr id="108" name="PlaceHolder 1"/>
           <p:cNvSpPr>
             <a:spLocks noGrp="1"/>
           </p:cNvSpPr>
@@ -13591,7 +14217,7 @@
         <p:spPr>
           <a:xfrm>
             <a:off x="838080" y="365040"/>
-            <a:ext cx="10514880" cy="1324800"/>
+            <a:ext cx="10514520" cy="1324440"/>
           </a:xfrm>
           <a:prstGeom prst="rect">
             <a:avLst/>
@@ -13639,7 +14265,7 @@
       </p:sp>
       <p:sp>
         <p:nvSpPr>
-          <p:cNvPr id="101" name="PlaceHolder 2"/>
+          <p:cNvPr id="109" name="PlaceHolder 2"/>
           <p:cNvSpPr>
             <a:spLocks noGrp="1"/>
           </p:cNvSpPr>
@@ -13650,7 +14276,7 @@
         <p:spPr>
           <a:xfrm>
             <a:off x="838080" y="1825560"/>
-            <a:ext cx="10514880" cy="4350600"/>
+            <a:ext cx="10514520" cy="4350240"/>
           </a:xfrm>
           <a:prstGeom prst="rect">
             <a:avLst/>
@@ -13945,7 +14571,7 @@
             <a:spLocks noGrp="1"/>
           </p:cNvSpPr>
           <p:nvPr>
-            <p:ph type="ftr" idx="3"/>
+            <p:ph type="ftr" idx="7"/>
           </p:nvPr>
         </p:nvSpPr>
         <p:spPr/>
@@ -13965,14 +14591,14 @@
             <a:spLocks noGrp="1"/>
           </p:cNvSpPr>
           <p:nvPr>
-            <p:ph type="sldNum" idx="4"/>
+            <p:ph type="sldNum" idx="8"/>
           </p:nvPr>
         </p:nvSpPr>
         <p:spPr/>
         <p:txBody>
           <a:bodyPr/>
           <a:p>
-            <a:fld id="{A10C72CB-B567-49DC-9EA5-1C46D76621EF}" type="slidenum">
+            <a:fld id="{D3C76C07-E982-4876-B5DF-67A20F0E1EE5}" type="slidenum">
               <a:t>31</a:t>
             </a:fld>
           </a:p>
@@ -14010,7 +14636,7 @@
       </p:grpSpPr>
       <p:sp>
         <p:nvSpPr>
-          <p:cNvPr id="102" name="PlaceHolder 1"/>
+          <p:cNvPr id="110" name="PlaceHolder 1"/>
           <p:cNvSpPr>
             <a:spLocks noGrp="1"/>
           </p:cNvSpPr>
@@ -14021,7 +14647,7 @@
         <p:spPr>
           <a:xfrm>
             <a:off x="838080" y="365040"/>
-            <a:ext cx="10514880" cy="1324800"/>
+            <a:ext cx="10514520" cy="1324440"/>
           </a:xfrm>
           <a:prstGeom prst="rect">
             <a:avLst/>
@@ -14069,7 +14695,7 @@
       </p:sp>
       <p:sp>
         <p:nvSpPr>
-          <p:cNvPr id="103" name="PlaceHolder 2"/>
+          <p:cNvPr id="111" name="PlaceHolder 2"/>
           <p:cNvSpPr>
             <a:spLocks noGrp="1"/>
           </p:cNvSpPr>
@@ -14080,7 +14706,7 @@
         <p:spPr>
           <a:xfrm>
             <a:off x="838080" y="1825560"/>
-            <a:ext cx="10514880" cy="4350600"/>
+            <a:ext cx="10514520" cy="4350240"/>
           </a:xfrm>
           <a:prstGeom prst="rect">
             <a:avLst/>
@@ -14295,7 +14921,7 @@
             <a:spLocks noGrp="1"/>
           </p:cNvSpPr>
           <p:nvPr>
-            <p:ph type="ftr" idx="3"/>
+            <p:ph type="ftr" idx="7"/>
           </p:nvPr>
         </p:nvSpPr>
         <p:spPr/>
@@ -14315,14 +14941,14 @@
             <a:spLocks noGrp="1"/>
           </p:cNvSpPr>
           <p:nvPr>
-            <p:ph type="sldNum" idx="4"/>
+            <p:ph type="sldNum" idx="8"/>
           </p:nvPr>
         </p:nvSpPr>
         <p:spPr/>
         <p:txBody>
           <a:bodyPr/>
           <a:p>
-            <a:fld id="{041D2E70-E93F-4A2A-96A0-0CFB7F52D08F}" type="slidenum">
+            <a:fld id="{75BCE4C3-A261-41A2-827D-EFFC39291D59}" type="slidenum">
               <a:t>32</a:t>
             </a:fld>
           </a:p>
@@ -14360,7 +14986,7 @@
       </p:grpSpPr>
       <p:sp>
         <p:nvSpPr>
-          <p:cNvPr id="104" name="PlaceHolder 1"/>
+          <p:cNvPr id="112" name="PlaceHolder 1"/>
           <p:cNvSpPr>
             <a:spLocks noGrp="1"/>
           </p:cNvSpPr>
@@ -14371,7 +14997,7 @@
         <p:spPr>
           <a:xfrm>
             <a:off x="838080" y="365040"/>
-            <a:ext cx="10514880" cy="1324800"/>
+            <a:ext cx="10514520" cy="1324440"/>
           </a:xfrm>
           <a:prstGeom prst="rect">
             <a:avLst/>
@@ -14419,7 +15045,7 @@
       </p:sp>
       <p:sp>
         <p:nvSpPr>
-          <p:cNvPr id="105" name="PlaceHolder 2"/>
+          <p:cNvPr id="113" name="PlaceHolder 2"/>
           <p:cNvSpPr>
             <a:spLocks noGrp="1"/>
           </p:cNvSpPr>
@@ -14430,7 +15056,7 @@
         <p:spPr>
           <a:xfrm>
             <a:off x="838080" y="1825560"/>
-            <a:ext cx="10514880" cy="4350600"/>
+            <a:ext cx="10514520" cy="4350240"/>
           </a:xfrm>
           <a:prstGeom prst="rect">
             <a:avLst/>
@@ -15201,7 +15827,7 @@
             <a:spLocks noGrp="1"/>
           </p:cNvSpPr>
           <p:nvPr>
-            <p:ph type="ftr" idx="3"/>
+            <p:ph type="ftr" idx="7"/>
           </p:nvPr>
         </p:nvSpPr>
         <p:spPr/>
@@ -15221,14 +15847,14 @@
             <a:spLocks noGrp="1"/>
           </p:cNvSpPr>
           <p:nvPr>
-            <p:ph type="sldNum" idx="4"/>
+            <p:ph type="sldNum" idx="8"/>
           </p:nvPr>
         </p:nvSpPr>
         <p:spPr/>
         <p:txBody>
           <a:bodyPr/>
           <a:p>
-            <a:fld id="{FB60E321-141D-4F60-B353-E2C5E6233BF2}" type="slidenum">
+            <a:fld id="{D6669C81-845E-4CE6-9CDC-CAEAC9D78A61}" type="slidenum">
               <a:t>33</a:t>
             </a:fld>
           </a:p>
@@ -15266,7 +15892,7 @@
       </p:grpSpPr>
       <p:sp>
         <p:nvSpPr>
-          <p:cNvPr id="106" name="PlaceHolder 1"/>
+          <p:cNvPr id="114" name="PlaceHolder 1"/>
           <p:cNvSpPr>
             <a:spLocks noGrp="1"/>
           </p:cNvSpPr>
@@ -15277,7 +15903,7 @@
         <p:spPr>
           <a:xfrm>
             <a:off x="838080" y="365040"/>
-            <a:ext cx="10514880" cy="1324800"/>
+            <a:ext cx="10514520" cy="1324440"/>
           </a:xfrm>
           <a:prstGeom prst="rect">
             <a:avLst/>
@@ -15325,7 +15951,7 @@
       </p:sp>
       <p:sp>
         <p:nvSpPr>
-          <p:cNvPr id="107" name="PlaceHolder 2"/>
+          <p:cNvPr id="115" name="PlaceHolder 2"/>
           <p:cNvSpPr>
             <a:spLocks noGrp="1"/>
           </p:cNvSpPr>
@@ -15336,7 +15962,7 @@
         <p:spPr>
           <a:xfrm>
             <a:off x="838080" y="1825560"/>
-            <a:ext cx="10514880" cy="4350600"/>
+            <a:ext cx="10514520" cy="4350240"/>
           </a:xfrm>
           <a:prstGeom prst="rect">
             <a:avLst/>
@@ -15517,7 +16143,7 @@
             <a:spLocks noGrp="1"/>
           </p:cNvSpPr>
           <p:nvPr>
-            <p:ph type="ftr" idx="3"/>
+            <p:ph type="ftr" idx="7"/>
           </p:nvPr>
         </p:nvSpPr>
         <p:spPr/>
@@ -15537,14 +16163,14 @@
             <a:spLocks noGrp="1"/>
           </p:cNvSpPr>
           <p:nvPr>
-            <p:ph type="sldNum" idx="4"/>
+            <p:ph type="sldNum" idx="8"/>
           </p:nvPr>
         </p:nvSpPr>
         <p:spPr/>
         <p:txBody>
           <a:bodyPr/>
           <a:p>
-            <a:fld id="{48C2BBA6-31BC-4149-B41C-25400E7BBD00}" type="slidenum">
+            <a:fld id="{3CA15D08-D627-4559-A0AF-1867D4DA9E13}" type="slidenum">
               <a:t>34</a:t>
             </a:fld>
           </a:p>
@@ -15582,7 +16208,7 @@
       </p:grpSpPr>
       <p:sp>
         <p:nvSpPr>
-          <p:cNvPr id="108" name="PlaceHolder 1"/>
+          <p:cNvPr id="116" name="PlaceHolder 1"/>
           <p:cNvSpPr>
             <a:spLocks noGrp="1"/>
           </p:cNvSpPr>
@@ -15593,7 +16219,7 @@
         <p:spPr>
           <a:xfrm>
             <a:off x="839880" y="457200"/>
-            <a:ext cx="9122400" cy="1599480"/>
+            <a:ext cx="9122040" cy="1599120"/>
           </a:xfrm>
           <a:prstGeom prst="rect">
             <a:avLst/>
@@ -15641,7 +16267,7 @@
       </p:sp>
       <p:sp>
         <p:nvSpPr>
-          <p:cNvPr id="109" name="PlaceHolder 2"/>
+          <p:cNvPr id="117" name="PlaceHolder 2"/>
           <p:cNvSpPr>
             <a:spLocks noGrp="1"/>
           </p:cNvSpPr>
@@ -15652,7 +16278,7 @@
         <p:spPr>
           <a:xfrm>
             <a:off x="839880" y="2057400"/>
-            <a:ext cx="10876320" cy="3810960"/>
+            <a:ext cx="10875960" cy="3810600"/>
           </a:xfrm>
           <a:prstGeom prst="rect">
             <a:avLst/>
@@ -15828,7 +16454,7 @@
             <a:spLocks noGrp="1"/>
           </p:cNvSpPr>
           <p:nvPr>
-            <p:ph type="ftr" idx="9"/>
+            <p:ph type="ftr" idx="13"/>
           </p:nvPr>
         </p:nvSpPr>
         <p:spPr/>
@@ -15848,14 +16474,14 @@
             <a:spLocks noGrp="1"/>
           </p:cNvSpPr>
           <p:nvPr>
-            <p:ph type="sldNum" idx="10"/>
+            <p:ph type="sldNum" idx="14"/>
           </p:nvPr>
         </p:nvSpPr>
         <p:spPr/>
         <p:txBody>
           <a:bodyPr/>
           <a:p>
-            <a:fld id="{1D19FBE0-C480-410B-B501-9BF729136E59}" type="slidenum">
+            <a:fld id="{75CE251E-852A-4488-8FC3-E7B5D969C01E}" type="slidenum">
               <a:t>35</a:t>
             </a:fld>
           </a:p>
@@ -15893,7 +16519,7 @@
       </p:grpSpPr>
       <p:sp>
         <p:nvSpPr>
-          <p:cNvPr id="110" name="PlaceHolder 1"/>
+          <p:cNvPr id="118" name="PlaceHolder 1"/>
           <p:cNvSpPr>
             <a:spLocks noGrp="1"/>
           </p:cNvSpPr>
@@ -15904,7 +16530,7 @@
         <p:spPr>
           <a:xfrm>
             <a:off x="831960" y="1709640"/>
-            <a:ext cx="10514880" cy="2851920"/>
+            <a:ext cx="10514520" cy="2851560"/>
           </a:xfrm>
           <a:prstGeom prst="rect">
             <a:avLst/>
@@ -15952,7 +16578,7 @@
       </p:sp>
       <p:sp>
         <p:nvSpPr>
-          <p:cNvPr id="111" name="PlaceHolder 2"/>
+          <p:cNvPr id="119" name="PlaceHolder 2"/>
           <p:cNvSpPr>
             <a:spLocks noGrp="1"/>
           </p:cNvSpPr>
@@ -15963,7 +16589,7 @@
         <p:spPr>
           <a:xfrm>
             <a:off x="831960" y="4589640"/>
-            <a:ext cx="10514880" cy="1499400"/>
+            <a:ext cx="10514520" cy="1499040"/>
           </a:xfrm>
           <a:prstGeom prst="rect">
             <a:avLst/>
@@ -16002,7 +16628,7 @@
             <a:spLocks noGrp="1"/>
           </p:cNvSpPr>
           <p:nvPr>
-            <p:ph type="ftr" idx="6"/>
+            <p:ph type="ftr" idx="10"/>
           </p:nvPr>
         </p:nvSpPr>
         <p:spPr/>
@@ -16022,14 +16648,14 @@
             <a:spLocks noGrp="1"/>
           </p:cNvSpPr>
           <p:nvPr>
-            <p:ph type="sldNum" idx="7"/>
+            <p:ph type="sldNum" idx="11"/>
           </p:nvPr>
         </p:nvSpPr>
         <p:spPr/>
         <p:txBody>
           <a:bodyPr/>
           <a:p>
-            <a:fld id="{79E788F7-5951-4F9C-A7C1-60D32ED2FF59}" type="slidenum">
+            <a:fld id="{9E135EDC-6244-4654-AA56-5A1A2936B54D}" type="slidenum">
               <a:t>36</a:t>
             </a:fld>
           </a:p>
@@ -16067,7 +16693,7 @@
       </p:grpSpPr>
       <p:sp>
         <p:nvSpPr>
-          <p:cNvPr id="112" name="PlaceHolder 1"/>
+          <p:cNvPr id="120" name="PlaceHolder 1"/>
           <p:cNvSpPr>
             <a:spLocks noGrp="1"/>
           </p:cNvSpPr>
@@ -16078,7 +16704,7 @@
         <p:spPr>
           <a:xfrm>
             <a:off x="838080" y="365040"/>
-            <a:ext cx="10514880" cy="1324800"/>
+            <a:ext cx="10514520" cy="1324440"/>
           </a:xfrm>
           <a:prstGeom prst="rect">
             <a:avLst/>
@@ -16126,7 +16752,7 @@
       </p:sp>
       <p:sp>
         <p:nvSpPr>
-          <p:cNvPr id="113" name="PlaceHolder 2"/>
+          <p:cNvPr id="121" name="PlaceHolder 2"/>
           <p:cNvSpPr>
             <a:spLocks noGrp="1"/>
           </p:cNvSpPr>
@@ -16137,7 +16763,7 @@
         <p:spPr>
           <a:xfrm>
             <a:off x="838080" y="1825560"/>
-            <a:ext cx="10514880" cy="4350600"/>
+            <a:ext cx="10514520" cy="4350240"/>
           </a:xfrm>
           <a:prstGeom prst="rect">
             <a:avLst/>
@@ -16228,7 +16854,7 @@
             <a:spLocks noGrp="1"/>
           </p:cNvSpPr>
           <p:nvPr>
-            <p:ph type="ftr" idx="3"/>
+            <p:ph type="ftr" idx="7"/>
           </p:nvPr>
         </p:nvSpPr>
         <p:spPr/>
@@ -16248,14 +16874,14 @@
             <a:spLocks noGrp="1"/>
           </p:cNvSpPr>
           <p:nvPr>
-            <p:ph type="sldNum" idx="4"/>
+            <p:ph type="sldNum" idx="8"/>
           </p:nvPr>
         </p:nvSpPr>
         <p:spPr/>
         <p:txBody>
           <a:bodyPr/>
           <a:p>
-            <a:fld id="{40E117CB-CD75-4CA5-B29A-3D646E1EAA62}" type="slidenum">
+            <a:fld id="{D4DDFC61-4483-4DC4-A69C-AB44D846C2AF}" type="slidenum">
               <a:t>37</a:t>
             </a:fld>
           </a:p>
@@ -16293,7 +16919,7 @@
       </p:grpSpPr>
       <p:sp>
         <p:nvSpPr>
-          <p:cNvPr id="114" name="PlaceHolder 1"/>
+          <p:cNvPr id="122" name="PlaceHolder 1"/>
           <p:cNvSpPr>
             <a:spLocks noGrp="1"/>
           </p:cNvSpPr>
@@ -16304,7 +16930,7 @@
         <p:spPr>
           <a:xfrm>
             <a:off x="838080" y="365040"/>
-            <a:ext cx="10514880" cy="1324800"/>
+            <a:ext cx="10514520" cy="1324440"/>
           </a:xfrm>
           <a:prstGeom prst="rect">
             <a:avLst/>
@@ -16352,7 +16978,7 @@
       </p:sp>
       <p:sp>
         <p:nvSpPr>
-          <p:cNvPr id="115" name="PlaceHolder 2"/>
+          <p:cNvPr id="123" name="PlaceHolder 2"/>
           <p:cNvSpPr>
             <a:spLocks noGrp="1"/>
           </p:cNvSpPr>
@@ -16363,7 +16989,7 @@
         <p:spPr>
           <a:xfrm>
             <a:off x="838080" y="1825560"/>
-            <a:ext cx="10514880" cy="4350600"/>
+            <a:ext cx="10514520" cy="4350240"/>
           </a:xfrm>
           <a:prstGeom prst="rect">
             <a:avLst/>
@@ -16476,7 +17102,7 @@
             <a:spLocks noGrp="1"/>
           </p:cNvSpPr>
           <p:nvPr>
-            <p:ph type="ftr" idx="3"/>
+            <p:ph type="ftr" idx="7"/>
           </p:nvPr>
         </p:nvSpPr>
         <p:spPr/>
@@ -16496,14 +17122,14 @@
             <a:spLocks noGrp="1"/>
           </p:cNvSpPr>
           <p:nvPr>
-            <p:ph type="sldNum" idx="4"/>
+            <p:ph type="sldNum" idx="8"/>
           </p:nvPr>
         </p:nvSpPr>
         <p:spPr/>
         <p:txBody>
           <a:bodyPr/>
           <a:p>
-            <a:fld id="{7362C31D-C236-4E30-91F8-65B3BF901990}" type="slidenum">
+            <a:fld id="{E560E3B3-0E97-4F4D-8285-E6714A6F93E4}" type="slidenum">
               <a:t>38</a:t>
             </a:fld>
           </a:p>
@@ -16541,7 +17167,7 @@
       </p:grpSpPr>
       <p:sp>
         <p:nvSpPr>
-          <p:cNvPr id="116" name="PlaceHolder 1"/>
+          <p:cNvPr id="124" name="PlaceHolder 1"/>
           <p:cNvSpPr>
             <a:spLocks noGrp="1"/>
           </p:cNvSpPr>
@@ -16552,7 +17178,7 @@
         <p:spPr>
           <a:xfrm>
             <a:off x="838080" y="365040"/>
-            <a:ext cx="10514880" cy="1324800"/>
+            <a:ext cx="10514520" cy="1324440"/>
           </a:xfrm>
           <a:prstGeom prst="rect">
             <a:avLst/>
@@ -16600,7 +17226,7 @@
       </p:sp>
       <p:sp>
         <p:nvSpPr>
-          <p:cNvPr id="117" name="PlaceHolder 2"/>
+          <p:cNvPr id="125" name="PlaceHolder 2"/>
           <p:cNvSpPr>
             <a:spLocks noGrp="1"/>
           </p:cNvSpPr>
@@ -16611,7 +17237,7 @@
         <p:spPr>
           <a:xfrm>
             <a:off x="838080" y="1825560"/>
-            <a:ext cx="10514880" cy="4350600"/>
+            <a:ext cx="10514520" cy="4350240"/>
           </a:xfrm>
           <a:prstGeom prst="rect">
             <a:avLst/>
@@ -17008,7 +17634,7 @@
             <a:spLocks noGrp="1"/>
           </p:cNvSpPr>
           <p:nvPr>
-            <p:ph type="ftr" idx="3"/>
+            <p:ph type="ftr" idx="7"/>
           </p:nvPr>
         </p:nvSpPr>
         <p:spPr/>
@@ -17028,14 +17654,14 @@
             <a:spLocks noGrp="1"/>
           </p:cNvSpPr>
           <p:nvPr>
-            <p:ph type="sldNum" idx="4"/>
+            <p:ph type="sldNum" idx="8"/>
           </p:nvPr>
         </p:nvSpPr>
         <p:spPr/>
         <p:txBody>
           <a:bodyPr/>
           <a:p>
-            <a:fld id="{4E0A1790-8728-4825-A825-3BDEC5718463}" type="slidenum">
+            <a:fld id="{8922E362-7BB2-44B5-ABA7-E5F73B6751A7}" type="slidenum">
               <a:t>39</a:t>
             </a:fld>
           </a:p>
@@ -17073,7 +17699,7 @@
       </p:grpSpPr>
       <p:sp>
         <p:nvSpPr>
-          <p:cNvPr id="44" name="PlaceHolder 1"/>
+          <p:cNvPr id="52" name="PlaceHolder 1"/>
           <p:cNvSpPr>
             <a:spLocks noGrp="1"/>
           </p:cNvSpPr>
@@ -17084,7 +17710,7 @@
         <p:spPr>
           <a:xfrm>
             <a:off x="838080" y="365040"/>
-            <a:ext cx="10514880" cy="1324800"/>
+            <a:ext cx="10514520" cy="1324440"/>
           </a:xfrm>
           <a:prstGeom prst="rect">
             <a:avLst/>
@@ -17132,7 +17758,7 @@
       </p:sp>
       <p:sp>
         <p:nvSpPr>
-          <p:cNvPr id="45" name="PlaceHolder 2"/>
+          <p:cNvPr id="53" name="PlaceHolder 2"/>
           <p:cNvSpPr>
             <a:spLocks noGrp="1"/>
           </p:cNvSpPr>
@@ -17143,7 +17769,7 @@
         <p:spPr>
           <a:xfrm>
             <a:off x="838080" y="1825560"/>
-            <a:ext cx="10514880" cy="4350600"/>
+            <a:ext cx="10514520" cy="4350240"/>
           </a:xfrm>
           <a:prstGeom prst="rect">
             <a:avLst/>
@@ -17540,7 +18166,7 @@
             <a:spLocks noGrp="1"/>
           </p:cNvSpPr>
           <p:nvPr>
-            <p:ph type="ftr" idx="3"/>
+            <p:ph type="ftr" idx="7"/>
           </p:nvPr>
         </p:nvSpPr>
         <p:spPr/>
@@ -17560,14 +18186,14 @@
             <a:spLocks noGrp="1"/>
           </p:cNvSpPr>
           <p:nvPr>
-            <p:ph type="sldNum" idx="4"/>
+            <p:ph type="sldNum" idx="8"/>
           </p:nvPr>
         </p:nvSpPr>
         <p:spPr/>
         <p:txBody>
           <a:bodyPr/>
           <a:p>
-            <a:fld id="{1A4AB641-4988-46F4-AF2B-EC075D29C93C}" type="slidenum">
+            <a:fld id="{93C2018E-A826-43E7-899E-3F245101CAD7}" type="slidenum">
               <a:t>4</a:t>
             </a:fld>
           </a:p>
@@ -17605,7 +18231,7 @@
       </p:grpSpPr>
       <p:sp>
         <p:nvSpPr>
-          <p:cNvPr id="118" name="PlaceHolder 1"/>
+          <p:cNvPr id="126" name="PlaceHolder 1"/>
           <p:cNvSpPr>
             <a:spLocks noGrp="1"/>
           </p:cNvSpPr>
@@ -17616,7 +18242,7 @@
         <p:spPr>
           <a:xfrm>
             <a:off x="838080" y="365040"/>
-            <a:ext cx="10514880" cy="1324800"/>
+            <a:ext cx="10514520" cy="1324440"/>
           </a:xfrm>
           <a:prstGeom prst="rect">
             <a:avLst/>
@@ -17664,7 +18290,7 @@
       </p:sp>
       <p:sp>
         <p:nvSpPr>
-          <p:cNvPr id="119" name="PlaceHolder 2"/>
+          <p:cNvPr id="127" name="PlaceHolder 2"/>
           <p:cNvSpPr>
             <a:spLocks noGrp="1"/>
           </p:cNvSpPr>
@@ -17675,7 +18301,7 @@
         <p:spPr>
           <a:xfrm>
             <a:off x="838080" y="1825560"/>
-            <a:ext cx="10514880" cy="4350600"/>
+            <a:ext cx="10514520" cy="4350240"/>
           </a:xfrm>
           <a:prstGeom prst="rect">
             <a:avLst/>
@@ -17878,7 +18504,7 @@
             <a:spLocks noGrp="1"/>
           </p:cNvSpPr>
           <p:nvPr>
-            <p:ph type="ftr" idx="3"/>
+            <p:ph type="ftr" idx="7"/>
           </p:nvPr>
         </p:nvSpPr>
         <p:spPr/>
@@ -17898,14 +18524,14 @@
             <a:spLocks noGrp="1"/>
           </p:cNvSpPr>
           <p:nvPr>
-            <p:ph type="sldNum" idx="4"/>
+            <p:ph type="sldNum" idx="8"/>
           </p:nvPr>
         </p:nvSpPr>
         <p:spPr/>
         <p:txBody>
           <a:bodyPr/>
           <a:p>
-            <a:fld id="{63804DAC-BAE9-4401-8FE6-94B3D3185C6D}" type="slidenum">
+            <a:fld id="{B28C8F73-11A6-4CBB-995F-D10A24BC4CBD}" type="slidenum">
               <a:t>40</a:t>
             </a:fld>
           </a:p>
@@ -17943,7 +18569,7 @@
       </p:grpSpPr>
       <p:sp>
         <p:nvSpPr>
-          <p:cNvPr id="120" name="PlaceHolder 1"/>
+          <p:cNvPr id="128" name="PlaceHolder 1"/>
           <p:cNvSpPr>
             <a:spLocks noGrp="1"/>
           </p:cNvSpPr>
@@ -17954,7 +18580,7 @@
         <p:spPr>
           <a:xfrm>
             <a:off x="839880" y="457200"/>
-            <a:ext cx="9122400" cy="1599480"/>
+            <a:ext cx="9122040" cy="1599120"/>
           </a:xfrm>
           <a:prstGeom prst="rect">
             <a:avLst/>
@@ -18002,7 +18628,7 @@
       </p:sp>
       <p:sp>
         <p:nvSpPr>
-          <p:cNvPr id="121" name="PlaceHolder 2"/>
+          <p:cNvPr id="129" name="PlaceHolder 2"/>
           <p:cNvSpPr>
             <a:spLocks noGrp="1"/>
           </p:cNvSpPr>
@@ -18013,7 +18639,7 @@
         <p:spPr>
           <a:xfrm>
             <a:off x="839880" y="2057400"/>
-            <a:ext cx="10876320" cy="3810960"/>
+            <a:ext cx="10875960" cy="3810600"/>
           </a:xfrm>
           <a:prstGeom prst="rect">
             <a:avLst/>
@@ -18167,7 +18793,7 @@
             <a:spLocks noGrp="1"/>
           </p:cNvSpPr>
           <p:nvPr>
-            <p:ph type="ftr" idx="9"/>
+            <p:ph type="ftr" idx="13"/>
           </p:nvPr>
         </p:nvSpPr>
         <p:spPr/>
@@ -18187,14 +18813,14 @@
             <a:spLocks noGrp="1"/>
           </p:cNvSpPr>
           <p:nvPr>
-            <p:ph type="sldNum" idx="10"/>
+            <p:ph type="sldNum" idx="14"/>
           </p:nvPr>
         </p:nvSpPr>
         <p:spPr/>
         <p:txBody>
           <a:bodyPr/>
           <a:p>
-            <a:fld id="{B5346666-DCAD-4CE2-99B4-F16E99D06EC4}" type="slidenum">
+            <a:fld id="{A423DDB3-F189-4D4D-AB71-CC322B1B646B}" type="slidenum">
               <a:t>41</a:t>
             </a:fld>
           </a:p>
@@ -18232,7 +18858,7 @@
       </p:grpSpPr>
       <p:sp>
         <p:nvSpPr>
-          <p:cNvPr id="122" name="PlaceHolder 1"/>
+          <p:cNvPr id="130" name="PlaceHolder 1"/>
           <p:cNvSpPr>
             <a:spLocks noGrp="1"/>
           </p:cNvSpPr>
@@ -18243,7 +18869,7 @@
         <p:spPr>
           <a:xfrm>
             <a:off x="831960" y="1709640"/>
-            <a:ext cx="10514880" cy="2851920"/>
+            <a:ext cx="10514520" cy="2851560"/>
           </a:xfrm>
           <a:prstGeom prst="rect">
             <a:avLst/>
@@ -18291,7 +18917,7 @@
       </p:sp>
       <p:sp>
         <p:nvSpPr>
-          <p:cNvPr id="123" name="PlaceHolder 2"/>
+          <p:cNvPr id="131" name="PlaceHolder 2"/>
           <p:cNvSpPr>
             <a:spLocks noGrp="1"/>
           </p:cNvSpPr>
@@ -18302,7 +18928,7 @@
         <p:spPr>
           <a:xfrm>
             <a:off x="831960" y="4589640"/>
-            <a:ext cx="10514880" cy="1499400"/>
+            <a:ext cx="10514520" cy="1499040"/>
           </a:xfrm>
           <a:prstGeom prst="rect">
             <a:avLst/>
@@ -18341,7 +18967,7 @@
             <a:spLocks noGrp="1"/>
           </p:cNvSpPr>
           <p:nvPr>
-            <p:ph type="ftr" idx="6"/>
+            <p:ph type="ftr" idx="10"/>
           </p:nvPr>
         </p:nvSpPr>
         <p:spPr/>
@@ -18361,14 +18987,14 @@
             <a:spLocks noGrp="1"/>
           </p:cNvSpPr>
           <p:nvPr>
-            <p:ph type="sldNum" idx="7"/>
+            <p:ph type="sldNum" idx="11"/>
           </p:nvPr>
         </p:nvSpPr>
         <p:spPr/>
         <p:txBody>
           <a:bodyPr/>
           <a:p>
-            <a:fld id="{71499330-5E49-4495-8117-0B8F1A5ED29C}" type="slidenum">
+            <a:fld id="{09C9B912-29F8-4E88-9E22-FC27619543CA}" type="slidenum">
               <a:t>42</a:t>
             </a:fld>
           </a:p>
@@ -18406,7 +19032,7 @@
       </p:grpSpPr>
       <p:sp>
         <p:nvSpPr>
-          <p:cNvPr id="124" name="PlaceHolder 1"/>
+          <p:cNvPr id="132" name="PlaceHolder 1"/>
           <p:cNvSpPr>
             <a:spLocks noGrp="1"/>
           </p:cNvSpPr>
@@ -18417,7 +19043,7 @@
         <p:spPr>
           <a:xfrm>
             <a:off x="838080" y="365040"/>
-            <a:ext cx="10514880" cy="1324800"/>
+            <a:ext cx="10514520" cy="1324440"/>
           </a:xfrm>
           <a:prstGeom prst="rect">
             <a:avLst/>
@@ -18465,7 +19091,7 @@
       </p:sp>
       <p:sp>
         <p:nvSpPr>
-          <p:cNvPr id="125" name="PlaceHolder 2"/>
+          <p:cNvPr id="133" name="PlaceHolder 2"/>
           <p:cNvSpPr>
             <a:spLocks noGrp="1"/>
           </p:cNvSpPr>
@@ -18476,7 +19102,7 @@
         <p:spPr>
           <a:xfrm>
             <a:off x="838080" y="1825560"/>
-            <a:ext cx="10514880" cy="4350600"/>
+            <a:ext cx="10514520" cy="4350240"/>
           </a:xfrm>
           <a:prstGeom prst="rect">
             <a:avLst/>
@@ -18759,7 +19385,7 @@
             <a:spLocks noGrp="1"/>
           </p:cNvSpPr>
           <p:nvPr>
-            <p:ph type="ftr" idx="3"/>
+            <p:ph type="ftr" idx="7"/>
           </p:nvPr>
         </p:nvSpPr>
         <p:spPr/>
@@ -18779,14 +19405,14 @@
             <a:spLocks noGrp="1"/>
           </p:cNvSpPr>
           <p:nvPr>
-            <p:ph type="sldNum" idx="4"/>
+            <p:ph type="sldNum" idx="8"/>
           </p:nvPr>
         </p:nvSpPr>
         <p:spPr/>
         <p:txBody>
           <a:bodyPr/>
           <a:p>
-            <a:fld id="{2FCB19C4-2506-4F3A-9433-460B02765DA6}" type="slidenum">
+            <a:fld id="{AEC4EA4D-C2BC-4EEA-B17C-5501FC1C0DD5}" type="slidenum">
               <a:t>43</a:t>
             </a:fld>
           </a:p>
@@ -18824,7 +19450,7 @@
       </p:grpSpPr>
       <p:sp>
         <p:nvSpPr>
-          <p:cNvPr id="126" name="PlaceHolder 1"/>
+          <p:cNvPr id="134" name="PlaceHolder 1"/>
           <p:cNvSpPr>
             <a:spLocks noGrp="1"/>
           </p:cNvSpPr>
@@ -18835,7 +19461,7 @@
         <p:spPr>
           <a:xfrm>
             <a:off x="838080" y="365040"/>
-            <a:ext cx="10514880" cy="1324800"/>
+            <a:ext cx="10514520" cy="1324440"/>
           </a:xfrm>
           <a:prstGeom prst="rect">
             <a:avLst/>
@@ -18883,7 +19509,7 @@
       </p:sp>
       <p:sp>
         <p:nvSpPr>
-          <p:cNvPr id="127" name="PlaceHolder 2"/>
+          <p:cNvPr id="135" name="PlaceHolder 2"/>
           <p:cNvSpPr>
             <a:spLocks noGrp="1"/>
           </p:cNvSpPr>
@@ -18894,7 +19520,7 @@
         <p:spPr>
           <a:xfrm>
             <a:off x="838080" y="1825560"/>
-            <a:ext cx="10514880" cy="4350600"/>
+            <a:ext cx="10514520" cy="4350240"/>
           </a:xfrm>
           <a:prstGeom prst="rect">
             <a:avLst/>
@@ -19075,7 +19701,7 @@
             <a:spLocks noGrp="1"/>
           </p:cNvSpPr>
           <p:nvPr>
-            <p:ph type="ftr" idx="3"/>
+            <p:ph type="ftr" idx="7"/>
           </p:nvPr>
         </p:nvSpPr>
         <p:spPr/>
@@ -19095,14 +19721,14 @@
             <a:spLocks noGrp="1"/>
           </p:cNvSpPr>
           <p:nvPr>
-            <p:ph type="sldNum" idx="4"/>
+            <p:ph type="sldNum" idx="8"/>
           </p:nvPr>
         </p:nvSpPr>
         <p:spPr/>
         <p:txBody>
           <a:bodyPr/>
           <a:p>
-            <a:fld id="{660B21D9-9E51-4DBC-85BE-76DE69F94BDA}" type="slidenum">
+            <a:fld id="{9E340CF6-2E08-4C6A-9225-E8450B97FFB5}" type="slidenum">
               <a:t>44</a:t>
             </a:fld>
           </a:p>
@@ -19140,7 +19766,7 @@
       </p:grpSpPr>
       <p:sp>
         <p:nvSpPr>
-          <p:cNvPr id="128" name="PlaceHolder 1"/>
+          <p:cNvPr id="136" name="PlaceHolder 1"/>
           <p:cNvSpPr>
             <a:spLocks noGrp="1"/>
           </p:cNvSpPr>
@@ -19151,7 +19777,7 @@
         <p:spPr>
           <a:xfrm>
             <a:off x="838080" y="365040"/>
-            <a:ext cx="10514880" cy="1324800"/>
+            <a:ext cx="10514520" cy="1324440"/>
           </a:xfrm>
           <a:prstGeom prst="rect">
             <a:avLst/>
@@ -19199,7 +19825,7 @@
       </p:sp>
       <p:sp>
         <p:nvSpPr>
-          <p:cNvPr id="129" name="PlaceHolder 2"/>
+          <p:cNvPr id="137" name="PlaceHolder 2"/>
           <p:cNvSpPr>
             <a:spLocks noGrp="1"/>
           </p:cNvSpPr>
@@ -19210,7 +19836,7 @@
         <p:spPr>
           <a:xfrm>
             <a:off x="838080" y="1825560"/>
-            <a:ext cx="10514880" cy="4350600"/>
+            <a:ext cx="10514520" cy="4350240"/>
           </a:xfrm>
           <a:prstGeom prst="rect">
             <a:avLst/>
@@ -19495,7 +20121,7 @@
             <a:spLocks noGrp="1"/>
           </p:cNvSpPr>
           <p:nvPr>
-            <p:ph type="ftr" idx="3"/>
+            <p:ph type="ftr" idx="7"/>
           </p:nvPr>
         </p:nvSpPr>
         <p:spPr/>
@@ -19515,14 +20141,14 @@
             <a:spLocks noGrp="1"/>
           </p:cNvSpPr>
           <p:nvPr>
-            <p:ph type="sldNum" idx="4"/>
+            <p:ph type="sldNum" idx="8"/>
           </p:nvPr>
         </p:nvSpPr>
         <p:spPr/>
         <p:txBody>
           <a:bodyPr/>
           <a:p>
-            <a:fld id="{1C7D21B3-3A81-4223-BD64-0685B6D848CA}" type="slidenum">
+            <a:fld id="{314DD739-754C-4200-8648-6981560589E2}" type="slidenum">
               <a:t>45</a:t>
             </a:fld>
           </a:p>
@@ -19560,7 +20186,7 @@
       </p:grpSpPr>
       <p:sp>
         <p:nvSpPr>
-          <p:cNvPr id="130" name="PlaceHolder 1"/>
+          <p:cNvPr id="138" name="PlaceHolder 1"/>
           <p:cNvSpPr>
             <a:spLocks noGrp="1"/>
           </p:cNvSpPr>
@@ -19571,7 +20197,7 @@
         <p:spPr>
           <a:xfrm>
             <a:off x="838080" y="365040"/>
-            <a:ext cx="10514880" cy="1324800"/>
+            <a:ext cx="10514520" cy="1324440"/>
           </a:xfrm>
           <a:prstGeom prst="rect">
             <a:avLst/>
@@ -19619,7 +20245,7 @@
       </p:sp>
       <p:sp>
         <p:nvSpPr>
-          <p:cNvPr id="131" name="PlaceHolder 2"/>
+          <p:cNvPr id="139" name="PlaceHolder 2"/>
           <p:cNvSpPr>
             <a:spLocks noGrp="1"/>
           </p:cNvSpPr>
@@ -19630,7 +20256,7 @@
         <p:spPr>
           <a:xfrm>
             <a:off x="838080" y="1825560"/>
-            <a:ext cx="10514880" cy="4350600"/>
+            <a:ext cx="10514520" cy="4350240"/>
           </a:xfrm>
           <a:prstGeom prst="rect">
             <a:avLst/>
@@ -19721,7 +20347,7 @@
             <a:spLocks noGrp="1"/>
           </p:cNvSpPr>
           <p:nvPr>
-            <p:ph type="ftr" idx="3"/>
+            <p:ph type="ftr" idx="7"/>
           </p:nvPr>
         </p:nvSpPr>
         <p:spPr/>
@@ -19741,14 +20367,14 @@
             <a:spLocks noGrp="1"/>
           </p:cNvSpPr>
           <p:nvPr>
-            <p:ph type="sldNum" idx="4"/>
+            <p:ph type="sldNum" idx="8"/>
           </p:nvPr>
         </p:nvSpPr>
         <p:spPr/>
         <p:txBody>
           <a:bodyPr/>
           <a:p>
-            <a:fld id="{7C026E66-9B1E-4960-8200-3AF0C3009E18}" type="slidenum">
+            <a:fld id="{A70E8287-14CF-4C9D-9062-B5D5E483D805}" type="slidenum">
               <a:t>46</a:t>
             </a:fld>
           </a:p>
@@ -19786,7 +20412,7 @@
       </p:grpSpPr>
       <p:sp>
         <p:nvSpPr>
-          <p:cNvPr id="132" name="PlaceHolder 1"/>
+          <p:cNvPr id="140" name="PlaceHolder 1"/>
           <p:cNvSpPr>
             <a:spLocks noGrp="1"/>
           </p:cNvSpPr>
@@ -19797,7 +20423,7 @@
         <p:spPr>
           <a:xfrm>
             <a:off x="838080" y="365040"/>
-            <a:ext cx="10514880" cy="1324800"/>
+            <a:ext cx="10514520" cy="1324440"/>
           </a:xfrm>
           <a:prstGeom prst="rect">
             <a:avLst/>
@@ -19845,7 +20471,7 @@
       </p:sp>
       <p:sp>
         <p:nvSpPr>
-          <p:cNvPr id="133" name="PlaceHolder 2"/>
+          <p:cNvPr id="141" name="PlaceHolder 2"/>
           <p:cNvSpPr>
             <a:spLocks noGrp="1"/>
           </p:cNvSpPr>
@@ -19856,7 +20482,7 @@
         <p:spPr>
           <a:xfrm>
             <a:off x="838080" y="1825560"/>
-            <a:ext cx="10514880" cy="4350600"/>
+            <a:ext cx="10514520" cy="4350240"/>
           </a:xfrm>
           <a:prstGeom prst="rect">
             <a:avLst/>
@@ -20219,7 +20845,7 @@
             <a:spLocks noGrp="1"/>
           </p:cNvSpPr>
           <p:nvPr>
-            <p:ph type="ftr" idx="3"/>
+            <p:ph type="ftr" idx="7"/>
           </p:nvPr>
         </p:nvSpPr>
         <p:spPr/>
@@ -20239,14 +20865,14 @@
             <a:spLocks noGrp="1"/>
           </p:cNvSpPr>
           <p:nvPr>
-            <p:ph type="sldNum" idx="4"/>
+            <p:ph type="sldNum" idx="8"/>
           </p:nvPr>
         </p:nvSpPr>
         <p:spPr/>
         <p:txBody>
           <a:bodyPr/>
           <a:p>
-            <a:fld id="{82665035-ACB9-490D-B0E3-2485095E8E0B}" type="slidenum">
+            <a:fld id="{6D5DC576-C18E-478E-B856-EEF1C4CF6210}" type="slidenum">
               <a:t>47</a:t>
             </a:fld>
           </a:p>
@@ -20284,7 +20910,7 @@
       </p:grpSpPr>
       <p:sp>
         <p:nvSpPr>
-          <p:cNvPr id="134" name="PlaceHolder 1"/>
+          <p:cNvPr id="142" name="PlaceHolder 1"/>
           <p:cNvSpPr>
             <a:spLocks noGrp="1"/>
           </p:cNvSpPr>
@@ -20295,7 +20921,7 @@
         <p:spPr>
           <a:xfrm>
             <a:off x="838080" y="365040"/>
-            <a:ext cx="10514880" cy="1324800"/>
+            <a:ext cx="10514520" cy="1324440"/>
           </a:xfrm>
           <a:prstGeom prst="rect">
             <a:avLst/>
@@ -20343,7 +20969,7 @@
       </p:sp>
       <p:sp>
         <p:nvSpPr>
-          <p:cNvPr id="135" name="PlaceHolder 2"/>
+          <p:cNvPr id="143" name="PlaceHolder 2"/>
           <p:cNvSpPr>
             <a:spLocks noGrp="1"/>
           </p:cNvSpPr>
@@ -20354,7 +20980,7 @@
         <p:spPr>
           <a:xfrm>
             <a:off x="838080" y="1825560"/>
-            <a:ext cx="10514880" cy="4350600"/>
+            <a:ext cx="10514520" cy="4350240"/>
           </a:xfrm>
           <a:prstGeom prst="rect">
             <a:avLst/>
@@ -20615,7 +21241,7 @@
             <a:spLocks noGrp="1"/>
           </p:cNvSpPr>
           <p:nvPr>
-            <p:ph type="ftr" idx="3"/>
+            <p:ph type="ftr" idx="7"/>
           </p:nvPr>
         </p:nvSpPr>
         <p:spPr/>
@@ -20635,14 +21261,14 @@
             <a:spLocks noGrp="1"/>
           </p:cNvSpPr>
           <p:nvPr>
-            <p:ph type="sldNum" idx="4"/>
+            <p:ph type="sldNum" idx="8"/>
           </p:nvPr>
         </p:nvSpPr>
         <p:spPr/>
         <p:txBody>
           <a:bodyPr/>
           <a:p>
-            <a:fld id="{C431A988-8ACC-4C9C-B822-72EE7FFD9611}" type="slidenum">
+            <a:fld id="{5D2997D1-80C7-4BEB-8F51-80923C837948}" type="slidenum">
               <a:t>48</a:t>
             </a:fld>
           </a:p>
@@ -20680,7 +21306,7 @@
       </p:grpSpPr>
       <p:sp>
         <p:nvSpPr>
-          <p:cNvPr id="136" name="PlaceHolder 1"/>
+          <p:cNvPr id="144" name="PlaceHolder 1"/>
           <p:cNvSpPr>
             <a:spLocks noGrp="1"/>
           </p:cNvSpPr>
@@ -20691,7 +21317,7 @@
         <p:spPr>
           <a:xfrm>
             <a:off x="838080" y="365040"/>
-            <a:ext cx="10514880" cy="1324800"/>
+            <a:ext cx="10514520" cy="1324440"/>
           </a:xfrm>
           <a:prstGeom prst="rect">
             <a:avLst/>
@@ -20739,7 +21365,7 @@
       </p:sp>
       <p:sp>
         <p:nvSpPr>
-          <p:cNvPr id="137" name="PlaceHolder 2"/>
+          <p:cNvPr id="145" name="PlaceHolder 2"/>
           <p:cNvSpPr>
             <a:spLocks noGrp="1"/>
           </p:cNvSpPr>
@@ -20750,7 +21376,7 @@
         <p:spPr>
           <a:xfrm>
             <a:off x="838080" y="1825560"/>
-            <a:ext cx="10514880" cy="4350600"/>
+            <a:ext cx="10514520" cy="4350240"/>
           </a:xfrm>
           <a:prstGeom prst="rect">
             <a:avLst/>
@@ -20875,7 +21501,7 @@
             <a:spLocks noGrp="1"/>
           </p:cNvSpPr>
           <p:nvPr>
-            <p:ph type="ftr" idx="3"/>
+            <p:ph type="ftr" idx="7"/>
           </p:nvPr>
         </p:nvSpPr>
         <p:spPr/>
@@ -20895,14 +21521,14 @@
             <a:spLocks noGrp="1"/>
           </p:cNvSpPr>
           <p:nvPr>
-            <p:ph type="sldNum" idx="4"/>
+            <p:ph type="sldNum" idx="8"/>
           </p:nvPr>
         </p:nvSpPr>
         <p:spPr/>
         <p:txBody>
           <a:bodyPr/>
           <a:p>
-            <a:fld id="{FFDD4FC7-8E82-4BFB-802B-5A29D6B96068}" type="slidenum">
+            <a:fld id="{29695BA1-A2A3-4CC1-9601-E61B07DBBCF3}" type="slidenum">
               <a:t>49</a:t>
             </a:fld>
           </a:p>
@@ -20940,7 +21566,7 @@
       </p:grpSpPr>
       <p:sp>
         <p:nvSpPr>
-          <p:cNvPr id="46" name="PlaceHolder 1"/>
+          <p:cNvPr id="54" name="PlaceHolder 1"/>
           <p:cNvSpPr>
             <a:spLocks noGrp="1"/>
           </p:cNvSpPr>
@@ -20951,7 +21577,7 @@
         <p:spPr>
           <a:xfrm>
             <a:off x="838080" y="365040"/>
-            <a:ext cx="10514880" cy="1324800"/>
+            <a:ext cx="10514520" cy="1324440"/>
           </a:xfrm>
           <a:prstGeom prst="rect">
             <a:avLst/>
@@ -20999,7 +21625,7 @@
       </p:sp>
       <p:sp>
         <p:nvSpPr>
-          <p:cNvPr id="47" name="PlaceHolder 2"/>
+          <p:cNvPr id="55" name="PlaceHolder 2"/>
           <p:cNvSpPr>
             <a:spLocks noGrp="1"/>
           </p:cNvSpPr>
@@ -21010,7 +21636,7 @@
         <p:spPr>
           <a:xfrm>
             <a:off x="838080" y="1825560"/>
-            <a:ext cx="10514880" cy="4350600"/>
+            <a:ext cx="10514520" cy="4350240"/>
           </a:xfrm>
           <a:prstGeom prst="rect">
             <a:avLst/>
@@ -21305,7 +21931,7 @@
             <a:spLocks noGrp="1"/>
           </p:cNvSpPr>
           <p:nvPr>
-            <p:ph type="ftr" idx="3"/>
+            <p:ph type="ftr" idx="7"/>
           </p:nvPr>
         </p:nvSpPr>
         <p:spPr/>
@@ -21325,14 +21951,14 @@
             <a:spLocks noGrp="1"/>
           </p:cNvSpPr>
           <p:nvPr>
-            <p:ph type="sldNum" idx="4"/>
+            <p:ph type="sldNum" idx="8"/>
           </p:nvPr>
         </p:nvSpPr>
         <p:spPr/>
         <p:txBody>
           <a:bodyPr/>
           <a:p>
-            <a:fld id="{C375CFED-B2CE-4E1E-8F83-A95E4AC86F91}" type="slidenum">
+            <a:fld id="{300A5F9A-05BF-495F-A704-AF4DF38A7D75}" type="slidenum">
               <a:t>5</a:t>
             </a:fld>
           </a:p>
@@ -21370,7 +21996,7 @@
       </p:grpSpPr>
       <p:sp>
         <p:nvSpPr>
-          <p:cNvPr id="138" name="PlaceHolder 1"/>
+          <p:cNvPr id="146" name="PlaceHolder 1"/>
           <p:cNvSpPr>
             <a:spLocks noGrp="1"/>
           </p:cNvSpPr>
@@ -21381,7 +22007,7 @@
         <p:spPr>
           <a:xfrm>
             <a:off x="839880" y="457200"/>
-            <a:ext cx="9122400" cy="1599480"/>
+            <a:ext cx="9122040" cy="1599120"/>
           </a:xfrm>
           <a:prstGeom prst="rect">
             <a:avLst/>
@@ -21429,7 +22055,7 @@
       </p:sp>
       <p:sp>
         <p:nvSpPr>
-          <p:cNvPr id="139" name="PlaceHolder 2"/>
+          <p:cNvPr id="147" name="PlaceHolder 2"/>
           <p:cNvSpPr>
             <a:spLocks noGrp="1"/>
           </p:cNvSpPr>
@@ -21440,7 +22066,7 @@
         <p:spPr>
           <a:xfrm>
             <a:off x="839880" y="2057400"/>
-            <a:ext cx="10876320" cy="3810960"/>
+            <a:ext cx="10875960" cy="3810600"/>
           </a:xfrm>
           <a:prstGeom prst="rect">
             <a:avLst/>
@@ -21594,7 +22220,7 @@
             <a:spLocks noGrp="1"/>
           </p:cNvSpPr>
           <p:nvPr>
-            <p:ph type="ftr" idx="9"/>
+            <p:ph type="ftr" idx="13"/>
           </p:nvPr>
         </p:nvSpPr>
         <p:spPr/>
@@ -21614,14 +22240,14 @@
             <a:spLocks noGrp="1"/>
           </p:cNvSpPr>
           <p:nvPr>
-            <p:ph type="sldNum" idx="10"/>
+            <p:ph type="sldNum" idx="14"/>
           </p:nvPr>
         </p:nvSpPr>
         <p:spPr/>
         <p:txBody>
           <a:bodyPr/>
           <a:p>
-            <a:fld id="{00E4529F-F27D-437F-BDBD-B9B5311C4DC3}" type="slidenum">
+            <a:fld id="{3B82D5A1-7F89-4D1D-9C17-4B9B6355B432}" type="slidenum">
               <a:t>50</a:t>
             </a:fld>
           </a:p>
@@ -21659,7 +22285,7 @@
       </p:grpSpPr>
       <p:sp>
         <p:nvSpPr>
-          <p:cNvPr id="140" name="PlaceHolder 1"/>
+          <p:cNvPr id="148" name="PlaceHolder 1"/>
           <p:cNvSpPr>
             <a:spLocks noGrp="1"/>
           </p:cNvSpPr>
@@ -21670,7 +22296,7 @@
         <p:spPr>
           <a:xfrm>
             <a:off x="831960" y="1709640"/>
-            <a:ext cx="10514880" cy="2851920"/>
+            <a:ext cx="10514520" cy="2851560"/>
           </a:xfrm>
           <a:prstGeom prst="rect">
             <a:avLst/>
@@ -21718,7 +22344,7 @@
       </p:sp>
       <p:sp>
         <p:nvSpPr>
-          <p:cNvPr id="141" name="PlaceHolder 2"/>
+          <p:cNvPr id="149" name="PlaceHolder 2"/>
           <p:cNvSpPr>
             <a:spLocks noGrp="1"/>
           </p:cNvSpPr>
@@ -21729,7 +22355,7 @@
         <p:spPr>
           <a:xfrm>
             <a:off x="831960" y="4589640"/>
-            <a:ext cx="10514880" cy="1499400"/>
+            <a:ext cx="10514520" cy="1499040"/>
           </a:xfrm>
           <a:prstGeom prst="rect">
             <a:avLst/>
@@ -21787,7 +22413,7 @@
             <a:spLocks noGrp="1"/>
           </p:cNvSpPr>
           <p:nvPr>
-            <p:ph type="ftr" idx="6"/>
+            <p:ph type="ftr" idx="10"/>
           </p:nvPr>
         </p:nvSpPr>
         <p:spPr/>
@@ -21807,14 +22433,14 @@
             <a:spLocks noGrp="1"/>
           </p:cNvSpPr>
           <p:nvPr>
-            <p:ph type="sldNum" idx="7"/>
+            <p:ph type="sldNum" idx="11"/>
           </p:nvPr>
         </p:nvSpPr>
         <p:spPr/>
         <p:txBody>
           <a:bodyPr/>
           <a:p>
-            <a:fld id="{A76DE3E9-C7A6-4A15-BEFA-14356A5861E1}" type="slidenum">
+            <a:fld id="{2DE6DCB0-96AB-43CD-9921-7EA516B1B50A}" type="slidenum">
               <a:t>51</a:t>
             </a:fld>
           </a:p>
@@ -21852,7 +22478,7 @@
       </p:grpSpPr>
       <p:sp>
         <p:nvSpPr>
-          <p:cNvPr id="142" name="PlaceHolder 1"/>
+          <p:cNvPr id="150" name="PlaceHolder 1"/>
           <p:cNvSpPr>
             <a:spLocks noGrp="1"/>
           </p:cNvSpPr>
@@ -21863,7 +22489,7 @@
         <p:spPr>
           <a:xfrm>
             <a:off x="838080" y="365040"/>
-            <a:ext cx="10514880" cy="1324800"/>
+            <a:ext cx="10514520" cy="1324440"/>
           </a:xfrm>
           <a:prstGeom prst="rect">
             <a:avLst/>
@@ -21911,7 +22537,7 @@
       </p:sp>
       <p:sp>
         <p:nvSpPr>
-          <p:cNvPr id="143" name="PlaceHolder 2"/>
+          <p:cNvPr id="151" name="PlaceHolder 2"/>
           <p:cNvSpPr>
             <a:spLocks noGrp="1"/>
           </p:cNvSpPr>
@@ -21922,7 +22548,7 @@
         <p:spPr>
           <a:xfrm>
             <a:off x="838080" y="1825560"/>
-            <a:ext cx="10514880" cy="4350600"/>
+            <a:ext cx="10514520" cy="4350240"/>
           </a:xfrm>
           <a:prstGeom prst="rect">
             <a:avLst/>
@@ -22013,7 +22639,7 @@
             <a:spLocks noGrp="1"/>
           </p:cNvSpPr>
           <p:nvPr>
-            <p:ph type="ftr" idx="3"/>
+            <p:ph type="ftr" idx="7"/>
           </p:nvPr>
         </p:nvSpPr>
         <p:spPr/>
@@ -22033,14 +22659,14 @@
             <a:spLocks noGrp="1"/>
           </p:cNvSpPr>
           <p:nvPr>
-            <p:ph type="sldNum" idx="4"/>
+            <p:ph type="sldNum" idx="8"/>
           </p:nvPr>
         </p:nvSpPr>
         <p:spPr/>
         <p:txBody>
           <a:bodyPr/>
           <a:p>
-            <a:fld id="{32B60CFD-3E74-4255-B556-7634589AF6E7}" type="slidenum">
+            <a:fld id="{3CFA144D-3C7B-423E-BB10-C70D007B7496}" type="slidenum">
               <a:t>52</a:t>
             </a:fld>
           </a:p>
@@ -22078,7 +22704,7 @@
       </p:grpSpPr>
       <p:sp>
         <p:nvSpPr>
-          <p:cNvPr id="144" name="PlaceHolder 1"/>
+          <p:cNvPr id="152" name="PlaceHolder 1"/>
           <p:cNvSpPr>
             <a:spLocks noGrp="1"/>
           </p:cNvSpPr>
@@ -22089,7 +22715,7 @@
         <p:spPr>
           <a:xfrm>
             <a:off x="838080" y="365040"/>
-            <a:ext cx="10514880" cy="1324800"/>
+            <a:ext cx="10514520" cy="1324440"/>
           </a:xfrm>
           <a:prstGeom prst="rect">
             <a:avLst/>
@@ -22137,7 +22763,7 @@
       </p:sp>
       <p:sp>
         <p:nvSpPr>
-          <p:cNvPr id="145" name="PlaceHolder 2"/>
+          <p:cNvPr id="153" name="PlaceHolder 2"/>
           <p:cNvSpPr>
             <a:spLocks noGrp="1"/>
           </p:cNvSpPr>
@@ -22148,7 +22774,7 @@
         <p:spPr>
           <a:xfrm>
             <a:off x="838080" y="1825560"/>
-            <a:ext cx="10514880" cy="4350600"/>
+            <a:ext cx="10514520" cy="4350240"/>
           </a:xfrm>
           <a:prstGeom prst="rect">
             <a:avLst/>
@@ -22437,7 +23063,7 @@
             <a:spLocks noGrp="1"/>
           </p:cNvSpPr>
           <p:nvPr>
-            <p:ph type="ftr" idx="3"/>
+            <p:ph type="ftr" idx="7"/>
           </p:nvPr>
         </p:nvSpPr>
         <p:spPr/>
@@ -22457,14 +23083,14 @@
             <a:spLocks noGrp="1"/>
           </p:cNvSpPr>
           <p:nvPr>
-            <p:ph type="sldNum" idx="4"/>
+            <p:ph type="sldNum" idx="8"/>
           </p:nvPr>
         </p:nvSpPr>
         <p:spPr/>
         <p:txBody>
           <a:bodyPr/>
           <a:p>
-            <a:fld id="{3CE97C9F-89C2-4132-94B1-0BE906AFC561}" type="slidenum">
+            <a:fld id="{9C8C43E4-CF5F-46F6-B646-1BA21F27819F}" type="slidenum">
               <a:t>53</a:t>
             </a:fld>
           </a:p>
@@ -22502,7 +23128,7 @@
       </p:grpSpPr>
       <p:sp>
         <p:nvSpPr>
-          <p:cNvPr id="146" name="PlaceHolder 1"/>
+          <p:cNvPr id="154" name="PlaceHolder 1"/>
           <p:cNvSpPr>
             <a:spLocks noGrp="1"/>
           </p:cNvSpPr>
@@ -22513,7 +23139,7 @@
         <p:spPr>
           <a:xfrm>
             <a:off x="838080" y="365040"/>
-            <a:ext cx="10514880" cy="1324800"/>
+            <a:ext cx="10514520" cy="1324440"/>
           </a:xfrm>
           <a:prstGeom prst="rect">
             <a:avLst/>
@@ -22561,7 +23187,7 @@
       </p:sp>
       <p:sp>
         <p:nvSpPr>
-          <p:cNvPr id="147" name="PlaceHolder 2"/>
+          <p:cNvPr id="155" name="PlaceHolder 2"/>
           <p:cNvSpPr>
             <a:spLocks noGrp="1"/>
           </p:cNvSpPr>
@@ -22572,7 +23198,7 @@
         <p:spPr>
           <a:xfrm>
             <a:off x="838080" y="1825560"/>
-            <a:ext cx="10514880" cy="4350600"/>
+            <a:ext cx="10514520" cy="4350240"/>
           </a:xfrm>
           <a:prstGeom prst="rect">
             <a:avLst/>
@@ -22799,7 +23425,7 @@
             <a:spLocks noGrp="1"/>
           </p:cNvSpPr>
           <p:nvPr>
-            <p:ph type="ftr" idx="3"/>
+            <p:ph type="ftr" idx="7"/>
           </p:nvPr>
         </p:nvSpPr>
         <p:spPr/>
@@ -22819,14 +23445,14 @@
             <a:spLocks noGrp="1"/>
           </p:cNvSpPr>
           <p:nvPr>
-            <p:ph type="sldNum" idx="4"/>
+            <p:ph type="sldNum" idx="8"/>
           </p:nvPr>
         </p:nvSpPr>
         <p:spPr/>
         <p:txBody>
           <a:bodyPr/>
           <a:p>
-            <a:fld id="{41290A0D-12FE-48C2-B7D5-0244837D7FA9}" type="slidenum">
+            <a:fld id="{875C31B3-1DFD-4E14-8375-8AA75DD2C843}" type="slidenum">
               <a:t>54</a:t>
             </a:fld>
           </a:p>
@@ -22864,7 +23490,7 @@
       </p:grpSpPr>
       <p:sp>
         <p:nvSpPr>
-          <p:cNvPr id="148" name="PlaceHolder 1"/>
+          <p:cNvPr id="156" name="PlaceHolder 1"/>
           <p:cNvSpPr>
             <a:spLocks noGrp="1"/>
           </p:cNvSpPr>
@@ -22875,7 +23501,7 @@
         <p:spPr>
           <a:xfrm>
             <a:off x="838080" y="365040"/>
-            <a:ext cx="10514880" cy="1324800"/>
+            <a:ext cx="10514520" cy="1324440"/>
           </a:xfrm>
           <a:prstGeom prst="rect">
             <a:avLst/>
@@ -22923,7 +23549,7 @@
       </p:sp>
       <p:sp>
         <p:nvSpPr>
-          <p:cNvPr id="149" name="PlaceHolder 2"/>
+          <p:cNvPr id="157" name="PlaceHolder 2"/>
           <p:cNvSpPr>
             <a:spLocks noGrp="1"/>
           </p:cNvSpPr>
@@ -22934,7 +23560,7 @@
         <p:spPr>
           <a:xfrm>
             <a:off x="838080" y="1825560"/>
-            <a:ext cx="10514880" cy="4350600"/>
+            <a:ext cx="10514520" cy="4350240"/>
           </a:xfrm>
           <a:prstGeom prst="rect">
             <a:avLst/>
@@ -23093,7 +23719,7 @@
             <a:spLocks noGrp="1"/>
           </p:cNvSpPr>
           <p:nvPr>
-            <p:ph type="ftr" idx="3"/>
+            <p:ph type="ftr" idx="7"/>
           </p:nvPr>
         </p:nvSpPr>
         <p:spPr/>
@@ -23113,14 +23739,14 @@
             <a:spLocks noGrp="1"/>
           </p:cNvSpPr>
           <p:nvPr>
-            <p:ph type="sldNum" idx="4"/>
+            <p:ph type="sldNum" idx="8"/>
           </p:nvPr>
         </p:nvSpPr>
         <p:spPr/>
         <p:txBody>
           <a:bodyPr/>
           <a:p>
-            <a:fld id="{CB39AD4C-5976-456C-B6AC-CF5F6A74B4F1}" type="slidenum">
+            <a:fld id="{24AF5020-AF72-48F5-B78B-B34E6481BA9D}" type="slidenum">
               <a:t>55</a:t>
             </a:fld>
           </a:p>
@@ -23158,7 +23784,7 @@
       </p:grpSpPr>
       <p:sp>
         <p:nvSpPr>
-          <p:cNvPr id="150" name="PlaceHolder 1"/>
+          <p:cNvPr id="158" name="PlaceHolder 1"/>
           <p:cNvSpPr>
             <a:spLocks noGrp="1"/>
           </p:cNvSpPr>
@@ -23169,7 +23795,7 @@
         <p:spPr>
           <a:xfrm>
             <a:off x="839880" y="457200"/>
-            <a:ext cx="9122400" cy="1599480"/>
+            <a:ext cx="9122040" cy="1599120"/>
           </a:xfrm>
           <a:prstGeom prst="rect">
             <a:avLst/>
@@ -23217,7 +23843,7 @@
       </p:sp>
       <p:sp>
         <p:nvSpPr>
-          <p:cNvPr id="151" name="PlaceHolder 2"/>
+          <p:cNvPr id="159" name="PlaceHolder 2"/>
           <p:cNvSpPr>
             <a:spLocks noGrp="1"/>
           </p:cNvSpPr>
@@ -23228,7 +23854,7 @@
         <p:spPr>
           <a:xfrm>
             <a:off x="839880" y="2057400"/>
-            <a:ext cx="10876320" cy="3810960"/>
+            <a:ext cx="10875960" cy="3810600"/>
           </a:xfrm>
           <a:prstGeom prst="rect">
             <a:avLst/>
@@ -23382,7 +24008,7 @@
             <a:spLocks noGrp="1"/>
           </p:cNvSpPr>
           <p:nvPr>
-            <p:ph type="ftr" idx="9"/>
+            <p:ph type="ftr" idx="13"/>
           </p:nvPr>
         </p:nvSpPr>
         <p:spPr/>
@@ -23402,14 +24028,14 @@
             <a:spLocks noGrp="1"/>
           </p:cNvSpPr>
           <p:nvPr>
-            <p:ph type="sldNum" idx="10"/>
+            <p:ph type="sldNum" idx="14"/>
           </p:nvPr>
         </p:nvSpPr>
         <p:spPr/>
         <p:txBody>
           <a:bodyPr/>
           <a:p>
-            <a:fld id="{30C1573C-A964-47D4-9F90-4D811620DE9B}" type="slidenum">
+            <a:fld id="{F264217A-C022-4A6F-8039-87CEEC3E39A2}" type="slidenum">
               <a:t>56</a:t>
             </a:fld>
           </a:p>
@@ -23447,7 +24073,7 @@
       </p:grpSpPr>
       <p:sp>
         <p:nvSpPr>
-          <p:cNvPr id="152" name="PlaceHolder 1"/>
+          <p:cNvPr id="160" name="PlaceHolder 1"/>
           <p:cNvSpPr>
             <a:spLocks noGrp="1"/>
           </p:cNvSpPr>
@@ -23458,7 +24084,7 @@
         <p:spPr>
           <a:xfrm>
             <a:off x="831960" y="1709640"/>
-            <a:ext cx="10514880" cy="2851920"/>
+            <a:ext cx="10514520" cy="2851560"/>
           </a:xfrm>
           <a:prstGeom prst="rect">
             <a:avLst/>
@@ -23506,7 +24132,7 @@
       </p:sp>
       <p:sp>
         <p:nvSpPr>
-          <p:cNvPr id="153" name="PlaceHolder 2"/>
+          <p:cNvPr id="161" name="PlaceHolder 2"/>
           <p:cNvSpPr>
             <a:spLocks noGrp="1"/>
           </p:cNvSpPr>
@@ -23517,7 +24143,7 @@
         <p:spPr>
           <a:xfrm>
             <a:off x="831960" y="4589640"/>
-            <a:ext cx="10514880" cy="1499400"/>
+            <a:ext cx="10514520" cy="1499040"/>
           </a:xfrm>
           <a:prstGeom prst="rect">
             <a:avLst/>
@@ -23556,7 +24182,7 @@
             <a:spLocks noGrp="1"/>
           </p:cNvSpPr>
           <p:nvPr>
-            <p:ph type="ftr" idx="6"/>
+            <p:ph type="ftr" idx="10"/>
           </p:nvPr>
         </p:nvSpPr>
         <p:spPr/>
@@ -23576,14 +24202,14 @@
             <a:spLocks noGrp="1"/>
           </p:cNvSpPr>
           <p:nvPr>
-            <p:ph type="sldNum" idx="7"/>
+            <p:ph type="sldNum" idx="11"/>
           </p:nvPr>
         </p:nvSpPr>
         <p:spPr/>
         <p:txBody>
           <a:bodyPr/>
           <a:p>
-            <a:fld id="{1672A18C-D874-4D6A-B1A1-A6662003A756}" type="slidenum">
+            <a:fld id="{5E5D4111-02BD-48AE-A945-D10079902749}" type="slidenum">
               <a:t>57</a:t>
             </a:fld>
           </a:p>
@@ -23621,7 +24247,7 @@
       </p:grpSpPr>
       <p:sp>
         <p:nvSpPr>
-          <p:cNvPr id="154" name="PlaceHolder 1"/>
+          <p:cNvPr id="162" name="PlaceHolder 1"/>
           <p:cNvSpPr>
             <a:spLocks noGrp="1"/>
           </p:cNvSpPr>
@@ -23632,7 +24258,7 @@
         <p:spPr>
           <a:xfrm>
             <a:off x="838080" y="365040"/>
-            <a:ext cx="10514880" cy="1324800"/>
+            <a:ext cx="10514520" cy="1324440"/>
           </a:xfrm>
           <a:prstGeom prst="rect">
             <a:avLst/>
@@ -23680,7 +24306,7 @@
       </p:sp>
       <p:sp>
         <p:nvSpPr>
-          <p:cNvPr id="155" name="PlaceHolder 2"/>
+          <p:cNvPr id="163" name="PlaceHolder 2"/>
           <p:cNvSpPr>
             <a:spLocks noGrp="1"/>
           </p:cNvSpPr>
@@ -23691,7 +24317,7 @@
         <p:spPr>
           <a:xfrm>
             <a:off x="838080" y="1825560"/>
-            <a:ext cx="10514880" cy="4350600"/>
+            <a:ext cx="10514520" cy="4350240"/>
           </a:xfrm>
           <a:prstGeom prst="rect">
             <a:avLst/>
@@ -24101,7 +24727,7 @@
             <a:spLocks noGrp="1"/>
           </p:cNvSpPr>
           <p:nvPr>
-            <p:ph type="ftr" idx="3"/>
+            <p:ph type="ftr" idx="7"/>
           </p:nvPr>
         </p:nvSpPr>
         <p:spPr/>
@@ -24121,14 +24747,14 @@
             <a:spLocks noGrp="1"/>
           </p:cNvSpPr>
           <p:nvPr>
-            <p:ph type="sldNum" idx="4"/>
+            <p:ph type="sldNum" idx="8"/>
           </p:nvPr>
         </p:nvSpPr>
         <p:spPr/>
         <p:txBody>
           <a:bodyPr/>
           <a:p>
-            <a:fld id="{C66FD85B-A565-40E3-8499-EFCEA6FDDAF8}" type="slidenum">
+            <a:fld id="{A2F62184-FA3A-45A7-9FF4-67063A580E2C}" type="slidenum">
               <a:t>58</a:t>
             </a:fld>
           </a:p>
@@ -24166,7 +24792,7 @@
       </p:grpSpPr>
       <p:sp>
         <p:nvSpPr>
-          <p:cNvPr id="156" name="PlaceHolder 1"/>
+          <p:cNvPr id="164" name="PlaceHolder 1"/>
           <p:cNvSpPr>
             <a:spLocks noGrp="1"/>
           </p:cNvSpPr>
@@ -24177,7 +24803,7 @@
         <p:spPr>
           <a:xfrm>
             <a:off x="838080" y="365040"/>
-            <a:ext cx="10514880" cy="1324800"/>
+            <a:ext cx="10514520" cy="1324440"/>
           </a:xfrm>
           <a:prstGeom prst="rect">
             <a:avLst/>
@@ -24225,7 +24851,7 @@
       </p:sp>
       <p:sp>
         <p:nvSpPr>
-          <p:cNvPr id="157" name="PlaceHolder 2"/>
+          <p:cNvPr id="165" name="PlaceHolder 2"/>
           <p:cNvSpPr>
             <a:spLocks noGrp="1"/>
           </p:cNvSpPr>
@@ -24236,7 +24862,7 @@
         <p:spPr>
           <a:xfrm>
             <a:off x="838080" y="1825560"/>
-            <a:ext cx="10514880" cy="4350600"/>
+            <a:ext cx="10514520" cy="4350240"/>
           </a:xfrm>
           <a:prstGeom prst="rect">
             <a:avLst/>
@@ -24508,7 +25134,7 @@
             <a:spLocks noGrp="1"/>
           </p:cNvSpPr>
           <p:nvPr>
-            <p:ph type="ftr" idx="3"/>
+            <p:ph type="ftr" idx="7"/>
           </p:nvPr>
         </p:nvSpPr>
         <p:spPr/>
@@ -24528,14 +25154,14 @@
             <a:spLocks noGrp="1"/>
           </p:cNvSpPr>
           <p:nvPr>
-            <p:ph type="sldNum" idx="4"/>
+            <p:ph type="sldNum" idx="8"/>
           </p:nvPr>
         </p:nvSpPr>
         <p:spPr/>
         <p:txBody>
           <a:bodyPr/>
           <a:p>
-            <a:fld id="{78BF13ED-6622-4E63-8BFB-B00780F7BE32}" type="slidenum">
+            <a:fld id="{14307E9A-51A0-449D-B4EE-1F1D53919B32}" type="slidenum">
               <a:t>59</a:t>
             </a:fld>
           </a:p>
@@ -24573,7 +25199,7 @@
       </p:grpSpPr>
       <p:sp>
         <p:nvSpPr>
-          <p:cNvPr id="48" name="PlaceHolder 1"/>
+          <p:cNvPr id="56" name="PlaceHolder 1"/>
           <p:cNvSpPr>
             <a:spLocks noGrp="1"/>
           </p:cNvSpPr>
@@ -24584,7 +25210,7 @@
         <p:spPr>
           <a:xfrm>
             <a:off x="838080" y="365040"/>
-            <a:ext cx="10514880" cy="1324800"/>
+            <a:ext cx="10514520" cy="1324440"/>
           </a:xfrm>
           <a:prstGeom prst="rect">
             <a:avLst/>
@@ -24632,7 +25258,7 @@
       </p:sp>
       <p:sp>
         <p:nvSpPr>
-          <p:cNvPr id="49" name="PlaceHolder 2"/>
+          <p:cNvPr id="57" name="PlaceHolder 2"/>
           <p:cNvSpPr>
             <a:spLocks noGrp="1"/>
           </p:cNvSpPr>
@@ -24643,7 +25269,7 @@
         <p:spPr>
           <a:xfrm>
             <a:off x="838080" y="1825560"/>
-            <a:ext cx="10514880" cy="4350600"/>
+            <a:ext cx="10514520" cy="4350240"/>
           </a:xfrm>
           <a:prstGeom prst="rect">
             <a:avLst/>
@@ -24756,7 +25382,7 @@
             <a:spLocks noGrp="1"/>
           </p:cNvSpPr>
           <p:nvPr>
-            <p:ph type="ftr" idx="3"/>
+            <p:ph type="ftr" idx="7"/>
           </p:nvPr>
         </p:nvSpPr>
         <p:spPr/>
@@ -24776,14 +25402,14 @@
             <a:spLocks noGrp="1"/>
           </p:cNvSpPr>
           <p:nvPr>
-            <p:ph type="sldNum" idx="4"/>
+            <p:ph type="sldNum" idx="8"/>
           </p:nvPr>
         </p:nvSpPr>
         <p:spPr/>
         <p:txBody>
           <a:bodyPr/>
           <a:p>
-            <a:fld id="{CC2B6EDE-A8CF-4A86-80C1-03341A01DD6B}" type="slidenum">
+            <a:fld id="{E848D7AC-2FE9-4605-911B-19E98659DF6D}" type="slidenum">
               <a:t>6</a:t>
             </a:fld>
           </a:p>
@@ -24821,7 +25447,7 @@
       </p:grpSpPr>
       <p:sp>
         <p:nvSpPr>
-          <p:cNvPr id="158" name="PlaceHolder 1"/>
+          <p:cNvPr id="166" name="PlaceHolder 1"/>
           <p:cNvSpPr>
             <a:spLocks noGrp="1"/>
           </p:cNvSpPr>
@@ -24832,7 +25458,7 @@
         <p:spPr>
           <a:xfrm>
             <a:off x="838080" y="365040"/>
-            <a:ext cx="10514880" cy="1324800"/>
+            <a:ext cx="10514520" cy="1324440"/>
           </a:xfrm>
           <a:prstGeom prst="rect">
             <a:avLst/>
@@ -24880,7 +25506,7 @@
       </p:sp>
       <p:sp>
         <p:nvSpPr>
-          <p:cNvPr id="159" name="PlaceHolder 2"/>
+          <p:cNvPr id="167" name="PlaceHolder 2"/>
           <p:cNvSpPr>
             <a:spLocks noGrp="1"/>
           </p:cNvSpPr>
@@ -24891,7 +25517,7 @@
         <p:spPr>
           <a:xfrm>
             <a:off x="838080" y="1825560"/>
-            <a:ext cx="10514880" cy="4350600"/>
+            <a:ext cx="10514520" cy="4350240"/>
           </a:xfrm>
           <a:prstGeom prst="rect">
             <a:avLst/>
@@ -24982,7 +25608,7 @@
             <a:spLocks noGrp="1"/>
           </p:cNvSpPr>
           <p:nvPr>
-            <p:ph type="ftr" idx="3"/>
+            <p:ph type="ftr" idx="7"/>
           </p:nvPr>
         </p:nvSpPr>
         <p:spPr/>
@@ -25002,14 +25628,14 @@
             <a:spLocks noGrp="1"/>
           </p:cNvSpPr>
           <p:nvPr>
-            <p:ph type="sldNum" idx="4"/>
+            <p:ph type="sldNum" idx="8"/>
           </p:nvPr>
         </p:nvSpPr>
         <p:spPr/>
         <p:txBody>
           <a:bodyPr/>
           <a:p>
-            <a:fld id="{95881CAA-0B84-4EFB-86A5-FD3CEE354C15}" type="slidenum">
+            <a:fld id="{BEF48738-50F1-47A6-AFE1-E01F2498D7AC}" type="slidenum">
               <a:t>60</a:t>
             </a:fld>
           </a:p>
@@ -25047,7 +25673,7 @@
       </p:grpSpPr>
       <p:sp>
         <p:nvSpPr>
-          <p:cNvPr id="160" name="PlaceHolder 1"/>
+          <p:cNvPr id="168" name="PlaceHolder 1"/>
           <p:cNvSpPr>
             <a:spLocks noGrp="1"/>
           </p:cNvSpPr>
@@ -25058,7 +25684,7 @@
         <p:spPr>
           <a:xfrm>
             <a:off x="839880" y="457200"/>
-            <a:ext cx="9122400" cy="1599480"/>
+            <a:ext cx="9122040" cy="1599120"/>
           </a:xfrm>
           <a:prstGeom prst="rect">
             <a:avLst/>
@@ -25106,7 +25732,7 @@
       </p:sp>
       <p:sp>
         <p:nvSpPr>
-          <p:cNvPr id="161" name="PlaceHolder 2"/>
+          <p:cNvPr id="169" name="PlaceHolder 2"/>
           <p:cNvSpPr>
             <a:spLocks noGrp="1"/>
           </p:cNvSpPr>
@@ -25117,7 +25743,7 @@
         <p:spPr>
           <a:xfrm>
             <a:off x="839880" y="2057400"/>
-            <a:ext cx="10876320" cy="3810960"/>
+            <a:ext cx="10875960" cy="3810600"/>
           </a:xfrm>
           <a:prstGeom prst="rect">
             <a:avLst/>
@@ -25390,7 +26016,7 @@
             <a:spLocks noGrp="1"/>
           </p:cNvSpPr>
           <p:nvPr>
-            <p:ph type="ftr" idx="9"/>
+            <p:ph type="ftr" idx="13"/>
           </p:nvPr>
         </p:nvSpPr>
         <p:spPr/>
@@ -25410,14 +26036,14 @@
             <a:spLocks noGrp="1"/>
           </p:cNvSpPr>
           <p:nvPr>
-            <p:ph type="sldNum" idx="10"/>
+            <p:ph type="sldNum" idx="14"/>
           </p:nvPr>
         </p:nvSpPr>
         <p:spPr/>
         <p:txBody>
           <a:bodyPr/>
           <a:p>
-            <a:fld id="{B9CCB8C3-47EE-4884-B16A-95BF3E5770E3}" type="slidenum">
+            <a:fld id="{15CE6AC8-709D-498C-A3F7-F0356A747C3F}" type="slidenum">
               <a:t>61</a:t>
             </a:fld>
           </a:p>
@@ -25455,7 +26081,7 @@
       </p:grpSpPr>
       <p:sp>
         <p:nvSpPr>
-          <p:cNvPr id="162" name="PlaceHolder 1"/>
+          <p:cNvPr id="170" name="PlaceHolder 1"/>
           <p:cNvSpPr>
             <a:spLocks noGrp="1"/>
           </p:cNvSpPr>
@@ -25466,7 +26092,7 @@
         <p:spPr>
           <a:xfrm>
             <a:off x="831960" y="1709640"/>
-            <a:ext cx="10514880" cy="2851920"/>
+            <a:ext cx="10514520" cy="2851560"/>
           </a:xfrm>
           <a:prstGeom prst="rect">
             <a:avLst/>
@@ -25514,7 +26140,7 @@
       </p:sp>
       <p:sp>
         <p:nvSpPr>
-          <p:cNvPr id="163" name="PlaceHolder 2"/>
+          <p:cNvPr id="171" name="PlaceHolder 2"/>
           <p:cNvSpPr>
             <a:spLocks noGrp="1"/>
           </p:cNvSpPr>
@@ -25525,7 +26151,7 @@
         <p:spPr>
           <a:xfrm>
             <a:off x="831960" y="4589640"/>
-            <a:ext cx="10514880" cy="1499400"/>
+            <a:ext cx="10514520" cy="1499040"/>
           </a:xfrm>
           <a:prstGeom prst="rect">
             <a:avLst/>
@@ -25564,7 +26190,7 @@
             <a:spLocks noGrp="1"/>
           </p:cNvSpPr>
           <p:nvPr>
-            <p:ph type="ftr" idx="6"/>
+            <p:ph type="ftr" idx="10"/>
           </p:nvPr>
         </p:nvSpPr>
         <p:spPr/>
@@ -25584,14 +26210,14 @@
             <a:spLocks noGrp="1"/>
           </p:cNvSpPr>
           <p:nvPr>
-            <p:ph type="sldNum" idx="7"/>
+            <p:ph type="sldNum" idx="11"/>
           </p:nvPr>
         </p:nvSpPr>
         <p:spPr/>
         <p:txBody>
           <a:bodyPr/>
           <a:p>
-            <a:fld id="{B213A548-D9AC-45CD-AA00-9A8A5E4B8246}" type="slidenum">
+            <a:fld id="{01767BC1-B5DE-4298-9A1D-E3C504650D77}" type="slidenum">
               <a:t>62</a:t>
             </a:fld>
           </a:p>
@@ -25629,7 +26255,7 @@
       </p:grpSpPr>
       <p:sp>
         <p:nvSpPr>
-          <p:cNvPr id="164" name="PlaceHolder 1"/>
+          <p:cNvPr id="172" name="PlaceHolder 1"/>
           <p:cNvSpPr>
             <a:spLocks noGrp="1"/>
           </p:cNvSpPr>
@@ -25640,7 +26266,7 @@
         <p:spPr>
           <a:xfrm>
             <a:off x="838080" y="365040"/>
-            <a:ext cx="10514880" cy="1324800"/>
+            <a:ext cx="10514520" cy="1324440"/>
           </a:xfrm>
           <a:prstGeom prst="rect">
             <a:avLst/>
@@ -25688,7 +26314,7 @@
       </p:sp>
       <p:sp>
         <p:nvSpPr>
-          <p:cNvPr id="165" name="PlaceHolder 2"/>
+          <p:cNvPr id="173" name="PlaceHolder 2"/>
           <p:cNvSpPr>
             <a:spLocks noGrp="1"/>
           </p:cNvSpPr>
@@ -25699,7 +26325,7 @@
         <p:spPr>
           <a:xfrm>
             <a:off x="838080" y="1825560"/>
-            <a:ext cx="10514880" cy="4350600"/>
+            <a:ext cx="10514520" cy="4350240"/>
           </a:xfrm>
           <a:prstGeom prst="rect">
             <a:avLst/>
@@ -25860,7 +26486,7 @@
             <a:spLocks noGrp="1"/>
           </p:cNvSpPr>
           <p:nvPr>
-            <p:ph type="ftr" idx="3"/>
+            <p:ph type="ftr" idx="7"/>
           </p:nvPr>
         </p:nvSpPr>
         <p:spPr/>
@@ -25880,14 +26506,14 @@
             <a:spLocks noGrp="1"/>
           </p:cNvSpPr>
           <p:nvPr>
-            <p:ph type="sldNum" idx="4"/>
+            <p:ph type="sldNum" idx="8"/>
           </p:nvPr>
         </p:nvSpPr>
         <p:spPr/>
         <p:txBody>
           <a:bodyPr/>
           <a:p>
-            <a:fld id="{F8062363-028C-4205-A576-BF9402E0A266}" type="slidenum">
+            <a:fld id="{6167718B-5183-45D3-A4F3-57FA87B35571}" type="slidenum">
               <a:t>63</a:t>
             </a:fld>
           </a:p>
@@ -25925,7 +26551,7 @@
       </p:grpSpPr>
       <p:sp>
         <p:nvSpPr>
-          <p:cNvPr id="166" name="PlaceHolder 1"/>
+          <p:cNvPr id="174" name="PlaceHolder 1"/>
           <p:cNvSpPr>
             <a:spLocks noGrp="1"/>
           </p:cNvSpPr>
@@ -25936,7 +26562,7 @@
         <p:spPr>
           <a:xfrm>
             <a:off x="838080" y="365040"/>
-            <a:ext cx="10514880" cy="1324800"/>
+            <a:ext cx="10514520" cy="1324440"/>
           </a:xfrm>
           <a:prstGeom prst="rect">
             <a:avLst/>
@@ -25984,7 +26610,7 @@
       </p:sp>
       <p:sp>
         <p:nvSpPr>
-          <p:cNvPr id="167" name="PlaceHolder 2"/>
+          <p:cNvPr id="175" name="PlaceHolder 2"/>
           <p:cNvSpPr>
             <a:spLocks noGrp="1"/>
           </p:cNvSpPr>
@@ -25995,7 +26621,7 @@
         <p:spPr>
           <a:xfrm>
             <a:off x="838080" y="1825560"/>
-            <a:ext cx="10514880" cy="4350600"/>
+            <a:ext cx="10514520" cy="4350240"/>
           </a:xfrm>
           <a:prstGeom prst="rect">
             <a:avLst/>
@@ -26222,7 +26848,7 @@
             <a:spLocks noGrp="1"/>
           </p:cNvSpPr>
           <p:nvPr>
-            <p:ph type="ftr" idx="3"/>
+            <p:ph type="ftr" idx="7"/>
           </p:nvPr>
         </p:nvSpPr>
         <p:spPr/>
@@ -26242,14 +26868,14 @@
             <a:spLocks noGrp="1"/>
           </p:cNvSpPr>
           <p:nvPr>
-            <p:ph type="sldNum" idx="4"/>
+            <p:ph type="sldNum" idx="8"/>
           </p:nvPr>
         </p:nvSpPr>
         <p:spPr/>
         <p:txBody>
           <a:bodyPr/>
           <a:p>
-            <a:fld id="{13B69089-D352-4A53-843F-974748712471}" type="slidenum">
+            <a:fld id="{16505AEC-92EF-4EAC-AB76-F5C8E951DEE2}" type="slidenum">
               <a:t>64</a:t>
             </a:fld>
           </a:p>
@@ -26287,7 +26913,7 @@
       </p:grpSpPr>
       <p:sp>
         <p:nvSpPr>
-          <p:cNvPr id="168" name="PlaceHolder 1"/>
+          <p:cNvPr id="176" name="PlaceHolder 1"/>
           <p:cNvSpPr>
             <a:spLocks noGrp="1"/>
           </p:cNvSpPr>
@@ -26298,7 +26924,7 @@
         <p:spPr>
           <a:xfrm>
             <a:off x="838080" y="365040"/>
-            <a:ext cx="10514880" cy="1324800"/>
+            <a:ext cx="10514520" cy="1324440"/>
           </a:xfrm>
           <a:prstGeom prst="rect">
             <a:avLst/>
@@ -26346,7 +26972,7 @@
       </p:sp>
       <p:sp>
         <p:nvSpPr>
-          <p:cNvPr id="169" name="PlaceHolder 2"/>
+          <p:cNvPr id="177" name="PlaceHolder 2"/>
           <p:cNvSpPr>
             <a:spLocks noGrp="1"/>
           </p:cNvSpPr>
@@ -26357,7 +26983,7 @@
         <p:spPr>
           <a:xfrm>
             <a:off x="838080" y="1825560"/>
-            <a:ext cx="10514880" cy="4350600"/>
+            <a:ext cx="10514520" cy="4350240"/>
           </a:xfrm>
           <a:prstGeom prst="rect">
             <a:avLst/>
@@ -26788,7 +27414,7 @@
             <a:spLocks noGrp="1"/>
           </p:cNvSpPr>
           <p:nvPr>
-            <p:ph type="ftr" idx="3"/>
+            <p:ph type="ftr" idx="7"/>
           </p:nvPr>
         </p:nvSpPr>
         <p:spPr/>
@@ -26808,14 +27434,14 @@
             <a:spLocks noGrp="1"/>
           </p:cNvSpPr>
           <p:nvPr>
-            <p:ph type="sldNum" idx="4"/>
+            <p:ph type="sldNum" idx="8"/>
           </p:nvPr>
         </p:nvSpPr>
         <p:spPr/>
         <p:txBody>
           <a:bodyPr/>
           <a:p>
-            <a:fld id="{23B45BBA-4FF7-4868-BE41-55B368B8D7B3}" type="slidenum">
+            <a:fld id="{2B939561-FF9B-476B-B717-639A40A0A1D4}" type="slidenum">
               <a:t>65</a:t>
             </a:fld>
           </a:p>
@@ -26853,7 +27479,7 @@
       </p:grpSpPr>
       <p:sp>
         <p:nvSpPr>
-          <p:cNvPr id="170" name="PlaceHolder 1"/>
+          <p:cNvPr id="178" name="PlaceHolder 1"/>
           <p:cNvSpPr>
             <a:spLocks noGrp="1"/>
           </p:cNvSpPr>
@@ -26864,7 +27490,7 @@
         <p:spPr>
           <a:xfrm>
             <a:off x="839880" y="457200"/>
-            <a:ext cx="9122400" cy="1599480"/>
+            <a:ext cx="9122040" cy="1599120"/>
           </a:xfrm>
           <a:prstGeom prst="rect">
             <a:avLst/>
@@ -26912,7 +27538,7 @@
       </p:sp>
       <p:sp>
         <p:nvSpPr>
-          <p:cNvPr id="171" name="PlaceHolder 2"/>
+          <p:cNvPr id="179" name="PlaceHolder 2"/>
           <p:cNvSpPr>
             <a:spLocks noGrp="1"/>
           </p:cNvSpPr>
@@ -26923,7 +27549,7 @@
         <p:spPr>
           <a:xfrm>
             <a:off x="839880" y="2057400"/>
-            <a:ext cx="10876320" cy="3810960"/>
+            <a:ext cx="10875960" cy="3810600"/>
           </a:xfrm>
           <a:prstGeom prst="rect">
             <a:avLst/>
@@ -27077,7 +27703,7 @@
             <a:spLocks noGrp="1"/>
           </p:cNvSpPr>
           <p:nvPr>
-            <p:ph type="ftr" idx="9"/>
+            <p:ph type="ftr" idx="13"/>
           </p:nvPr>
         </p:nvSpPr>
         <p:spPr/>
@@ -27097,14 +27723,14 @@
             <a:spLocks noGrp="1"/>
           </p:cNvSpPr>
           <p:nvPr>
-            <p:ph type="sldNum" idx="10"/>
+            <p:ph type="sldNum" idx="14"/>
           </p:nvPr>
         </p:nvSpPr>
         <p:spPr/>
         <p:txBody>
           <a:bodyPr/>
           <a:p>
-            <a:fld id="{DB98E525-43E7-4FA7-A178-012E0200422B}" type="slidenum">
+            <a:fld id="{930D3694-C49D-4F89-A597-1F69408FA165}" type="slidenum">
               <a:t>66</a:t>
             </a:fld>
           </a:p>
@@ -27142,7 +27768,7 @@
       </p:grpSpPr>
       <p:sp>
         <p:nvSpPr>
-          <p:cNvPr id="172" name="PlaceHolder 1"/>
+          <p:cNvPr id="180" name="PlaceHolder 1"/>
           <p:cNvSpPr>
             <a:spLocks noGrp="1"/>
           </p:cNvSpPr>
@@ -27153,7 +27779,7 @@
         <p:spPr>
           <a:xfrm>
             <a:off x="831960" y="1709640"/>
-            <a:ext cx="10514880" cy="2851920"/>
+            <a:ext cx="10514520" cy="2851560"/>
           </a:xfrm>
           <a:prstGeom prst="rect">
             <a:avLst/>
@@ -27201,7 +27827,7 @@
       </p:sp>
       <p:sp>
         <p:nvSpPr>
-          <p:cNvPr id="173" name="PlaceHolder 2"/>
+          <p:cNvPr id="181" name="PlaceHolder 2"/>
           <p:cNvSpPr>
             <a:spLocks noGrp="1"/>
           </p:cNvSpPr>
@@ -27212,7 +27838,7 @@
         <p:spPr>
           <a:xfrm>
             <a:off x="831960" y="4589640"/>
-            <a:ext cx="10514880" cy="1499400"/>
+            <a:ext cx="10514520" cy="1499040"/>
           </a:xfrm>
           <a:prstGeom prst="rect">
             <a:avLst/>
@@ -27251,7 +27877,7 @@
             <a:spLocks noGrp="1"/>
           </p:cNvSpPr>
           <p:nvPr>
-            <p:ph type="ftr" idx="6"/>
+            <p:ph type="ftr" idx="10"/>
           </p:nvPr>
         </p:nvSpPr>
         <p:spPr/>
@@ -27271,14 +27897,14 @@
             <a:spLocks noGrp="1"/>
           </p:cNvSpPr>
           <p:nvPr>
-            <p:ph type="sldNum" idx="7"/>
+            <p:ph type="sldNum" idx="11"/>
           </p:nvPr>
         </p:nvSpPr>
         <p:spPr/>
         <p:txBody>
           <a:bodyPr/>
           <a:p>
-            <a:fld id="{02A85400-3BF0-4E44-9856-5CF3D5907E3F}" type="slidenum">
+            <a:fld id="{22F64512-A37C-42E0-B561-9B38FAF600D5}" type="slidenum">
               <a:t>67</a:t>
             </a:fld>
           </a:p>
@@ -27316,7 +27942,7 @@
       </p:grpSpPr>
       <p:sp>
         <p:nvSpPr>
-          <p:cNvPr id="174" name="PlaceHolder 1"/>
+          <p:cNvPr id="182" name="PlaceHolder 1"/>
           <p:cNvSpPr>
             <a:spLocks noGrp="1"/>
           </p:cNvSpPr>
@@ -27327,7 +27953,7 @@
         <p:spPr>
           <a:xfrm>
             <a:off x="838080" y="365040"/>
-            <a:ext cx="10514880" cy="1324800"/>
+            <a:ext cx="10514520" cy="1324440"/>
           </a:xfrm>
           <a:prstGeom prst="rect">
             <a:avLst/>
@@ -27375,7 +28001,7 @@
       </p:sp>
       <p:sp>
         <p:nvSpPr>
-          <p:cNvPr id="175" name="PlaceHolder 2"/>
+          <p:cNvPr id="183" name="PlaceHolder 2"/>
           <p:cNvSpPr>
             <a:spLocks noGrp="1"/>
           </p:cNvSpPr>
@@ -27386,7 +28012,7 @@
         <p:spPr>
           <a:xfrm>
             <a:off x="838080" y="1825560"/>
-            <a:ext cx="10514880" cy="4350600"/>
+            <a:ext cx="10514520" cy="4350240"/>
           </a:xfrm>
           <a:prstGeom prst="rect">
             <a:avLst/>
@@ -27567,7 +28193,7 @@
             <a:spLocks noGrp="1"/>
           </p:cNvSpPr>
           <p:nvPr>
-            <p:ph type="ftr" idx="3"/>
+            <p:ph type="ftr" idx="7"/>
           </p:nvPr>
         </p:nvSpPr>
         <p:spPr/>
@@ -27587,14 +28213,14 @@
             <a:spLocks noGrp="1"/>
           </p:cNvSpPr>
           <p:nvPr>
-            <p:ph type="sldNum" idx="4"/>
+            <p:ph type="sldNum" idx="8"/>
           </p:nvPr>
         </p:nvSpPr>
         <p:spPr/>
         <p:txBody>
           <a:bodyPr/>
           <a:p>
-            <a:fld id="{349CAB76-12A3-45F7-8719-E0E65ABAB382}" type="slidenum">
+            <a:fld id="{54A751FE-4DF8-4F55-8378-D938F60FF4B5}" type="slidenum">
               <a:t>68</a:t>
             </a:fld>
           </a:p>
@@ -27632,7 +28258,7 @@
       </p:grpSpPr>
       <p:sp>
         <p:nvSpPr>
-          <p:cNvPr id="176" name="PlaceHolder 1"/>
+          <p:cNvPr id="184" name="PlaceHolder 1"/>
           <p:cNvSpPr>
             <a:spLocks noGrp="1"/>
           </p:cNvSpPr>
@@ -27643,7 +28269,7 @@
         <p:spPr>
           <a:xfrm>
             <a:off x="838080" y="365040"/>
-            <a:ext cx="10514880" cy="1324800"/>
+            <a:ext cx="10514520" cy="1324440"/>
           </a:xfrm>
           <a:prstGeom prst="rect">
             <a:avLst/>
@@ -27691,7 +28317,7 @@
       </p:sp>
       <p:sp>
         <p:nvSpPr>
-          <p:cNvPr id="177" name="PlaceHolder 2"/>
+          <p:cNvPr id="185" name="PlaceHolder 2"/>
           <p:cNvSpPr>
             <a:spLocks noGrp="1"/>
           </p:cNvSpPr>
@@ -27702,7 +28328,7 @@
         <p:spPr>
           <a:xfrm>
             <a:off x="838080" y="1825560"/>
-            <a:ext cx="10514880" cy="4350600"/>
+            <a:ext cx="10514520" cy="4350240"/>
           </a:xfrm>
           <a:prstGeom prst="rect">
             <a:avLst/>
@@ -27883,7 +28509,7 @@
             <a:spLocks noGrp="1"/>
           </p:cNvSpPr>
           <p:nvPr>
-            <p:ph type="ftr" idx="3"/>
+            <p:ph type="ftr" idx="7"/>
           </p:nvPr>
         </p:nvSpPr>
         <p:spPr/>
@@ -27903,14 +28529,14 @@
             <a:spLocks noGrp="1"/>
           </p:cNvSpPr>
           <p:nvPr>
-            <p:ph type="sldNum" idx="4"/>
+            <p:ph type="sldNum" idx="8"/>
           </p:nvPr>
         </p:nvSpPr>
         <p:spPr/>
         <p:txBody>
           <a:bodyPr/>
           <a:p>
-            <a:fld id="{F80E8A12-4224-4173-A296-D65E5B6FA1AE}" type="slidenum">
+            <a:fld id="{DE2A22AF-C90A-47C4-8135-B30B1A9A2665}" type="slidenum">
               <a:t>69</a:t>
             </a:fld>
           </a:p>
@@ -27948,7 +28574,7 @@
       </p:grpSpPr>
       <p:sp>
         <p:nvSpPr>
-          <p:cNvPr id="50" name="PlaceHolder 1"/>
+          <p:cNvPr id="58" name="PlaceHolder 1"/>
           <p:cNvSpPr>
             <a:spLocks noGrp="1"/>
           </p:cNvSpPr>
@@ -27959,7 +28585,7 @@
         <p:spPr>
           <a:xfrm>
             <a:off x="838080" y="365040"/>
-            <a:ext cx="10514880" cy="1324800"/>
+            <a:ext cx="10514520" cy="1324440"/>
           </a:xfrm>
           <a:prstGeom prst="rect">
             <a:avLst/>
@@ -28007,7 +28633,7 @@
       </p:sp>
       <p:sp>
         <p:nvSpPr>
-          <p:cNvPr id="51" name="PlaceHolder 2"/>
+          <p:cNvPr id="59" name="PlaceHolder 2"/>
           <p:cNvSpPr>
             <a:spLocks noGrp="1"/>
           </p:cNvSpPr>
@@ -28018,7 +28644,7 @@
         <p:spPr>
           <a:xfrm>
             <a:off x="838080" y="1825560"/>
-            <a:ext cx="10514880" cy="4350600"/>
+            <a:ext cx="10514520" cy="4350240"/>
           </a:xfrm>
           <a:prstGeom prst="rect">
             <a:avLst/>
@@ -28383,7 +29009,7 @@
             <a:spLocks noGrp="1"/>
           </p:cNvSpPr>
           <p:nvPr>
-            <p:ph type="ftr" idx="3"/>
+            <p:ph type="ftr" idx="7"/>
           </p:nvPr>
         </p:nvSpPr>
         <p:spPr/>
@@ -28403,14 +29029,14 @@
             <a:spLocks noGrp="1"/>
           </p:cNvSpPr>
           <p:nvPr>
-            <p:ph type="sldNum" idx="4"/>
+            <p:ph type="sldNum" idx="8"/>
           </p:nvPr>
         </p:nvSpPr>
         <p:spPr/>
         <p:txBody>
           <a:bodyPr/>
           <a:p>
-            <a:fld id="{A2AFFA6D-7818-47A6-84D9-496BE02534CE}" type="slidenum">
+            <a:fld id="{629DDD60-5218-4943-BF78-0B60DAC3EC78}" type="slidenum">
               <a:t>7</a:t>
             </a:fld>
           </a:p>
@@ -28448,7 +29074,7 @@
       </p:grpSpPr>
       <p:sp>
         <p:nvSpPr>
-          <p:cNvPr id="178" name="PlaceHolder 1"/>
+          <p:cNvPr id="186" name="PlaceHolder 1"/>
           <p:cNvSpPr>
             <a:spLocks noGrp="1"/>
           </p:cNvSpPr>
@@ -28459,7 +29085,7 @@
         <p:spPr>
           <a:xfrm>
             <a:off x="838080" y="365040"/>
-            <a:ext cx="10514880" cy="1324800"/>
+            <a:ext cx="10514520" cy="1324440"/>
           </a:xfrm>
           <a:prstGeom prst="rect">
             <a:avLst/>
@@ -28507,7 +29133,7 @@
       </p:sp>
       <p:sp>
         <p:nvSpPr>
-          <p:cNvPr id="179" name="PlaceHolder 2"/>
+          <p:cNvPr id="187" name="PlaceHolder 2"/>
           <p:cNvSpPr>
             <a:spLocks noGrp="1"/>
           </p:cNvSpPr>
@@ -28518,7 +29144,7 @@
         <p:spPr>
           <a:xfrm>
             <a:off x="838080" y="1825560"/>
-            <a:ext cx="10514880" cy="4350600"/>
+            <a:ext cx="10514520" cy="4350240"/>
           </a:xfrm>
           <a:prstGeom prst="rect">
             <a:avLst/>
@@ -28643,7 +29269,7 @@
             <a:spLocks noGrp="1"/>
           </p:cNvSpPr>
           <p:nvPr>
-            <p:ph type="ftr" idx="3"/>
+            <p:ph type="ftr" idx="7"/>
           </p:nvPr>
         </p:nvSpPr>
         <p:spPr/>
@@ -28663,14 +29289,14 @@
             <a:spLocks noGrp="1"/>
           </p:cNvSpPr>
           <p:nvPr>
-            <p:ph type="sldNum" idx="4"/>
+            <p:ph type="sldNum" idx="8"/>
           </p:nvPr>
         </p:nvSpPr>
         <p:spPr/>
         <p:txBody>
           <a:bodyPr/>
           <a:p>
-            <a:fld id="{48ADADE6-2506-4612-AAD8-E1F22F6FA67B}" type="slidenum">
+            <a:fld id="{F5D80661-F1AB-45CA-81AC-9220DF465579}" type="slidenum">
               <a:t>70</a:t>
             </a:fld>
           </a:p>
@@ -28708,7 +29334,7 @@
       </p:grpSpPr>
       <p:sp>
         <p:nvSpPr>
-          <p:cNvPr id="180" name="PlaceHolder 1"/>
+          <p:cNvPr id="188" name="PlaceHolder 1"/>
           <p:cNvSpPr>
             <a:spLocks noGrp="1"/>
           </p:cNvSpPr>
@@ -28719,7 +29345,7 @@
         <p:spPr>
           <a:xfrm>
             <a:off x="838080" y="365040"/>
-            <a:ext cx="10514880" cy="1324800"/>
+            <a:ext cx="10514520" cy="1324440"/>
           </a:xfrm>
           <a:prstGeom prst="rect">
             <a:avLst/>
@@ -28767,7 +29393,7 @@
       </p:sp>
       <p:sp>
         <p:nvSpPr>
-          <p:cNvPr id="181" name="PlaceHolder 2"/>
+          <p:cNvPr id="189" name="PlaceHolder 2"/>
           <p:cNvSpPr>
             <a:spLocks noGrp="1"/>
           </p:cNvSpPr>
@@ -28778,7 +29404,7 @@
         <p:spPr>
           <a:xfrm>
             <a:off x="838080" y="1825560"/>
-            <a:ext cx="10514880" cy="4350600"/>
+            <a:ext cx="10514520" cy="4350240"/>
           </a:xfrm>
           <a:prstGeom prst="rect">
             <a:avLst/>
@@ -28903,7 +29529,7 @@
             <a:spLocks noGrp="1"/>
           </p:cNvSpPr>
           <p:nvPr>
-            <p:ph type="ftr" idx="3"/>
+            <p:ph type="ftr" idx="7"/>
           </p:nvPr>
         </p:nvSpPr>
         <p:spPr/>
@@ -28923,14 +29549,14 @@
             <a:spLocks noGrp="1"/>
           </p:cNvSpPr>
           <p:nvPr>
-            <p:ph type="sldNum" idx="4"/>
+            <p:ph type="sldNum" idx="8"/>
           </p:nvPr>
         </p:nvSpPr>
         <p:spPr/>
         <p:txBody>
           <a:bodyPr/>
           <a:p>
-            <a:fld id="{2078470E-0D7A-46ED-A3EA-0B23ACAFD788}" type="slidenum">
+            <a:fld id="{E76119D7-B861-4021-A03B-8B27B3B865D9}" type="slidenum">
               <a:t>71</a:t>
             </a:fld>
           </a:p>
@@ -28968,7 +29594,7 @@
       </p:grpSpPr>
       <p:sp>
         <p:nvSpPr>
-          <p:cNvPr id="182" name="PlaceHolder 1"/>
+          <p:cNvPr id="190" name="PlaceHolder 1"/>
           <p:cNvSpPr>
             <a:spLocks noGrp="1"/>
           </p:cNvSpPr>
@@ -28979,7 +29605,7 @@
         <p:spPr>
           <a:xfrm>
             <a:off x="838080" y="365040"/>
-            <a:ext cx="10514880" cy="1324800"/>
+            <a:ext cx="10514520" cy="1324440"/>
           </a:xfrm>
           <a:prstGeom prst="rect">
             <a:avLst/>
@@ -29027,7 +29653,7 @@
       </p:sp>
       <p:sp>
         <p:nvSpPr>
-          <p:cNvPr id="183" name="PlaceHolder 2"/>
+          <p:cNvPr id="191" name="PlaceHolder 2"/>
           <p:cNvSpPr>
             <a:spLocks noGrp="1"/>
           </p:cNvSpPr>
@@ -29038,7 +29664,7 @@
         <p:spPr>
           <a:xfrm>
             <a:off x="838080" y="1825560"/>
-            <a:ext cx="10514880" cy="4350600"/>
+            <a:ext cx="10514520" cy="4350240"/>
           </a:xfrm>
           <a:prstGeom prst="rect">
             <a:avLst/>
@@ -29231,7 +29857,7 @@
             <a:spLocks noGrp="1"/>
           </p:cNvSpPr>
           <p:nvPr>
-            <p:ph type="ftr" idx="3"/>
+            <p:ph type="ftr" idx="7"/>
           </p:nvPr>
         </p:nvSpPr>
         <p:spPr/>
@@ -29251,14 +29877,14 @@
             <a:spLocks noGrp="1"/>
           </p:cNvSpPr>
           <p:nvPr>
-            <p:ph type="sldNum" idx="4"/>
+            <p:ph type="sldNum" idx="8"/>
           </p:nvPr>
         </p:nvSpPr>
         <p:spPr/>
         <p:txBody>
           <a:bodyPr/>
           <a:p>
-            <a:fld id="{A5C0C79B-BD45-4052-BC27-D318C531FBB4}" type="slidenum">
+            <a:fld id="{24E0092D-9CAE-4B3E-A7C0-C24EE63B606B}" type="slidenum">
               <a:t>72</a:t>
             </a:fld>
           </a:p>
@@ -29296,7 +29922,7 @@
       </p:grpSpPr>
       <p:sp>
         <p:nvSpPr>
-          <p:cNvPr id="184" name="PlaceHolder 1"/>
+          <p:cNvPr id="192" name="PlaceHolder 1"/>
           <p:cNvSpPr>
             <a:spLocks noGrp="1"/>
           </p:cNvSpPr>
@@ -29307,7 +29933,7 @@
         <p:spPr>
           <a:xfrm>
             <a:off x="838080" y="365040"/>
-            <a:ext cx="10514880" cy="1324800"/>
+            <a:ext cx="10514520" cy="1324440"/>
           </a:xfrm>
           <a:prstGeom prst="rect">
             <a:avLst/>
@@ -29355,7 +29981,7 @@
       </p:sp>
       <p:sp>
         <p:nvSpPr>
-          <p:cNvPr id="185" name="PlaceHolder 2"/>
+          <p:cNvPr id="193" name="PlaceHolder 2"/>
           <p:cNvSpPr>
             <a:spLocks noGrp="1"/>
           </p:cNvSpPr>
@@ -29366,7 +29992,7 @@
         <p:spPr>
           <a:xfrm>
             <a:off x="838080" y="1825560"/>
-            <a:ext cx="10514880" cy="4350600"/>
+            <a:ext cx="10514520" cy="4350240"/>
           </a:xfrm>
           <a:prstGeom prst="rect">
             <a:avLst/>
@@ -29491,7 +30117,7 @@
             <a:spLocks noGrp="1"/>
           </p:cNvSpPr>
           <p:nvPr>
-            <p:ph type="ftr" idx="3"/>
+            <p:ph type="ftr" idx="7"/>
           </p:nvPr>
         </p:nvSpPr>
         <p:spPr/>
@@ -29511,14 +30137,14 @@
             <a:spLocks noGrp="1"/>
           </p:cNvSpPr>
           <p:nvPr>
-            <p:ph type="sldNum" idx="4"/>
+            <p:ph type="sldNum" idx="8"/>
           </p:nvPr>
         </p:nvSpPr>
         <p:spPr/>
         <p:txBody>
           <a:bodyPr/>
           <a:p>
-            <a:fld id="{C8B61243-775E-4BFB-947A-0BCF672003F3}" type="slidenum">
+            <a:fld id="{454F8BEC-B122-4CCD-9AC3-44797665CBEF}" type="slidenum">
               <a:t>73</a:t>
             </a:fld>
           </a:p>
@@ -29556,7 +30182,7 @@
       </p:grpSpPr>
       <p:sp>
         <p:nvSpPr>
-          <p:cNvPr id="186" name="PlaceHolder 1"/>
+          <p:cNvPr id="194" name="PlaceHolder 1"/>
           <p:cNvSpPr>
             <a:spLocks noGrp="1"/>
           </p:cNvSpPr>
@@ -29567,7 +30193,7 @@
         <p:spPr>
           <a:xfrm>
             <a:off x="839880" y="457200"/>
-            <a:ext cx="9122400" cy="1599480"/>
+            <a:ext cx="9122040" cy="1599120"/>
           </a:xfrm>
           <a:prstGeom prst="rect">
             <a:avLst/>
@@ -29615,7 +30241,7 @@
       </p:sp>
       <p:sp>
         <p:nvSpPr>
-          <p:cNvPr id="187" name="PlaceHolder 2"/>
+          <p:cNvPr id="195" name="PlaceHolder 2"/>
           <p:cNvSpPr>
             <a:spLocks noGrp="1"/>
           </p:cNvSpPr>
@@ -29626,7 +30252,7 @@
         <p:spPr>
           <a:xfrm>
             <a:off x="839880" y="2057400"/>
-            <a:ext cx="10876320" cy="3810960"/>
+            <a:ext cx="10875960" cy="3810600"/>
           </a:xfrm>
           <a:prstGeom prst="rect">
             <a:avLst/>
@@ -29780,7 +30406,7 @@
             <a:spLocks noGrp="1"/>
           </p:cNvSpPr>
           <p:nvPr>
-            <p:ph type="ftr" idx="9"/>
+            <p:ph type="ftr" idx="13"/>
           </p:nvPr>
         </p:nvSpPr>
         <p:spPr/>
@@ -29800,14 +30426,14 @@
             <a:spLocks noGrp="1"/>
           </p:cNvSpPr>
           <p:nvPr>
-            <p:ph type="sldNum" idx="10"/>
+            <p:ph type="sldNum" idx="14"/>
           </p:nvPr>
         </p:nvSpPr>
         <p:spPr/>
         <p:txBody>
           <a:bodyPr/>
           <a:p>
-            <a:fld id="{5C0293FE-6D1B-4F02-AC02-7357D2AD7D26}" type="slidenum">
+            <a:fld id="{9E064B10-3C09-4FED-B6E8-479A2AC296D2}" type="slidenum">
               <a:t>74</a:t>
             </a:fld>
           </a:p>
@@ -29845,7 +30471,7 @@
       </p:grpSpPr>
       <p:sp>
         <p:nvSpPr>
-          <p:cNvPr id="188" name="PlaceHolder 1"/>
+          <p:cNvPr id="196" name="PlaceHolder 1"/>
           <p:cNvSpPr>
             <a:spLocks noGrp="1"/>
           </p:cNvSpPr>
@@ -29856,7 +30482,7 @@
         <p:spPr>
           <a:xfrm>
             <a:off x="831960" y="1709640"/>
-            <a:ext cx="10514880" cy="2851920"/>
+            <a:ext cx="10514520" cy="2851560"/>
           </a:xfrm>
           <a:prstGeom prst="rect">
             <a:avLst/>
@@ -29904,7 +30530,7 @@
       </p:sp>
       <p:sp>
         <p:nvSpPr>
-          <p:cNvPr id="189" name="PlaceHolder 2"/>
+          <p:cNvPr id="197" name="PlaceHolder 2"/>
           <p:cNvSpPr>
             <a:spLocks noGrp="1"/>
           </p:cNvSpPr>
@@ -29915,7 +30541,7 @@
         <p:spPr>
           <a:xfrm>
             <a:off x="831960" y="4589640"/>
-            <a:ext cx="10514880" cy="1499400"/>
+            <a:ext cx="10514520" cy="1499040"/>
           </a:xfrm>
           <a:prstGeom prst="rect">
             <a:avLst/>
@@ -29954,7 +30580,7 @@
             <a:spLocks noGrp="1"/>
           </p:cNvSpPr>
           <p:nvPr>
-            <p:ph type="ftr" idx="6"/>
+            <p:ph type="ftr" idx="10"/>
           </p:nvPr>
         </p:nvSpPr>
         <p:spPr/>
@@ -29974,14 +30600,14 @@
             <a:spLocks noGrp="1"/>
           </p:cNvSpPr>
           <p:nvPr>
-            <p:ph type="sldNum" idx="7"/>
+            <p:ph type="sldNum" idx="11"/>
           </p:nvPr>
         </p:nvSpPr>
         <p:spPr/>
         <p:txBody>
           <a:bodyPr/>
           <a:p>
-            <a:fld id="{552D271E-5C19-450D-B2F4-7CC6704F25CE}" type="slidenum">
+            <a:fld id="{3F0A3F60-E29A-4EC5-8221-FBA21AEAE37A}" type="slidenum">
               <a:t>75</a:t>
             </a:fld>
           </a:p>
@@ -30019,7 +30645,7 @@
       </p:grpSpPr>
       <p:sp>
         <p:nvSpPr>
-          <p:cNvPr id="190" name="PlaceHolder 1"/>
+          <p:cNvPr id="198" name="PlaceHolder 1"/>
           <p:cNvSpPr>
             <a:spLocks noGrp="1"/>
           </p:cNvSpPr>
@@ -30030,7 +30656,7 @@
         <p:spPr>
           <a:xfrm>
             <a:off x="838080" y="365040"/>
-            <a:ext cx="10514880" cy="1324800"/>
+            <a:ext cx="10514520" cy="1324440"/>
           </a:xfrm>
           <a:prstGeom prst="rect">
             <a:avLst/>
@@ -30078,7 +30704,7 @@
       </p:sp>
       <p:sp>
         <p:nvSpPr>
-          <p:cNvPr id="191" name="PlaceHolder 2"/>
+          <p:cNvPr id="199" name="PlaceHolder 2"/>
           <p:cNvSpPr>
             <a:spLocks noGrp="1"/>
           </p:cNvSpPr>
@@ -30089,7 +30715,7 @@
         <p:spPr>
           <a:xfrm>
             <a:off x="838080" y="1825560"/>
-            <a:ext cx="10514880" cy="4350600"/>
+            <a:ext cx="10514520" cy="4350240"/>
           </a:xfrm>
           <a:prstGeom prst="rect">
             <a:avLst/>
@@ -30214,7 +30840,7 @@
             <a:spLocks noGrp="1"/>
           </p:cNvSpPr>
           <p:nvPr>
-            <p:ph type="ftr" idx="3"/>
+            <p:ph type="ftr" idx="7"/>
           </p:nvPr>
         </p:nvSpPr>
         <p:spPr/>
@@ -30234,14 +30860,14 @@
             <a:spLocks noGrp="1"/>
           </p:cNvSpPr>
           <p:nvPr>
-            <p:ph type="sldNum" idx="4"/>
+            <p:ph type="sldNum" idx="8"/>
           </p:nvPr>
         </p:nvSpPr>
         <p:spPr/>
         <p:txBody>
           <a:bodyPr/>
           <a:p>
-            <a:fld id="{B63093AC-8C4F-4AA9-A110-CBF0FAC0F665}" type="slidenum">
+            <a:fld id="{690BDE97-13FE-4A89-A075-6874F2627B19}" type="slidenum">
               <a:t>76</a:t>
             </a:fld>
           </a:p>
@@ -30279,7 +30905,7 @@
       </p:grpSpPr>
       <p:sp>
         <p:nvSpPr>
-          <p:cNvPr id="192" name="PlaceHolder 1"/>
+          <p:cNvPr id="200" name="PlaceHolder 1"/>
           <p:cNvSpPr>
             <a:spLocks noGrp="1"/>
           </p:cNvSpPr>
@@ -30290,7 +30916,7 @@
         <p:spPr>
           <a:xfrm>
             <a:off x="838080" y="365040"/>
-            <a:ext cx="10514880" cy="1324800"/>
+            <a:ext cx="10514520" cy="1324440"/>
           </a:xfrm>
           <a:prstGeom prst="rect">
             <a:avLst/>
@@ -30338,7 +30964,7 @@
       </p:sp>
       <p:sp>
         <p:nvSpPr>
-          <p:cNvPr id="193" name="PlaceHolder 2"/>
+          <p:cNvPr id="201" name="PlaceHolder 2"/>
           <p:cNvSpPr>
             <a:spLocks noGrp="1"/>
           </p:cNvSpPr>
@@ -30349,7 +30975,7 @@
         <p:spPr>
           <a:xfrm>
             <a:off x="838080" y="1825560"/>
-            <a:ext cx="10514880" cy="4350600"/>
+            <a:ext cx="10514520" cy="4350240"/>
           </a:xfrm>
           <a:prstGeom prst="rect">
             <a:avLst/>
@@ -30576,7 +31202,7 @@
             <a:spLocks noGrp="1"/>
           </p:cNvSpPr>
           <p:nvPr>
-            <p:ph type="ftr" idx="3"/>
+            <p:ph type="ftr" idx="7"/>
           </p:nvPr>
         </p:nvSpPr>
         <p:spPr/>
@@ -30596,14 +31222,14 @@
             <a:spLocks noGrp="1"/>
           </p:cNvSpPr>
           <p:nvPr>
-            <p:ph type="sldNum" idx="4"/>
+            <p:ph type="sldNum" idx="8"/>
           </p:nvPr>
         </p:nvSpPr>
         <p:spPr/>
         <p:txBody>
           <a:bodyPr/>
           <a:p>
-            <a:fld id="{7EE39DE0-8255-44C2-8E05-D65E0FE4CE98}" type="slidenum">
+            <a:fld id="{A8C30104-EF73-4620-9DFB-327D1C4502D7}" type="slidenum">
               <a:t>77</a:t>
             </a:fld>
           </a:p>
@@ -30641,7 +31267,7 @@
       </p:grpSpPr>
       <p:sp>
         <p:nvSpPr>
-          <p:cNvPr id="194" name="PlaceHolder 1"/>
+          <p:cNvPr id="202" name="PlaceHolder 1"/>
           <p:cNvSpPr>
             <a:spLocks noGrp="1"/>
           </p:cNvSpPr>
@@ -30652,7 +31278,7 @@
         <p:spPr>
           <a:xfrm>
             <a:off x="838080" y="365040"/>
-            <a:ext cx="10514880" cy="1324800"/>
+            <a:ext cx="10514520" cy="1324440"/>
           </a:xfrm>
           <a:prstGeom prst="rect">
             <a:avLst/>
@@ -30700,7 +31326,7 @@
       </p:sp>
       <p:sp>
         <p:nvSpPr>
-          <p:cNvPr id="195" name="PlaceHolder 2"/>
+          <p:cNvPr id="203" name="PlaceHolder 2"/>
           <p:cNvSpPr>
             <a:spLocks noGrp="1"/>
           </p:cNvSpPr>
@@ -30711,7 +31337,7 @@
         <p:spPr>
           <a:xfrm>
             <a:off x="838080" y="1825560"/>
-            <a:ext cx="10514880" cy="4350600"/>
+            <a:ext cx="10514520" cy="4350240"/>
           </a:xfrm>
           <a:prstGeom prst="rect">
             <a:avLst/>
@@ -30802,7 +31428,7 @@
             <a:spLocks noGrp="1"/>
           </p:cNvSpPr>
           <p:nvPr>
-            <p:ph type="ftr" idx="3"/>
+            <p:ph type="ftr" idx="7"/>
           </p:nvPr>
         </p:nvSpPr>
         <p:spPr/>
@@ -30822,14 +31448,14 @@
             <a:spLocks noGrp="1"/>
           </p:cNvSpPr>
           <p:nvPr>
-            <p:ph type="sldNum" idx="4"/>
+            <p:ph type="sldNum" idx="8"/>
           </p:nvPr>
         </p:nvSpPr>
         <p:spPr/>
         <p:txBody>
           <a:bodyPr/>
           <a:p>
-            <a:fld id="{17392E58-1953-4C34-991D-91B10A649950}" type="slidenum">
+            <a:fld id="{F02EFB36-BB63-4E82-BD64-15DAFE872978}" type="slidenum">
               <a:t>78</a:t>
             </a:fld>
           </a:p>
@@ -30867,7 +31493,7 @@
       </p:grpSpPr>
       <p:sp>
         <p:nvSpPr>
-          <p:cNvPr id="196" name="PlaceHolder 1"/>
+          <p:cNvPr id="204" name="PlaceHolder 1"/>
           <p:cNvSpPr>
             <a:spLocks noGrp="1"/>
           </p:cNvSpPr>
@@ -30878,7 +31504,7 @@
         <p:spPr>
           <a:xfrm>
             <a:off x="839880" y="457200"/>
-            <a:ext cx="9122400" cy="1599480"/>
+            <a:ext cx="9122040" cy="1599120"/>
           </a:xfrm>
           <a:prstGeom prst="rect">
             <a:avLst/>
@@ -30926,7 +31552,7 @@
       </p:sp>
       <p:sp>
         <p:nvSpPr>
-          <p:cNvPr id="197" name="PlaceHolder 2"/>
+          <p:cNvPr id="205" name="PlaceHolder 2"/>
           <p:cNvSpPr>
             <a:spLocks noGrp="1"/>
           </p:cNvSpPr>
@@ -30937,7 +31563,7 @@
         <p:spPr>
           <a:xfrm>
             <a:off x="839880" y="2057400"/>
-            <a:ext cx="10876320" cy="3810960"/>
+            <a:ext cx="10875960" cy="3810600"/>
           </a:xfrm>
           <a:prstGeom prst="rect">
             <a:avLst/>
@@ -31091,7 +31717,7 @@
             <a:spLocks noGrp="1"/>
           </p:cNvSpPr>
           <p:nvPr>
-            <p:ph type="ftr" idx="9"/>
+            <p:ph type="ftr" idx="13"/>
           </p:nvPr>
         </p:nvSpPr>
         <p:spPr/>
@@ -31111,14 +31737,14 @@
             <a:spLocks noGrp="1"/>
           </p:cNvSpPr>
           <p:nvPr>
-            <p:ph type="sldNum" idx="10"/>
+            <p:ph type="sldNum" idx="14"/>
           </p:nvPr>
         </p:nvSpPr>
         <p:spPr/>
         <p:txBody>
           <a:bodyPr/>
           <a:p>
-            <a:fld id="{175A249D-5E3D-4B6E-B975-366349D47B35}" type="slidenum">
+            <a:fld id="{8211C053-2708-4673-A6FA-CF5044BFF44B}" type="slidenum">
               <a:t>79</a:t>
             </a:fld>
           </a:p>
@@ -31156,7 +31782,7 @@
       </p:grpSpPr>
       <p:sp>
         <p:nvSpPr>
-          <p:cNvPr id="52" name="PlaceHolder 1"/>
+          <p:cNvPr id="60" name="PlaceHolder 1"/>
           <p:cNvSpPr>
             <a:spLocks noGrp="1"/>
           </p:cNvSpPr>
@@ -31167,7 +31793,7 @@
         <p:spPr>
           <a:xfrm>
             <a:off x="839880" y="457200"/>
-            <a:ext cx="3931560" cy="1599480"/>
+            <a:ext cx="3931200" cy="1599120"/>
           </a:xfrm>
           <a:prstGeom prst="rect">
             <a:avLst/>
@@ -31215,7 +31841,7 @@
       </p:sp>
       <p:sp>
         <p:nvSpPr>
-          <p:cNvPr id="53" name="PlaceHolder 2"/>
+          <p:cNvPr id="61" name="PlaceHolder 2"/>
           <p:cNvSpPr>
             <a:spLocks noGrp="1"/>
           </p:cNvSpPr>
@@ -31226,7 +31852,7 @@
         <p:spPr>
           <a:xfrm>
             <a:off x="839880" y="2057400"/>
-            <a:ext cx="10876320" cy="3810960"/>
+            <a:ext cx="10875960" cy="3810600"/>
           </a:xfrm>
           <a:prstGeom prst="rect">
             <a:avLst/>
@@ -31360,7 +31986,7 @@
                 <a:uFillTx/>
                 <a:latin typeface="Aptos"/>
               </a:rPr>
-              <a:t>00. Install PowerShell &amp; VSCode</a:t>
+              <a:t>00. Install PowerShell, VSCode, Git, and create a GitHub account.</a:t>
             </a:r>
             <a:endParaRPr b="0" lang="sv-SE" sz="1600" strike="noStrike" u="none">
               <a:solidFill>
@@ -31380,7 +32006,7 @@
             <a:spLocks noGrp="1"/>
           </p:cNvSpPr>
           <p:nvPr>
-            <p:ph type="ftr" idx="9"/>
+            <p:ph type="ftr" idx="13"/>
           </p:nvPr>
         </p:nvSpPr>
         <p:spPr/>
@@ -31400,14 +32026,14 @@
             <a:spLocks noGrp="1"/>
           </p:cNvSpPr>
           <p:nvPr>
-            <p:ph type="sldNum" idx="10"/>
+            <p:ph type="sldNum" idx="14"/>
           </p:nvPr>
         </p:nvSpPr>
         <p:spPr/>
         <p:txBody>
           <a:bodyPr/>
           <a:p>
-            <a:fld id="{8CF00B49-EB42-42BA-9497-45C989FC9635}" type="slidenum">
+            <a:fld id="{7DFB9F76-D58F-4DFD-82AF-82D83628BB84}" type="slidenum">
               <a:t>8</a:t>
             </a:fld>
           </a:p>
@@ -31445,7 +32071,7 @@
       </p:grpSpPr>
       <p:sp>
         <p:nvSpPr>
-          <p:cNvPr id="198" name="PlaceHolder 1"/>
+          <p:cNvPr id="206" name="PlaceHolder 1"/>
           <p:cNvSpPr>
             <a:spLocks noGrp="1"/>
           </p:cNvSpPr>
@@ -31456,7 +32082,7 @@
         <p:spPr>
           <a:xfrm>
             <a:off x="1523880" y="1122480"/>
-            <a:ext cx="9143280" cy="2386800"/>
+            <a:ext cx="9142920" cy="2386440"/>
           </a:xfrm>
           <a:prstGeom prst="rect">
             <a:avLst/>
@@ -31504,7 +32130,7 @@
       </p:sp>
       <p:sp>
         <p:nvSpPr>
-          <p:cNvPr id="199" name="PlaceHolder 2"/>
+          <p:cNvPr id="207" name="PlaceHolder 2"/>
           <p:cNvSpPr>
             <a:spLocks noGrp="1"/>
           </p:cNvSpPr>
@@ -31515,7 +32141,7 @@
         <p:spPr>
           <a:xfrm>
             <a:off x="1523880" y="3602160"/>
-            <a:ext cx="9143280" cy="1654920"/>
+            <a:ext cx="9142920" cy="1654560"/>
           </a:xfrm>
           <a:prstGeom prst="rect">
             <a:avLst/>
@@ -31596,7 +32222,7 @@
       </p:grpSpPr>
       <p:sp>
         <p:nvSpPr>
-          <p:cNvPr id="54" name="PlaceHolder 1"/>
+          <p:cNvPr id="62" name="PlaceHolder 1"/>
           <p:cNvSpPr>
             <a:spLocks noGrp="1"/>
           </p:cNvSpPr>
@@ -31607,7 +32233,7 @@
         <p:spPr>
           <a:xfrm>
             <a:off x="838080" y="365040"/>
-            <a:ext cx="10514880" cy="1324800"/>
+            <a:ext cx="10514520" cy="1324440"/>
           </a:xfrm>
           <a:prstGeom prst="rect">
             <a:avLst/>
@@ -31655,7 +32281,7 @@
       </p:sp>
       <p:sp>
         <p:nvSpPr>
-          <p:cNvPr id="55" name="PlaceHolder 2"/>
+          <p:cNvPr id="63" name="PlaceHolder 2"/>
           <p:cNvSpPr>
             <a:spLocks noGrp="1"/>
           </p:cNvSpPr>
@@ -31666,7 +32292,7 @@
         <p:spPr>
           <a:xfrm>
             <a:off x="838080" y="1825560"/>
-            <a:ext cx="10514880" cy="4350600"/>
+            <a:ext cx="10514520" cy="4350240"/>
           </a:xfrm>
           <a:prstGeom prst="rect">
             <a:avLst/>
@@ -31825,7 +32451,7 @@
             <a:spLocks noGrp="1"/>
           </p:cNvSpPr>
           <p:nvPr>
-            <p:ph type="ftr" idx="3"/>
+            <p:ph type="ftr" idx="7"/>
           </p:nvPr>
         </p:nvSpPr>
         <p:spPr/>
@@ -31845,14 +32471,14 @@
             <a:spLocks noGrp="1"/>
           </p:cNvSpPr>
           <p:nvPr>
-            <p:ph type="sldNum" idx="4"/>
+            <p:ph type="sldNum" idx="8"/>
           </p:nvPr>
         </p:nvSpPr>
         <p:spPr/>
         <p:txBody>
           <a:bodyPr/>
           <a:p>
-            <a:fld id="{6FE2AD10-0E74-425F-8886-8C05B7130E7F}" type="slidenum">
+            <a:fld id="{0153A44B-0804-477E-905A-543F1EDF466D}" type="slidenum">
               <a:t>9</a:t>
             </a:fld>
           </a:p>
@@ -32295,7 +32921,7 @@
 </a:theme>
 </file>
 
-<file path=ppt/theme/theme5.xml><?xml version="1.0" encoding="utf-8"?>
+<file path=ppt/theme/theme6.xml><?xml version="1.0" encoding="utf-8"?>
 <a:theme xmlns:a="http://schemas.openxmlformats.org/drawingml/2006/main" xmlns:r="http://schemas.openxmlformats.org/officeDocument/2006/relationships" name="Office Theme">
   <a:themeElements>
     <a:clrScheme name="LibreOffice">
